--- a/Plantilla_poster_Bioinfo_4P_UNIR.pptx
+++ b/Plantilla_poster_Bioinfo_4P_UNIR.pptx
@@ -8,6 +8,7 @@
     <p:sldId id="256" r:id="rId5"/>
     <p:sldId id="257" r:id="rId6"/>
     <p:sldId id="258" r:id="rId7"/>
+    <p:sldId id="259" r:id="rId8"/>
   </p:sldIdLst>
   <p:sldSz cx="15119350" cy="21383625"/>
   <p:notesSz cx="6858000" cy="9144000"/>
@@ -245,7 +246,7 @@
           <a:p>
             <a:fld id="{A8DA1BBD-1589-104E-89D9-FD291A5EDB06}" type="datetimeFigureOut">
               <a:rPr lang="es-ES_tradnl" smtClean="0"/>
-              <a:t>01/02/2026</a:t>
+              <a:t>02/02/2026</a:t>
             </a:fld>
             <a:endParaRPr lang="es-ES_tradnl"/>
           </a:p>
@@ -415,7 +416,7 @@
           <a:p>
             <a:fld id="{A8DA1BBD-1589-104E-89D9-FD291A5EDB06}" type="datetimeFigureOut">
               <a:rPr lang="es-ES_tradnl" smtClean="0"/>
-              <a:t>01/02/2026</a:t>
+              <a:t>02/02/2026</a:t>
             </a:fld>
             <a:endParaRPr lang="es-ES_tradnl"/>
           </a:p>
@@ -595,7 +596,7 @@
           <a:p>
             <a:fld id="{A8DA1BBD-1589-104E-89D9-FD291A5EDB06}" type="datetimeFigureOut">
               <a:rPr lang="es-ES_tradnl" smtClean="0"/>
-              <a:t>01/02/2026</a:t>
+              <a:t>02/02/2026</a:t>
             </a:fld>
             <a:endParaRPr lang="es-ES_tradnl"/>
           </a:p>
@@ -765,7 +766,7 @@
           <a:p>
             <a:fld id="{A8DA1BBD-1589-104E-89D9-FD291A5EDB06}" type="datetimeFigureOut">
               <a:rPr lang="es-ES_tradnl" smtClean="0"/>
-              <a:t>01/02/2026</a:t>
+              <a:t>02/02/2026</a:t>
             </a:fld>
             <a:endParaRPr lang="es-ES_tradnl"/>
           </a:p>
@@ -1011,7 +1012,7 @@
           <a:p>
             <a:fld id="{A8DA1BBD-1589-104E-89D9-FD291A5EDB06}" type="datetimeFigureOut">
               <a:rPr lang="es-ES_tradnl" smtClean="0"/>
-              <a:t>01/02/2026</a:t>
+              <a:t>02/02/2026</a:t>
             </a:fld>
             <a:endParaRPr lang="es-ES_tradnl"/>
           </a:p>
@@ -1243,7 +1244,7 @@
           <a:p>
             <a:fld id="{A8DA1BBD-1589-104E-89D9-FD291A5EDB06}" type="datetimeFigureOut">
               <a:rPr lang="es-ES_tradnl" smtClean="0"/>
-              <a:t>01/02/2026</a:t>
+              <a:t>02/02/2026</a:t>
             </a:fld>
             <a:endParaRPr lang="es-ES_tradnl"/>
           </a:p>
@@ -1610,7 +1611,7 @@
           <a:p>
             <a:fld id="{A8DA1BBD-1589-104E-89D9-FD291A5EDB06}" type="datetimeFigureOut">
               <a:rPr lang="es-ES_tradnl" smtClean="0"/>
-              <a:t>01/02/2026</a:t>
+              <a:t>02/02/2026</a:t>
             </a:fld>
             <a:endParaRPr lang="es-ES_tradnl"/>
           </a:p>
@@ -1728,7 +1729,7 @@
           <a:p>
             <a:fld id="{A8DA1BBD-1589-104E-89D9-FD291A5EDB06}" type="datetimeFigureOut">
               <a:rPr lang="es-ES_tradnl" smtClean="0"/>
-              <a:t>01/02/2026</a:t>
+              <a:t>02/02/2026</a:t>
             </a:fld>
             <a:endParaRPr lang="es-ES_tradnl"/>
           </a:p>
@@ -1823,7 +1824,7 @@
           <a:p>
             <a:fld id="{A8DA1BBD-1589-104E-89D9-FD291A5EDB06}" type="datetimeFigureOut">
               <a:rPr lang="es-ES_tradnl" smtClean="0"/>
-              <a:t>01/02/2026</a:t>
+              <a:t>02/02/2026</a:t>
             </a:fld>
             <a:endParaRPr lang="es-ES_tradnl"/>
           </a:p>
@@ -2100,7 +2101,7 @@
           <a:p>
             <a:fld id="{A8DA1BBD-1589-104E-89D9-FD291A5EDB06}" type="datetimeFigureOut">
               <a:rPr lang="es-ES_tradnl" smtClean="0"/>
-              <a:t>01/02/2026</a:t>
+              <a:t>02/02/2026</a:t>
             </a:fld>
             <a:endParaRPr lang="es-ES_tradnl"/>
           </a:p>
@@ -2357,7 +2358,7 @@
           <a:p>
             <a:fld id="{A8DA1BBD-1589-104E-89D9-FD291A5EDB06}" type="datetimeFigureOut">
               <a:rPr lang="es-ES_tradnl" smtClean="0"/>
-              <a:t>01/02/2026</a:t>
+              <a:t>02/02/2026</a:t>
             </a:fld>
             <a:endParaRPr lang="es-ES_tradnl"/>
           </a:p>
@@ -2570,7 +2571,7 @@
           <a:p>
             <a:fld id="{A8DA1BBD-1589-104E-89D9-FD291A5EDB06}" type="datetimeFigureOut">
               <a:rPr lang="es-ES_tradnl" smtClean="0"/>
-              <a:t>01/02/2026</a:t>
+              <a:t>02/02/2026</a:t>
             </a:fld>
             <a:endParaRPr lang="es-ES_tradnl"/>
           </a:p>
@@ -2999,7 +3000,7 @@
           <p:cNvPr id="5" name="Imagen 4">
             <a:extLst>
               <a:ext uri="{FF2B5EF4-FFF2-40B4-BE49-F238E27FC236}">
-                <a16:creationId xmlns:a16="http://schemas.microsoft.com/office/drawing/2014/main" xmlns="" id="{A97235A6-1E40-7550-49FE-93E2DA69811F}"/>
+                <a16:creationId xmlns:a16="http://schemas.microsoft.com/office/drawing/2014/main" id="{A97235A6-1E40-7550-49FE-93E2DA69811F}"/>
               </a:ext>
             </a:extLst>
           </p:cNvPr>
@@ -3029,7 +3030,7 @@
           <p:cNvPr id="1028" name="Picture 4">
             <a:extLst>
               <a:ext uri="{FF2B5EF4-FFF2-40B4-BE49-F238E27FC236}">
-                <a16:creationId xmlns:a16="http://schemas.microsoft.com/office/drawing/2014/main" xmlns="" id="{AF1EAE33-9AD6-0CD3-1C83-430AF00F9F4B}"/>
+                <a16:creationId xmlns:a16="http://schemas.microsoft.com/office/drawing/2014/main" id="{AF1EAE33-9AD6-0CD3-1C83-430AF00F9F4B}"/>
               </a:ext>
             </a:extLst>
           </p:cNvPr>
@@ -3076,7 +3077,7 @@
           <p:cNvPr id="27" name="Rectángulo 26">
             <a:extLst>
               <a:ext uri="{FF2B5EF4-FFF2-40B4-BE49-F238E27FC236}">
-                <a16:creationId xmlns:a16="http://schemas.microsoft.com/office/drawing/2014/main" xmlns="" id="{2A8908FC-06DB-CC20-4597-9C79E3E1300F}"/>
+                <a16:creationId xmlns:a16="http://schemas.microsoft.com/office/drawing/2014/main" id="{2A8908FC-06DB-CC20-4597-9C79E3E1300F}"/>
               </a:ext>
             </a:extLst>
           </p:cNvPr>
@@ -3128,7 +3129,7 @@
           <p:cNvPr id="28" name="Rectángulo redondeado 27">
             <a:extLst>
               <a:ext uri="{FF2B5EF4-FFF2-40B4-BE49-F238E27FC236}">
-                <a16:creationId xmlns:a16="http://schemas.microsoft.com/office/drawing/2014/main" xmlns="" id="{F3826BEE-6C42-E5BE-B7F2-93F3C600A2F9}"/>
+                <a16:creationId xmlns:a16="http://schemas.microsoft.com/office/drawing/2014/main" id="{F3826BEE-6C42-E5BE-B7F2-93F3C600A2F9}"/>
               </a:ext>
             </a:extLst>
           </p:cNvPr>
@@ -3642,7 +3643,7 @@
         <p:cNvPr id="1" name="">
           <a:extLst>
             <a:ext uri="{FF2B5EF4-FFF2-40B4-BE49-F238E27FC236}">
-              <a16:creationId xmlns:a16="http://schemas.microsoft.com/office/drawing/2014/main" xmlns="" id="{01741A3D-E56A-6A90-DD91-76A3ADF8E205}"/>
+              <a16:creationId xmlns:a16="http://schemas.microsoft.com/office/drawing/2014/main" id="{01741A3D-E56A-6A90-DD91-76A3ADF8E205}"/>
             </a:ext>
           </a:extLst>
         </p:cNvPr>
@@ -3662,7 +3663,7 @@
           <p:cNvPr id="9" name="Grupo 8">
             <a:extLst>
               <a:ext uri="{FF2B5EF4-FFF2-40B4-BE49-F238E27FC236}">
-                <a16:creationId xmlns:a16="http://schemas.microsoft.com/office/drawing/2014/main" xmlns="" id="{5C953506-346C-A8BF-67B5-F34567C6BC6E}"/>
+                <a16:creationId xmlns:a16="http://schemas.microsoft.com/office/drawing/2014/main" id="{5C953506-346C-A8BF-67B5-F34567C6BC6E}"/>
               </a:ext>
             </a:extLst>
           </p:cNvPr>
@@ -3682,7 +3683,7 @@
             <p:cNvPr id="16" name="Rectángulo redondeado 15">
               <a:extLst>
                 <a:ext uri="{FF2B5EF4-FFF2-40B4-BE49-F238E27FC236}">
-                  <a16:creationId xmlns:a16="http://schemas.microsoft.com/office/drawing/2014/main" xmlns="" id="{C870726C-A1BB-2615-E2FF-5658152644CA}"/>
+                  <a16:creationId xmlns:a16="http://schemas.microsoft.com/office/drawing/2014/main" id="{C870726C-A1BB-2615-E2FF-5658152644CA}"/>
                 </a:ext>
               </a:extLst>
             </p:cNvPr>
@@ -3748,7 +3749,7 @@
             <p:cNvPr id="17" name="Rectángulo redondeado 16">
               <a:extLst>
                 <a:ext uri="{FF2B5EF4-FFF2-40B4-BE49-F238E27FC236}">
-                  <a16:creationId xmlns:a16="http://schemas.microsoft.com/office/drawing/2014/main" xmlns="" id="{43F36DFC-F638-779B-0878-B5E8AD53AD3E}"/>
+                  <a16:creationId xmlns:a16="http://schemas.microsoft.com/office/drawing/2014/main" id="{43F36DFC-F638-779B-0878-B5E8AD53AD3E}"/>
                 </a:ext>
               </a:extLst>
             </p:cNvPr>
@@ -3809,7 +3810,7 @@
           <p:cNvPr id="4" name="Grupo 3">
             <a:extLst>
               <a:ext uri="{FF2B5EF4-FFF2-40B4-BE49-F238E27FC236}">
-                <a16:creationId xmlns:a16="http://schemas.microsoft.com/office/drawing/2014/main" xmlns="" id="{5FCC48C4-680E-DC53-FF73-95EB091356FB}"/>
+                <a16:creationId xmlns:a16="http://schemas.microsoft.com/office/drawing/2014/main" id="{5FCC48C4-680E-DC53-FF73-95EB091356FB}"/>
               </a:ext>
             </a:extLst>
           </p:cNvPr>
@@ -3829,7 +3830,7 @@
             <p:cNvPr id="8" name="Rectángulo redondeado 7">
               <a:extLst>
                 <a:ext uri="{FF2B5EF4-FFF2-40B4-BE49-F238E27FC236}">
-                  <a16:creationId xmlns:a16="http://schemas.microsoft.com/office/drawing/2014/main" xmlns="" id="{FEB7D3ED-CF02-C938-2FA1-39EE97AC2AA9}"/>
+                  <a16:creationId xmlns:a16="http://schemas.microsoft.com/office/drawing/2014/main" id="{FEB7D3ED-CF02-C938-2FA1-39EE97AC2AA9}"/>
                 </a:ext>
               </a:extLst>
             </p:cNvPr>
@@ -3919,7 +3920,7 @@
             <p:cNvPr id="7" name="Rectángulo redondeado 6">
               <a:extLst>
                 <a:ext uri="{FF2B5EF4-FFF2-40B4-BE49-F238E27FC236}">
-                  <a16:creationId xmlns:a16="http://schemas.microsoft.com/office/drawing/2014/main" xmlns="" id="{3945C9BD-E878-C904-BB12-F0BA2D1763CA}"/>
+                  <a16:creationId xmlns:a16="http://schemas.microsoft.com/office/drawing/2014/main" id="{3945C9BD-E878-C904-BB12-F0BA2D1763CA}"/>
                 </a:ext>
               </a:extLst>
             </p:cNvPr>
@@ -3981,7 +3982,7 @@
           <p:cNvPr id="6" name="Grupo 5">
             <a:extLst>
               <a:ext uri="{FF2B5EF4-FFF2-40B4-BE49-F238E27FC236}">
-                <a16:creationId xmlns:a16="http://schemas.microsoft.com/office/drawing/2014/main" xmlns="" id="{7B23F5A3-8FA4-BB38-32D0-0ECAD0F925F2}"/>
+                <a16:creationId xmlns:a16="http://schemas.microsoft.com/office/drawing/2014/main" id="{7B23F5A3-8FA4-BB38-32D0-0ECAD0F925F2}"/>
               </a:ext>
             </a:extLst>
           </p:cNvPr>
@@ -4001,7 +4002,7 @@
             <p:cNvPr id="14" name="Rectángulo redondeado 13">
               <a:extLst>
                 <a:ext uri="{FF2B5EF4-FFF2-40B4-BE49-F238E27FC236}">
-                  <a16:creationId xmlns:a16="http://schemas.microsoft.com/office/drawing/2014/main" xmlns="" id="{CB14F1FF-25D2-FA75-CD9F-A24420348853}"/>
+                  <a16:creationId xmlns:a16="http://schemas.microsoft.com/office/drawing/2014/main" id="{CB14F1FF-25D2-FA75-CD9F-A24420348853}"/>
                 </a:ext>
               </a:extLst>
             </p:cNvPr>
@@ -4103,7 +4104,7 @@
             <p:cNvPr id="15" name="Rectángulo redondeado 14">
               <a:extLst>
                 <a:ext uri="{FF2B5EF4-FFF2-40B4-BE49-F238E27FC236}">
-                  <a16:creationId xmlns:a16="http://schemas.microsoft.com/office/drawing/2014/main" xmlns="" id="{F33D0645-E9FA-A931-364E-3210E3E69D6A}"/>
+                  <a16:creationId xmlns:a16="http://schemas.microsoft.com/office/drawing/2014/main" id="{F33D0645-E9FA-A931-364E-3210E3E69D6A}"/>
                 </a:ext>
               </a:extLst>
             </p:cNvPr>
@@ -4164,7 +4165,7 @@
           <p:cNvPr id="10" name="Grupo 9">
             <a:extLst>
               <a:ext uri="{FF2B5EF4-FFF2-40B4-BE49-F238E27FC236}">
-                <a16:creationId xmlns:a16="http://schemas.microsoft.com/office/drawing/2014/main" xmlns="" id="{20BD9571-E0A9-AB44-7B64-0F522BA4288F}"/>
+                <a16:creationId xmlns:a16="http://schemas.microsoft.com/office/drawing/2014/main" id="{20BD9571-E0A9-AB44-7B64-0F522BA4288F}"/>
               </a:ext>
             </a:extLst>
           </p:cNvPr>
@@ -4184,7 +4185,7 @@
             <p:cNvPr id="22" name="Rectángulo redondeado 21">
               <a:extLst>
                 <a:ext uri="{FF2B5EF4-FFF2-40B4-BE49-F238E27FC236}">
-                  <a16:creationId xmlns:a16="http://schemas.microsoft.com/office/drawing/2014/main" xmlns="" id="{381B9892-98E6-4609-C6F1-567DBF51A163}"/>
+                  <a16:creationId xmlns:a16="http://schemas.microsoft.com/office/drawing/2014/main" id="{381B9892-98E6-4609-C6F1-567DBF51A163}"/>
                 </a:ext>
               </a:extLst>
             </p:cNvPr>
@@ -4290,7 +4291,7 @@
             <p:cNvPr id="23" name="Rectángulo redondeado 22">
               <a:extLst>
                 <a:ext uri="{FF2B5EF4-FFF2-40B4-BE49-F238E27FC236}">
-                  <a16:creationId xmlns:a16="http://schemas.microsoft.com/office/drawing/2014/main" xmlns="" id="{A2D4C693-7BBD-E0C1-588A-41A91139D35B}"/>
+                  <a16:creationId xmlns:a16="http://schemas.microsoft.com/office/drawing/2014/main" id="{A2D4C693-7BBD-E0C1-588A-41A91139D35B}"/>
                 </a:ext>
               </a:extLst>
             </p:cNvPr>
@@ -4351,7 +4352,7 @@
           <p:cNvPr id="11" name="Grupo 10">
             <a:extLst>
               <a:ext uri="{FF2B5EF4-FFF2-40B4-BE49-F238E27FC236}">
-                <a16:creationId xmlns:a16="http://schemas.microsoft.com/office/drawing/2014/main" xmlns="" id="{623B4F90-B675-90D5-3A62-801C71241135}"/>
+                <a16:creationId xmlns:a16="http://schemas.microsoft.com/office/drawing/2014/main" id="{623B4F90-B675-90D5-3A62-801C71241135}"/>
               </a:ext>
             </a:extLst>
           </p:cNvPr>
@@ -4371,7 +4372,7 @@
             <p:cNvPr id="24" name="Rectángulo redondeado 23">
               <a:extLst>
                 <a:ext uri="{FF2B5EF4-FFF2-40B4-BE49-F238E27FC236}">
-                  <a16:creationId xmlns:a16="http://schemas.microsoft.com/office/drawing/2014/main" xmlns="" id="{C0FDA565-7231-A04B-604B-CBBA360FA2A9}"/>
+                  <a16:creationId xmlns:a16="http://schemas.microsoft.com/office/drawing/2014/main" id="{C0FDA565-7231-A04B-604B-CBBA360FA2A9}"/>
                 </a:ext>
               </a:extLst>
             </p:cNvPr>
@@ -4477,7 +4478,7 @@
             <p:cNvPr id="25" name="Rectángulo redondeado 24">
               <a:extLst>
                 <a:ext uri="{FF2B5EF4-FFF2-40B4-BE49-F238E27FC236}">
-                  <a16:creationId xmlns:a16="http://schemas.microsoft.com/office/drawing/2014/main" xmlns="" id="{0097D6A2-C865-70C9-C895-A45D8FA392DF}"/>
+                  <a16:creationId xmlns:a16="http://schemas.microsoft.com/office/drawing/2014/main" id="{0097D6A2-C865-70C9-C895-A45D8FA392DF}"/>
                 </a:ext>
               </a:extLst>
             </p:cNvPr>
@@ -4538,7 +4539,7 @@
           <p:cNvPr id="1028" name="Picture 4">
             <a:extLst>
               <a:ext uri="{FF2B5EF4-FFF2-40B4-BE49-F238E27FC236}">
-                <a16:creationId xmlns:a16="http://schemas.microsoft.com/office/drawing/2014/main" xmlns="" id="{70274CC9-2241-1244-4118-364EC63C3499}"/>
+                <a16:creationId xmlns:a16="http://schemas.microsoft.com/office/drawing/2014/main" id="{70274CC9-2241-1244-4118-364EC63C3499}"/>
               </a:ext>
             </a:extLst>
           </p:cNvPr>
@@ -4585,7 +4586,7 @@
           <p:cNvPr id="18" name="Grupo 17">
             <a:extLst>
               <a:ext uri="{FF2B5EF4-FFF2-40B4-BE49-F238E27FC236}">
-                <a16:creationId xmlns:a16="http://schemas.microsoft.com/office/drawing/2014/main" xmlns="" id="{8F6A5FD5-7463-A593-72C7-F0E4EB285025}"/>
+                <a16:creationId xmlns:a16="http://schemas.microsoft.com/office/drawing/2014/main" id="{8F6A5FD5-7463-A593-72C7-F0E4EB285025}"/>
               </a:ext>
             </a:extLst>
           </p:cNvPr>
@@ -4607,7 +4608,7 @@
             <p:cNvPr id="5" name="Imagen 4">
               <a:extLst>
                 <a:ext uri="{FF2B5EF4-FFF2-40B4-BE49-F238E27FC236}">
-                  <a16:creationId xmlns:a16="http://schemas.microsoft.com/office/drawing/2014/main" xmlns="" id="{DE58BDFA-8AF2-7019-7FBC-D37E50AE445C}"/>
+                  <a16:creationId xmlns:a16="http://schemas.microsoft.com/office/drawing/2014/main" id="{DE58BDFA-8AF2-7019-7FBC-D37E50AE445C}"/>
                 </a:ext>
               </a:extLst>
             </p:cNvPr>
@@ -4637,7 +4638,7 @@
             <p:cNvPr id="2" name="Rectángulo 1">
               <a:extLst>
                 <a:ext uri="{FF2B5EF4-FFF2-40B4-BE49-F238E27FC236}">
-                  <a16:creationId xmlns:a16="http://schemas.microsoft.com/office/drawing/2014/main" xmlns="" id="{AE74DE59-F695-8E93-09D0-A92C58D17992}"/>
+                  <a16:creationId xmlns:a16="http://schemas.microsoft.com/office/drawing/2014/main" id="{AE74DE59-F695-8E93-09D0-A92C58D17992}"/>
                 </a:ext>
               </a:extLst>
             </p:cNvPr>
@@ -4690,7 +4691,7 @@
           <p:cNvPr id="3" name="Rectángulo redondeado 2">
             <a:extLst>
               <a:ext uri="{FF2B5EF4-FFF2-40B4-BE49-F238E27FC236}">
-                <a16:creationId xmlns:a16="http://schemas.microsoft.com/office/drawing/2014/main" xmlns="" id="{A8921268-A726-C96C-B743-206883618C91}"/>
+                <a16:creationId xmlns:a16="http://schemas.microsoft.com/office/drawing/2014/main" id="{A8921268-A726-C96C-B743-206883618C91}"/>
               </a:ext>
             </a:extLst>
           </p:cNvPr>
@@ -4786,7 +4787,7 @@
           <p:cNvPr id="19" name="CuadroTexto 18">
             <a:extLst>
               <a:ext uri="{FF2B5EF4-FFF2-40B4-BE49-F238E27FC236}">
-                <a16:creationId xmlns:a16="http://schemas.microsoft.com/office/drawing/2014/main" xmlns="" id="{16E043BC-62DC-A50A-F677-84121C77150E}"/>
+                <a16:creationId xmlns:a16="http://schemas.microsoft.com/office/drawing/2014/main" id="{16E043BC-62DC-A50A-F677-84121C77150E}"/>
               </a:ext>
             </a:extLst>
           </p:cNvPr>
@@ -4828,7 +4829,7 @@
           <p:cNvPr id="1026" name="Imagen 1025">
             <a:extLst>
               <a:ext uri="{FF2B5EF4-FFF2-40B4-BE49-F238E27FC236}">
-                <a16:creationId xmlns:a16="http://schemas.microsoft.com/office/drawing/2014/main" xmlns="" id="{CE2825C3-FEB7-85C5-586A-818E2C8F72A7}"/>
+                <a16:creationId xmlns:a16="http://schemas.microsoft.com/office/drawing/2014/main" id="{CE2825C3-FEB7-85C5-586A-818E2C8F72A7}"/>
               </a:ext>
             </a:extLst>
           </p:cNvPr>
@@ -4858,7 +4859,7 @@
           <p:cNvPr id="1030" name="Imagen 1029">
             <a:extLst>
               <a:ext uri="{FF2B5EF4-FFF2-40B4-BE49-F238E27FC236}">
-                <a16:creationId xmlns:a16="http://schemas.microsoft.com/office/drawing/2014/main" xmlns="" id="{67AE5237-CDD3-C381-4492-77FCF77CE19F}"/>
+                <a16:creationId xmlns:a16="http://schemas.microsoft.com/office/drawing/2014/main" id="{67AE5237-CDD3-C381-4492-77FCF77CE19F}"/>
               </a:ext>
             </a:extLst>
           </p:cNvPr>
@@ -4888,7 +4889,7 @@
           <p:cNvPr id="1031" name="Imagen 1030">
             <a:extLst>
               <a:ext uri="{FF2B5EF4-FFF2-40B4-BE49-F238E27FC236}">
-                <a16:creationId xmlns:a16="http://schemas.microsoft.com/office/drawing/2014/main" xmlns="" id="{48ABB6AD-8DEB-8DDF-B8F6-3CA6779148A2}"/>
+                <a16:creationId xmlns:a16="http://schemas.microsoft.com/office/drawing/2014/main" id="{48ABB6AD-8DEB-8DDF-B8F6-3CA6779148A2}"/>
               </a:ext>
             </a:extLst>
           </p:cNvPr>
@@ -4917,7 +4918,7 @@
           <p:cNvPr id="1036" name="Rectángulo redondeado 1035">
             <a:extLst>
               <a:ext uri="{FF2B5EF4-FFF2-40B4-BE49-F238E27FC236}">
-                <a16:creationId xmlns:a16="http://schemas.microsoft.com/office/drawing/2014/main" xmlns="" id="{AFAF9801-11D6-F874-E9A8-A3E0E4590764}"/>
+                <a16:creationId xmlns:a16="http://schemas.microsoft.com/office/drawing/2014/main" id="{AFAF9801-11D6-F874-E9A8-A3E0E4590764}"/>
               </a:ext>
             </a:extLst>
           </p:cNvPr>
@@ -5018,7 +5019,7 @@
           <p:cNvPr id="1037" name="Rectángulo redondeado 1036">
             <a:extLst>
               <a:ext uri="{FF2B5EF4-FFF2-40B4-BE49-F238E27FC236}">
-                <a16:creationId xmlns:a16="http://schemas.microsoft.com/office/drawing/2014/main" xmlns="" id="{60842445-E351-8E63-2B2D-F06DA2DB4243}"/>
+                <a16:creationId xmlns:a16="http://schemas.microsoft.com/office/drawing/2014/main" id="{60842445-E351-8E63-2B2D-F06DA2DB4243}"/>
               </a:ext>
             </a:extLst>
           </p:cNvPr>
@@ -5170,7 +5171,7 @@
           <p:cNvPr id="1038" name="Rectángulo redondeado 1037">
             <a:extLst>
               <a:ext uri="{FF2B5EF4-FFF2-40B4-BE49-F238E27FC236}">
-                <a16:creationId xmlns:a16="http://schemas.microsoft.com/office/drawing/2014/main" xmlns="" id="{20F2FDA8-F2AE-8EC6-EFD0-E92D4FCAEDFB}"/>
+                <a16:creationId xmlns:a16="http://schemas.microsoft.com/office/drawing/2014/main" id="{20F2FDA8-F2AE-8EC6-EFD0-E92D4FCAEDFB}"/>
               </a:ext>
             </a:extLst>
           </p:cNvPr>
@@ -5306,7 +5307,7 @@
         <p:cNvPr id="1" name="">
           <a:extLst>
             <a:ext uri="{FF2B5EF4-FFF2-40B4-BE49-F238E27FC236}">
-              <a16:creationId xmlns:a16="http://schemas.microsoft.com/office/drawing/2014/main" xmlns="" id="{177A72C3-DD61-5B61-E46F-EDD19D1F5215}"/>
+              <a16:creationId xmlns:a16="http://schemas.microsoft.com/office/drawing/2014/main" id="{177A72C3-DD61-5B61-E46F-EDD19D1F5215}"/>
             </a:ext>
           </a:extLst>
         </p:cNvPr>
@@ -5326,7 +5327,7 @@
           <p:cNvPr id="4" name="Grupo 3">
             <a:extLst>
               <a:ext uri="{FF2B5EF4-FFF2-40B4-BE49-F238E27FC236}">
-                <a16:creationId xmlns:a16="http://schemas.microsoft.com/office/drawing/2014/main" xmlns="" id="{E1AA44F9-4D9B-B58B-32B6-5CC8410E7CBE}"/>
+                <a16:creationId xmlns:a16="http://schemas.microsoft.com/office/drawing/2014/main" id="{E1AA44F9-4D9B-B58B-32B6-5CC8410E7CBE}"/>
               </a:ext>
             </a:extLst>
           </p:cNvPr>
@@ -5335,10 +5336,10 @@
         </p:nvGrpSpPr>
         <p:grpSpPr>
           <a:xfrm>
-            <a:off x="225180" y="3056796"/>
-            <a:ext cx="14668990" cy="1504934"/>
-            <a:chOff x="225180" y="3930299"/>
-            <a:chExt cx="14668990" cy="1504934"/>
+            <a:off x="207595" y="2986077"/>
+            <a:ext cx="14668990" cy="1873409"/>
+            <a:chOff x="225180" y="3973105"/>
+            <a:chExt cx="14668990" cy="1462128"/>
           </a:xfrm>
         </p:grpSpPr>
         <p:sp>
@@ -5346,7 +5347,7 @@
             <p:cNvPr id="8" name="Rectángulo redondeado 7">
               <a:extLst>
                 <a:ext uri="{FF2B5EF4-FFF2-40B4-BE49-F238E27FC236}">
-                  <a16:creationId xmlns:a16="http://schemas.microsoft.com/office/drawing/2014/main" xmlns="" id="{C4D1F524-44A5-F16E-9FD3-EE5EA5819EAD}"/>
+                  <a16:creationId xmlns:a16="http://schemas.microsoft.com/office/drawing/2014/main" id="{C4D1F524-44A5-F16E-9FD3-EE5EA5819EAD}"/>
                 </a:ext>
               </a:extLst>
             </p:cNvPr>
@@ -5412,7 +5413,7 @@
             <p:cNvPr id="7" name="Rectángulo redondeado 6">
               <a:extLst>
                 <a:ext uri="{FF2B5EF4-FFF2-40B4-BE49-F238E27FC236}">
-                  <a16:creationId xmlns:a16="http://schemas.microsoft.com/office/drawing/2014/main" xmlns="" id="{15811AE5-F929-12ED-D44E-9D1519220278}"/>
+                  <a16:creationId xmlns:a16="http://schemas.microsoft.com/office/drawing/2014/main" id="{15811AE5-F929-12ED-D44E-9D1519220278}"/>
                 </a:ext>
               </a:extLst>
             </p:cNvPr>
@@ -5421,8 +5422,8 @@
           </p:nvSpPr>
           <p:spPr>
             <a:xfrm>
-              <a:off x="518258" y="3930299"/>
-              <a:ext cx="5838092" cy="633046"/>
+              <a:off x="478450" y="3973105"/>
+              <a:ext cx="5838092" cy="494069"/>
             </a:xfrm>
             <a:prstGeom prst="roundRect">
               <a:avLst/>
@@ -5461,10 +5462,9 @@
             <a:p>
               <a:pPr algn="ctr"/>
               <a:r>
-                <a:rPr lang="es-ES_tradnl" sz="2800" b="1"/>
+                <a:rPr lang="es-ES_tradnl" sz="2800" b="1" dirty="0"/>
                 <a:t>INTRODUCCIÓN</a:t>
               </a:r>
-              <a:endParaRPr lang="es-ES_tradnl" sz="2800" b="1" dirty="0"/>
             </a:p>
           </p:txBody>
         </p:sp>
@@ -5474,7 +5474,7 @@
           <p:cNvPr id="6" name="Grupo 5">
             <a:extLst>
               <a:ext uri="{FF2B5EF4-FFF2-40B4-BE49-F238E27FC236}">
-                <a16:creationId xmlns:a16="http://schemas.microsoft.com/office/drawing/2014/main" xmlns="" id="{88FB225B-2F62-B172-D75B-E02EF3836A0E}"/>
+                <a16:creationId xmlns:a16="http://schemas.microsoft.com/office/drawing/2014/main" id="{88FB225B-2F62-B172-D75B-E02EF3836A0E}"/>
               </a:ext>
             </a:extLst>
           </p:cNvPr>
@@ -5483,10 +5483,10 @@
         </p:nvGrpSpPr>
         <p:grpSpPr>
           <a:xfrm>
-            <a:off x="207596" y="5169142"/>
-            <a:ext cx="14668990" cy="1992925"/>
-            <a:chOff x="207596" y="6110487"/>
-            <a:chExt cx="14668990" cy="1992925"/>
+            <a:off x="207597" y="4989405"/>
+            <a:ext cx="14704158" cy="2206897"/>
+            <a:chOff x="310179" y="5945254"/>
+            <a:chExt cx="14601575" cy="2028817"/>
           </a:xfrm>
         </p:grpSpPr>
         <p:sp>
@@ -5494,7 +5494,7 @@
             <p:cNvPr id="14" name="Rectángulo redondeado 13">
               <a:extLst>
                 <a:ext uri="{FF2B5EF4-FFF2-40B4-BE49-F238E27FC236}">
-                  <a16:creationId xmlns:a16="http://schemas.microsoft.com/office/drawing/2014/main" xmlns="" id="{FC179AD0-ED02-975F-E151-1E1C61EAD8F2}"/>
+                  <a16:creationId xmlns:a16="http://schemas.microsoft.com/office/drawing/2014/main" id="{FC179AD0-ED02-975F-E151-1E1C61EAD8F2}"/>
                 </a:ext>
               </a:extLst>
             </p:cNvPr>
@@ -5503,8 +5503,8 @@
           </p:nvSpPr>
           <p:spPr>
             <a:xfrm>
-              <a:off x="207596" y="6427010"/>
-              <a:ext cx="14668990" cy="1676402"/>
+              <a:off x="310179" y="6261777"/>
+              <a:ext cx="14601575" cy="1712294"/>
             </a:xfrm>
             <a:prstGeom prst="roundRect">
               <a:avLst>
@@ -5542,18 +5542,190 @@
             <a:bodyPr tIns="360000" rtlCol="0" anchor="t"/>
             <a:lstStyle/>
             <a:p>
-              <a:pPr algn="just">
-                <a:lnSpc>
-                  <a:spcPct val="80000"/>
-                </a:lnSpc>
-              </a:pPr>
+              <a:pPr algn="just"/>
               <a:r>
-                <a:rPr lang="es-ES_tradnl" i="1" dirty="0">
+                <a:rPr lang="es-ES" i="1" dirty="0">
                   <a:solidFill>
                     <a:schemeClr val="tx1"/>
                   </a:solidFill>
                 </a:rPr>
-                <a:t>Descripción de la metodología aplicada 4-5 líneas</a:t>
+                <a:t>Los archivos VCF de los exomas de Bart y </a:t>
+              </a:r>
+              <a:r>
+                <a:rPr lang="es-ES" i="1" dirty="0" err="1">
+                  <a:solidFill>
+                    <a:schemeClr val="tx1"/>
+                  </a:solidFill>
+                </a:rPr>
+                <a:t>Homer</a:t>
+              </a:r>
+              <a:r>
+                <a:rPr lang="es-ES" i="1" dirty="0">
+                  <a:solidFill>
+                    <a:schemeClr val="tx1"/>
+                  </a:solidFill>
+                </a:rPr>
+                <a:t> se procesaron mediante </a:t>
+              </a:r>
+              <a:r>
+                <a:rPr lang="es-ES" i="1" dirty="0" err="1">
+                  <a:solidFill>
+                    <a:schemeClr val="tx1"/>
+                  </a:solidFill>
+                </a:rPr>
+                <a:t>Ensembl</a:t>
+              </a:r>
+              <a:r>
+                <a:rPr lang="es-ES" i="1" dirty="0">
+                  <a:solidFill>
+                    <a:schemeClr val="tx1"/>
+                  </a:solidFill>
+                </a:rPr>
+                <a:t> VEP (hg38) para la anotación completa de variantes, marcando nomenclatura HGVS, frecuencias alélicas (</a:t>
+              </a:r>
+              <a:r>
+                <a:rPr lang="es-ES" i="1" dirty="0" err="1">
+                  <a:solidFill>
+                    <a:schemeClr val="tx1"/>
+                  </a:solidFill>
+                </a:rPr>
+                <a:t>gnomAD</a:t>
+              </a:r>
+              <a:r>
+                <a:rPr lang="es-ES" i="1" dirty="0">
+                  <a:solidFill>
+                    <a:schemeClr val="tx1"/>
+                  </a:solidFill>
+                </a:rPr>
+                <a:t>/1000 </a:t>
+              </a:r>
+              <a:r>
+                <a:rPr lang="es-ES" i="1" dirty="0" err="1">
+                  <a:solidFill>
+                    <a:schemeClr val="tx1"/>
+                  </a:solidFill>
+                </a:rPr>
+                <a:t>Genomes</a:t>
+              </a:r>
+              <a:r>
+                <a:rPr lang="es-ES" i="1" dirty="0">
+                  <a:solidFill>
+                    <a:schemeClr val="tx1"/>
+                  </a:solidFill>
+                </a:rPr>
+                <a:t>) y puntuaciones SIFT/</a:t>
+              </a:r>
+              <a:r>
+                <a:rPr lang="es-ES" i="1" dirty="0" err="1">
+                  <a:solidFill>
+                    <a:schemeClr val="tx1"/>
+                  </a:solidFill>
+                </a:rPr>
+                <a:t>PolyPhen</a:t>
+              </a:r>
+              <a:r>
+                <a:rPr lang="es-ES" i="1" dirty="0">
+                  <a:solidFill>
+                    <a:schemeClr val="tx1"/>
+                  </a:solidFill>
+                </a:rPr>
+                <a:t>. Las variantes </a:t>
+              </a:r>
+              <a:r>
+                <a:rPr lang="es-ES" i="1" dirty="0" err="1">
+                  <a:solidFill>
+                    <a:schemeClr val="tx1"/>
+                  </a:solidFill>
+                </a:rPr>
+                <a:t>missense</a:t>
+              </a:r>
+              <a:r>
+                <a:rPr lang="es-ES" i="1" dirty="0">
+                  <a:solidFill>
+                    <a:schemeClr val="tx1"/>
+                  </a:solidFill>
+                </a:rPr>
+                <a:t> se analizaron en detalle con </a:t>
+              </a:r>
+              <a:r>
+                <a:rPr lang="es-ES" i="1" dirty="0" err="1">
+                  <a:solidFill>
+                    <a:schemeClr val="tx1"/>
+                  </a:solidFill>
+                </a:rPr>
+                <a:t>Clustal</a:t>
+              </a:r>
+              <a:r>
+                <a:rPr lang="es-ES" i="1" dirty="0">
+                  <a:solidFill>
+                    <a:schemeClr val="tx1"/>
+                  </a:solidFill>
+                </a:rPr>
+                <a:t> Omega para conservación evolutiva y </a:t>
+              </a:r>
+              <a:r>
+                <a:rPr lang="es-ES" i="1" dirty="0" err="1">
+                  <a:solidFill>
+                    <a:schemeClr val="tx1"/>
+                  </a:solidFill>
+                </a:rPr>
+                <a:t>UniProt</a:t>
+              </a:r>
+              <a:r>
+                <a:rPr lang="es-ES" i="1" dirty="0">
+                  <a:solidFill>
+                    <a:schemeClr val="tx1"/>
+                  </a:solidFill>
+                </a:rPr>
+                <a:t> para identificación de dominios afectados. Las asociaciones patológicas y patrones de herencia se investigaron en OMIM, mientras que las implicaciones funcionales se exploraron mediante KEGG </a:t>
+              </a:r>
+              <a:r>
+                <a:rPr lang="es-ES" i="1" dirty="0" err="1">
+                  <a:solidFill>
+                    <a:schemeClr val="tx1"/>
+                  </a:solidFill>
+                </a:rPr>
+                <a:t>Pathways</a:t>
+              </a:r>
+              <a:r>
+                <a:rPr lang="es-ES" i="1" dirty="0">
+                  <a:solidFill>
+                    <a:schemeClr val="tx1"/>
+                  </a:solidFill>
+                </a:rPr>
+                <a:t> y </a:t>
+              </a:r>
+              <a:r>
+                <a:rPr lang="es-ES" i="1" dirty="0" err="1">
+                  <a:solidFill>
+                    <a:schemeClr val="tx1"/>
+                  </a:solidFill>
+                </a:rPr>
+                <a:t>Reactome</a:t>
+              </a:r>
+              <a:r>
+                <a:rPr lang="es-ES" i="1" dirty="0">
+                  <a:solidFill>
+                    <a:schemeClr val="tx1"/>
+                  </a:solidFill>
+                </a:rPr>
+                <a:t>. Finalmente, se empleó UCSC </a:t>
+              </a:r>
+              <a:r>
+                <a:rPr lang="es-ES" i="1" dirty="0" err="1">
+                  <a:solidFill>
+                    <a:schemeClr val="tx1"/>
+                  </a:solidFill>
+                </a:rPr>
+                <a:t>Genome</a:t>
+              </a:r>
+              <a:r>
+                <a:rPr lang="es-ES" i="1" dirty="0">
+                  <a:solidFill>
+                    <a:schemeClr val="tx1"/>
+                  </a:solidFill>
+                </a:rPr>
+                <a:t> Browser para la visualización genómica y validación de coordenadas.</a:t>
               </a:r>
               <a:endParaRPr lang="es-ES_tradnl" sz="2400" i="1" dirty="0">
                 <a:solidFill>
@@ -5568,7 +5740,7 @@
             <p:cNvPr id="15" name="Rectángulo redondeado 14">
               <a:extLst>
                 <a:ext uri="{FF2B5EF4-FFF2-40B4-BE49-F238E27FC236}">
-                  <a16:creationId xmlns:a16="http://schemas.microsoft.com/office/drawing/2014/main" xmlns="" id="{51C45BDA-AC75-EE13-A211-698BB3CF2EDC}"/>
+                  <a16:creationId xmlns:a16="http://schemas.microsoft.com/office/drawing/2014/main" id="{51C45BDA-AC75-EE13-A211-698BB3CF2EDC}"/>
                 </a:ext>
               </a:extLst>
             </p:cNvPr>
@@ -5577,7 +5749,7 @@
           </p:nvSpPr>
           <p:spPr>
             <a:xfrm>
-              <a:off x="500674" y="6110487"/>
+              <a:off x="460865" y="5945254"/>
               <a:ext cx="5838092" cy="633046"/>
             </a:xfrm>
             <a:prstGeom prst="roundRect">
@@ -5629,7 +5801,7 @@
           <p:cNvPr id="9" name="Grupo 8">
             <a:extLst>
               <a:ext uri="{FF2B5EF4-FFF2-40B4-BE49-F238E27FC236}">
-                <a16:creationId xmlns:a16="http://schemas.microsoft.com/office/drawing/2014/main" xmlns="" id="{0449220D-F047-A208-80A5-ECB282B1A62A}"/>
+                <a16:creationId xmlns:a16="http://schemas.microsoft.com/office/drawing/2014/main" id="{0449220D-F047-A208-80A5-ECB282B1A62A}"/>
               </a:ext>
             </a:extLst>
           </p:cNvPr>
@@ -5649,7 +5821,7 @@
             <p:cNvPr id="16" name="Rectángulo redondeado 15">
               <a:extLst>
                 <a:ext uri="{FF2B5EF4-FFF2-40B4-BE49-F238E27FC236}">
-                  <a16:creationId xmlns:a16="http://schemas.microsoft.com/office/drawing/2014/main" xmlns="" id="{F757B5F2-E57A-7217-E1AA-4D7E21F42FA0}"/>
+                  <a16:creationId xmlns:a16="http://schemas.microsoft.com/office/drawing/2014/main" id="{F757B5F2-E57A-7217-E1AA-4D7E21F42FA0}"/>
                 </a:ext>
               </a:extLst>
             </p:cNvPr>
@@ -5702,14 +5874,6 @@
                   <a:spcPct val="80000"/>
                 </a:lnSpc>
               </a:pPr>
-              <a:r>
-                <a:rPr lang="es-ES_tradnl" i="1" dirty="0">
-                  <a:solidFill>
-                    <a:schemeClr val="tx1"/>
-                  </a:solidFill>
-                </a:rPr>
-                <a:t>Visualización de gráficos correspondientes</a:t>
-              </a:r>
               <a:endParaRPr lang="es-ES_tradnl" sz="2400" i="1" dirty="0">
                 <a:solidFill>
                   <a:schemeClr val="tx1"/>
@@ -5723,7 +5887,7 @@
             <p:cNvPr id="17" name="Rectángulo redondeado 16">
               <a:extLst>
                 <a:ext uri="{FF2B5EF4-FFF2-40B4-BE49-F238E27FC236}">
-                  <a16:creationId xmlns:a16="http://schemas.microsoft.com/office/drawing/2014/main" xmlns="" id="{D2CE81C2-DE7D-86C0-BE63-0B1C502B9BDA}"/>
+                  <a16:creationId xmlns:a16="http://schemas.microsoft.com/office/drawing/2014/main" id="{D2CE81C2-DE7D-86C0-BE63-0B1C502B9BDA}"/>
                 </a:ext>
               </a:extLst>
             </p:cNvPr>
@@ -5784,7 +5948,7 @@
           <p:cNvPr id="1028" name="Picture 4">
             <a:extLst>
               <a:ext uri="{FF2B5EF4-FFF2-40B4-BE49-F238E27FC236}">
-                <a16:creationId xmlns:a16="http://schemas.microsoft.com/office/drawing/2014/main" xmlns="" id="{D59CAA55-5763-DE38-517F-B4583DC84AC1}"/>
+                <a16:creationId xmlns:a16="http://schemas.microsoft.com/office/drawing/2014/main" id="{D59CAA55-5763-DE38-517F-B4583DC84AC1}"/>
               </a:ext>
             </a:extLst>
           </p:cNvPr>
@@ -5831,7 +5995,7 @@
           <p:cNvPr id="18" name="Grupo 17">
             <a:extLst>
               <a:ext uri="{FF2B5EF4-FFF2-40B4-BE49-F238E27FC236}">
-                <a16:creationId xmlns:a16="http://schemas.microsoft.com/office/drawing/2014/main" xmlns="" id="{7943CC5D-1654-184E-A7EC-A76F98FA9E8B}"/>
+                <a16:creationId xmlns:a16="http://schemas.microsoft.com/office/drawing/2014/main" id="{7943CC5D-1654-184E-A7EC-A76F98FA9E8B}"/>
               </a:ext>
             </a:extLst>
           </p:cNvPr>
@@ -5853,7 +6017,7 @@
             <p:cNvPr id="5" name="Imagen 4">
               <a:extLst>
                 <a:ext uri="{FF2B5EF4-FFF2-40B4-BE49-F238E27FC236}">
-                  <a16:creationId xmlns:a16="http://schemas.microsoft.com/office/drawing/2014/main" xmlns="" id="{7E5760BA-D4D0-7C9E-76ED-065ED11398EB}"/>
+                  <a16:creationId xmlns:a16="http://schemas.microsoft.com/office/drawing/2014/main" id="{7E5760BA-D4D0-7C9E-76ED-065ED11398EB}"/>
                 </a:ext>
               </a:extLst>
             </p:cNvPr>
@@ -5883,7 +6047,7 @@
             <p:cNvPr id="2" name="Rectángulo 1">
               <a:extLst>
                 <a:ext uri="{FF2B5EF4-FFF2-40B4-BE49-F238E27FC236}">
-                  <a16:creationId xmlns:a16="http://schemas.microsoft.com/office/drawing/2014/main" xmlns="" id="{4D86C97A-A2AB-20A7-3EB2-1F46C5416136}"/>
+                  <a16:creationId xmlns:a16="http://schemas.microsoft.com/office/drawing/2014/main" id="{4D86C97A-A2AB-20A7-3EB2-1F46C5416136}"/>
                 </a:ext>
               </a:extLst>
             </p:cNvPr>
@@ -5936,7 +6100,7 @@
           <p:cNvPr id="3" name="Rectángulo redondeado 2">
             <a:extLst>
               <a:ext uri="{FF2B5EF4-FFF2-40B4-BE49-F238E27FC236}">
-                <a16:creationId xmlns:a16="http://schemas.microsoft.com/office/drawing/2014/main" xmlns="" id="{70138B42-E335-E05D-E193-37141538289E}"/>
+                <a16:creationId xmlns:a16="http://schemas.microsoft.com/office/drawing/2014/main" id="{70138B42-E335-E05D-E193-37141538289E}"/>
               </a:ext>
             </a:extLst>
           </p:cNvPr>
@@ -5994,11 +6158,7 @@
             </a:pPr>
             <a:r>
               <a:rPr lang="es-ES" sz="2800" dirty="0"/>
-              <a:t>Genética clínica y de </a:t>
-            </a:r>
-            <a:r>
-              <a:rPr lang="es-ES" sz="2800" dirty="0" smtClean="0"/>
-              <a:t>poblaciones</a:t>
+              <a:t>Genética clínica y de poblaciones</a:t>
             </a:r>
             <a:endParaRPr lang="es-ES_tradnl" sz="3600" b="1" i="1" dirty="0">
               <a:solidFill>
@@ -6045,7 +6205,7 @@
           <p:cNvPr id="33" name="Grupo 32">
             <a:extLst>
               <a:ext uri="{FF2B5EF4-FFF2-40B4-BE49-F238E27FC236}">
-                <a16:creationId xmlns:a16="http://schemas.microsoft.com/office/drawing/2014/main" xmlns="" id="{2C6C9477-586D-D4FB-ADEE-063D77B3A812}"/>
+                <a16:creationId xmlns:a16="http://schemas.microsoft.com/office/drawing/2014/main" id="{2C6C9477-586D-D4FB-ADEE-063D77B3A812}"/>
               </a:ext>
             </a:extLst>
           </p:cNvPr>
@@ -6065,7 +6225,7 @@
             <p:cNvPr id="34" name="Rectángulo redondeado 33">
               <a:extLst>
                 <a:ext uri="{FF2B5EF4-FFF2-40B4-BE49-F238E27FC236}">
-                  <a16:creationId xmlns:a16="http://schemas.microsoft.com/office/drawing/2014/main" xmlns="" id="{1B34C5B1-3A9B-391B-803D-711026F44639}"/>
+                  <a16:creationId xmlns:a16="http://schemas.microsoft.com/office/drawing/2014/main" id="{1B34C5B1-3A9B-391B-803D-711026F44639}"/>
                 </a:ext>
               </a:extLst>
             </p:cNvPr>
@@ -6139,7 +6299,7 @@
             <p:cNvPr id="35" name="Rectángulo redondeado 34">
               <a:extLst>
                 <a:ext uri="{FF2B5EF4-FFF2-40B4-BE49-F238E27FC236}">
-                  <a16:creationId xmlns:a16="http://schemas.microsoft.com/office/drawing/2014/main" xmlns="" id="{3BC039B6-C9D2-02F3-8F27-C85043A7CC84}"/>
+                  <a16:creationId xmlns:a16="http://schemas.microsoft.com/office/drawing/2014/main" id="{3BC039B6-C9D2-02F3-8F27-C85043A7CC84}"/>
                 </a:ext>
               </a:extLst>
             </p:cNvPr>
@@ -6200,7 +6360,7 @@
           <p:cNvPr id="36" name="Grupo 35">
             <a:extLst>
               <a:ext uri="{FF2B5EF4-FFF2-40B4-BE49-F238E27FC236}">
-                <a16:creationId xmlns:a16="http://schemas.microsoft.com/office/drawing/2014/main" xmlns="" id="{7CDA7380-1384-C476-FC20-7A4A09E7B7FE}"/>
+                <a16:creationId xmlns:a16="http://schemas.microsoft.com/office/drawing/2014/main" id="{7CDA7380-1384-C476-FC20-7A4A09E7B7FE}"/>
               </a:ext>
             </a:extLst>
           </p:cNvPr>
@@ -6220,7 +6380,7 @@
             <p:cNvPr id="37" name="Rectángulo redondeado 36">
               <a:extLst>
                 <a:ext uri="{FF2B5EF4-FFF2-40B4-BE49-F238E27FC236}">
-                  <a16:creationId xmlns:a16="http://schemas.microsoft.com/office/drawing/2014/main" xmlns="" id="{367F38DE-6476-4ED5-51AD-7070BD6A603F}"/>
+                  <a16:creationId xmlns:a16="http://schemas.microsoft.com/office/drawing/2014/main" id="{367F38DE-6476-4ED5-51AD-7070BD6A603F}"/>
                 </a:ext>
               </a:extLst>
             </p:cNvPr>
@@ -6294,7 +6454,7 @@
             <p:cNvPr id="38" name="Rectángulo redondeado 37">
               <a:extLst>
                 <a:ext uri="{FF2B5EF4-FFF2-40B4-BE49-F238E27FC236}">
-                  <a16:creationId xmlns:a16="http://schemas.microsoft.com/office/drawing/2014/main" xmlns="" id="{0757AA33-190F-8E74-0CAC-D7C442BACE75}"/>
+                  <a16:creationId xmlns:a16="http://schemas.microsoft.com/office/drawing/2014/main" id="{0757AA33-190F-8E74-0CAC-D7C442BACE75}"/>
                 </a:ext>
               </a:extLst>
             </p:cNvPr>
@@ -6355,7 +6515,7 @@
           <p:cNvPr id="39" name="Rectángulo redondeado 38">
             <a:extLst>
               <a:ext uri="{FF2B5EF4-FFF2-40B4-BE49-F238E27FC236}">
-                <a16:creationId xmlns:a16="http://schemas.microsoft.com/office/drawing/2014/main" xmlns="" id="{05ACB882-C17A-7163-5754-50C1DB29AA22}"/>
+                <a16:creationId xmlns:a16="http://schemas.microsoft.com/office/drawing/2014/main" id="{05ACB882-C17A-7163-5754-50C1DB29AA22}"/>
               </a:ext>
             </a:extLst>
           </p:cNvPr>
@@ -6364,7 +6524,7 @@
         </p:nvSpPr>
         <p:spPr>
           <a:xfrm>
-            <a:off x="500673" y="8930920"/>
+            <a:off x="518258" y="8329514"/>
             <a:ext cx="13959752" cy="633046"/>
           </a:xfrm>
           <a:prstGeom prst="roundRect">
@@ -6397,21 +6557,10 @@
           <a:bodyPr rtlCol="0" anchor="ctr"/>
           <a:lstStyle/>
           <a:p>
-            <a:pPr marL="0" marR="0" lvl="0" indent="0" algn="l" defTabSz="457200" rtl="0" eaLnBrk="1" fontAlgn="auto" latinLnBrk="0" hangingPunct="1">
+            <a:pPr lvl="0">
               <a:lnSpc>
                 <a:spcPct val="80000"/>
               </a:lnSpc>
-              <a:spcBef>
-                <a:spcPts val="0"/>
-              </a:spcBef>
-              <a:spcAft>
-                <a:spcPts val="0"/>
-              </a:spcAft>
-              <a:buClrTx/>
-              <a:buSzTx/>
-              <a:buFontTx/>
-              <a:buNone/>
-              <a:tabLst/>
               <a:defRPr/>
             </a:pPr>
             <a:r>
@@ -6432,22 +6581,43 @@
               <a:t>Figura 1. </a:t>
             </a:r>
             <a:r>
-              <a:rPr kumimoji="0" lang="es-ES_tradnl" sz="1800" b="0" i="0" u="none" strike="noStrike" kern="1200" cap="none" spc="0" normalizeH="0" baseline="0" noProof="0" dirty="0">
-                <a:ln>
-                  <a:noFill/>
-                </a:ln>
+              <a:rPr lang="es-ES" dirty="0">
                 <a:solidFill>
                   <a:prstClr val="black"/>
                 </a:solidFill>
-                <a:effectLst/>
-                <a:uLnTx/>
-                <a:uFillTx/>
-                <a:latin typeface="Aptos" panose="02110004020202020204"/>
-                <a:ea typeface="+mn-ea"/>
-                <a:cs typeface="+mn-cs"/>
               </a:rPr>
-              <a:t>Descripción.</a:t>
-            </a:r>
+              <a:t>Alineamiento de secuencias ortólogas (</a:t>
+            </a:r>
+            <a:r>
+              <a:rPr lang="es-ES" dirty="0" err="1">
+                <a:solidFill>
+                  <a:prstClr val="black"/>
+                </a:solidFill>
+              </a:rPr>
+              <a:t>Clustal</a:t>
+            </a:r>
+            <a:r>
+              <a:rPr lang="es-ES" dirty="0">
+                <a:solidFill>
+                  <a:prstClr val="black"/>
+                </a:solidFill>
+              </a:rPr>
+              <a:t> Omega) mostrando la conservación del aminoácido afectado (LEPR) por la variante entre diferentes especies.</a:t>
+            </a:r>
+            <a:endParaRPr kumimoji="0" lang="es-ES_tradnl" sz="1800" b="0" i="0" u="none" strike="noStrike" kern="1200" cap="none" spc="0" normalizeH="0" baseline="0" noProof="0" dirty="0">
+              <a:ln>
+                <a:noFill/>
+              </a:ln>
+              <a:solidFill>
+                <a:prstClr val="black"/>
+              </a:solidFill>
+              <a:effectLst/>
+              <a:uLnTx/>
+              <a:uFillTx/>
+              <a:latin typeface="Aptos" panose="02110004020202020204"/>
+              <a:ea typeface="+mn-ea"/>
+              <a:cs typeface="+mn-cs"/>
+            </a:endParaRPr>
           </a:p>
         </p:txBody>
       </p:sp>
@@ -6456,7 +6626,7 @@
           <p:cNvPr id="40" name="Rectángulo redondeado 39">
             <a:extLst>
               <a:ext uri="{FF2B5EF4-FFF2-40B4-BE49-F238E27FC236}">
-                <a16:creationId xmlns:a16="http://schemas.microsoft.com/office/drawing/2014/main" xmlns="" id="{3F03464F-6AD8-145A-F4F0-58880920BB73}"/>
+                <a16:creationId xmlns:a16="http://schemas.microsoft.com/office/drawing/2014/main" id="{3F03464F-6AD8-145A-F4F0-58880920BB73}"/>
               </a:ext>
             </a:extLst>
           </p:cNvPr>
@@ -6465,7 +6635,7 @@
         </p:nvSpPr>
         <p:spPr>
           <a:xfrm>
-            <a:off x="518258" y="9799765"/>
+            <a:off x="481644" y="14424077"/>
             <a:ext cx="13959752" cy="633046"/>
           </a:xfrm>
           <a:prstGeom prst="roundRect">
@@ -6557,7 +6727,7 @@
           <p:cNvPr id="41" name="Rectángulo redondeado 40">
             <a:extLst>
               <a:ext uri="{FF2B5EF4-FFF2-40B4-BE49-F238E27FC236}">
-                <a16:creationId xmlns:a16="http://schemas.microsoft.com/office/drawing/2014/main" xmlns="" id="{A5674FB9-8324-DF2F-A950-34B0495EFB78}"/>
+                <a16:creationId xmlns:a16="http://schemas.microsoft.com/office/drawing/2014/main" id="{A5674FB9-8324-DF2F-A950-34B0495EFB78}"/>
               </a:ext>
             </a:extLst>
           </p:cNvPr>
@@ -6566,7 +6736,7 @@
         </p:nvSpPr>
         <p:spPr>
           <a:xfrm>
-            <a:off x="518258" y="10660249"/>
+            <a:off x="481644" y="15284561"/>
             <a:ext cx="13959752" cy="633046"/>
           </a:xfrm>
           <a:prstGeom prst="roundRect">
@@ -6661,8 +6831,8 @@
         </p:nvSpPr>
         <p:spPr>
           <a:xfrm>
-            <a:off x="292592" y="3612790"/>
-            <a:ext cx="14601577" cy="1477328"/>
+            <a:off x="242766" y="3642191"/>
+            <a:ext cx="14668990" cy="1200329"/>
           </a:xfrm>
           <a:prstGeom prst="rect">
             <a:avLst/>
@@ -6676,15 +6846,7 @@
           <a:p>
             <a:r>
               <a:rPr lang="es-ES" i="1" dirty="0"/>
-              <a:t>Este </a:t>
-            </a:r>
-            <a:r>
-              <a:rPr lang="es-ES" i="1" dirty="0"/>
-              <a:t>estudio realiza </a:t>
-            </a:r>
-            <a:r>
-              <a:rPr lang="es-ES" i="1" dirty="0"/>
-              <a:t>un análisis de </a:t>
+              <a:t>Este estudio realiza un análisis de </a:t>
             </a:r>
             <a:r>
               <a:rPr lang="es-ES" i="1" dirty="0" err="1"/>
@@ -6692,15 +6854,7 @@
             </a:r>
             <a:r>
               <a:rPr lang="es-ES" i="1" dirty="0"/>
-              <a:t> completo para identificar variantes hereditarias en un núcleo familiar. El objetivo es </a:t>
-            </a:r>
-            <a:r>
-              <a:rPr lang="es-ES" i="1" dirty="0"/>
-              <a:t>la interpretación </a:t>
-            </a:r>
-            <a:r>
-              <a:rPr lang="es-ES" i="1" dirty="0"/>
-              <a:t>clínica de archivos .</a:t>
+              <a:t> completo para identificar variantes hereditarias en un núcleo familiar. El objetivo es la interpretación clínica de archivos .</a:t>
             </a:r>
             <a:r>
               <a:rPr lang="es-ES" i="1" dirty="0" err="1"/>
@@ -6708,20 +6862,195 @@
             </a:r>
             <a:r>
               <a:rPr lang="es-ES" i="1" dirty="0"/>
-              <a:t> en genes críticos como LEPR y TP53. Mediante herramientas bioinformáticas (SIFT, PolyPhen-2) y bases de datos como OMIM, se discriminan polimorfismos benignos de mutaciones patogénicas. Esto permite establecer correlaciones genotipo-fenotipo y evaluar riesgos de enfermedades graves, garantizando un diagnóstico genético </a:t>
-            </a:r>
-            <a:r>
-              <a:rPr lang="es-ES" i="1" dirty="0"/>
-              <a:t>preciso.</a:t>
-            </a:r>
-            <a:endParaRPr lang="es-ES" i="1" dirty="0"/>
+              <a:t> en genes críticos como LEPR y TP53. Mediante herramientas bioinformáticas (SIFT, PolyPhen-2) y bases de datos como OMIM, se discriminan polimorfismos benignos de mutaciones patogénicas. Esto permite establecer correlaciones genotipo-fenotipo y evaluar riesgos de enfermedades graves, garantizando un diagnóstico genético preciso.</a:t>
+            </a:r>
           </a:p>
         </p:txBody>
       </p:sp>
+      <p:pic>
+        <p:nvPicPr>
+          <p:cNvPr id="11" name="Imagen 10">
+            <a:extLst>
+              <a:ext uri="{FF2B5EF4-FFF2-40B4-BE49-F238E27FC236}">
+                <a16:creationId xmlns:a16="http://schemas.microsoft.com/office/drawing/2014/main" id="{5C9722D1-DCA3-6BD8-BB64-02FF9D6E0138}"/>
+              </a:ext>
+            </a:extLst>
+          </p:cNvPr>
+          <p:cNvPicPr>
+            <a:picLocks noChangeAspect="1"/>
+          </p:cNvPicPr>
+          <p:nvPr/>
+        </p:nvPicPr>
+        <p:blipFill>
+          <a:blip r:embed="rId4"/>
+          <a:stretch>
+            <a:fillRect/>
+          </a:stretch>
+        </p:blipFill>
+        <p:spPr>
+          <a:xfrm>
+            <a:off x="858498" y="9279081"/>
+            <a:ext cx="8668960" cy="1286054"/>
+          </a:xfrm>
+          <a:prstGeom prst="rect">
+            <a:avLst/>
+          </a:prstGeom>
+        </p:spPr>
+      </p:pic>
     </p:spTree>
     <p:extLst>
       <p:ext uri="{BB962C8B-B14F-4D97-AF65-F5344CB8AC3E}">
         <p14:creationId xmlns:p14="http://schemas.microsoft.com/office/powerpoint/2010/main" val="4045999932"/>
+      </p:ext>
+    </p:extLst>
+  </p:cSld>
+  <p:clrMapOvr>
+    <a:masterClrMapping/>
+  </p:clrMapOvr>
+</p:sld>
+</file>
+
+<file path=ppt/slides/slide4.xml><?xml version="1.0" encoding="utf-8"?>
+<p:sld xmlns:a="http://schemas.openxmlformats.org/drawingml/2006/main" xmlns:r="http://schemas.openxmlformats.org/officeDocument/2006/relationships" xmlns:p="http://schemas.openxmlformats.org/presentationml/2006/main">
+  <p:cSld>
+    <p:spTree>
+      <p:nvGrpSpPr>
+        <p:cNvPr id="1" name=""/>
+        <p:cNvGrpSpPr/>
+        <p:nvPr/>
+      </p:nvGrpSpPr>
+      <p:grpSpPr>
+        <a:xfrm>
+          <a:off x="0" y="0"/>
+          <a:ext cx="0" cy="0"/>
+          <a:chOff x="0" y="0"/>
+          <a:chExt cx="0" cy="0"/>
+        </a:xfrm>
+      </p:grpSpPr>
+      <p:pic>
+        <p:nvPicPr>
+          <p:cNvPr id="5" name="Imagen 4">
+            <a:extLst>
+              <a:ext uri="{FF2B5EF4-FFF2-40B4-BE49-F238E27FC236}">
+                <a16:creationId xmlns:a16="http://schemas.microsoft.com/office/drawing/2014/main" id="{FC82AA70-B96F-105E-7D3B-CBB162906972}"/>
+              </a:ext>
+            </a:extLst>
+          </p:cNvPr>
+          <p:cNvPicPr>
+            <a:picLocks noChangeAspect="1"/>
+          </p:cNvPicPr>
+          <p:nvPr/>
+        </p:nvPicPr>
+        <p:blipFill>
+          <a:blip r:embed="rId2"/>
+          <a:stretch>
+            <a:fillRect/>
+          </a:stretch>
+        </p:blipFill>
+        <p:spPr>
+          <a:xfrm>
+            <a:off x="967770" y="1590585"/>
+            <a:ext cx="8668960" cy="1286054"/>
+          </a:xfrm>
+          <a:prstGeom prst="rect">
+            <a:avLst/>
+          </a:prstGeom>
+        </p:spPr>
+      </p:pic>
+      <p:pic>
+        <p:nvPicPr>
+          <p:cNvPr id="7" name="Imagen 6" descr="Imagen que contiene Texto&#10;&#10;El contenido generado por IA puede ser incorrecto.">
+            <a:extLst>
+              <a:ext uri="{FF2B5EF4-FFF2-40B4-BE49-F238E27FC236}">
+                <a16:creationId xmlns:a16="http://schemas.microsoft.com/office/drawing/2014/main" id="{F2105C54-3B28-4FE9-59D3-AFBEAB254EB3}"/>
+              </a:ext>
+            </a:extLst>
+          </p:cNvPr>
+          <p:cNvPicPr>
+            <a:picLocks noChangeAspect="1"/>
+          </p:cNvPicPr>
+          <p:nvPr/>
+        </p:nvPicPr>
+        <p:blipFill>
+          <a:blip r:embed="rId3"/>
+          <a:stretch>
+            <a:fillRect/>
+          </a:stretch>
+        </p:blipFill>
+        <p:spPr>
+          <a:xfrm>
+            <a:off x="967770" y="3419369"/>
+            <a:ext cx="8688012" cy="1514686"/>
+          </a:xfrm>
+          <a:prstGeom prst="rect">
+            <a:avLst/>
+          </a:prstGeom>
+        </p:spPr>
+      </p:pic>
+      <p:pic>
+        <p:nvPicPr>
+          <p:cNvPr id="9" name="Imagen 8" descr="Texto&#10;&#10;El contenido generado por IA puede ser incorrecto.">
+            <a:extLst>
+              <a:ext uri="{FF2B5EF4-FFF2-40B4-BE49-F238E27FC236}">
+                <a16:creationId xmlns:a16="http://schemas.microsoft.com/office/drawing/2014/main" id="{820A2D46-3D3C-3D9E-7B10-A9F42126DCD6}"/>
+              </a:ext>
+            </a:extLst>
+          </p:cNvPr>
+          <p:cNvPicPr>
+            <a:picLocks noChangeAspect="1"/>
+          </p:cNvPicPr>
+          <p:nvPr/>
+        </p:nvPicPr>
+        <p:blipFill>
+          <a:blip r:embed="rId4"/>
+          <a:stretch>
+            <a:fillRect/>
+          </a:stretch>
+        </p:blipFill>
+        <p:spPr>
+          <a:xfrm>
+            <a:off x="967770" y="5476785"/>
+            <a:ext cx="8697539" cy="1295581"/>
+          </a:xfrm>
+          <a:prstGeom prst="rect">
+            <a:avLst/>
+          </a:prstGeom>
+        </p:spPr>
+      </p:pic>
+      <p:pic>
+        <p:nvPicPr>
+          <p:cNvPr id="11" name="Imagen 10" descr="Imagen que contiene Texto&#10;&#10;El contenido generado por IA puede ser incorrecto.">
+            <a:extLst>
+              <a:ext uri="{FF2B5EF4-FFF2-40B4-BE49-F238E27FC236}">
+                <a16:creationId xmlns:a16="http://schemas.microsoft.com/office/drawing/2014/main" id="{16E83D95-BD95-2653-57BE-E0402AE50006}"/>
+              </a:ext>
+            </a:extLst>
+          </p:cNvPr>
+          <p:cNvPicPr>
+            <a:picLocks noChangeAspect="1"/>
+          </p:cNvPicPr>
+          <p:nvPr/>
+        </p:nvPicPr>
+        <p:blipFill>
+          <a:blip r:embed="rId5"/>
+          <a:stretch>
+            <a:fillRect/>
+          </a:stretch>
+        </p:blipFill>
+        <p:spPr>
+          <a:xfrm>
+            <a:off x="967770" y="7319858"/>
+            <a:ext cx="8659433" cy="1324160"/>
+          </a:xfrm>
+          <a:prstGeom prst="rect">
+            <a:avLst/>
+          </a:prstGeom>
+        </p:spPr>
+      </p:pic>
+    </p:spTree>
+    <p:extLst>
+      <p:ext uri="{BB962C8B-B14F-4D97-AF65-F5344CB8AC3E}">
+        <p14:creationId xmlns:p14="http://schemas.microsoft.com/office/powerpoint/2010/main" val="3659034073"/>
       </p:ext>
     </p:extLst>
   </p:cSld>

--- a/Plantilla_poster_Bioinfo_4P_UNIR.pptx
+++ b/Plantilla_poster_Bioinfo_4P_UNIR.pptx
@@ -5,10 +5,8 @@
     <p:sldMasterId id="2147483660" r:id="rId4"/>
   </p:sldMasterIdLst>
   <p:sldIdLst>
-    <p:sldId id="256" r:id="rId5"/>
-    <p:sldId id="257" r:id="rId6"/>
-    <p:sldId id="258" r:id="rId7"/>
-    <p:sldId id="259" r:id="rId8"/>
+    <p:sldId id="258" r:id="rId5"/>
+    <p:sldId id="259" r:id="rId6"/>
   </p:sldIdLst>
   <p:sldSz cx="15119350" cy="21383625"/>
   <p:notesSz cx="6858000" cy="9144000"/>
@@ -288,7 +286,7 @@
           <a:p>
             <a:fld id="{A52F3024-9AEF-C645-BE7A-258C41DDD14E}" type="slidenum">
               <a:rPr lang="es-ES_tradnl" smtClean="0"/>
-              <a:t>‹Nº›</a:t>
+              <a:t>‹#›</a:t>
             </a:fld>
             <a:endParaRPr lang="es-ES_tradnl"/>
           </a:p>
@@ -458,7 +456,7 @@
           <a:p>
             <a:fld id="{A52F3024-9AEF-C645-BE7A-258C41DDD14E}" type="slidenum">
               <a:rPr lang="es-ES_tradnl" smtClean="0"/>
-              <a:t>‹Nº›</a:t>
+              <a:t>‹#›</a:t>
             </a:fld>
             <a:endParaRPr lang="es-ES_tradnl"/>
           </a:p>
@@ -638,7 +636,7 @@
           <a:p>
             <a:fld id="{A52F3024-9AEF-C645-BE7A-258C41DDD14E}" type="slidenum">
               <a:rPr lang="es-ES_tradnl" smtClean="0"/>
-              <a:t>‹Nº›</a:t>
+              <a:t>‹#›</a:t>
             </a:fld>
             <a:endParaRPr lang="es-ES_tradnl"/>
           </a:p>
@@ -808,7 +806,7 @@
           <a:p>
             <a:fld id="{A52F3024-9AEF-C645-BE7A-258C41DDD14E}" type="slidenum">
               <a:rPr lang="es-ES_tradnl" smtClean="0"/>
-              <a:t>‹Nº›</a:t>
+              <a:t>‹#›</a:t>
             </a:fld>
             <a:endParaRPr lang="es-ES_tradnl"/>
           </a:p>
@@ -1054,7 +1052,7 @@
           <a:p>
             <a:fld id="{A52F3024-9AEF-C645-BE7A-258C41DDD14E}" type="slidenum">
               <a:rPr lang="es-ES_tradnl" smtClean="0"/>
-              <a:t>‹Nº›</a:t>
+              <a:t>‹#›</a:t>
             </a:fld>
             <a:endParaRPr lang="es-ES_tradnl"/>
           </a:p>
@@ -1286,7 +1284,7 @@
           <a:p>
             <a:fld id="{A52F3024-9AEF-C645-BE7A-258C41DDD14E}" type="slidenum">
               <a:rPr lang="es-ES_tradnl" smtClean="0"/>
-              <a:t>‹Nº›</a:t>
+              <a:t>‹#›</a:t>
             </a:fld>
             <a:endParaRPr lang="es-ES_tradnl"/>
           </a:p>
@@ -1653,7 +1651,7 @@
           <a:p>
             <a:fld id="{A52F3024-9AEF-C645-BE7A-258C41DDD14E}" type="slidenum">
               <a:rPr lang="es-ES_tradnl" smtClean="0"/>
-              <a:t>‹Nº›</a:t>
+              <a:t>‹#›</a:t>
             </a:fld>
             <a:endParaRPr lang="es-ES_tradnl"/>
           </a:p>
@@ -1771,7 +1769,7 @@
           <a:p>
             <a:fld id="{A52F3024-9AEF-C645-BE7A-258C41DDD14E}" type="slidenum">
               <a:rPr lang="es-ES_tradnl" smtClean="0"/>
-              <a:t>‹Nº›</a:t>
+              <a:t>‹#›</a:t>
             </a:fld>
             <a:endParaRPr lang="es-ES_tradnl"/>
           </a:p>
@@ -1866,7 +1864,7 @@
           <a:p>
             <a:fld id="{A52F3024-9AEF-C645-BE7A-258C41DDD14E}" type="slidenum">
               <a:rPr lang="es-ES_tradnl" smtClean="0"/>
-              <a:t>‹Nº›</a:t>
+              <a:t>‹#›</a:t>
             </a:fld>
             <a:endParaRPr lang="es-ES_tradnl"/>
           </a:p>
@@ -2143,7 +2141,7 @@
           <a:p>
             <a:fld id="{A52F3024-9AEF-C645-BE7A-258C41DDD14E}" type="slidenum">
               <a:rPr lang="es-ES_tradnl" smtClean="0"/>
-              <a:t>‹Nº›</a:t>
+              <a:t>‹#›</a:t>
             </a:fld>
             <a:endParaRPr lang="es-ES_tradnl"/>
           </a:p>
@@ -2400,7 +2398,7 @@
           <a:p>
             <a:fld id="{A52F3024-9AEF-C645-BE7A-258C41DDD14E}" type="slidenum">
               <a:rPr lang="es-ES_tradnl" smtClean="0"/>
-              <a:t>‹Nº›</a:t>
+              <a:t>‹#›</a:t>
             </a:fld>
             <a:endParaRPr lang="es-ES_tradnl"/>
           </a:p>
@@ -2649,7 +2647,7 @@
           <a:p>
             <a:fld id="{A52F3024-9AEF-C645-BE7A-258C41DDD14E}" type="slidenum">
               <a:rPr lang="es-ES_tradnl" smtClean="0"/>
-              <a:t>‹Nº›</a:t>
+              <a:t>‹#›</a:t>
             </a:fld>
             <a:endParaRPr lang="es-ES_tradnl"/>
           </a:p>
@@ -2983,2327 +2981,6 @@
     </p:bg>
     <p:spTree>
       <p:nvGrpSpPr>
-        <p:cNvPr id="1" name=""/>
-        <p:cNvGrpSpPr/>
-        <p:nvPr/>
-      </p:nvGrpSpPr>
-      <p:grpSpPr>
-        <a:xfrm>
-          <a:off x="0" y="0"/>
-          <a:ext cx="0" cy="0"/>
-          <a:chOff x="0" y="0"/>
-          <a:chExt cx="0" cy="0"/>
-        </a:xfrm>
-      </p:grpSpPr>
-      <p:pic>
-        <p:nvPicPr>
-          <p:cNvPr id="5" name="Imagen 4">
-            <a:extLst>
-              <a:ext uri="{FF2B5EF4-FFF2-40B4-BE49-F238E27FC236}">
-                <a16:creationId xmlns:a16="http://schemas.microsoft.com/office/drawing/2014/main" id="{A97235A6-1E40-7550-49FE-93E2DA69811F}"/>
-              </a:ext>
-            </a:extLst>
-          </p:cNvPr>
-          <p:cNvPicPr>
-            <a:picLocks noChangeAspect="1"/>
-          </p:cNvPicPr>
-          <p:nvPr/>
-        </p:nvPicPr>
-        <p:blipFill>
-          <a:blip r:embed="rId2"/>
-          <a:stretch>
-            <a:fillRect/>
-          </a:stretch>
-        </p:blipFill>
-        <p:spPr>
-          <a:xfrm>
-            <a:off x="0" y="-5895"/>
-            <a:ext cx="4834200" cy="3276938"/>
-          </a:xfrm>
-          <a:prstGeom prst="rect">
-            <a:avLst/>
-          </a:prstGeom>
-        </p:spPr>
-      </p:pic>
-      <p:pic>
-        <p:nvPicPr>
-          <p:cNvPr id="1028" name="Picture 4">
-            <a:extLst>
-              <a:ext uri="{FF2B5EF4-FFF2-40B4-BE49-F238E27FC236}">
-                <a16:creationId xmlns:a16="http://schemas.microsoft.com/office/drawing/2014/main" id="{AF1EAE33-9AD6-0CD3-1C83-430AF00F9F4B}"/>
-              </a:ext>
-            </a:extLst>
-          </p:cNvPr>
-          <p:cNvPicPr>
-            <a:picLocks noChangeAspect="1" noChangeArrowheads="1"/>
-          </p:cNvPicPr>
-          <p:nvPr/>
-        </p:nvPicPr>
-        <p:blipFill>
-          <a:blip r:embed="rId3">
-            <a:extLst>
-              <a:ext uri="{28A0092B-C50C-407E-A947-70E740481C1C}">
-                <a14:useLocalDpi xmlns:a14="http://schemas.microsoft.com/office/drawing/2010/main" val="0"/>
-              </a:ext>
-            </a:extLst>
-          </a:blip>
-          <a:srcRect/>
-          <a:stretch>
-            <a:fillRect/>
-          </a:stretch>
-        </p:blipFill>
-        <p:spPr bwMode="auto">
-          <a:xfrm>
-            <a:off x="12550766" y="-95517"/>
-            <a:ext cx="2730517" cy="1644647"/>
-          </a:xfrm>
-          <a:prstGeom prst="rect">
-            <a:avLst/>
-          </a:prstGeom>
-          <a:noFill/>
-          <a:extLst>
-            <a:ext uri="{909E8E84-426E-40DD-AFC4-6F175D3DCCD1}">
-              <a14:hiddenFill xmlns:a14="http://schemas.microsoft.com/office/drawing/2010/main">
-                <a:solidFill>
-                  <a:srgbClr val="FFFFFF"/>
-                </a:solidFill>
-              </a14:hiddenFill>
-            </a:ext>
-          </a:extLst>
-        </p:spPr>
-      </p:pic>
-      <p:sp>
-        <p:nvSpPr>
-          <p:cNvPr id="27" name="Rectángulo 26">
-            <a:extLst>
-              <a:ext uri="{FF2B5EF4-FFF2-40B4-BE49-F238E27FC236}">
-                <a16:creationId xmlns:a16="http://schemas.microsoft.com/office/drawing/2014/main" id="{2A8908FC-06DB-CC20-4597-9C79E3E1300F}"/>
-              </a:ext>
-            </a:extLst>
-          </p:cNvPr>
-          <p:cNvSpPr/>
-          <p:nvPr/>
-        </p:nvSpPr>
-        <p:spPr>
-          <a:xfrm>
-            <a:off x="964642" y="1549130"/>
-            <a:ext cx="2257529" cy="671556"/>
-          </a:xfrm>
-          <a:prstGeom prst="rect">
-            <a:avLst/>
-          </a:prstGeom>
-          <a:solidFill>
-            <a:schemeClr val="bg1"/>
-          </a:solidFill>
-          <a:ln>
-            <a:noFill/>
-          </a:ln>
-        </p:spPr>
-        <p:style>
-          <a:lnRef idx="2">
-            <a:schemeClr val="accent1">
-              <a:shade val="15000"/>
-            </a:schemeClr>
-          </a:lnRef>
-          <a:fillRef idx="1">
-            <a:schemeClr val="accent1"/>
-          </a:fillRef>
-          <a:effectRef idx="0">
-            <a:schemeClr val="accent1"/>
-          </a:effectRef>
-          <a:fontRef idx="minor">
-            <a:schemeClr val="lt1"/>
-          </a:fontRef>
-        </p:style>
-        <p:txBody>
-          <a:bodyPr rtlCol="0" anchor="ctr"/>
-          <a:lstStyle/>
-          <a:p>
-            <a:pPr algn="ctr"/>
-            <a:endParaRPr lang="es-ES_tradnl"/>
-          </a:p>
-        </p:txBody>
-      </p:sp>
-      <p:sp>
-        <p:nvSpPr>
-          <p:cNvPr id="28" name="Rectángulo redondeado 27">
-            <a:extLst>
-              <a:ext uri="{FF2B5EF4-FFF2-40B4-BE49-F238E27FC236}">
-                <a16:creationId xmlns:a16="http://schemas.microsoft.com/office/drawing/2014/main" id="{F3826BEE-6C42-E5BE-B7F2-93F3C600A2F9}"/>
-              </a:ext>
-            </a:extLst>
-          </p:cNvPr>
-          <p:cNvSpPr/>
-          <p:nvPr/>
-        </p:nvSpPr>
-        <p:spPr>
-          <a:xfrm>
-            <a:off x="964643" y="2007220"/>
-            <a:ext cx="13190066" cy="18806265"/>
-          </a:xfrm>
-          <a:prstGeom prst="roundRect">
-            <a:avLst>
-              <a:gd name="adj" fmla="val 3587"/>
-            </a:avLst>
-          </a:prstGeom>
-          <a:gradFill>
-            <a:gsLst>
-              <a:gs pos="100000">
-                <a:srgbClr val="4196C9"/>
-              </a:gs>
-              <a:gs pos="0">
-                <a:srgbClr val="59C2E3"/>
-              </a:gs>
-            </a:gsLst>
-            <a:lin ang="2700000" scaled="1"/>
-          </a:gradFill>
-          <a:ln>
-            <a:noFill/>
-          </a:ln>
-        </p:spPr>
-        <p:style>
-          <a:lnRef idx="2">
-            <a:schemeClr val="accent1">
-              <a:shade val="15000"/>
-            </a:schemeClr>
-          </a:lnRef>
-          <a:fillRef idx="1">
-            <a:schemeClr val="accent1"/>
-          </a:fillRef>
-          <a:effectRef idx="0">
-            <a:schemeClr val="accent1"/>
-          </a:effectRef>
-          <a:fontRef idx="minor">
-            <a:schemeClr val="lt1"/>
-          </a:fontRef>
-        </p:style>
-        <p:txBody>
-          <a:bodyPr lIns="90000" tIns="46800" rtlCol="0" anchor="t"/>
-          <a:lstStyle/>
-          <a:p>
-            <a:pPr algn="ctr"/>
-            <a:r>
-              <a:rPr lang="es-ES_tradnl" sz="4800" b="1" dirty="0">
-                <a:solidFill>
-                  <a:schemeClr val="bg1"/>
-                </a:solidFill>
-              </a:rPr>
-              <a:t>Normas para el uso de la plantilla en las actividades grupales</a:t>
-            </a:r>
-          </a:p>
-          <a:p>
-            <a:pPr algn="ctr"/>
-            <a:endParaRPr lang="es-ES_tradnl" sz="4800" b="1" i="1" dirty="0">
-              <a:solidFill>
-                <a:schemeClr val="bg1"/>
-              </a:solidFill>
-            </a:endParaRPr>
-          </a:p>
-          <a:p>
-            <a:pPr marL="742950" indent="-742950">
-              <a:buFont typeface="+mj-lt"/>
-              <a:buAutoNum type="arabicPeriod"/>
-            </a:pPr>
-            <a:r>
-              <a:rPr lang="es-ES_tradnl" sz="2600" dirty="0">
-                <a:solidFill>
-                  <a:schemeClr val="bg1"/>
-                </a:solidFill>
-              </a:rPr>
-              <a:t>Este póster en idioma </a:t>
-            </a:r>
-            <a:r>
-              <a:rPr lang="es-ES_tradnl" sz="2600" u="sng" dirty="0">
-                <a:solidFill>
-                  <a:schemeClr val="bg1"/>
-                </a:solidFill>
-              </a:rPr>
-              <a:t>castellano</a:t>
-            </a:r>
-            <a:r>
-              <a:rPr lang="es-ES_tradnl" sz="2600" dirty="0">
-                <a:solidFill>
-                  <a:schemeClr val="bg1"/>
-                </a:solidFill>
-              </a:rPr>
-              <a:t> servirá para presentar de forma sintética y visual el trabajo realizado en cada actividad grupal. La correcta presentación y formato serán tenidos en cuenta en la evaluación.</a:t>
-            </a:r>
-          </a:p>
-          <a:p>
-            <a:pPr marL="742950" indent="-742950">
-              <a:buFont typeface="+mj-lt"/>
-              <a:buAutoNum type="arabicPeriod"/>
-            </a:pPr>
-            <a:endParaRPr lang="es-ES_tradnl" sz="2600" dirty="0">
-              <a:solidFill>
-                <a:schemeClr val="bg1"/>
-              </a:solidFill>
-            </a:endParaRPr>
-          </a:p>
-          <a:p>
-            <a:pPr marL="742950" indent="-742950">
-              <a:buFont typeface="+mj-lt"/>
-              <a:buAutoNum type="arabicPeriod"/>
-            </a:pPr>
-            <a:r>
-              <a:rPr lang="es-ES_tradnl" sz="2600" dirty="0">
-                <a:solidFill>
-                  <a:schemeClr val="bg1"/>
-                </a:solidFill>
-              </a:rPr>
-              <a:t>Se deberá respetar el orden y el contenido de las siguientes secciones (</a:t>
-            </a:r>
-            <a:r>
-              <a:rPr lang="es-ES_tradnl" sz="2600" u="sng" dirty="0">
-                <a:solidFill>
-                  <a:schemeClr val="bg1"/>
-                </a:solidFill>
-              </a:rPr>
-              <a:t>Hoja 3 de la PPT</a:t>
-            </a:r>
-            <a:r>
-              <a:rPr lang="es-ES_tradnl" sz="2600" dirty="0">
-                <a:solidFill>
-                  <a:schemeClr val="bg1"/>
-                </a:solidFill>
-              </a:rPr>
-              <a:t>): </a:t>
-            </a:r>
-          </a:p>
-          <a:p>
-            <a:pPr marL="1314450" lvl="1" indent="-282575">
-              <a:buFont typeface="Arial" panose="020B0604020202020204" pitchFamily="34" charset="0"/>
-              <a:buChar char="•"/>
-            </a:pPr>
-            <a:r>
-              <a:rPr lang="es-ES_tradnl" sz="2600" dirty="0">
-                <a:solidFill>
-                  <a:schemeClr val="bg1"/>
-                </a:solidFill>
-              </a:rPr>
-              <a:t>Encabezado del póster: Título de la actividad, Nombres de los integrantes, Nombre de la asignatura (ej. Secuenciación y </a:t>
-            </a:r>
-            <a:r>
-              <a:rPr lang="es-ES_tradnl" sz="2600" dirty="0" err="1">
-                <a:solidFill>
-                  <a:schemeClr val="bg1"/>
-                </a:solidFill>
-              </a:rPr>
-              <a:t>Ómicas</a:t>
-            </a:r>
-            <a:r>
-              <a:rPr lang="es-ES_tradnl" sz="2600" dirty="0">
-                <a:solidFill>
-                  <a:schemeClr val="bg1"/>
-                </a:solidFill>
-              </a:rPr>
-              <a:t> de Próxima Generación etc.)</a:t>
-            </a:r>
-          </a:p>
-          <a:p>
-            <a:pPr marL="1314450" lvl="1" indent="-282575">
-              <a:buFont typeface="Arial" panose="020B0604020202020204" pitchFamily="34" charset="0"/>
-              <a:buChar char="•"/>
-            </a:pPr>
-            <a:r>
-              <a:rPr lang="es-ES_tradnl" sz="2600" dirty="0">
-                <a:solidFill>
-                  <a:schemeClr val="bg1"/>
-                </a:solidFill>
-              </a:rPr>
-              <a:t>Introducción (2-3 líneas máximo): Breve contexto del análisis, Hipótesis planteada, Objetivo específico</a:t>
-            </a:r>
-          </a:p>
-          <a:p>
-            <a:pPr marL="1314450" lvl="1" indent="-282575">
-              <a:buFont typeface="Arial" panose="020B0604020202020204" pitchFamily="34" charset="0"/>
-              <a:buChar char="•"/>
-            </a:pPr>
-            <a:r>
-              <a:rPr lang="es-ES_tradnl" sz="2600" dirty="0">
-                <a:solidFill>
-                  <a:schemeClr val="bg1"/>
-                </a:solidFill>
-              </a:rPr>
-              <a:t>Metodología: Descripción concisa del enfoque utilizado, Herramientas bioinformáticas o estadísticas empleadas, Bases de datos o fuentes utilizadas</a:t>
-            </a:r>
-          </a:p>
-          <a:p>
-            <a:pPr marL="1314450" lvl="1" indent="-282575">
-              <a:buFont typeface="Arial" panose="020B0604020202020204" pitchFamily="34" charset="0"/>
-              <a:buChar char="•"/>
-            </a:pPr>
-            <a:r>
-              <a:rPr lang="es-ES_tradnl" sz="2600" dirty="0">
-                <a:solidFill>
-                  <a:schemeClr val="bg1"/>
-                </a:solidFill>
-              </a:rPr>
-              <a:t>Resultados: Uso  de </a:t>
-            </a:r>
-            <a:r>
-              <a:rPr lang="es-ES_tradnl" sz="2600" u="sng" dirty="0">
-                <a:solidFill>
-                  <a:schemeClr val="bg1"/>
-                </a:solidFill>
-              </a:rPr>
-              <a:t>gráficos</a:t>
-            </a:r>
-            <a:r>
-              <a:rPr lang="es-ES_tradnl" sz="2600" dirty="0">
-                <a:solidFill>
-                  <a:schemeClr val="bg1"/>
-                </a:solidFill>
-              </a:rPr>
-              <a:t> o visualizaciones adecuadas (figuras legibles y bien etiquetadas) que expliquen solas los resultados. Cada Gráfica deberá tener un título y si es conveniente un pie de figura. </a:t>
-            </a:r>
-            <a:r>
-              <a:rPr lang="es-ES_tradnl" sz="2600" u="sng" dirty="0">
-                <a:solidFill>
-                  <a:schemeClr val="bg1"/>
-                </a:solidFill>
-              </a:rPr>
-              <a:t>No permitido añadir texto para complementar la explicación.</a:t>
-            </a:r>
-          </a:p>
-          <a:p>
-            <a:pPr marL="1314450" lvl="1" indent="-282575">
-              <a:buFont typeface="Arial" panose="020B0604020202020204" pitchFamily="34" charset="0"/>
-              <a:buChar char="•"/>
-            </a:pPr>
-            <a:r>
-              <a:rPr lang="es-ES_tradnl" sz="2600" dirty="0">
-                <a:solidFill>
-                  <a:schemeClr val="bg1"/>
-                </a:solidFill>
-              </a:rPr>
-              <a:t>Discusión: Interpretación de los resultados, Identificación de genes clave, Posibles relaciones con condiciones biológicas relevantes</a:t>
-            </a:r>
-          </a:p>
-          <a:p>
-            <a:pPr marL="1314450" lvl="1" indent="-282575">
-              <a:buFont typeface="Arial" panose="020B0604020202020204" pitchFamily="34" charset="0"/>
-              <a:buChar char="•"/>
-            </a:pPr>
-            <a:r>
-              <a:rPr lang="es-ES_tradnl" sz="2600" dirty="0">
-                <a:solidFill>
-                  <a:schemeClr val="bg1"/>
-                </a:solidFill>
-              </a:rPr>
-              <a:t>Conclusiones: Resumen de los principales hallazgos, Limitaciones detectadas en el análisis, Propuestas futuras (si aplica)</a:t>
-            </a:r>
-          </a:p>
-          <a:p>
-            <a:pPr marL="1314450" lvl="1" indent="-282575">
-              <a:buFont typeface="Arial" panose="020B0604020202020204" pitchFamily="34" charset="0"/>
-              <a:buChar char="•"/>
-            </a:pPr>
-            <a:endParaRPr lang="es-ES_tradnl" sz="2600" dirty="0">
-              <a:solidFill>
-                <a:schemeClr val="bg1"/>
-              </a:solidFill>
-            </a:endParaRPr>
-          </a:p>
-          <a:p>
-            <a:pPr marL="742950" lvl="1" indent="-742950">
-              <a:buFont typeface="+mj-lt"/>
-              <a:buAutoNum type="arabicPeriod" startAt="3"/>
-            </a:pPr>
-            <a:r>
-              <a:rPr lang="es-ES_tradnl" sz="2600" dirty="0">
-                <a:solidFill>
-                  <a:schemeClr val="bg1"/>
-                </a:solidFill>
-              </a:rPr>
-              <a:t>Normas de formato y presentación:</a:t>
-            </a:r>
-          </a:p>
-          <a:p>
-            <a:pPr marL="1489075" lvl="1" indent="-457200">
-              <a:buFont typeface="Arial" panose="020B0604020202020204" pitchFamily="34" charset="0"/>
-              <a:buChar char="•"/>
-            </a:pPr>
-            <a:r>
-              <a:rPr lang="es-ES_tradnl" sz="2600" dirty="0">
-                <a:solidFill>
-                  <a:schemeClr val="bg1"/>
-                </a:solidFill>
-              </a:rPr>
-              <a:t>NO se permite modificar el formato original de la plantilla.</a:t>
-            </a:r>
-          </a:p>
-          <a:p>
-            <a:pPr marL="1489075" lvl="1" indent="-457200">
-              <a:buFont typeface="Arial" panose="020B0604020202020204" pitchFamily="34" charset="0"/>
-              <a:buChar char="•"/>
-            </a:pPr>
-            <a:r>
-              <a:rPr lang="es-ES_tradnl" sz="2600" dirty="0">
-                <a:solidFill>
-                  <a:schemeClr val="bg1"/>
-                </a:solidFill>
-              </a:rPr>
-              <a:t>Cualquier alteración del diseño será penalizada (colores, márgenes, fuentes, estructura).</a:t>
-            </a:r>
-          </a:p>
-          <a:p>
-            <a:pPr marL="1489075" lvl="1" indent="-457200">
-              <a:buFont typeface="Arial" panose="020B0604020202020204" pitchFamily="34" charset="0"/>
-              <a:buChar char="•"/>
-            </a:pPr>
-            <a:r>
-              <a:rPr lang="es-ES_tradnl" sz="2600" dirty="0">
-                <a:solidFill>
-                  <a:schemeClr val="bg1"/>
-                </a:solidFill>
-              </a:rPr>
-              <a:t>Tipografía obligatoria: </a:t>
-            </a:r>
-          </a:p>
-          <a:p>
-            <a:pPr marL="2403475" lvl="3" indent="-457200">
-              <a:buFont typeface="Wingdings" pitchFamily="2" charset="2"/>
-              <a:buChar char="Ø"/>
-            </a:pPr>
-            <a:r>
-              <a:rPr lang="es-ES_tradnl" sz="2600" dirty="0">
-                <a:solidFill>
-                  <a:schemeClr val="bg1"/>
-                </a:solidFill>
-              </a:rPr>
-              <a:t>Texto: Aptos (Cuerpo) 18</a:t>
-            </a:r>
-          </a:p>
-          <a:p>
-            <a:pPr marL="2403475" lvl="3" indent="-457200">
-              <a:buFont typeface="Wingdings" pitchFamily="2" charset="2"/>
-              <a:buChar char="Ø"/>
-            </a:pPr>
-            <a:r>
-              <a:rPr lang="es-ES_tradnl" sz="2600" dirty="0">
-                <a:solidFill>
-                  <a:schemeClr val="bg1"/>
-                </a:solidFill>
-              </a:rPr>
-              <a:t>No se permite el uso de otras tipografías ni cambios en el tamaño establecido.</a:t>
-            </a:r>
-          </a:p>
-          <a:p>
-            <a:pPr marL="1489075" lvl="1" indent="-457200">
-              <a:buFont typeface="Arial" panose="020B0604020202020204" pitchFamily="34" charset="0"/>
-              <a:buChar char="•"/>
-            </a:pPr>
-            <a:r>
-              <a:rPr lang="es-ES_tradnl" sz="2600" dirty="0">
-                <a:solidFill>
-                  <a:schemeClr val="bg1"/>
-                </a:solidFill>
-              </a:rPr>
-              <a:t>Redacción: Clara, precisa y científica.</a:t>
-            </a:r>
-          </a:p>
-          <a:p>
-            <a:pPr marL="1489075" lvl="1" indent="-457200">
-              <a:buFont typeface="Arial" panose="020B0604020202020204" pitchFamily="34" charset="0"/>
-              <a:buChar char="•"/>
-            </a:pPr>
-            <a:r>
-              <a:rPr lang="es-ES_tradnl" sz="2600" dirty="0">
-                <a:solidFill>
-                  <a:schemeClr val="bg1"/>
-                </a:solidFill>
-              </a:rPr>
-              <a:t>Se valorará la coherencia entre secciones.</a:t>
-            </a:r>
-          </a:p>
-          <a:p>
-            <a:pPr marL="1489075" lvl="1" indent="-457200">
-              <a:buFont typeface="Arial" panose="020B0604020202020204" pitchFamily="34" charset="0"/>
-              <a:buChar char="•"/>
-            </a:pPr>
-            <a:r>
-              <a:rPr lang="es-ES_tradnl" sz="2600" dirty="0">
-                <a:solidFill>
-                  <a:schemeClr val="bg1"/>
-                </a:solidFill>
-              </a:rPr>
-              <a:t>Evitar lenguaje coloquial.</a:t>
-            </a:r>
-          </a:p>
-          <a:p>
-            <a:pPr marL="1489075" lvl="1" indent="-457200">
-              <a:buFont typeface="Arial" panose="020B0604020202020204" pitchFamily="34" charset="0"/>
-              <a:buChar char="•"/>
-            </a:pPr>
-            <a:r>
-              <a:rPr lang="es-ES_tradnl" sz="2600" dirty="0">
-                <a:solidFill>
-                  <a:schemeClr val="bg1"/>
-                </a:solidFill>
-              </a:rPr>
-              <a:t>Ortografía:</a:t>
-            </a:r>
-          </a:p>
-          <a:p>
-            <a:pPr marL="2403475" lvl="3" indent="-457200">
-              <a:buFont typeface="Wingdings" pitchFamily="2" charset="2"/>
-              <a:buChar char="Ø"/>
-            </a:pPr>
-            <a:r>
-              <a:rPr lang="es-ES_tradnl" sz="2600" dirty="0">
-                <a:solidFill>
-                  <a:schemeClr val="bg1"/>
-                </a:solidFill>
-              </a:rPr>
-              <a:t>No se permiten faltas ortográficas ni errores gramaticales.</a:t>
-            </a:r>
-          </a:p>
-          <a:p>
-            <a:pPr marL="1489075" lvl="1" indent="-457200">
-              <a:buFont typeface="Arial" panose="020B0604020202020204" pitchFamily="34" charset="0"/>
-              <a:buChar char="•"/>
-            </a:pPr>
-            <a:r>
-              <a:rPr lang="es-ES_tradnl" sz="2600" dirty="0">
-                <a:solidFill>
-                  <a:schemeClr val="bg1"/>
-                </a:solidFill>
-              </a:rPr>
-              <a:t>Visuales:</a:t>
-            </a:r>
-          </a:p>
-          <a:p>
-            <a:pPr marL="2403475" lvl="3" indent="-457200">
-              <a:buFont typeface="Wingdings" pitchFamily="2" charset="2"/>
-              <a:buChar char="Ø"/>
-            </a:pPr>
-            <a:r>
-              <a:rPr lang="es-ES_tradnl" sz="2600" dirty="0">
-                <a:solidFill>
-                  <a:schemeClr val="bg1"/>
-                </a:solidFill>
-              </a:rPr>
-              <a:t>Todas las gráficas deben estar bien etiquetadas, con leyendas claras (todas las tipografías permitidas).</a:t>
-            </a:r>
-          </a:p>
-          <a:p>
-            <a:pPr marL="2403475" lvl="3" indent="-457200">
-              <a:buFont typeface="Wingdings" pitchFamily="2" charset="2"/>
-              <a:buChar char="Ø"/>
-            </a:pPr>
-            <a:r>
-              <a:rPr lang="es-ES_tradnl" sz="2600" dirty="0">
-                <a:solidFill>
-                  <a:schemeClr val="bg1"/>
-                </a:solidFill>
-              </a:rPr>
-              <a:t>No sobrecargar el póster con texto o imágenes innecesarias.</a:t>
-            </a:r>
-          </a:p>
-        </p:txBody>
-      </p:sp>
-    </p:spTree>
-    <p:extLst>
-      <p:ext uri="{BB962C8B-B14F-4D97-AF65-F5344CB8AC3E}">
-        <p14:creationId xmlns:p14="http://schemas.microsoft.com/office/powerpoint/2010/main" val="3205397241"/>
-      </p:ext>
-    </p:extLst>
-  </p:cSld>
-  <p:clrMapOvr>
-    <a:masterClrMapping/>
-  </p:clrMapOvr>
-</p:sld>
-</file>
-
-<file path=ppt/slides/slide2.xml><?xml version="1.0" encoding="utf-8"?>
-<p:sld xmlns:a="http://schemas.openxmlformats.org/drawingml/2006/main" xmlns:r="http://schemas.openxmlformats.org/officeDocument/2006/relationships" xmlns:p="http://schemas.openxmlformats.org/presentationml/2006/main">
-  <p:cSld>
-    <p:bg>
-      <p:bgPr>
-        <a:gradFill flip="none" rotWithShape="1">
-          <a:gsLst>
-            <a:gs pos="14000">
-              <a:schemeClr val="bg1"/>
-            </a:gs>
-            <a:gs pos="99000">
-              <a:srgbClr val="59C2E3">
-                <a:alpha val="25000"/>
-              </a:srgbClr>
-            </a:gs>
-          </a:gsLst>
-          <a:lin ang="2700000" scaled="1"/>
-          <a:tileRect/>
-        </a:gradFill>
-        <a:effectLst/>
-      </p:bgPr>
-    </p:bg>
-    <p:spTree>
-      <p:nvGrpSpPr>
-        <p:cNvPr id="1" name="">
-          <a:extLst>
-            <a:ext uri="{FF2B5EF4-FFF2-40B4-BE49-F238E27FC236}">
-              <a16:creationId xmlns:a16="http://schemas.microsoft.com/office/drawing/2014/main" id="{01741A3D-E56A-6A90-DD91-76A3ADF8E205}"/>
-            </a:ext>
-          </a:extLst>
-        </p:cNvPr>
-        <p:cNvGrpSpPr/>
-        <p:nvPr/>
-      </p:nvGrpSpPr>
-      <p:grpSpPr>
-        <a:xfrm>
-          <a:off x="0" y="0"/>
-          <a:ext cx="0" cy="0"/>
-          <a:chOff x="0" y="0"/>
-          <a:chExt cx="0" cy="0"/>
-        </a:xfrm>
-      </p:grpSpPr>
-      <p:grpSp>
-        <p:nvGrpSpPr>
-          <p:cNvPr id="9" name="Grupo 8">
-            <a:extLst>
-              <a:ext uri="{FF2B5EF4-FFF2-40B4-BE49-F238E27FC236}">
-                <a16:creationId xmlns:a16="http://schemas.microsoft.com/office/drawing/2014/main" id="{5C953506-346C-A8BF-67B5-F34567C6BC6E}"/>
-              </a:ext>
-            </a:extLst>
-          </p:cNvPr>
-          <p:cNvGrpSpPr/>
-          <p:nvPr/>
-        </p:nvGrpSpPr>
-        <p:grpSpPr>
-          <a:xfrm>
-            <a:off x="207596" y="7403672"/>
-            <a:ext cx="14668990" cy="9665128"/>
-            <a:chOff x="225180" y="8290675"/>
-            <a:chExt cx="14668990" cy="9665128"/>
-          </a:xfrm>
-        </p:grpSpPr>
-        <p:sp>
-          <p:nvSpPr>
-            <p:cNvPr id="16" name="Rectángulo redondeado 15">
-              <a:extLst>
-                <a:ext uri="{FF2B5EF4-FFF2-40B4-BE49-F238E27FC236}">
-                  <a16:creationId xmlns:a16="http://schemas.microsoft.com/office/drawing/2014/main" id="{C870726C-A1BB-2615-E2FF-5658152644CA}"/>
-                </a:ext>
-              </a:extLst>
-            </p:cNvPr>
-            <p:cNvSpPr/>
-            <p:nvPr/>
-          </p:nvSpPr>
-          <p:spPr>
-            <a:xfrm>
-              <a:off x="225180" y="8607197"/>
-              <a:ext cx="14668990" cy="9348606"/>
-            </a:xfrm>
-            <a:prstGeom prst="roundRect">
-              <a:avLst>
-                <a:gd name="adj" fmla="val 1988"/>
-              </a:avLst>
-            </a:prstGeom>
-            <a:solidFill>
-              <a:schemeClr val="bg1"/>
-            </a:solidFill>
-            <a:ln>
-              <a:solidFill>
-                <a:schemeClr val="bg2">
-                  <a:lumMod val="90000"/>
-                </a:schemeClr>
-              </a:solidFill>
-            </a:ln>
-          </p:spPr>
-          <p:style>
-            <a:lnRef idx="2">
-              <a:schemeClr val="accent1">
-                <a:shade val="15000"/>
-              </a:schemeClr>
-            </a:lnRef>
-            <a:fillRef idx="1">
-              <a:schemeClr val="accent1"/>
-            </a:fillRef>
-            <a:effectRef idx="0">
-              <a:schemeClr val="accent1"/>
-            </a:effectRef>
-            <a:fontRef idx="minor">
-              <a:schemeClr val="lt1"/>
-            </a:fontRef>
-          </p:style>
-          <p:txBody>
-            <a:bodyPr tIns="360000" rtlCol="0" anchor="t"/>
-            <a:lstStyle/>
-            <a:p>
-              <a:pPr algn="just">
-                <a:lnSpc>
-                  <a:spcPct val="80000"/>
-                </a:lnSpc>
-              </a:pPr>
-              <a:endParaRPr lang="es-ES_tradnl" sz="2400" i="1" dirty="0">
-                <a:solidFill>
-                  <a:schemeClr val="tx1"/>
-                </a:solidFill>
-              </a:endParaRPr>
-            </a:p>
-          </p:txBody>
-        </p:sp>
-        <p:sp>
-          <p:nvSpPr>
-            <p:cNvPr id="17" name="Rectángulo redondeado 16">
-              <a:extLst>
-                <a:ext uri="{FF2B5EF4-FFF2-40B4-BE49-F238E27FC236}">
-                  <a16:creationId xmlns:a16="http://schemas.microsoft.com/office/drawing/2014/main" id="{43F36DFC-F638-779B-0878-B5E8AD53AD3E}"/>
-                </a:ext>
-              </a:extLst>
-            </p:cNvPr>
-            <p:cNvSpPr/>
-            <p:nvPr/>
-          </p:nvSpPr>
-          <p:spPr>
-            <a:xfrm>
-              <a:off x="518258" y="8290675"/>
-              <a:ext cx="5838092" cy="633046"/>
-            </a:xfrm>
-            <a:prstGeom prst="roundRect">
-              <a:avLst/>
-            </a:prstGeom>
-            <a:gradFill>
-              <a:gsLst>
-                <a:gs pos="100000">
-                  <a:srgbClr val="4196C9"/>
-                </a:gs>
-                <a:gs pos="0">
-                  <a:srgbClr val="59C2E3"/>
-                </a:gs>
-              </a:gsLst>
-              <a:lin ang="2700000" scaled="1"/>
-            </a:gradFill>
-          </p:spPr>
-          <p:style>
-            <a:lnRef idx="2">
-              <a:schemeClr val="accent1">
-                <a:shade val="15000"/>
-              </a:schemeClr>
-            </a:lnRef>
-            <a:fillRef idx="1">
-              <a:schemeClr val="accent1"/>
-            </a:fillRef>
-            <a:effectRef idx="0">
-              <a:schemeClr val="accent1"/>
-            </a:effectRef>
-            <a:fontRef idx="minor">
-              <a:schemeClr val="lt1"/>
-            </a:fontRef>
-          </p:style>
-          <p:txBody>
-            <a:bodyPr rtlCol="0" anchor="ctr"/>
-            <a:lstStyle/>
-            <a:p>
-              <a:pPr algn="ctr"/>
-              <a:r>
-                <a:rPr lang="es-ES_tradnl" sz="2800" b="1" dirty="0"/>
-                <a:t>RESULTADOS</a:t>
-              </a:r>
-            </a:p>
-          </p:txBody>
-        </p:sp>
-      </p:grpSp>
-      <p:grpSp>
-        <p:nvGrpSpPr>
-          <p:cNvPr id="4" name="Grupo 3">
-            <a:extLst>
-              <a:ext uri="{FF2B5EF4-FFF2-40B4-BE49-F238E27FC236}">
-                <a16:creationId xmlns:a16="http://schemas.microsoft.com/office/drawing/2014/main" id="{5FCC48C4-680E-DC53-FF73-95EB091356FB}"/>
-              </a:ext>
-            </a:extLst>
-          </p:cNvPr>
-          <p:cNvGrpSpPr/>
-          <p:nvPr/>
-        </p:nvGrpSpPr>
-        <p:grpSpPr>
-          <a:xfrm>
-            <a:off x="225180" y="3484254"/>
-            <a:ext cx="14668990" cy="1504934"/>
-            <a:chOff x="225180" y="3930299"/>
-            <a:chExt cx="14668990" cy="1504934"/>
-          </a:xfrm>
-        </p:grpSpPr>
-        <p:sp>
-          <p:nvSpPr>
-            <p:cNvPr id="8" name="Rectángulo redondeado 7">
-              <a:extLst>
-                <a:ext uri="{FF2B5EF4-FFF2-40B4-BE49-F238E27FC236}">
-                  <a16:creationId xmlns:a16="http://schemas.microsoft.com/office/drawing/2014/main" id="{FEB7D3ED-CF02-C938-2FA1-39EE97AC2AA9}"/>
-                </a:ext>
-              </a:extLst>
-            </p:cNvPr>
-            <p:cNvSpPr/>
-            <p:nvPr/>
-          </p:nvSpPr>
-          <p:spPr>
-            <a:xfrm>
-              <a:off x="225180" y="4246822"/>
-              <a:ext cx="14668990" cy="1188411"/>
-            </a:xfrm>
-            <a:prstGeom prst="roundRect">
-              <a:avLst>
-                <a:gd name="adj" fmla="val 9702"/>
-              </a:avLst>
-            </a:prstGeom>
-            <a:solidFill>
-              <a:schemeClr val="bg1"/>
-            </a:solidFill>
-            <a:ln>
-              <a:solidFill>
-                <a:schemeClr val="bg2">
-                  <a:lumMod val="90000"/>
-                </a:schemeClr>
-              </a:solidFill>
-            </a:ln>
-          </p:spPr>
-          <p:style>
-            <a:lnRef idx="2">
-              <a:schemeClr val="accent1">
-                <a:shade val="15000"/>
-              </a:schemeClr>
-            </a:lnRef>
-            <a:fillRef idx="1">
-              <a:schemeClr val="accent1"/>
-            </a:fillRef>
-            <a:effectRef idx="0">
-              <a:schemeClr val="accent1"/>
-            </a:effectRef>
-            <a:fontRef idx="minor">
-              <a:schemeClr val="lt1"/>
-            </a:fontRef>
-          </p:style>
-          <p:txBody>
-            <a:bodyPr tIns="360000" rtlCol="0" anchor="t"/>
-            <a:lstStyle/>
-            <a:p>
-              <a:pPr algn="just">
-                <a:lnSpc>
-                  <a:spcPct val="80000"/>
-                </a:lnSpc>
-              </a:pPr>
-              <a:r>
-                <a:rPr lang="es-ES_tradnl" i="1" dirty="0">
-                  <a:solidFill>
-                    <a:schemeClr val="tx1"/>
-                  </a:solidFill>
-                </a:rPr>
-                <a:t>Este trabajo tiene como objetivo clasificar a los sujetos en distintos subgrupos nutricionales o </a:t>
-              </a:r>
-              <a:r>
-                <a:rPr lang="es-ES_tradnl" i="1" dirty="0" err="1">
-                  <a:solidFill>
-                    <a:schemeClr val="tx1"/>
-                  </a:solidFill>
-                </a:rPr>
-                <a:t>dietotipos</a:t>
-              </a:r>
-              <a:r>
-                <a:rPr lang="es-ES_tradnl" i="1" dirty="0">
-                  <a:solidFill>
-                    <a:schemeClr val="tx1"/>
-                  </a:solidFill>
-                </a:rPr>
-                <a:t> según su ingesta dietética y sus resultados de salud, utilizando métodos de reducción dimensional. Esta estrategia permite avanzar hacia intervenciones personalizadas que mejoren la salud cardiometabólica y la calidad de vida.</a:t>
-              </a:r>
-              <a:endParaRPr lang="es-ES_tradnl" sz="2400" i="1" dirty="0">
-                <a:solidFill>
-                  <a:schemeClr val="tx1"/>
-                </a:solidFill>
-              </a:endParaRPr>
-            </a:p>
-          </p:txBody>
-        </p:sp>
-        <p:sp>
-          <p:nvSpPr>
-            <p:cNvPr id="7" name="Rectángulo redondeado 6">
-              <a:extLst>
-                <a:ext uri="{FF2B5EF4-FFF2-40B4-BE49-F238E27FC236}">
-                  <a16:creationId xmlns:a16="http://schemas.microsoft.com/office/drawing/2014/main" id="{3945C9BD-E878-C904-BB12-F0BA2D1763CA}"/>
-                </a:ext>
-              </a:extLst>
-            </p:cNvPr>
-            <p:cNvSpPr/>
-            <p:nvPr/>
-          </p:nvSpPr>
-          <p:spPr>
-            <a:xfrm>
-              <a:off x="518258" y="3930299"/>
-              <a:ext cx="5838092" cy="633046"/>
-            </a:xfrm>
-            <a:prstGeom prst="roundRect">
-              <a:avLst/>
-            </a:prstGeom>
-            <a:gradFill>
-              <a:gsLst>
-                <a:gs pos="100000">
-                  <a:srgbClr val="4196C9"/>
-                </a:gs>
-                <a:gs pos="0">
-                  <a:srgbClr val="59C2E3"/>
-                </a:gs>
-              </a:gsLst>
-              <a:lin ang="2700000" scaled="1"/>
-            </a:gradFill>
-          </p:spPr>
-          <p:style>
-            <a:lnRef idx="2">
-              <a:schemeClr val="accent1">
-                <a:shade val="15000"/>
-              </a:schemeClr>
-            </a:lnRef>
-            <a:fillRef idx="1">
-              <a:schemeClr val="accent1"/>
-            </a:fillRef>
-            <a:effectRef idx="0">
-              <a:schemeClr val="accent1"/>
-            </a:effectRef>
-            <a:fontRef idx="minor">
-              <a:schemeClr val="lt1"/>
-            </a:fontRef>
-          </p:style>
-          <p:txBody>
-            <a:bodyPr rtlCol="0" anchor="ctr"/>
-            <a:lstStyle/>
-            <a:p>
-              <a:pPr algn="ctr"/>
-              <a:r>
-                <a:rPr lang="es-ES_tradnl" sz="2800" b="1"/>
-                <a:t>INTRODUCCIÓN</a:t>
-              </a:r>
-              <a:endParaRPr lang="es-ES_tradnl" sz="2800" b="1" dirty="0"/>
-            </a:p>
-          </p:txBody>
-        </p:sp>
-      </p:grpSp>
-      <p:grpSp>
-        <p:nvGrpSpPr>
-          <p:cNvPr id="6" name="Grupo 5">
-            <a:extLst>
-              <a:ext uri="{FF2B5EF4-FFF2-40B4-BE49-F238E27FC236}">
-                <a16:creationId xmlns:a16="http://schemas.microsoft.com/office/drawing/2014/main" id="{7B23F5A3-8FA4-BB38-32D0-0ECAD0F925F2}"/>
-              </a:ext>
-            </a:extLst>
-          </p:cNvPr>
-          <p:cNvGrpSpPr/>
-          <p:nvPr/>
-        </p:nvGrpSpPr>
-        <p:grpSpPr>
-          <a:xfrm>
-            <a:off x="207596" y="5235817"/>
-            <a:ext cx="14668990" cy="1992925"/>
-            <a:chOff x="207596" y="6110487"/>
-            <a:chExt cx="14668990" cy="1992925"/>
-          </a:xfrm>
-        </p:grpSpPr>
-        <p:sp>
-          <p:nvSpPr>
-            <p:cNvPr id="14" name="Rectángulo redondeado 13">
-              <a:extLst>
-                <a:ext uri="{FF2B5EF4-FFF2-40B4-BE49-F238E27FC236}">
-                  <a16:creationId xmlns:a16="http://schemas.microsoft.com/office/drawing/2014/main" id="{CB14F1FF-25D2-FA75-CD9F-A24420348853}"/>
-                </a:ext>
-              </a:extLst>
-            </p:cNvPr>
-            <p:cNvSpPr/>
-            <p:nvPr/>
-          </p:nvSpPr>
-          <p:spPr>
-            <a:xfrm>
-              <a:off x="207596" y="6427010"/>
-              <a:ext cx="14668990" cy="1676402"/>
-            </a:xfrm>
-            <a:prstGeom prst="roundRect">
-              <a:avLst>
-                <a:gd name="adj" fmla="val 9702"/>
-              </a:avLst>
-            </a:prstGeom>
-            <a:solidFill>
-              <a:schemeClr val="bg1"/>
-            </a:solidFill>
-            <a:ln>
-              <a:noFill/>
-            </a:ln>
-          </p:spPr>
-          <p:style>
-            <a:lnRef idx="2">
-              <a:schemeClr val="accent1">
-                <a:shade val="15000"/>
-              </a:schemeClr>
-            </a:lnRef>
-            <a:fillRef idx="1">
-              <a:schemeClr val="accent1"/>
-            </a:fillRef>
-            <a:effectRef idx="0">
-              <a:schemeClr val="accent1"/>
-            </a:effectRef>
-            <a:fontRef idx="minor">
-              <a:schemeClr val="lt1"/>
-            </a:fontRef>
-          </p:style>
-          <p:txBody>
-            <a:bodyPr tIns="360000" rtlCol="0" anchor="t"/>
-            <a:lstStyle/>
-            <a:p>
-              <a:pPr algn="just">
-                <a:lnSpc>
-                  <a:spcPct val="80000"/>
-                </a:lnSpc>
-              </a:pPr>
-              <a:r>
-                <a:rPr lang="es-ES_tradnl" i="1" dirty="0">
-                  <a:solidFill>
-                    <a:schemeClr val="tx1"/>
-                  </a:solidFill>
-                </a:rPr>
-                <a:t>Se realizó un análisis exploratorio multidimensional con datos dietéticos detallados de la base de datos proporcionada, incluyendo cuestionarios validados (FFQ y recordatorio de 72h), medidas antropométricas y bioquímicas. Mediante un análisis de PCA se analizaron 85 variables estandarizadas (21 dietéticas y 64 nutricionales), identificándose cuatro componentes dietéticos principales. Se aplicó un </a:t>
-              </a:r>
-              <a:r>
-                <a:rPr lang="es-ES_tradnl" i="1" dirty="0" err="1">
-                  <a:solidFill>
-                    <a:schemeClr val="tx1"/>
-                  </a:solidFill>
-                </a:rPr>
-                <a:t>parallel</a:t>
-              </a:r>
-              <a:r>
-                <a:rPr lang="es-ES_tradnl" i="1" dirty="0">
-                  <a:solidFill>
-                    <a:schemeClr val="tx1"/>
-                  </a:solidFill>
-                </a:rPr>
-                <a:t> </a:t>
-              </a:r>
-              <a:r>
-                <a:rPr lang="es-ES_tradnl" i="1" dirty="0" err="1">
-                  <a:solidFill>
-                    <a:schemeClr val="tx1"/>
-                  </a:solidFill>
-                </a:rPr>
-                <a:t>analysis</a:t>
-              </a:r>
-              <a:r>
-                <a:rPr lang="es-ES_tradnl" i="1" dirty="0">
-                  <a:solidFill>
-                    <a:schemeClr val="tx1"/>
-                  </a:solidFill>
-                </a:rPr>
-                <a:t> para confirmar el número óptimo de factores, y se clasificó a los participantes según su grado de adherencia a cada patrón. Posteriormente, se evaluaron correlaciones de Spearman entre los factores dietéticos y 104 variables clínicas, ajustando por energía y posibles confusores</a:t>
-              </a:r>
-              <a:endParaRPr lang="es-ES_tradnl" sz="2400" i="1" dirty="0">
-                <a:solidFill>
-                  <a:schemeClr val="tx1"/>
-                </a:solidFill>
-              </a:endParaRPr>
-            </a:p>
-          </p:txBody>
-        </p:sp>
-        <p:sp>
-          <p:nvSpPr>
-            <p:cNvPr id="15" name="Rectángulo redondeado 14">
-              <a:extLst>
-                <a:ext uri="{FF2B5EF4-FFF2-40B4-BE49-F238E27FC236}">
-                  <a16:creationId xmlns:a16="http://schemas.microsoft.com/office/drawing/2014/main" id="{F33D0645-E9FA-A931-364E-3210E3E69D6A}"/>
-                </a:ext>
-              </a:extLst>
-            </p:cNvPr>
-            <p:cNvSpPr/>
-            <p:nvPr/>
-          </p:nvSpPr>
-          <p:spPr>
-            <a:xfrm>
-              <a:off x="500674" y="6110487"/>
-              <a:ext cx="5838092" cy="633046"/>
-            </a:xfrm>
-            <a:prstGeom prst="roundRect">
-              <a:avLst/>
-            </a:prstGeom>
-            <a:gradFill>
-              <a:gsLst>
-                <a:gs pos="100000">
-                  <a:srgbClr val="4196C9"/>
-                </a:gs>
-                <a:gs pos="0">
-                  <a:srgbClr val="59C2E3"/>
-                </a:gs>
-              </a:gsLst>
-              <a:lin ang="2700000" scaled="1"/>
-            </a:gradFill>
-          </p:spPr>
-          <p:style>
-            <a:lnRef idx="2">
-              <a:schemeClr val="accent1">
-                <a:shade val="15000"/>
-              </a:schemeClr>
-            </a:lnRef>
-            <a:fillRef idx="1">
-              <a:schemeClr val="accent1"/>
-            </a:fillRef>
-            <a:effectRef idx="0">
-              <a:schemeClr val="accent1"/>
-            </a:effectRef>
-            <a:fontRef idx="minor">
-              <a:schemeClr val="lt1"/>
-            </a:fontRef>
-          </p:style>
-          <p:txBody>
-            <a:bodyPr rtlCol="0" anchor="ctr"/>
-            <a:lstStyle/>
-            <a:p>
-              <a:pPr algn="ctr"/>
-              <a:r>
-                <a:rPr lang="es-ES_tradnl" sz="2800" b="1" dirty="0"/>
-                <a:t>METODOLOGÍA</a:t>
-              </a:r>
-            </a:p>
-          </p:txBody>
-        </p:sp>
-      </p:grpSp>
-      <p:grpSp>
-        <p:nvGrpSpPr>
-          <p:cNvPr id="10" name="Grupo 9">
-            <a:extLst>
-              <a:ext uri="{FF2B5EF4-FFF2-40B4-BE49-F238E27FC236}">
-                <a16:creationId xmlns:a16="http://schemas.microsoft.com/office/drawing/2014/main" id="{20BD9571-E0A9-AB44-7B64-0F522BA4288F}"/>
-              </a:ext>
-            </a:extLst>
-          </p:cNvPr>
-          <p:cNvGrpSpPr/>
-          <p:nvPr/>
-        </p:nvGrpSpPr>
-        <p:grpSpPr>
-          <a:xfrm>
-            <a:off x="225181" y="17303689"/>
-            <a:ext cx="9095800" cy="3844742"/>
-            <a:chOff x="225181" y="17303689"/>
-            <a:chExt cx="9095800" cy="3844742"/>
-          </a:xfrm>
-        </p:grpSpPr>
-        <p:sp>
-          <p:nvSpPr>
-            <p:cNvPr id="22" name="Rectángulo redondeado 21">
-              <a:extLst>
-                <a:ext uri="{FF2B5EF4-FFF2-40B4-BE49-F238E27FC236}">
-                  <a16:creationId xmlns:a16="http://schemas.microsoft.com/office/drawing/2014/main" id="{381B9892-98E6-4609-C6F1-567DBF51A163}"/>
-                </a:ext>
-              </a:extLst>
-            </p:cNvPr>
-            <p:cNvSpPr/>
-            <p:nvPr/>
-          </p:nvSpPr>
-          <p:spPr>
-            <a:xfrm>
-              <a:off x="225181" y="17620211"/>
-              <a:ext cx="9095800" cy="3528220"/>
-            </a:xfrm>
-            <a:prstGeom prst="roundRect">
-              <a:avLst>
-                <a:gd name="adj" fmla="val 9702"/>
-              </a:avLst>
-            </a:prstGeom>
-            <a:solidFill>
-              <a:schemeClr val="bg1"/>
-            </a:solidFill>
-            <a:ln>
-              <a:solidFill>
-                <a:schemeClr val="bg2">
-                  <a:lumMod val="90000"/>
-                </a:schemeClr>
-              </a:solidFill>
-            </a:ln>
-          </p:spPr>
-          <p:style>
-            <a:lnRef idx="2">
-              <a:schemeClr val="accent1">
-                <a:shade val="15000"/>
-              </a:schemeClr>
-            </a:lnRef>
-            <a:fillRef idx="1">
-              <a:schemeClr val="accent1"/>
-            </a:fillRef>
-            <a:effectRef idx="0">
-              <a:schemeClr val="accent1"/>
-            </a:effectRef>
-            <a:fontRef idx="minor">
-              <a:schemeClr val="lt1"/>
-            </a:fontRef>
-          </p:style>
-          <p:txBody>
-            <a:bodyPr tIns="360000" rtlCol="0" anchor="t"/>
-            <a:lstStyle/>
-            <a:p>
-              <a:pPr algn="just">
-                <a:lnSpc>
-                  <a:spcPct val="80000"/>
-                </a:lnSpc>
-              </a:pPr>
-              <a:r>
-                <a:rPr lang="es-ES_tradnl" i="1" dirty="0">
-                  <a:solidFill>
-                    <a:schemeClr val="tx1"/>
-                  </a:solidFill>
-                </a:rPr>
-                <a:t>Los cuatro patrones dietéticos identificados muestran perfiles nutricionales y clínicos diferenciados que permiten establecer relaciones entre la dieta y marcadores de salud metabólica. El patrón proto-omnívoro (F1p-O) se asoció positivamente con masa magra, agua corporal total y fuerza muscular, lo que sugiere un perfil metabólicamente activo. El patrón pro-vegetariano (F2p-V) mostró asociaciones favorables con vitaminas hidrosolubles y un menor nivel de insulina, apuntando a un posible efecto protector frente a la resistencia a la insulina. El patrón pro-Mediterráneo (F3p-M) se relacionó inversamente con interleucina-6 y zinc, lo que podría indicar un perfil antiinflamatorio. Por otro lado, el patrón pro-</a:t>
-              </a:r>
-              <a:r>
-                <a:rPr lang="es-ES_tradnl" i="1" dirty="0" err="1">
-                  <a:solidFill>
-                    <a:schemeClr val="tx1"/>
-                  </a:solidFill>
-                </a:rPr>
-                <a:t>pescetariano</a:t>
-              </a:r>
-              <a:r>
-                <a:rPr lang="es-ES_tradnl" i="1" dirty="0">
-                  <a:solidFill>
-                    <a:schemeClr val="tx1"/>
-                  </a:solidFill>
-                </a:rPr>
-                <a:t> saludable (F4p-P) mostró una correlación positiva con selenio, aunque no alcanzó significación tras el ajuste. Estos resultados respaldan la utilidad del enfoque de nutrición de precisión para identificar </a:t>
-              </a:r>
-              <a:r>
-                <a:rPr lang="es-ES_tradnl" i="1" dirty="0" err="1">
-                  <a:solidFill>
-                    <a:schemeClr val="tx1"/>
-                  </a:solidFill>
-                </a:rPr>
-                <a:t>dietotipos</a:t>
-              </a:r>
-              <a:r>
-                <a:rPr lang="es-ES_tradnl" i="1" dirty="0">
-                  <a:solidFill>
-                    <a:schemeClr val="tx1"/>
-                  </a:solidFill>
-                </a:rPr>
-                <a:t> con implicaciones clínicas, particularmente en el contexto del metabolismo y la inflamación, dos ejes clave en enfermedades como la obesidad y sus comorbilidades.</a:t>
-              </a:r>
-              <a:endParaRPr lang="es-ES_tradnl" sz="2400" i="1" dirty="0">
-                <a:solidFill>
-                  <a:schemeClr val="tx1"/>
-                </a:solidFill>
-              </a:endParaRPr>
-            </a:p>
-          </p:txBody>
-        </p:sp>
-        <p:sp>
-          <p:nvSpPr>
-            <p:cNvPr id="23" name="Rectángulo redondeado 22">
-              <a:extLst>
-                <a:ext uri="{FF2B5EF4-FFF2-40B4-BE49-F238E27FC236}">
-                  <a16:creationId xmlns:a16="http://schemas.microsoft.com/office/drawing/2014/main" id="{A2D4C693-7BBD-E0C1-588A-41A91139D35B}"/>
-                </a:ext>
-              </a:extLst>
-            </p:cNvPr>
-            <p:cNvSpPr/>
-            <p:nvPr/>
-          </p:nvSpPr>
-          <p:spPr>
-            <a:xfrm>
-              <a:off x="518258" y="17303689"/>
-              <a:ext cx="5838092" cy="633046"/>
-            </a:xfrm>
-            <a:prstGeom prst="roundRect">
-              <a:avLst/>
-            </a:prstGeom>
-            <a:gradFill>
-              <a:gsLst>
-                <a:gs pos="100000">
-                  <a:srgbClr val="4196C9"/>
-                </a:gs>
-                <a:gs pos="0">
-                  <a:srgbClr val="59C2E3"/>
-                </a:gs>
-              </a:gsLst>
-              <a:lin ang="2700000" scaled="1"/>
-            </a:gradFill>
-          </p:spPr>
-          <p:style>
-            <a:lnRef idx="2">
-              <a:schemeClr val="accent1">
-                <a:shade val="15000"/>
-              </a:schemeClr>
-            </a:lnRef>
-            <a:fillRef idx="1">
-              <a:schemeClr val="accent1"/>
-            </a:fillRef>
-            <a:effectRef idx="0">
-              <a:schemeClr val="accent1"/>
-            </a:effectRef>
-            <a:fontRef idx="minor">
-              <a:schemeClr val="lt1"/>
-            </a:fontRef>
-          </p:style>
-          <p:txBody>
-            <a:bodyPr rtlCol="0" anchor="ctr"/>
-            <a:lstStyle/>
-            <a:p>
-              <a:pPr algn="ctr"/>
-              <a:r>
-                <a:rPr lang="es-ES_tradnl" sz="2800" b="1" dirty="0"/>
-                <a:t>DISCUSIÓN</a:t>
-              </a:r>
-            </a:p>
-          </p:txBody>
-        </p:sp>
-      </p:grpSp>
-      <p:grpSp>
-        <p:nvGrpSpPr>
-          <p:cNvPr id="11" name="Grupo 10">
-            <a:extLst>
-              <a:ext uri="{FF2B5EF4-FFF2-40B4-BE49-F238E27FC236}">
-                <a16:creationId xmlns:a16="http://schemas.microsoft.com/office/drawing/2014/main" id="{623B4F90-B675-90D5-3A62-801C71241135}"/>
-              </a:ext>
-            </a:extLst>
-          </p:cNvPr>
-          <p:cNvGrpSpPr/>
-          <p:nvPr/>
-        </p:nvGrpSpPr>
-        <p:grpSpPr>
-          <a:xfrm>
-            <a:off x="9527458" y="17303689"/>
-            <a:ext cx="5366712" cy="3844742"/>
-            <a:chOff x="7784856" y="17303689"/>
-            <a:chExt cx="7109314" cy="3844742"/>
-          </a:xfrm>
-        </p:grpSpPr>
-        <p:sp>
-          <p:nvSpPr>
-            <p:cNvPr id="24" name="Rectángulo redondeado 23">
-              <a:extLst>
-                <a:ext uri="{FF2B5EF4-FFF2-40B4-BE49-F238E27FC236}">
-                  <a16:creationId xmlns:a16="http://schemas.microsoft.com/office/drawing/2014/main" id="{C0FDA565-7231-A04B-604B-CBBA360FA2A9}"/>
-                </a:ext>
-              </a:extLst>
-            </p:cNvPr>
-            <p:cNvSpPr/>
-            <p:nvPr/>
-          </p:nvSpPr>
-          <p:spPr>
-            <a:xfrm>
-              <a:off x="7784856" y="17620211"/>
-              <a:ext cx="7109314" cy="3528220"/>
-            </a:xfrm>
-            <a:prstGeom prst="roundRect">
-              <a:avLst>
-                <a:gd name="adj" fmla="val 9702"/>
-              </a:avLst>
-            </a:prstGeom>
-            <a:solidFill>
-              <a:schemeClr val="bg1"/>
-            </a:solidFill>
-            <a:ln>
-              <a:solidFill>
-                <a:schemeClr val="bg2">
-                  <a:lumMod val="90000"/>
-                </a:schemeClr>
-              </a:solidFill>
-            </a:ln>
-          </p:spPr>
-          <p:style>
-            <a:lnRef idx="2">
-              <a:schemeClr val="accent1">
-                <a:shade val="15000"/>
-              </a:schemeClr>
-            </a:lnRef>
-            <a:fillRef idx="1">
-              <a:schemeClr val="accent1"/>
-            </a:fillRef>
-            <a:effectRef idx="0">
-              <a:schemeClr val="accent1"/>
-            </a:effectRef>
-            <a:fontRef idx="minor">
-              <a:schemeClr val="lt1"/>
-            </a:fontRef>
-          </p:style>
-          <p:txBody>
-            <a:bodyPr tIns="360000" rtlCol="0" anchor="t"/>
-            <a:lstStyle/>
-            <a:p>
-              <a:pPr algn="just">
-                <a:lnSpc>
-                  <a:spcPct val="80000"/>
-                </a:lnSpc>
-              </a:pPr>
-              <a:r>
-                <a:rPr lang="es-ES_tradnl" i="1" dirty="0">
-                  <a:solidFill>
-                    <a:schemeClr val="tx1"/>
-                  </a:solidFill>
-                </a:rPr>
-                <a:t>Nuestros hallazgos sugieren que los patrones dietéticos </a:t>
-              </a:r>
-              <a:r>
-                <a:rPr lang="es-ES_tradnl" i="1" dirty="0" err="1">
-                  <a:solidFill>
-                    <a:schemeClr val="tx1"/>
-                  </a:solidFill>
-                </a:rPr>
-                <a:t>protoomnívoros</a:t>
-              </a:r>
-              <a:r>
-                <a:rPr lang="es-ES_tradnl" i="1" dirty="0">
-                  <a:solidFill>
-                    <a:schemeClr val="tx1"/>
-                  </a:solidFill>
-                </a:rPr>
-                <a:t> se asocian positivamente con los componentes de masa magra, mientras que las dietas basadas en plantas mostraron tendencias opuestas. Los patrones dietéticos mediterráneos indujeron una posible asociación con perfiles antiinflamatorios. Estos resultados resaltan la posible utilidad de los métodos de reducción dimensional para comprender la presencia de </a:t>
-              </a:r>
-              <a:r>
-                <a:rPr lang="es-ES_tradnl" i="1" dirty="0" err="1">
-                  <a:solidFill>
-                    <a:schemeClr val="tx1"/>
-                  </a:solidFill>
-                </a:rPr>
-                <a:t>dietotipos</a:t>
-              </a:r>
-              <a:r>
-                <a:rPr lang="es-ES_tradnl" i="1" dirty="0">
-                  <a:solidFill>
-                    <a:schemeClr val="tx1"/>
-                  </a:solidFill>
-                </a:rPr>
-                <a:t> agrupados cualitativos que relacionan la dieta con los resultados de salud para la prescripción de nutrición de precisión.</a:t>
-              </a:r>
-              <a:endParaRPr lang="es-ES_tradnl" sz="2400" i="1" dirty="0">
-                <a:solidFill>
-                  <a:schemeClr val="tx1"/>
-                </a:solidFill>
-              </a:endParaRPr>
-            </a:p>
-          </p:txBody>
-        </p:sp>
-        <p:sp>
-          <p:nvSpPr>
-            <p:cNvPr id="25" name="Rectángulo redondeado 24">
-              <a:extLst>
-                <a:ext uri="{FF2B5EF4-FFF2-40B4-BE49-F238E27FC236}">
-                  <a16:creationId xmlns:a16="http://schemas.microsoft.com/office/drawing/2014/main" id="{0097D6A2-C865-70C9-C895-A45D8FA392DF}"/>
-                </a:ext>
-              </a:extLst>
-            </p:cNvPr>
-            <p:cNvSpPr/>
-            <p:nvPr/>
-          </p:nvSpPr>
-          <p:spPr>
-            <a:xfrm>
-              <a:off x="8077933" y="17303689"/>
-              <a:ext cx="5838092" cy="633046"/>
-            </a:xfrm>
-            <a:prstGeom prst="roundRect">
-              <a:avLst/>
-            </a:prstGeom>
-            <a:gradFill>
-              <a:gsLst>
-                <a:gs pos="100000">
-                  <a:srgbClr val="4196C9"/>
-                </a:gs>
-                <a:gs pos="0">
-                  <a:srgbClr val="59C2E3"/>
-                </a:gs>
-              </a:gsLst>
-              <a:lin ang="2700000" scaled="1"/>
-            </a:gradFill>
-          </p:spPr>
-          <p:style>
-            <a:lnRef idx="2">
-              <a:schemeClr val="accent1">
-                <a:shade val="15000"/>
-              </a:schemeClr>
-            </a:lnRef>
-            <a:fillRef idx="1">
-              <a:schemeClr val="accent1"/>
-            </a:fillRef>
-            <a:effectRef idx="0">
-              <a:schemeClr val="accent1"/>
-            </a:effectRef>
-            <a:fontRef idx="minor">
-              <a:schemeClr val="lt1"/>
-            </a:fontRef>
-          </p:style>
-          <p:txBody>
-            <a:bodyPr rtlCol="0" anchor="ctr"/>
-            <a:lstStyle/>
-            <a:p>
-              <a:pPr algn="ctr"/>
-              <a:r>
-                <a:rPr lang="es-ES_tradnl" sz="2800" b="1" dirty="0"/>
-                <a:t>CONCLUSIONES</a:t>
-              </a:r>
-            </a:p>
-          </p:txBody>
-        </p:sp>
-      </p:grpSp>
-      <p:pic>
-        <p:nvPicPr>
-          <p:cNvPr id="1028" name="Picture 4">
-            <a:extLst>
-              <a:ext uri="{FF2B5EF4-FFF2-40B4-BE49-F238E27FC236}">
-                <a16:creationId xmlns:a16="http://schemas.microsoft.com/office/drawing/2014/main" id="{70274CC9-2241-1244-4118-364EC63C3499}"/>
-              </a:ext>
-            </a:extLst>
-          </p:cNvPr>
-          <p:cNvPicPr>
-            <a:picLocks noChangeAspect="1" noChangeArrowheads="1"/>
-          </p:cNvPicPr>
-          <p:nvPr/>
-        </p:nvPicPr>
-        <p:blipFill>
-          <a:blip r:embed="rId2">
-            <a:extLst>
-              <a:ext uri="{28A0092B-C50C-407E-A947-70E740481C1C}">
-                <a14:useLocalDpi xmlns:a14="http://schemas.microsoft.com/office/drawing/2010/main" val="0"/>
-              </a:ext>
-            </a:extLst>
-          </a:blip>
-          <a:srcRect/>
-          <a:stretch>
-            <a:fillRect/>
-          </a:stretch>
-        </p:blipFill>
-        <p:spPr bwMode="auto">
-          <a:xfrm>
-            <a:off x="12550767" y="-95516"/>
-            <a:ext cx="2325820" cy="1400890"/>
-          </a:xfrm>
-          <a:prstGeom prst="rect">
-            <a:avLst/>
-          </a:prstGeom>
-          <a:noFill/>
-          <a:extLst>
-            <a:ext uri="{909E8E84-426E-40DD-AFC4-6F175D3DCCD1}">
-              <a14:hiddenFill xmlns:a14="http://schemas.microsoft.com/office/drawing/2010/main">
-                <a:solidFill>
-                  <a:srgbClr val="FFFFFF"/>
-                </a:solidFill>
-              </a14:hiddenFill>
-            </a:ext>
-          </a:extLst>
-        </p:spPr>
-      </p:pic>
-      <p:grpSp>
-        <p:nvGrpSpPr>
-          <p:cNvPr id="18" name="Grupo 17">
-            <a:extLst>
-              <a:ext uri="{FF2B5EF4-FFF2-40B4-BE49-F238E27FC236}">
-                <a16:creationId xmlns:a16="http://schemas.microsoft.com/office/drawing/2014/main" id="{8F6A5FD5-7463-A593-72C7-F0E4EB285025}"/>
-              </a:ext>
-            </a:extLst>
-          </p:cNvPr>
-          <p:cNvGrpSpPr>
-            <a:grpSpLocks noChangeAspect="1"/>
-          </p:cNvGrpSpPr>
-          <p:nvPr/>
-        </p:nvGrpSpPr>
-        <p:grpSpPr>
-          <a:xfrm>
-            <a:off x="0" y="-5895"/>
-            <a:ext cx="3397496" cy="2303046"/>
-            <a:chOff x="0" y="-5895"/>
-            <a:chExt cx="4834200" cy="3276938"/>
-          </a:xfrm>
-        </p:grpSpPr>
-        <p:pic>
-          <p:nvPicPr>
-            <p:cNvPr id="5" name="Imagen 4">
-              <a:extLst>
-                <a:ext uri="{FF2B5EF4-FFF2-40B4-BE49-F238E27FC236}">
-                  <a16:creationId xmlns:a16="http://schemas.microsoft.com/office/drawing/2014/main" id="{DE58BDFA-8AF2-7019-7FBC-D37E50AE445C}"/>
-                </a:ext>
-              </a:extLst>
-            </p:cNvPr>
-            <p:cNvPicPr>
-              <a:picLocks noChangeAspect="1"/>
-            </p:cNvPicPr>
-            <p:nvPr/>
-          </p:nvPicPr>
-          <p:blipFill>
-            <a:blip r:embed="rId3"/>
-            <a:stretch>
-              <a:fillRect/>
-            </a:stretch>
-          </p:blipFill>
-          <p:spPr>
-            <a:xfrm>
-              <a:off x="0" y="-5895"/>
-              <a:ext cx="4834200" cy="3276938"/>
-            </a:xfrm>
-            <a:prstGeom prst="rect">
-              <a:avLst/>
-            </a:prstGeom>
-          </p:spPr>
-        </p:pic>
-        <p:sp>
-          <p:nvSpPr>
-            <p:cNvPr id="2" name="Rectángulo 1">
-              <a:extLst>
-                <a:ext uri="{FF2B5EF4-FFF2-40B4-BE49-F238E27FC236}">
-                  <a16:creationId xmlns:a16="http://schemas.microsoft.com/office/drawing/2014/main" id="{AE74DE59-F695-8E93-09D0-A92C58D17992}"/>
-                </a:ext>
-              </a:extLst>
-            </p:cNvPr>
-            <p:cNvSpPr/>
-            <p:nvPr/>
-          </p:nvSpPr>
-          <p:spPr>
-            <a:xfrm>
-              <a:off x="964642" y="1549130"/>
-              <a:ext cx="2257529" cy="671556"/>
-            </a:xfrm>
-            <a:prstGeom prst="rect">
-              <a:avLst/>
-            </a:prstGeom>
-            <a:solidFill>
-              <a:schemeClr val="bg1"/>
-            </a:solidFill>
-            <a:ln>
-              <a:noFill/>
-            </a:ln>
-          </p:spPr>
-          <p:style>
-            <a:lnRef idx="2">
-              <a:schemeClr val="accent1">
-                <a:shade val="15000"/>
-              </a:schemeClr>
-            </a:lnRef>
-            <a:fillRef idx="1">
-              <a:schemeClr val="accent1"/>
-            </a:fillRef>
-            <a:effectRef idx="0">
-              <a:schemeClr val="accent1"/>
-            </a:effectRef>
-            <a:fontRef idx="minor">
-              <a:schemeClr val="lt1"/>
-            </a:fontRef>
-          </p:style>
-          <p:txBody>
-            <a:bodyPr rtlCol="0" anchor="ctr"/>
-            <a:lstStyle/>
-            <a:p>
-              <a:pPr algn="ctr"/>
-              <a:endParaRPr lang="es-ES_tradnl"/>
-            </a:p>
-          </p:txBody>
-        </p:sp>
-      </p:grpSp>
-      <p:sp>
-        <p:nvSpPr>
-          <p:cNvPr id="3" name="Rectángulo redondeado 2">
-            <a:extLst>
-              <a:ext uri="{FF2B5EF4-FFF2-40B4-BE49-F238E27FC236}">
-                <a16:creationId xmlns:a16="http://schemas.microsoft.com/office/drawing/2014/main" id="{A8921268-A726-C96C-B743-206883618C91}"/>
-              </a:ext>
-            </a:extLst>
-          </p:cNvPr>
-          <p:cNvSpPr/>
-          <p:nvPr/>
-        </p:nvSpPr>
-        <p:spPr>
-          <a:xfrm>
-            <a:off x="677955" y="1320342"/>
-            <a:ext cx="13763441" cy="1981203"/>
-          </a:xfrm>
-          <a:prstGeom prst="roundRect">
-            <a:avLst>
-              <a:gd name="adj" fmla="val 9702"/>
-            </a:avLst>
-          </a:prstGeom>
-          <a:solidFill>
-            <a:srgbClr val="4196C9"/>
-          </a:solidFill>
-          <a:ln>
-            <a:noFill/>
-          </a:ln>
-        </p:spPr>
-        <p:style>
-          <a:lnRef idx="2">
-            <a:schemeClr val="accent1">
-              <a:shade val="15000"/>
-            </a:schemeClr>
-          </a:lnRef>
-          <a:fillRef idx="1">
-            <a:schemeClr val="accent1"/>
-          </a:fillRef>
-          <a:effectRef idx="0">
-            <a:schemeClr val="accent1"/>
-          </a:effectRef>
-          <a:fontRef idx="minor">
-            <a:schemeClr val="lt1"/>
-          </a:fontRef>
-        </p:style>
-        <p:txBody>
-          <a:bodyPr lIns="90000" tIns="46800" rtlCol="0" anchor="ctr"/>
-          <a:lstStyle/>
-          <a:p>
-            <a:pPr algn="ctr"/>
-            <a:r>
-              <a:rPr lang="es-ES_tradnl" sz="4000" b="1" dirty="0">
-                <a:solidFill>
-                  <a:schemeClr val="bg1"/>
-                </a:solidFill>
-              </a:rPr>
-              <a:t>Análisis descriptivos de poblaciones fenotípicas </a:t>
-            </a:r>
-          </a:p>
-          <a:p>
-            <a:pPr algn="ctr">
-              <a:lnSpc>
-                <a:spcPct val="80000"/>
-              </a:lnSpc>
-            </a:pPr>
-            <a:r>
-              <a:rPr lang="es-ES_tradnl" sz="2800" b="1" i="1" dirty="0">
-                <a:solidFill>
-                  <a:schemeClr val="bg1"/>
-                </a:solidFill>
-              </a:rPr>
-              <a:t>Estadística y R para Ciencias de la Salud</a:t>
-            </a:r>
-            <a:endParaRPr lang="es-ES_tradnl" sz="3600" b="1" i="1" dirty="0">
-              <a:solidFill>
-                <a:schemeClr val="bg1"/>
-              </a:solidFill>
-            </a:endParaRPr>
-          </a:p>
-          <a:p>
-            <a:pPr algn="ctr">
-              <a:lnSpc>
-                <a:spcPct val="80000"/>
-              </a:lnSpc>
-            </a:pPr>
-            <a:r>
-              <a:rPr lang="es-ES_tradnl" sz="2000" b="1" i="1" dirty="0">
-                <a:solidFill>
-                  <a:schemeClr val="bg1"/>
-                </a:solidFill>
-              </a:rPr>
-              <a:t>Víctor de la O, Edwin Fernández-Cruz </a:t>
-            </a:r>
-          </a:p>
-        </p:txBody>
-      </p:sp>
-      <p:sp>
-        <p:nvSpPr>
-          <p:cNvPr id="19" name="CuadroTexto 18">
-            <a:extLst>
-              <a:ext uri="{FF2B5EF4-FFF2-40B4-BE49-F238E27FC236}">
-                <a16:creationId xmlns:a16="http://schemas.microsoft.com/office/drawing/2014/main" id="{16E043BC-62DC-A50A-F677-84121C77150E}"/>
-              </a:ext>
-            </a:extLst>
-          </p:cNvPr>
-          <p:cNvSpPr txBox="1"/>
-          <p:nvPr/>
-        </p:nvSpPr>
-        <p:spPr>
-          <a:xfrm>
-            <a:off x="3785136" y="244115"/>
-            <a:ext cx="8168971" cy="769441"/>
-          </a:xfrm>
-          <a:prstGeom prst="rect">
-            <a:avLst/>
-          </a:prstGeom>
-          <a:solidFill>
-            <a:srgbClr val="FF0000"/>
-          </a:solidFill>
-        </p:spPr>
-        <p:txBody>
-          <a:bodyPr wrap="square" rtlCol="0">
-            <a:spAutoFit/>
-          </a:bodyPr>
-          <a:lstStyle/>
-          <a:p>
-            <a:pPr algn="ctr"/>
-            <a:r>
-              <a:rPr lang="es-ES_tradnl" sz="4400" b="1" dirty="0">
-                <a:solidFill>
-                  <a:schemeClr val="bg1"/>
-                </a:solidFill>
-              </a:rPr>
-              <a:t>EJEMPLO DE PÓSTER</a:t>
-            </a:r>
-          </a:p>
-        </p:txBody>
-      </p:sp>
-      <p:pic>
-        <p:nvPicPr>
-          <p:cNvPr id="1026" name="Imagen 1025">
-            <a:extLst>
-              <a:ext uri="{FF2B5EF4-FFF2-40B4-BE49-F238E27FC236}">
-                <a16:creationId xmlns:a16="http://schemas.microsoft.com/office/drawing/2014/main" id="{CE2825C3-FEB7-85C5-586A-818E2C8F72A7}"/>
-              </a:ext>
-            </a:extLst>
-          </p:cNvPr>
-          <p:cNvPicPr>
-            <a:picLocks noChangeAspect="1"/>
-          </p:cNvPicPr>
-          <p:nvPr/>
-        </p:nvPicPr>
-        <p:blipFill>
-          <a:blip r:embed="rId4"/>
-          <a:stretch>
-            <a:fillRect/>
-          </a:stretch>
-        </p:blipFill>
-        <p:spPr>
-          <a:xfrm>
-            <a:off x="1492514" y="12668012"/>
-            <a:ext cx="4585243" cy="4359971"/>
-          </a:xfrm>
-          <a:prstGeom prst="rect">
-            <a:avLst/>
-          </a:prstGeom>
-        </p:spPr>
-      </p:pic>
-      <p:pic>
-        <p:nvPicPr>
-          <p:cNvPr id="1030" name="Imagen 1029">
-            <a:extLst>
-              <a:ext uri="{FF2B5EF4-FFF2-40B4-BE49-F238E27FC236}">
-                <a16:creationId xmlns:a16="http://schemas.microsoft.com/office/drawing/2014/main" id="{67AE5237-CDD3-C381-4492-77FCF77CE19F}"/>
-              </a:ext>
-            </a:extLst>
-          </p:cNvPr>
-          <p:cNvPicPr>
-            <a:picLocks noChangeAspect="1"/>
-          </p:cNvPicPr>
-          <p:nvPr/>
-        </p:nvPicPr>
-        <p:blipFill>
-          <a:blip r:embed="rId5"/>
-          <a:stretch>
-            <a:fillRect/>
-          </a:stretch>
-        </p:blipFill>
-        <p:spPr>
-          <a:xfrm>
-            <a:off x="8799234" y="12556709"/>
-            <a:ext cx="4488385" cy="4359971"/>
-          </a:xfrm>
-          <a:prstGeom prst="rect">
-            <a:avLst/>
-          </a:prstGeom>
-        </p:spPr>
-      </p:pic>
-      <p:pic>
-        <p:nvPicPr>
-          <p:cNvPr id="1031" name="Imagen 1030">
-            <a:extLst>
-              <a:ext uri="{FF2B5EF4-FFF2-40B4-BE49-F238E27FC236}">
-                <a16:creationId xmlns:a16="http://schemas.microsoft.com/office/drawing/2014/main" id="{48ABB6AD-8DEB-8DDF-B8F6-3CA6779148A2}"/>
-              </a:ext>
-            </a:extLst>
-          </p:cNvPr>
-          <p:cNvPicPr>
-            <a:picLocks noChangeAspect="1"/>
-          </p:cNvPicPr>
-          <p:nvPr/>
-        </p:nvPicPr>
-        <p:blipFill>
-          <a:blip r:embed="rId6"/>
-          <a:srcRect r="-355"/>
-          <a:stretch/>
-        </p:blipFill>
-        <p:spPr>
-          <a:xfrm>
-            <a:off x="500674" y="8825800"/>
-            <a:ext cx="14194891" cy="2911351"/>
-          </a:xfrm>
-          <a:prstGeom prst="rect">
-            <a:avLst/>
-          </a:prstGeom>
-        </p:spPr>
-      </p:pic>
-      <p:sp>
-        <p:nvSpPr>
-          <p:cNvPr id="1036" name="Rectángulo redondeado 1035">
-            <a:extLst>
-              <a:ext uri="{FF2B5EF4-FFF2-40B4-BE49-F238E27FC236}">
-                <a16:creationId xmlns:a16="http://schemas.microsoft.com/office/drawing/2014/main" id="{AFAF9801-11D6-F874-E9A8-A3E0E4590764}"/>
-              </a:ext>
-            </a:extLst>
-          </p:cNvPr>
-          <p:cNvSpPr/>
-          <p:nvPr/>
-        </p:nvSpPr>
-        <p:spPr>
-          <a:xfrm>
-            <a:off x="518258" y="8158328"/>
-            <a:ext cx="13959752" cy="633046"/>
-          </a:xfrm>
-          <a:prstGeom prst="roundRect">
-            <a:avLst/>
-          </a:prstGeom>
-          <a:solidFill>
-            <a:schemeClr val="bg2"/>
-          </a:solidFill>
-          <a:ln>
-            <a:noFill/>
-          </a:ln>
-        </p:spPr>
-        <p:style>
-          <a:lnRef idx="2">
-            <a:schemeClr val="accent1">
-              <a:shade val="15000"/>
-            </a:schemeClr>
-          </a:lnRef>
-          <a:fillRef idx="1">
-            <a:schemeClr val="accent1"/>
-          </a:fillRef>
-          <a:effectRef idx="0">
-            <a:schemeClr val="accent1"/>
-          </a:effectRef>
-          <a:fontRef idx="minor">
-            <a:schemeClr val="lt1"/>
-          </a:fontRef>
-        </p:style>
-        <p:txBody>
-          <a:bodyPr rtlCol="0" anchor="ctr"/>
-          <a:lstStyle/>
-          <a:p>
-            <a:pPr marL="0" marR="0" lvl="0" indent="0" algn="l" defTabSz="457200" rtl="0" eaLnBrk="1" fontAlgn="auto" latinLnBrk="0" hangingPunct="1">
-              <a:lnSpc>
-                <a:spcPct val="80000"/>
-              </a:lnSpc>
-              <a:spcBef>
-                <a:spcPts val="0"/>
-              </a:spcBef>
-              <a:spcAft>
-                <a:spcPts val="0"/>
-              </a:spcAft>
-              <a:buClrTx/>
-              <a:buSzTx/>
-              <a:buFontTx/>
-              <a:buNone/>
-              <a:tabLst/>
-              <a:defRPr/>
-            </a:pPr>
-            <a:r>
-              <a:rPr kumimoji="0" lang="es-ES_tradnl" sz="1800" b="1" i="0" u="none" strike="noStrike" kern="1200" cap="none" spc="0" normalizeH="0" baseline="0" noProof="0" dirty="0">
-                <a:ln>
-                  <a:noFill/>
-                </a:ln>
-                <a:solidFill>
-                  <a:srgbClr val="4196C9"/>
-                </a:solidFill>
-                <a:effectLst/>
-                <a:uLnTx/>
-                <a:uFillTx/>
-                <a:latin typeface="Aptos" panose="02110004020202020204"/>
-                <a:ea typeface="+mn-ea"/>
-                <a:cs typeface="+mn-cs"/>
-              </a:rPr>
-              <a:t>Figura 1. </a:t>
-            </a:r>
-            <a:r>
-              <a:rPr kumimoji="0" lang="es-ES_tradnl" sz="1800" b="0" i="0" u="none" strike="noStrike" kern="1200" cap="none" spc="0" normalizeH="0" baseline="0" noProof="0" dirty="0">
-                <a:ln>
-                  <a:noFill/>
-                </a:ln>
-                <a:solidFill>
-                  <a:prstClr val="black"/>
-                </a:solidFill>
-                <a:effectLst/>
-                <a:uLnTx/>
-                <a:uFillTx/>
-                <a:latin typeface="Aptos" panose="02110004020202020204"/>
-                <a:ea typeface="+mn-ea"/>
-                <a:cs typeface="+mn-cs"/>
-              </a:rPr>
-              <a:t>Diagramas de cajas de la distribución más representativa del consumo dietético según cada factor estratificado por adherencia según los valores medianos</a:t>
-            </a:r>
-          </a:p>
-        </p:txBody>
-      </p:sp>
-      <p:sp>
-        <p:nvSpPr>
-          <p:cNvPr id="1037" name="Rectángulo redondeado 1036">
-            <a:extLst>
-              <a:ext uri="{FF2B5EF4-FFF2-40B4-BE49-F238E27FC236}">
-                <a16:creationId xmlns:a16="http://schemas.microsoft.com/office/drawing/2014/main" id="{60842445-E351-8E63-2B2D-F06DA2DB4243}"/>
-              </a:ext>
-            </a:extLst>
-          </p:cNvPr>
-          <p:cNvSpPr/>
-          <p:nvPr/>
-        </p:nvSpPr>
-        <p:spPr>
-          <a:xfrm>
-            <a:off x="518258" y="11923663"/>
-            <a:ext cx="6692011" cy="633046"/>
-          </a:xfrm>
-          <a:prstGeom prst="roundRect">
-            <a:avLst/>
-          </a:prstGeom>
-          <a:solidFill>
-            <a:schemeClr val="bg2"/>
-          </a:solidFill>
-          <a:ln>
-            <a:noFill/>
-          </a:ln>
-        </p:spPr>
-        <p:style>
-          <a:lnRef idx="2">
-            <a:schemeClr val="accent1">
-              <a:shade val="15000"/>
-            </a:schemeClr>
-          </a:lnRef>
-          <a:fillRef idx="1">
-            <a:schemeClr val="accent1"/>
-          </a:fillRef>
-          <a:effectRef idx="0">
-            <a:schemeClr val="accent1"/>
-          </a:effectRef>
-          <a:fontRef idx="minor">
-            <a:schemeClr val="lt1"/>
-          </a:fontRef>
-        </p:style>
-        <p:txBody>
-          <a:bodyPr rtlCol="0" anchor="ctr"/>
-          <a:lstStyle/>
-          <a:p>
-            <a:pPr marL="0" marR="0" lvl="0" indent="0" algn="l" defTabSz="457200" rtl="0" eaLnBrk="1" fontAlgn="auto" latinLnBrk="0" hangingPunct="1">
-              <a:lnSpc>
-                <a:spcPct val="80000"/>
-              </a:lnSpc>
-              <a:spcBef>
-                <a:spcPts val="0"/>
-              </a:spcBef>
-              <a:spcAft>
-                <a:spcPts val="0"/>
-              </a:spcAft>
-              <a:buClrTx/>
-              <a:buSzTx/>
-              <a:buFontTx/>
-              <a:buNone/>
-              <a:tabLst/>
-              <a:defRPr/>
-            </a:pPr>
-            <a:r>
-              <a:rPr kumimoji="0" lang="es-ES_tradnl" sz="1800" b="1" i="0" u="none" strike="noStrike" kern="1200" cap="none" spc="0" normalizeH="0" baseline="0" noProof="0" dirty="0">
-                <a:ln>
-                  <a:noFill/>
-                </a:ln>
-                <a:solidFill>
-                  <a:srgbClr val="4196C9"/>
-                </a:solidFill>
-                <a:effectLst/>
-                <a:uLnTx/>
-                <a:uFillTx/>
-                <a:latin typeface="Aptos" panose="02110004020202020204"/>
-                <a:ea typeface="+mn-ea"/>
-                <a:cs typeface="+mn-cs"/>
-              </a:rPr>
-              <a:t>Figura 2. </a:t>
-            </a:r>
-            <a:r>
-              <a:rPr kumimoji="0" lang="es-ES_tradnl" sz="1800" b="0" i="0" u="none" strike="noStrike" kern="1200" cap="none" spc="0" normalizeH="0" baseline="0" noProof="0" dirty="0" err="1">
-                <a:ln>
-                  <a:noFill/>
-                </a:ln>
-                <a:solidFill>
-                  <a:prstClr val="black"/>
-                </a:solidFill>
-                <a:effectLst/>
-                <a:uLnTx/>
-                <a:uFillTx/>
-                <a:latin typeface="Aptos" panose="02110004020202020204"/>
-                <a:ea typeface="+mn-ea"/>
-                <a:cs typeface="+mn-cs"/>
-              </a:rPr>
-              <a:t>Complex</a:t>
-            </a:r>
-            <a:r>
-              <a:rPr kumimoji="0" lang="es-ES_tradnl" sz="1800" b="0" i="0" u="none" strike="noStrike" kern="1200" cap="none" spc="0" normalizeH="0" baseline="0" noProof="0" dirty="0">
-                <a:ln>
-                  <a:noFill/>
-                </a:ln>
-                <a:solidFill>
-                  <a:prstClr val="black"/>
-                </a:solidFill>
-                <a:effectLst/>
-                <a:uLnTx/>
-                <a:uFillTx/>
-                <a:latin typeface="Aptos" panose="02110004020202020204"/>
-                <a:ea typeface="+mn-ea"/>
-                <a:cs typeface="+mn-cs"/>
-              </a:rPr>
-              <a:t> </a:t>
-            </a:r>
-            <a:r>
-              <a:rPr kumimoji="0" lang="es-ES_tradnl" sz="1800" b="0" i="0" u="none" strike="noStrike" kern="1200" cap="none" spc="0" normalizeH="0" baseline="0" noProof="0" dirty="0" err="1">
-                <a:ln>
-                  <a:noFill/>
-                </a:ln>
-                <a:solidFill>
-                  <a:prstClr val="black"/>
-                </a:solidFill>
-                <a:effectLst/>
-                <a:uLnTx/>
-                <a:uFillTx/>
-                <a:latin typeface="Aptos" panose="02110004020202020204"/>
-                <a:ea typeface="+mn-ea"/>
-                <a:cs typeface="+mn-cs"/>
-              </a:rPr>
-              <a:t>heatmap</a:t>
-            </a:r>
-            <a:r>
-              <a:rPr kumimoji="0" lang="es-ES_tradnl" sz="1800" b="0" i="0" u="none" strike="noStrike" kern="1200" cap="none" spc="0" normalizeH="0" baseline="0" noProof="0" dirty="0">
-                <a:ln>
-                  <a:noFill/>
-                </a:ln>
-                <a:solidFill>
-                  <a:prstClr val="black"/>
-                </a:solidFill>
-                <a:effectLst/>
-                <a:uLnTx/>
-                <a:uFillTx/>
-                <a:latin typeface="Aptos" panose="02110004020202020204"/>
-                <a:ea typeface="+mn-ea"/>
-                <a:cs typeface="+mn-cs"/>
-              </a:rPr>
-              <a:t> de características clínicas según cada Factor (F)</a:t>
-            </a:r>
-          </a:p>
-        </p:txBody>
-      </p:sp>
-      <p:sp>
-        <p:nvSpPr>
-          <p:cNvPr id="1038" name="Rectángulo redondeado 1037">
-            <a:extLst>
-              <a:ext uri="{FF2B5EF4-FFF2-40B4-BE49-F238E27FC236}">
-                <a16:creationId xmlns:a16="http://schemas.microsoft.com/office/drawing/2014/main" id="{20F2FDA8-F2AE-8EC6-EFD0-E92D4FCAEDFB}"/>
-              </a:ext>
-            </a:extLst>
-          </p:cNvPr>
-          <p:cNvSpPr/>
-          <p:nvPr/>
-        </p:nvSpPr>
-        <p:spPr>
-          <a:xfrm>
-            <a:off x="7697422" y="11923663"/>
-            <a:ext cx="6692011" cy="633046"/>
-          </a:xfrm>
-          <a:prstGeom prst="roundRect">
-            <a:avLst/>
-          </a:prstGeom>
-          <a:solidFill>
-            <a:schemeClr val="bg2"/>
-          </a:solidFill>
-          <a:ln>
-            <a:noFill/>
-          </a:ln>
-        </p:spPr>
-        <p:style>
-          <a:lnRef idx="2">
-            <a:schemeClr val="accent1">
-              <a:shade val="15000"/>
-            </a:schemeClr>
-          </a:lnRef>
-          <a:fillRef idx="1">
-            <a:schemeClr val="accent1"/>
-          </a:fillRef>
-          <a:effectRef idx="0">
-            <a:schemeClr val="accent1"/>
-          </a:effectRef>
-          <a:fontRef idx="minor">
-            <a:schemeClr val="lt1"/>
-          </a:fontRef>
-        </p:style>
-        <p:txBody>
-          <a:bodyPr rtlCol="0" anchor="ctr"/>
-          <a:lstStyle/>
-          <a:p>
-            <a:pPr marL="0" marR="0" lvl="0" indent="0" algn="l" defTabSz="457200" rtl="0" eaLnBrk="1" fontAlgn="auto" latinLnBrk="0" hangingPunct="1">
-              <a:lnSpc>
-                <a:spcPct val="80000"/>
-              </a:lnSpc>
-              <a:spcBef>
-                <a:spcPts val="0"/>
-              </a:spcBef>
-              <a:spcAft>
-                <a:spcPts val="0"/>
-              </a:spcAft>
-              <a:buClrTx/>
-              <a:buSzTx/>
-              <a:buFontTx/>
-              <a:buNone/>
-              <a:tabLst/>
-              <a:defRPr/>
-            </a:pPr>
-            <a:r>
-              <a:rPr kumimoji="0" lang="es-ES_tradnl" sz="1800" b="1" i="0" u="none" strike="noStrike" kern="1200" cap="none" spc="0" normalizeH="0" baseline="0" noProof="0" dirty="0">
-                <a:ln>
-                  <a:noFill/>
-                </a:ln>
-                <a:solidFill>
-                  <a:srgbClr val="4196C9"/>
-                </a:solidFill>
-                <a:effectLst/>
-                <a:uLnTx/>
-                <a:uFillTx/>
-                <a:latin typeface="Aptos" panose="02110004020202020204"/>
-                <a:ea typeface="+mn-ea"/>
-                <a:cs typeface="+mn-cs"/>
-              </a:rPr>
-              <a:t>Figura 3. </a:t>
-            </a:r>
-            <a:r>
-              <a:rPr kumimoji="0" lang="es-ES_tradnl" sz="1800" b="0" i="0" u="none" strike="noStrike" kern="1200" cap="none" spc="0" normalizeH="0" baseline="0" noProof="0" dirty="0">
-                <a:ln>
-                  <a:noFill/>
-                </a:ln>
-                <a:solidFill>
-                  <a:prstClr val="black"/>
-                </a:solidFill>
-                <a:effectLst/>
-                <a:uLnTx/>
-                <a:uFillTx/>
-                <a:latin typeface="Aptos" panose="02110004020202020204"/>
-                <a:ea typeface="+mn-ea"/>
-                <a:cs typeface="+mn-cs"/>
-              </a:rPr>
-              <a:t>Diagrama de bosque de asociaciones de características clínicas según cada factor (F)</a:t>
-            </a:r>
-          </a:p>
-        </p:txBody>
-      </p:sp>
-    </p:spTree>
-    <p:extLst>
-      <p:ext uri="{BB962C8B-B14F-4D97-AF65-F5344CB8AC3E}">
-        <p14:creationId xmlns:p14="http://schemas.microsoft.com/office/powerpoint/2010/main" val="220350250"/>
-      </p:ext>
-    </p:extLst>
-  </p:cSld>
-  <p:clrMapOvr>
-    <a:masterClrMapping/>
-  </p:clrMapOvr>
-</p:sld>
-</file>
-
-<file path=ppt/slides/slide3.xml><?xml version="1.0" encoding="utf-8"?>
-<p:sld xmlns:a="http://schemas.openxmlformats.org/drawingml/2006/main" xmlns:r="http://schemas.openxmlformats.org/officeDocument/2006/relationships" xmlns:p="http://schemas.openxmlformats.org/presentationml/2006/main">
-  <p:cSld>
-    <p:bg>
-      <p:bgPr>
-        <a:gradFill flip="none" rotWithShape="1">
-          <a:gsLst>
-            <a:gs pos="14000">
-              <a:schemeClr val="bg1"/>
-            </a:gs>
-            <a:gs pos="99000">
-              <a:srgbClr val="59C2E3">
-                <a:alpha val="25000"/>
-              </a:srgbClr>
-            </a:gs>
-          </a:gsLst>
-          <a:lin ang="2700000" scaled="1"/>
-          <a:tileRect/>
-        </a:gradFill>
-        <a:effectLst/>
-      </p:bgPr>
-    </p:bg>
-    <p:spTree>
-      <p:nvGrpSpPr>
         <p:cNvPr id="1" name="">
           <a:extLst>
             <a:ext uri="{FF2B5EF4-FFF2-40B4-BE49-F238E27FC236}">
@@ -5336,10 +3013,10 @@
         </p:nvGrpSpPr>
         <p:grpSpPr>
           <a:xfrm>
-            <a:off x="207595" y="2986077"/>
-            <a:ext cx="14668990" cy="1873409"/>
-            <a:chOff x="225180" y="3973105"/>
-            <a:chExt cx="14668990" cy="1462128"/>
+            <a:off x="127025" y="2973319"/>
+            <a:ext cx="14668990" cy="1772882"/>
+            <a:chOff x="225180" y="3813593"/>
+            <a:chExt cx="14668990" cy="1772882"/>
           </a:xfrm>
         </p:grpSpPr>
         <p:sp>
@@ -5356,7 +3033,7 @@
           </p:nvSpPr>
           <p:spPr>
             <a:xfrm>
-              <a:off x="225180" y="4246822"/>
+              <a:off x="225180" y="4398064"/>
               <a:ext cx="14668990" cy="1188411"/>
             </a:xfrm>
             <a:prstGeom prst="roundRect">
@@ -5422,8 +3099,8 @@
           </p:nvSpPr>
           <p:spPr>
             <a:xfrm>
-              <a:off x="478450" y="3973105"/>
-              <a:ext cx="5838092" cy="494069"/>
+              <a:off x="501325" y="3813593"/>
+              <a:ext cx="5838092" cy="633046"/>
             </a:xfrm>
             <a:prstGeom prst="roundRect">
               <a:avLst/>
@@ -5483,10 +3160,10 @@
         </p:nvGrpSpPr>
         <p:grpSpPr>
           <a:xfrm>
-            <a:off x="207597" y="4989405"/>
-            <a:ext cx="14704158" cy="2206897"/>
-            <a:chOff x="310179" y="5945254"/>
-            <a:chExt cx="14601575" cy="2028817"/>
+            <a:off x="207596" y="4931856"/>
+            <a:ext cx="14668990" cy="2339151"/>
+            <a:chOff x="207596" y="5873201"/>
+            <a:chExt cx="14668990" cy="2339151"/>
           </a:xfrm>
         </p:grpSpPr>
         <p:sp>
@@ -5503,8 +3180,8 @@
           </p:nvSpPr>
           <p:spPr>
             <a:xfrm>
-              <a:off x="310179" y="6261777"/>
-              <a:ext cx="14601575" cy="1712294"/>
+              <a:off x="207596" y="6151617"/>
+              <a:ext cx="14668990" cy="2060735"/>
             </a:xfrm>
             <a:prstGeom prst="roundRect">
               <a:avLst>
@@ -5749,7 +3426,7 @@
           </p:nvSpPr>
           <p:spPr>
             <a:xfrm>
-              <a:off x="460865" y="5945254"/>
+              <a:off x="500674" y="5873201"/>
               <a:ext cx="5838092" cy="633046"/>
             </a:xfrm>
             <a:prstGeom prst="roundRect">
@@ -5811,7 +3488,7 @@
         <p:grpSpPr>
           <a:xfrm>
             <a:off x="207596" y="7336997"/>
-            <a:ext cx="14668990" cy="9782603"/>
+            <a:ext cx="14668990" cy="8166199"/>
             <a:chOff x="225180" y="8290675"/>
             <a:chExt cx="14668990" cy="9782603"/>
           </a:xfrm>
@@ -6214,10 +3891,10 @@
         </p:nvGrpSpPr>
         <p:grpSpPr>
           <a:xfrm>
-            <a:off x="207596" y="17303689"/>
-            <a:ext cx="9095800" cy="3844742"/>
-            <a:chOff x="225181" y="17303689"/>
-            <a:chExt cx="9095800" cy="3844742"/>
+            <a:off x="310835" y="15717134"/>
+            <a:ext cx="9095800" cy="5666491"/>
+            <a:chOff x="328420" y="15717134"/>
+            <a:chExt cx="9095800" cy="3778353"/>
           </a:xfrm>
         </p:grpSpPr>
         <p:sp>
@@ -6234,7 +3911,7 @@
           </p:nvSpPr>
           <p:spPr>
             <a:xfrm>
-              <a:off x="225181" y="17620211"/>
+              <a:off x="328420" y="15967267"/>
               <a:ext cx="9095800" cy="3528220"/>
             </a:xfrm>
             <a:prstGeom prst="roundRect">
@@ -6278,15 +3955,7 @@
                   <a:spcPct val="80000"/>
                 </a:lnSpc>
               </a:pPr>
-              <a:r>
-                <a:rPr lang="es-ES_tradnl" i="1" dirty="0">
-                  <a:solidFill>
-                    <a:schemeClr val="tx1"/>
-                  </a:solidFill>
-                </a:rPr>
-                <a:t>Interpretación de resultados, posibles relaciones si aplica, etc.</a:t>
-              </a:r>
-              <a:endParaRPr lang="es-ES_tradnl" sz="2400" i="1" dirty="0">
+              <a:endParaRPr lang="es-ES_tradnl" dirty="0">
                 <a:solidFill>
                   <a:schemeClr val="tx1"/>
                 </a:solidFill>
@@ -6308,7 +3977,7 @@
           </p:nvSpPr>
           <p:spPr>
             <a:xfrm>
-              <a:off x="518258" y="17303689"/>
+              <a:off x="496035" y="15717134"/>
               <a:ext cx="5838092" cy="633046"/>
             </a:xfrm>
             <a:prstGeom prst="roundRect">
@@ -6635,7 +4304,7 @@
         </p:nvSpPr>
         <p:spPr>
           <a:xfrm>
-            <a:off x="481644" y="14424077"/>
+            <a:off x="562215" y="10779073"/>
             <a:ext cx="13959752" cy="633046"/>
           </a:xfrm>
           <a:prstGeom prst="roundRect">
@@ -6668,23 +4337,21 @@
           <a:bodyPr rtlCol="0" anchor="ctr"/>
           <a:lstStyle/>
           <a:p>
-            <a:pPr marL="0" marR="0" lvl="0" indent="0" algn="l" defTabSz="457200" rtl="0" eaLnBrk="1" fontAlgn="auto" latinLnBrk="0" hangingPunct="1">
+            <a:pPr lvl="0">
               <a:lnSpc>
                 <a:spcPct val="80000"/>
               </a:lnSpc>
-              <a:spcBef>
-                <a:spcPts val="0"/>
-              </a:spcBef>
-              <a:spcAft>
-                <a:spcPts val="0"/>
-              </a:spcAft>
-              <a:buClrTx/>
-              <a:buSzTx/>
-              <a:buFontTx/>
-              <a:buNone/>
-              <a:tabLst/>
               <a:defRPr/>
             </a:pPr>
+            <a:r>
+              <a:rPr lang="es-ES_tradnl" b="1" dirty="0">
+                <a:solidFill>
+                  <a:srgbClr val="4196C9"/>
+                </a:solidFill>
+                <a:latin typeface="Aptos" panose="02110004020202020204"/>
+              </a:rPr>
+              <a:t>Tabla 1</a:t>
+            </a:r>
             <a:r>
               <a:rPr kumimoji="0" lang="es-ES_tradnl" sz="1800" b="1" i="0" u="none" strike="noStrike" kern="1200" cap="none" spc="0" normalizeH="0" baseline="0" noProof="0" dirty="0">
                 <a:ln>
@@ -6700,15 +4367,15 @@
                 <a:ea typeface="+mn-ea"/>
                 <a:cs typeface="+mn-cs"/>
               </a:rPr>
-              <a:t>Figura 2. </a:t>
-            </a:r>
-            <a:r>
-              <a:rPr kumimoji="0" lang="es-ES_tradnl" sz="1800" b="0" i="0" u="none" strike="noStrike" kern="1200" cap="none" spc="0" normalizeH="0" baseline="0" noProof="0" dirty="0">
+              <a:t>.</a:t>
+            </a:r>
+            <a:r>
+              <a:rPr kumimoji="0" lang="es-ES" sz="1800" b="1" i="0" u="none" strike="noStrike" kern="1200" cap="none" spc="0" normalizeH="0" baseline="0" noProof="0" dirty="0">
                 <a:ln>
                   <a:noFill/>
                 </a:ln>
                 <a:solidFill>
-                  <a:prstClr val="black"/>
+                  <a:schemeClr val="tx1"/>
                 </a:solidFill>
                 <a:effectLst/>
                 <a:uLnTx/>
@@ -6717,109 +4384,30 @@
                 <a:ea typeface="+mn-ea"/>
                 <a:cs typeface="+mn-cs"/>
               </a:rPr>
-              <a:t>Descripción.</a:t>
-            </a:r>
-          </a:p>
-        </p:txBody>
-      </p:sp>
-      <p:sp>
-        <p:nvSpPr>
-          <p:cNvPr id="41" name="Rectángulo redondeado 40">
-            <a:extLst>
-              <a:ext uri="{FF2B5EF4-FFF2-40B4-BE49-F238E27FC236}">
-                <a16:creationId xmlns:a16="http://schemas.microsoft.com/office/drawing/2014/main" id="{A5674FB9-8324-DF2F-A950-34B0495EFB78}"/>
-              </a:ext>
-            </a:extLst>
-          </p:cNvPr>
-          <p:cNvSpPr/>
-          <p:nvPr/>
-        </p:nvSpPr>
-        <p:spPr>
-          <a:xfrm>
-            <a:off x="481644" y="15284561"/>
-            <a:ext cx="13959752" cy="633046"/>
-          </a:xfrm>
-          <a:prstGeom prst="roundRect">
-            <a:avLst/>
-          </a:prstGeom>
-          <a:solidFill>
-            <a:schemeClr val="bg2"/>
-          </a:solidFill>
-          <a:ln>
-            <a:noFill/>
-          </a:ln>
-        </p:spPr>
-        <p:style>
-          <a:lnRef idx="2">
-            <a:schemeClr val="accent1">
-              <a:shade val="15000"/>
-            </a:schemeClr>
-          </a:lnRef>
-          <a:fillRef idx="1">
-            <a:schemeClr val="accent1"/>
-          </a:fillRef>
-          <a:effectRef idx="0">
-            <a:schemeClr val="accent1"/>
-          </a:effectRef>
-          <a:fontRef idx="minor">
-            <a:schemeClr val="lt1"/>
-          </a:fontRef>
-        </p:style>
-        <p:txBody>
-          <a:bodyPr rtlCol="0" anchor="ctr"/>
-          <a:lstStyle/>
-          <a:p>
-            <a:pPr marL="0" marR="0" lvl="0" indent="0" algn="l" defTabSz="457200" rtl="0" eaLnBrk="1" fontAlgn="auto" latinLnBrk="0" hangingPunct="1">
-              <a:lnSpc>
-                <a:spcPct val="80000"/>
-              </a:lnSpc>
-              <a:spcBef>
-                <a:spcPts val="0"/>
-              </a:spcBef>
-              <a:spcAft>
-                <a:spcPts val="0"/>
-              </a:spcAft>
-              <a:buClrTx/>
-              <a:buSzTx/>
-              <a:buFontTx/>
-              <a:buNone/>
-              <a:tabLst/>
-              <a:defRPr/>
-            </a:pPr>
-            <a:r>
-              <a:rPr kumimoji="0" lang="es-ES_tradnl" sz="1800" b="1" i="0" u="none" strike="noStrike" kern="1200" cap="none" spc="0" normalizeH="0" baseline="0" noProof="0" dirty="0">
-                <a:ln>
-                  <a:noFill/>
-                </a:ln>
+              <a:t> </a:t>
+            </a:r>
+            <a:r>
+              <a:rPr lang="es-ES" dirty="0">
                 <a:solidFill>
-                  <a:srgbClr val="4196C9"/>
+                  <a:schemeClr val="tx1"/>
                 </a:solidFill>
-                <a:effectLst/>
-                <a:uLnTx/>
-                <a:uFillTx/>
-                <a:latin typeface="Aptos" panose="02110004020202020204"/>
-                <a:ea typeface="+mn-ea"/>
-                <a:cs typeface="+mn-cs"/>
               </a:rPr>
-              <a:t>Figura 3. </a:t>
-            </a:r>
-            <a:r>
-              <a:rPr kumimoji="0" lang="es-ES_tradnl" sz="1800" b="0" i="0" u="none" strike="noStrike" kern="1200" cap="none" spc="0" normalizeH="0" baseline="0" noProof="0" dirty="0">
-                <a:ln>
-                  <a:noFill/>
-                </a:ln>
-                <a:solidFill>
-                  <a:prstClr val="black"/>
-                </a:solidFill>
-                <a:effectLst/>
-                <a:uLnTx/>
-                <a:uFillTx/>
-                <a:latin typeface="Aptos" panose="02110004020202020204"/>
-                <a:ea typeface="+mn-ea"/>
-                <a:cs typeface="+mn-cs"/>
-              </a:rPr>
-              <a:t>Descripción.</a:t>
-            </a:r>
+              <a:t>Nomenclatura y Clasificación de las Variantes Detectadas</a:t>
+            </a:r>
+            <a:endParaRPr kumimoji="0" lang="es-ES_tradnl" sz="1800" b="0" i="0" u="none" strike="noStrike" kern="1200" cap="none" spc="0" normalizeH="0" baseline="0" noProof="0" dirty="0">
+              <a:ln>
+                <a:noFill/>
+              </a:ln>
+              <a:solidFill>
+                <a:schemeClr val="tx1"/>
+              </a:solidFill>
+              <a:effectLst/>
+              <a:uLnTx/>
+              <a:uFillTx/>
+              <a:latin typeface="Aptos" panose="02110004020202020204"/>
+              <a:ea typeface="+mn-ea"/>
+              <a:cs typeface="+mn-cs"/>
+            </a:endParaRPr>
           </a:p>
         </p:txBody>
       </p:sp>
@@ -6831,8 +4419,8 @@
         </p:nvSpPr>
         <p:spPr>
           <a:xfrm>
-            <a:off x="242766" y="3642191"/>
-            <a:ext cx="14668990" cy="1200329"/>
+            <a:off x="292592" y="3612790"/>
+            <a:ext cx="14601577" cy="1477328"/>
           </a:xfrm>
           <a:prstGeom prst="rect">
             <a:avLst/>
@@ -6897,6 +4485,1091 @@
           </a:prstGeom>
         </p:spPr>
       </p:pic>
+      <p:graphicFrame>
+        <p:nvGraphicFramePr>
+          <p:cNvPr id="12" name="Table 11">
+            <a:extLst>
+              <a:ext uri="{FF2B5EF4-FFF2-40B4-BE49-F238E27FC236}">
+                <a16:creationId xmlns:a16="http://schemas.microsoft.com/office/drawing/2014/main" id="{9D1ACA0D-CF67-08FF-B309-25202B2D7265}"/>
+              </a:ext>
+            </a:extLst>
+          </p:cNvPr>
+          <p:cNvGraphicFramePr>
+            <a:graphicFrameLocks noGrp="1"/>
+          </p:cNvGraphicFramePr>
+          <p:nvPr>
+            <p:extLst>
+              <p:ext uri="{D42A27DB-BD31-4B8C-83A1-F6EECF244321}">
+                <p14:modId xmlns:p14="http://schemas.microsoft.com/office/powerpoint/2010/main" val="3635953000"/>
+              </p:ext>
+            </p:extLst>
+          </p:nvPr>
+        </p:nvGraphicFramePr>
+        <p:xfrm>
+          <a:off x="1264975" y="11508373"/>
+          <a:ext cx="12589400" cy="3625018"/>
+        </p:xfrm>
+        <a:graphic>
+          <a:graphicData uri="http://schemas.openxmlformats.org/drawingml/2006/table">
+            <a:tbl>
+              <a:tblPr firstRow="1">
+                <a:tableStyleId>{69C7853C-536D-4A76-A0AE-DD22124D55A5}</a:tableStyleId>
+              </a:tblPr>
+              <a:tblGrid>
+                <a:gridCol w="2517880">
+                  <a:extLst>
+                    <a:ext uri="{9D8B030D-6E8A-4147-A177-3AD203B41FA5}">
+                      <a16:colId xmlns:a16="http://schemas.microsoft.com/office/drawing/2014/main" val="1125714231"/>
+                    </a:ext>
+                  </a:extLst>
+                </a:gridCol>
+                <a:gridCol w="2517880">
+                  <a:extLst>
+                    <a:ext uri="{9D8B030D-6E8A-4147-A177-3AD203B41FA5}">
+                      <a16:colId xmlns:a16="http://schemas.microsoft.com/office/drawing/2014/main" val="579523154"/>
+                    </a:ext>
+                  </a:extLst>
+                </a:gridCol>
+                <a:gridCol w="2517880">
+                  <a:extLst>
+                    <a:ext uri="{9D8B030D-6E8A-4147-A177-3AD203B41FA5}">
+                      <a16:colId xmlns:a16="http://schemas.microsoft.com/office/drawing/2014/main" val="1317236247"/>
+                    </a:ext>
+                  </a:extLst>
+                </a:gridCol>
+                <a:gridCol w="2517880">
+                  <a:extLst>
+                    <a:ext uri="{9D8B030D-6E8A-4147-A177-3AD203B41FA5}">
+                      <a16:colId xmlns:a16="http://schemas.microsoft.com/office/drawing/2014/main" val="491748850"/>
+                    </a:ext>
+                  </a:extLst>
+                </a:gridCol>
+                <a:gridCol w="2517880">
+                  <a:extLst>
+                    <a:ext uri="{9D8B030D-6E8A-4147-A177-3AD203B41FA5}">
+                      <a16:colId xmlns:a16="http://schemas.microsoft.com/office/drawing/2014/main" val="1241216690"/>
+                    </a:ext>
+                  </a:extLst>
+                </a:gridCol>
+              </a:tblGrid>
+              <a:tr h="583277">
+                <a:tc>
+                  <a:txBody>
+                    <a:bodyPr/>
+                    <a:lstStyle/>
+                    <a:p>
+                      <a:pPr algn="ctr" rtl="0">
+                        <a:buNone/>
+                      </a:pPr>
+                      <a:r>
+                        <a:rPr lang="es-ES" sz="1800" b="1" dirty="0">
+                          <a:solidFill>
+                            <a:schemeClr val="bg1"/>
+                          </a:solidFill>
+                          <a:effectLst/>
+                          <a:latin typeface="Aptos (Body)"/>
+                          <a:cs typeface="Times New Roman" panose="02020603050405020304" pitchFamily="18" charset="0"/>
+                        </a:rPr>
+                        <a:t>Gen</a:t>
+                      </a:r>
+                      <a:endParaRPr lang="es-ES" sz="1800" dirty="0">
+                        <a:solidFill>
+                          <a:schemeClr val="bg1"/>
+                        </a:solidFill>
+                        <a:effectLst/>
+                        <a:latin typeface="Aptos (Body)"/>
+                        <a:cs typeface="Times New Roman" panose="02020603050405020304" pitchFamily="18" charset="0"/>
+                      </a:endParaRPr>
+                    </a:p>
+                  </a:txBody>
+                  <a:tcPr marL="76200" marR="76200" marT="50800" marB="50800" anchor="ctr"/>
+                </a:tc>
+                <a:tc>
+                  <a:txBody>
+                    <a:bodyPr/>
+                    <a:lstStyle/>
+                    <a:p>
+                      <a:pPr algn="ctr" rtl="0">
+                        <a:buNone/>
+                      </a:pPr>
+                      <a:r>
+                        <a:rPr lang="es-ES" sz="1800" b="1" dirty="0">
+                          <a:solidFill>
+                            <a:schemeClr val="bg1"/>
+                          </a:solidFill>
+                          <a:effectLst/>
+                          <a:latin typeface="Aptos (Body)"/>
+                          <a:cs typeface="Times New Roman" panose="02020603050405020304" pitchFamily="18" charset="0"/>
+                        </a:rPr>
+                        <a:t>Nomenclatura g. (hg38)</a:t>
+                      </a:r>
+                      <a:endParaRPr lang="es-ES" sz="1800" dirty="0">
+                        <a:solidFill>
+                          <a:schemeClr val="bg1"/>
+                        </a:solidFill>
+                        <a:effectLst/>
+                        <a:latin typeface="Aptos (Body)"/>
+                        <a:cs typeface="Times New Roman" panose="02020603050405020304" pitchFamily="18" charset="0"/>
+                      </a:endParaRPr>
+                    </a:p>
+                  </a:txBody>
+                  <a:tcPr marL="76200" marR="76200" marT="50800" marB="50800" anchor="ctr"/>
+                </a:tc>
+                <a:tc>
+                  <a:txBody>
+                    <a:bodyPr/>
+                    <a:lstStyle/>
+                    <a:p>
+                      <a:pPr algn="ctr" rtl="0">
+                        <a:buNone/>
+                      </a:pPr>
+                      <a:r>
+                        <a:rPr lang="es-ES" sz="1800" b="1">
+                          <a:solidFill>
+                            <a:schemeClr val="bg1"/>
+                          </a:solidFill>
+                          <a:effectLst/>
+                          <a:latin typeface="Aptos (Body)"/>
+                          <a:cs typeface="Times New Roman" panose="02020603050405020304" pitchFamily="18" charset="0"/>
+                        </a:rPr>
+                        <a:t>Nomenclatura c. (Transcrito)</a:t>
+                      </a:r>
+                      <a:endParaRPr lang="es-ES" sz="1800">
+                        <a:solidFill>
+                          <a:schemeClr val="bg1"/>
+                        </a:solidFill>
+                        <a:effectLst/>
+                        <a:latin typeface="Aptos (Body)"/>
+                        <a:cs typeface="Times New Roman" panose="02020603050405020304" pitchFamily="18" charset="0"/>
+                      </a:endParaRPr>
+                    </a:p>
+                  </a:txBody>
+                  <a:tcPr marL="76200" marR="76200" marT="50800" marB="50800" anchor="ctr"/>
+                </a:tc>
+                <a:tc>
+                  <a:txBody>
+                    <a:bodyPr/>
+                    <a:lstStyle/>
+                    <a:p>
+                      <a:pPr algn="ctr" rtl="0">
+                        <a:buNone/>
+                      </a:pPr>
+                      <a:r>
+                        <a:rPr lang="es-ES" sz="1800" b="1">
+                          <a:solidFill>
+                            <a:schemeClr val="bg1"/>
+                          </a:solidFill>
+                          <a:effectLst/>
+                          <a:latin typeface="Aptos (Body)"/>
+                          <a:cs typeface="Times New Roman" panose="02020603050405020304" pitchFamily="18" charset="0"/>
+                        </a:rPr>
+                        <a:t>Nomenclatura p. (Proteína)</a:t>
+                      </a:r>
+                      <a:endParaRPr lang="es-ES" sz="1800">
+                        <a:solidFill>
+                          <a:schemeClr val="bg1"/>
+                        </a:solidFill>
+                        <a:effectLst/>
+                        <a:latin typeface="Aptos (Body)"/>
+                        <a:cs typeface="Times New Roman" panose="02020603050405020304" pitchFamily="18" charset="0"/>
+                      </a:endParaRPr>
+                    </a:p>
+                  </a:txBody>
+                  <a:tcPr marL="76200" marR="76200" marT="50800" marB="50800" anchor="ctr"/>
+                </a:tc>
+                <a:tc>
+                  <a:txBody>
+                    <a:bodyPr/>
+                    <a:lstStyle/>
+                    <a:p>
+                      <a:pPr algn="ctr" rtl="0">
+                        <a:buNone/>
+                      </a:pPr>
+                      <a:r>
+                        <a:rPr lang="es-ES" sz="1800" b="1" dirty="0" err="1">
+                          <a:solidFill>
+                            <a:schemeClr val="bg1"/>
+                          </a:solidFill>
+                          <a:effectLst/>
+                          <a:latin typeface="Aptos (Body)"/>
+                          <a:cs typeface="Times New Roman" panose="02020603050405020304" pitchFamily="18" charset="0"/>
+                        </a:rPr>
+                        <a:t>Cigocidad</a:t>
+                      </a:r>
+                      <a:endParaRPr lang="es-ES" sz="1800" dirty="0">
+                        <a:solidFill>
+                          <a:schemeClr val="bg1"/>
+                        </a:solidFill>
+                        <a:effectLst/>
+                        <a:latin typeface="Aptos (Body)"/>
+                        <a:cs typeface="Times New Roman" panose="02020603050405020304" pitchFamily="18" charset="0"/>
+                      </a:endParaRPr>
+                    </a:p>
+                  </a:txBody>
+                  <a:tcPr marL="76200" marR="76200" marT="50800" marB="50800" anchor="ctr"/>
+                </a:tc>
+                <a:extLst>
+                  <a:ext uri="{0D108BD9-81ED-4DB2-BD59-A6C34878D82A}">
+                    <a16:rowId xmlns:a16="http://schemas.microsoft.com/office/drawing/2014/main" val="728560836"/>
+                  </a:ext>
+                </a:extLst>
+              </a:tr>
+              <a:tr h="583277">
+                <a:tc>
+                  <a:txBody>
+                    <a:bodyPr/>
+                    <a:lstStyle/>
+                    <a:p>
+                      <a:pPr algn="ctr" rtl="0">
+                        <a:buNone/>
+                      </a:pPr>
+                      <a:r>
+                        <a:rPr lang="es-ES" sz="1800" b="1" dirty="0">
+                          <a:solidFill>
+                            <a:schemeClr val="bg1"/>
+                          </a:solidFill>
+                          <a:effectLst/>
+                          <a:latin typeface="Aptos (Body)"/>
+                          <a:cs typeface="Times New Roman" panose="02020603050405020304" pitchFamily="18" charset="0"/>
+                        </a:rPr>
+                        <a:t>LEPR</a:t>
+                      </a:r>
+                      <a:endParaRPr lang="es-ES" sz="1800" dirty="0">
+                        <a:solidFill>
+                          <a:schemeClr val="bg1"/>
+                        </a:solidFill>
+                        <a:effectLst/>
+                        <a:latin typeface="Aptos (Body)"/>
+                        <a:cs typeface="Times New Roman" panose="02020603050405020304" pitchFamily="18" charset="0"/>
+                      </a:endParaRPr>
+                    </a:p>
+                  </a:txBody>
+                  <a:tcPr marL="76200" marR="76200" marT="50800" marB="50800" anchor="ctr"/>
+                </a:tc>
+                <a:tc>
+                  <a:txBody>
+                    <a:bodyPr/>
+                    <a:lstStyle/>
+                    <a:p>
+                      <a:pPr algn="ctr" rtl="0">
+                        <a:buNone/>
+                      </a:pPr>
+                      <a:r>
+                        <a:rPr lang="es-ES" sz="1800" dirty="0">
+                          <a:solidFill>
+                            <a:schemeClr val="bg1"/>
+                          </a:solidFill>
+                          <a:effectLst/>
+                          <a:latin typeface="Aptos (Body)"/>
+                          <a:cs typeface="Times New Roman" panose="02020603050405020304" pitchFamily="18" charset="0"/>
+                        </a:rPr>
+                        <a:t>chr1:65,609,984 </a:t>
+                      </a:r>
+                    </a:p>
+                  </a:txBody>
+                  <a:tcPr marL="76200" marR="76200" marT="50800" marB="50800" anchor="ctr"/>
+                </a:tc>
+                <a:tc>
+                  <a:txBody>
+                    <a:bodyPr/>
+                    <a:lstStyle/>
+                    <a:p>
+                      <a:pPr algn="ctr" rtl="0">
+                        <a:buNone/>
+                      </a:pPr>
+                      <a:r>
+                        <a:rPr lang="pt-BR" sz="1800" dirty="0">
+                          <a:solidFill>
+                            <a:schemeClr val="bg1"/>
+                          </a:solidFill>
+                          <a:effectLst/>
+                          <a:latin typeface="Aptos (Body)"/>
+                          <a:cs typeface="Times New Roman" panose="02020603050405020304" pitchFamily="18" charset="0"/>
+                        </a:rPr>
+                        <a:t>NM_002303.6:c.326A&gt;G </a:t>
+                      </a:r>
+                    </a:p>
+                  </a:txBody>
+                  <a:tcPr marL="76200" marR="76200" marT="50800" marB="50800" anchor="ctr"/>
+                </a:tc>
+                <a:tc>
+                  <a:txBody>
+                    <a:bodyPr/>
+                    <a:lstStyle/>
+                    <a:p>
+                      <a:pPr algn="ctr" rtl="0">
+                        <a:buNone/>
+                      </a:pPr>
+                      <a:r>
+                        <a:rPr lang="es-ES" sz="1800">
+                          <a:solidFill>
+                            <a:schemeClr val="bg1"/>
+                          </a:solidFill>
+                          <a:effectLst/>
+                          <a:latin typeface="Aptos (Body)"/>
+                          <a:cs typeface="Times New Roman" panose="02020603050405020304" pitchFamily="18" charset="0"/>
+                        </a:rPr>
+                        <a:t>NP_002294.2:p.Lys109Arg </a:t>
+                      </a:r>
+                    </a:p>
+                  </a:txBody>
+                  <a:tcPr marL="76200" marR="76200" marT="50800" marB="50800" anchor="ctr"/>
+                </a:tc>
+                <a:tc>
+                  <a:txBody>
+                    <a:bodyPr/>
+                    <a:lstStyle/>
+                    <a:p>
+                      <a:pPr algn="ctr" rtl="0">
+                        <a:buNone/>
+                      </a:pPr>
+                      <a:r>
+                        <a:rPr lang="es-ES" sz="1800">
+                          <a:solidFill>
+                            <a:schemeClr val="bg1"/>
+                          </a:solidFill>
+                          <a:effectLst/>
+                          <a:latin typeface="Aptos (Body)"/>
+                          <a:cs typeface="Times New Roman" panose="02020603050405020304" pitchFamily="18" charset="0"/>
+                        </a:rPr>
+                        <a:t>Heterocigoto </a:t>
+                      </a:r>
+                    </a:p>
+                  </a:txBody>
+                  <a:tcPr marL="76200" marR="76200" marT="50800" marB="50800" anchor="ctr"/>
+                </a:tc>
+                <a:extLst>
+                  <a:ext uri="{0D108BD9-81ED-4DB2-BD59-A6C34878D82A}">
+                    <a16:rowId xmlns:a16="http://schemas.microsoft.com/office/drawing/2014/main" val="3734797205"/>
+                  </a:ext>
+                </a:extLst>
+              </a:tr>
+              <a:tr h="583277">
+                <a:tc>
+                  <a:txBody>
+                    <a:bodyPr/>
+                    <a:lstStyle/>
+                    <a:p>
+                      <a:pPr algn="ctr" rtl="0">
+                        <a:buNone/>
+                      </a:pPr>
+                      <a:r>
+                        <a:rPr lang="es-ES" sz="1800" b="1" dirty="0">
+                          <a:solidFill>
+                            <a:schemeClr val="bg1"/>
+                          </a:solidFill>
+                          <a:effectLst/>
+                          <a:latin typeface="Aptos (Body)"/>
+                          <a:cs typeface="Times New Roman" panose="02020603050405020304" pitchFamily="18" charset="0"/>
+                        </a:rPr>
+                        <a:t>TP53</a:t>
+                      </a:r>
+                      <a:endParaRPr lang="es-ES" sz="1800" dirty="0">
+                        <a:solidFill>
+                          <a:schemeClr val="bg1"/>
+                        </a:solidFill>
+                        <a:effectLst/>
+                        <a:latin typeface="Aptos (Body)"/>
+                        <a:cs typeface="Times New Roman" panose="02020603050405020304" pitchFamily="18" charset="0"/>
+                      </a:endParaRPr>
+                    </a:p>
+                  </a:txBody>
+                  <a:tcPr marL="76200" marR="76200" marT="50800" marB="50800" anchor="ctr"/>
+                </a:tc>
+                <a:tc>
+                  <a:txBody>
+                    <a:bodyPr/>
+                    <a:lstStyle/>
+                    <a:p>
+                      <a:pPr algn="ctr" rtl="0">
+                        <a:buNone/>
+                      </a:pPr>
+                      <a:r>
+                        <a:rPr lang="es-ES" sz="1800" dirty="0">
+                          <a:solidFill>
+                            <a:schemeClr val="bg1"/>
+                          </a:solidFill>
+                          <a:effectLst/>
+                          <a:latin typeface="Aptos (Body)"/>
+                          <a:cs typeface="Times New Roman" panose="02020603050405020304" pitchFamily="18" charset="0"/>
+                        </a:rPr>
+                        <a:t>chr17:7,676,154 </a:t>
+                      </a:r>
+                    </a:p>
+                  </a:txBody>
+                  <a:tcPr marL="76200" marR="76200" marT="50800" marB="50800" anchor="ctr"/>
+                </a:tc>
+                <a:tc>
+                  <a:txBody>
+                    <a:bodyPr/>
+                    <a:lstStyle/>
+                    <a:p>
+                      <a:pPr algn="ctr" rtl="0">
+                        <a:buNone/>
+                      </a:pPr>
+                      <a:r>
+                        <a:rPr lang="es-ES" sz="1800" dirty="0">
+                          <a:solidFill>
+                            <a:schemeClr val="bg1"/>
+                          </a:solidFill>
+                          <a:effectLst/>
+                          <a:latin typeface="Aptos (Body)"/>
+                          <a:cs typeface="Times New Roman" panose="02020603050405020304" pitchFamily="18" charset="0"/>
+                        </a:rPr>
+                        <a:t>NM_000546.6:c.215C&gt;T </a:t>
+                      </a:r>
+                    </a:p>
+                  </a:txBody>
+                  <a:tcPr marL="76200" marR="76200" marT="50800" marB="50800" anchor="ctr"/>
+                </a:tc>
+                <a:tc>
+                  <a:txBody>
+                    <a:bodyPr/>
+                    <a:lstStyle/>
+                    <a:p>
+                      <a:pPr algn="ctr" rtl="0">
+                        <a:buNone/>
+                      </a:pPr>
+                      <a:r>
+                        <a:rPr lang="es-ES" sz="1800" dirty="0">
+                          <a:solidFill>
+                            <a:schemeClr val="bg1"/>
+                          </a:solidFill>
+                          <a:effectLst/>
+                          <a:latin typeface="Aptos (Body)"/>
+                          <a:cs typeface="Times New Roman" panose="02020603050405020304" pitchFamily="18" charset="0"/>
+                        </a:rPr>
+                        <a:t>NP_000537.3:p.Pro72Leu </a:t>
+                      </a:r>
+                    </a:p>
+                  </a:txBody>
+                  <a:tcPr marL="76200" marR="76200" marT="50800" marB="50800" anchor="ctr"/>
+                </a:tc>
+                <a:tc>
+                  <a:txBody>
+                    <a:bodyPr/>
+                    <a:lstStyle/>
+                    <a:p>
+                      <a:pPr algn="ctr" rtl="0">
+                        <a:buNone/>
+                      </a:pPr>
+                      <a:r>
+                        <a:rPr lang="es-ES" sz="1800">
+                          <a:solidFill>
+                            <a:schemeClr val="bg1"/>
+                          </a:solidFill>
+                          <a:effectLst/>
+                          <a:latin typeface="Aptos (Body)"/>
+                          <a:cs typeface="Times New Roman" panose="02020603050405020304" pitchFamily="18" charset="0"/>
+                        </a:rPr>
+                        <a:t>Heterocigoto </a:t>
+                      </a:r>
+                    </a:p>
+                  </a:txBody>
+                  <a:tcPr marL="76200" marR="76200" marT="50800" marB="50800" anchor="ctr"/>
+                </a:tc>
+                <a:extLst>
+                  <a:ext uri="{0D108BD9-81ED-4DB2-BD59-A6C34878D82A}">
+                    <a16:rowId xmlns:a16="http://schemas.microsoft.com/office/drawing/2014/main" val="3135609688"/>
+                  </a:ext>
+                </a:extLst>
+              </a:tr>
+              <a:tr h="837149">
+                <a:tc>
+                  <a:txBody>
+                    <a:bodyPr/>
+                    <a:lstStyle/>
+                    <a:p>
+                      <a:pPr algn="ctr" rtl="0">
+                        <a:buNone/>
+                      </a:pPr>
+                      <a:r>
+                        <a:rPr lang="es-ES" sz="1800" b="1">
+                          <a:solidFill>
+                            <a:schemeClr val="bg1"/>
+                          </a:solidFill>
+                          <a:effectLst/>
+                          <a:latin typeface="Aptos (Body)"/>
+                          <a:cs typeface="Times New Roman" panose="02020603050405020304" pitchFamily="18" charset="0"/>
+                        </a:rPr>
+                        <a:t>MC4R</a:t>
+                      </a:r>
+                      <a:endParaRPr lang="es-ES" sz="1800">
+                        <a:solidFill>
+                          <a:schemeClr val="bg1"/>
+                        </a:solidFill>
+                        <a:effectLst/>
+                        <a:latin typeface="Aptos (Body)"/>
+                        <a:cs typeface="Times New Roman" panose="02020603050405020304" pitchFamily="18" charset="0"/>
+                      </a:endParaRPr>
+                    </a:p>
+                  </a:txBody>
+                  <a:tcPr marL="76200" marR="76200" marT="50800" marB="50800" anchor="ctr"/>
+                </a:tc>
+                <a:tc>
+                  <a:txBody>
+                    <a:bodyPr/>
+                    <a:lstStyle/>
+                    <a:p>
+                      <a:pPr algn="ctr" rtl="0">
+                        <a:buNone/>
+                      </a:pPr>
+                      <a:r>
+                        <a:rPr lang="es-ES" sz="1800" dirty="0">
+                          <a:solidFill>
+                            <a:schemeClr val="bg1"/>
+                          </a:solidFill>
+                          <a:effectLst/>
+                          <a:latin typeface="Aptos (Body)"/>
+                          <a:cs typeface="Times New Roman" panose="02020603050405020304" pitchFamily="18" charset="0"/>
+                        </a:rPr>
+                        <a:t>chr18:60,371,535 </a:t>
+                      </a:r>
+                    </a:p>
+                  </a:txBody>
+                  <a:tcPr marL="76200" marR="76200" marT="50800" marB="50800" anchor="ctr"/>
+                </a:tc>
+                <a:tc>
+                  <a:txBody>
+                    <a:bodyPr/>
+                    <a:lstStyle/>
+                    <a:p>
+                      <a:pPr algn="ctr" rtl="0">
+                        <a:buNone/>
+                      </a:pPr>
+                      <a:r>
+                        <a:rPr lang="pt-BR" sz="1800" dirty="0">
+                          <a:solidFill>
+                            <a:schemeClr val="bg1"/>
+                          </a:solidFill>
+                          <a:effectLst/>
+                          <a:latin typeface="Aptos (Body)"/>
+                          <a:cs typeface="Times New Roman" panose="02020603050405020304" pitchFamily="18" charset="0"/>
+                        </a:rPr>
+                        <a:t>NM_005912.3:c.815C&gt;A </a:t>
+                      </a:r>
+                    </a:p>
+                  </a:txBody>
+                  <a:tcPr marL="76200" marR="76200" marT="50800" marB="50800" anchor="ctr"/>
+                </a:tc>
+                <a:tc>
+                  <a:txBody>
+                    <a:bodyPr/>
+                    <a:lstStyle/>
+                    <a:p>
+                      <a:pPr algn="ctr" rtl="0">
+                        <a:buNone/>
+                      </a:pPr>
+                      <a:r>
+                        <a:rPr lang="es-ES" sz="1800" dirty="0">
+                          <a:solidFill>
+                            <a:schemeClr val="bg1"/>
+                          </a:solidFill>
+                          <a:effectLst/>
+                          <a:latin typeface="Aptos (Body)"/>
+                          <a:cs typeface="Times New Roman" panose="02020603050405020304" pitchFamily="18" charset="0"/>
+                        </a:rPr>
+                        <a:t>ENSP00000299766.3:p.Pro272His </a:t>
+                      </a:r>
+                    </a:p>
+                  </a:txBody>
+                  <a:tcPr marL="76200" marR="76200" marT="50800" marB="50800" anchor="ctr"/>
+                </a:tc>
+                <a:tc>
+                  <a:txBody>
+                    <a:bodyPr/>
+                    <a:lstStyle/>
+                    <a:p>
+                      <a:pPr algn="ctr" rtl="0">
+                        <a:buNone/>
+                      </a:pPr>
+                      <a:r>
+                        <a:rPr lang="es-ES" sz="1800" dirty="0">
+                          <a:solidFill>
+                            <a:schemeClr val="bg1"/>
+                          </a:solidFill>
+                          <a:effectLst/>
+                          <a:latin typeface="Aptos (Body)"/>
+                          <a:cs typeface="Times New Roman" panose="02020603050405020304" pitchFamily="18" charset="0"/>
+                        </a:rPr>
+                        <a:t>SNP </a:t>
+                      </a:r>
+                    </a:p>
+                  </a:txBody>
+                  <a:tcPr marL="76200" marR="76200" marT="50800" marB="50800" anchor="ctr"/>
+                </a:tc>
+                <a:extLst>
+                  <a:ext uri="{0D108BD9-81ED-4DB2-BD59-A6C34878D82A}">
+                    <a16:rowId xmlns:a16="http://schemas.microsoft.com/office/drawing/2014/main" val="3899910295"/>
+                  </a:ext>
+                </a:extLst>
+              </a:tr>
+              <a:tr h="837149">
+                <a:tc>
+                  <a:txBody>
+                    <a:bodyPr/>
+                    <a:lstStyle/>
+                    <a:p>
+                      <a:pPr algn="ctr" rtl="0">
+                        <a:buNone/>
+                      </a:pPr>
+                      <a:r>
+                        <a:rPr lang="es-ES" sz="1800" b="1" dirty="0">
+                          <a:solidFill>
+                            <a:schemeClr val="bg1"/>
+                          </a:solidFill>
+                          <a:effectLst/>
+                          <a:latin typeface="Aptos (Body)"/>
+                          <a:cs typeface="Times New Roman" panose="02020603050405020304" pitchFamily="18" charset="0"/>
+                        </a:rPr>
+                        <a:t>MED12</a:t>
+                      </a:r>
+                      <a:endParaRPr lang="es-ES" sz="1800" dirty="0">
+                        <a:solidFill>
+                          <a:schemeClr val="bg1"/>
+                        </a:solidFill>
+                        <a:effectLst/>
+                        <a:latin typeface="Aptos (Body)"/>
+                        <a:cs typeface="Times New Roman" panose="02020603050405020304" pitchFamily="18" charset="0"/>
+                      </a:endParaRPr>
+                    </a:p>
+                  </a:txBody>
+                  <a:tcPr marL="76200" marR="76200" marT="50800" marB="50800" anchor="ctr"/>
+                </a:tc>
+                <a:tc>
+                  <a:txBody>
+                    <a:bodyPr/>
+                    <a:lstStyle/>
+                    <a:p>
+                      <a:pPr algn="ctr" rtl="0">
+                        <a:buNone/>
+                      </a:pPr>
+                      <a:r>
+                        <a:rPr lang="es-ES" sz="1800" dirty="0">
+                          <a:solidFill>
+                            <a:schemeClr val="bg1"/>
+                          </a:solidFill>
+                          <a:effectLst/>
+                          <a:latin typeface="Aptos (Body)"/>
+                          <a:cs typeface="Times New Roman" panose="02020603050405020304" pitchFamily="18" charset="0"/>
+                        </a:rPr>
+                        <a:t>chrX:71,121,046 </a:t>
+                      </a:r>
+                    </a:p>
+                  </a:txBody>
+                  <a:tcPr marL="76200" marR="76200" marT="50800" marB="50800" anchor="ctr"/>
+                </a:tc>
+                <a:tc>
+                  <a:txBody>
+                    <a:bodyPr/>
+                    <a:lstStyle/>
+                    <a:p>
+                      <a:pPr algn="ctr" rtl="0">
+                        <a:buNone/>
+                      </a:pPr>
+                      <a:r>
+                        <a:rPr lang="es-ES" sz="1800" dirty="0">
+                          <a:solidFill>
+                            <a:schemeClr val="bg1"/>
+                          </a:solidFill>
+                          <a:effectLst/>
+                          <a:latin typeface="Aptos (Body)"/>
+                          <a:cs typeface="Times New Roman" panose="02020603050405020304" pitchFamily="18" charset="0"/>
+                        </a:rPr>
+                        <a:t>NM_005120.3:c.629C&gt;T </a:t>
+                      </a:r>
+                    </a:p>
+                  </a:txBody>
+                  <a:tcPr marL="76200" marR="76200" marT="50800" marB="50800" anchor="ctr"/>
+                </a:tc>
+                <a:tc>
+                  <a:txBody>
+                    <a:bodyPr/>
+                    <a:lstStyle/>
+                    <a:p>
+                      <a:pPr algn="ctr" rtl="0">
+                        <a:buNone/>
+                      </a:pPr>
+                      <a:r>
+                        <a:rPr lang="es-ES" sz="1800" dirty="0">
+                          <a:solidFill>
+                            <a:schemeClr val="bg1"/>
+                          </a:solidFill>
+                          <a:effectLst/>
+                          <a:latin typeface="Aptos (Body)"/>
+                          <a:cs typeface="Times New Roman" panose="02020603050405020304" pitchFamily="18" charset="0"/>
+                        </a:rPr>
+                        <a:t>ENSP00000333125.8:p.Ala210Val </a:t>
+                      </a:r>
+                    </a:p>
+                  </a:txBody>
+                  <a:tcPr marL="76200" marR="76200" marT="50800" marB="50800" anchor="ctr"/>
+                </a:tc>
+                <a:tc>
+                  <a:txBody>
+                    <a:bodyPr/>
+                    <a:lstStyle/>
+                    <a:p>
+                      <a:pPr algn="ctr" rtl="0">
+                        <a:buNone/>
+                      </a:pPr>
+                      <a:r>
+                        <a:rPr lang="es-ES" sz="1800" dirty="0">
+                          <a:solidFill>
+                            <a:schemeClr val="bg1"/>
+                          </a:solidFill>
+                          <a:effectLst/>
+                          <a:latin typeface="Aptos (Body)"/>
+                          <a:cs typeface="Times New Roman" panose="02020603050405020304" pitchFamily="18" charset="0"/>
+                        </a:rPr>
+                        <a:t>SNP </a:t>
+                      </a:r>
+                    </a:p>
+                  </a:txBody>
+                  <a:tcPr marL="76200" marR="76200" marT="50800" marB="50800" anchor="ctr"/>
+                </a:tc>
+                <a:extLst>
+                  <a:ext uri="{0D108BD9-81ED-4DB2-BD59-A6C34878D82A}">
+                    <a16:rowId xmlns:a16="http://schemas.microsoft.com/office/drawing/2014/main" val="2802499724"/>
+                  </a:ext>
+                </a:extLst>
+              </a:tr>
+            </a:tbl>
+          </a:graphicData>
+        </a:graphic>
+      </p:graphicFrame>
+      <p:sp>
+        <p:nvSpPr>
+          <p:cNvPr id="22" name="TextBox 21">
+            <a:extLst>
+              <a:ext uri="{FF2B5EF4-FFF2-40B4-BE49-F238E27FC236}">
+                <a16:creationId xmlns:a16="http://schemas.microsoft.com/office/drawing/2014/main" id="{4D3F8734-B585-91D3-23CF-704FF22EC1ED}"/>
+              </a:ext>
+            </a:extLst>
+          </p:cNvPr>
+          <p:cNvSpPr txBox="1"/>
+          <p:nvPr/>
+        </p:nvSpPr>
+        <p:spPr>
+          <a:xfrm>
+            <a:off x="251835" y="16670658"/>
+            <a:ext cx="9095800" cy="4770537"/>
+          </a:xfrm>
+          <a:prstGeom prst="rect">
+            <a:avLst/>
+          </a:prstGeom>
+          <a:noFill/>
+        </p:spPr>
+        <p:txBody>
+          <a:bodyPr wrap="square">
+            <a:spAutoFit/>
+          </a:bodyPr>
+          <a:lstStyle/>
+          <a:p>
+            <a:pPr marL="285750" lvl="0" indent="-285750" algn="just" defTabSz="914400" eaLnBrk="0" fontAlgn="base" hangingPunct="0">
+              <a:spcBef>
+                <a:spcPct val="0"/>
+              </a:spcBef>
+              <a:spcAft>
+                <a:spcPct val="0"/>
+              </a:spcAft>
+              <a:buFont typeface="Arial" panose="020B0604020202020204" pitchFamily="34" charset="0"/>
+              <a:buChar char="•"/>
+            </a:pPr>
+            <a:r>
+              <a:rPr lang="es-ES" altLang="es-ES" sz="1600" i="1" dirty="0">
+                <a:latin typeface="Aptos (Body)"/>
+              </a:rPr>
+              <a:t>En la</a:t>
+            </a:r>
+            <a:r>
+              <a:rPr kumimoji="0" lang="es-ES" altLang="es-ES" sz="1600" i="1" u="none" strike="noStrike" cap="none" normalizeH="0" baseline="0" dirty="0">
+                <a:ln>
+                  <a:noFill/>
+                </a:ln>
+                <a:solidFill>
+                  <a:schemeClr val="tx1"/>
+                </a:solidFill>
+                <a:effectLst/>
+                <a:latin typeface="Aptos (Body)"/>
+              </a:rPr>
+              <a:t> </a:t>
+            </a:r>
+            <a:r>
+              <a:rPr lang="es-ES" altLang="es-ES" sz="1600" i="1" dirty="0">
+                <a:latin typeface="Aptos (Body)"/>
+              </a:rPr>
+              <a:t>i</a:t>
+            </a:r>
+            <a:r>
+              <a:rPr kumimoji="0" lang="es-ES" altLang="es-ES" sz="1600" i="1" u="none" strike="noStrike" cap="none" normalizeH="0" baseline="0" dirty="0">
+                <a:ln>
+                  <a:noFill/>
+                </a:ln>
+                <a:solidFill>
+                  <a:schemeClr val="tx1"/>
+                </a:solidFill>
+                <a:effectLst/>
+                <a:latin typeface="Aptos (Body)"/>
+              </a:rPr>
+              <a:t>nterpretación de la patogenicidad vemos que variantes </a:t>
+            </a:r>
+            <a:r>
+              <a:rPr lang="es-ES" altLang="es-ES" sz="1600" i="1" dirty="0">
+                <a:latin typeface="Aptos (Body)"/>
+              </a:rPr>
+              <a:t>como LEPR (p.Lys109Arg) y TP53 (p.Pro72Leu) se clasifican como benignas. Pero tras analizar LEPR con MIM se observa obesidad mórbida de inicio temprano (MIM #614963), un polimorfismo común que solo confiere una susceptibilidad modesta. TP53 es común en la población y no causa por sí sola el Síndrome de Li-</a:t>
+            </a:r>
+            <a:r>
+              <a:rPr lang="es-ES" altLang="es-ES" sz="1600" i="1" dirty="0" err="1">
+                <a:latin typeface="Aptos (Body)"/>
+              </a:rPr>
+              <a:t>Fraumeni</a:t>
+            </a:r>
+            <a:r>
+              <a:rPr lang="es-ES" altLang="es-ES" sz="1600" i="1" dirty="0">
+                <a:latin typeface="Aptos (Body)"/>
+              </a:rPr>
+              <a:t>. </a:t>
+            </a:r>
+            <a:r>
+              <a:rPr kumimoji="0" lang="es-ES" altLang="es-ES" sz="1600" i="1" u="none" strike="noStrike" cap="none" normalizeH="0" baseline="0" dirty="0">
+                <a:ln>
+                  <a:noFill/>
+                </a:ln>
+                <a:solidFill>
+                  <a:schemeClr val="tx1"/>
+                </a:solidFill>
+                <a:effectLst/>
+                <a:latin typeface="Aptos (Body)"/>
+              </a:rPr>
+              <a:t>La variante en el cromosoma 18 (MC4R) presenta predicciones de alta patogenicidad (SIFT: 0, </a:t>
+            </a:r>
+            <a:r>
+              <a:rPr kumimoji="0" lang="es-ES" altLang="es-ES" sz="1600" i="1" u="none" strike="noStrike" cap="none" normalizeH="0" baseline="0" dirty="0" err="1">
+                <a:ln>
+                  <a:noFill/>
+                </a:ln>
+                <a:solidFill>
+                  <a:schemeClr val="tx1"/>
+                </a:solidFill>
+                <a:effectLst/>
+                <a:latin typeface="Aptos (Body)"/>
+              </a:rPr>
+              <a:t>PolyPhen</a:t>
+            </a:r>
+            <a:r>
+              <a:rPr kumimoji="0" lang="es-ES" altLang="es-ES" sz="1600" i="1" u="none" strike="noStrike" cap="none" normalizeH="0" baseline="0" dirty="0">
+                <a:ln>
+                  <a:noFill/>
+                </a:ln>
+                <a:solidFill>
+                  <a:schemeClr val="tx1"/>
+                </a:solidFill>
+                <a:effectLst/>
+                <a:latin typeface="Aptos (Body)"/>
+              </a:rPr>
+              <a:t>: 1), sugiriendo un daño severo en la función proteica. MED12 (</a:t>
+            </a:r>
+            <a:r>
+              <a:rPr kumimoji="0" lang="es-ES" altLang="es-ES" sz="1600" i="1" u="none" strike="noStrike" cap="none" normalizeH="0" baseline="0" dirty="0" err="1">
+                <a:ln>
+                  <a:noFill/>
+                </a:ln>
+                <a:solidFill>
+                  <a:schemeClr val="tx1"/>
+                </a:solidFill>
+                <a:effectLst/>
+                <a:latin typeface="Aptos (Body)"/>
+              </a:rPr>
+              <a:t>ChrX</a:t>
+            </a:r>
+            <a:r>
+              <a:rPr kumimoji="0" lang="es-ES" altLang="es-ES" sz="1600" i="1" u="none" strike="noStrike" cap="none" normalizeH="0" baseline="0" dirty="0">
+                <a:ln>
+                  <a:noFill/>
+                </a:ln>
+                <a:solidFill>
+                  <a:schemeClr val="tx1"/>
+                </a:solidFill>
+                <a:effectLst/>
+                <a:latin typeface="Aptos (Body)"/>
+              </a:rPr>
+              <a:t>), la predicción es de baja confianza y probablemente benigna.</a:t>
+            </a:r>
+          </a:p>
+          <a:p>
+            <a:pPr marL="285750" lvl="0" indent="-285750" algn="just" defTabSz="914400" eaLnBrk="0" fontAlgn="base" hangingPunct="0">
+              <a:spcBef>
+                <a:spcPct val="0"/>
+              </a:spcBef>
+              <a:spcAft>
+                <a:spcPct val="0"/>
+              </a:spcAft>
+              <a:buFont typeface="Arial" panose="020B0604020202020204" pitchFamily="34" charset="0"/>
+              <a:buChar char="•"/>
+            </a:pPr>
+            <a:r>
+              <a:rPr kumimoji="0" lang="es-ES" altLang="es-ES" sz="1600" i="1" u="none" strike="noStrike" cap="none" normalizeH="0" baseline="0" dirty="0">
+                <a:ln>
+                  <a:noFill/>
+                </a:ln>
+                <a:solidFill>
+                  <a:schemeClr val="tx1"/>
+                </a:solidFill>
+                <a:effectLst/>
+                <a:latin typeface="Aptos (Body)"/>
+              </a:rPr>
+              <a:t>Para la interpretación de</a:t>
+            </a:r>
+            <a:r>
+              <a:rPr lang="es-ES" altLang="es-ES" sz="1600" i="1" dirty="0">
+                <a:latin typeface="Aptos (Body)"/>
+              </a:rPr>
+              <a:t> p</a:t>
+            </a:r>
+            <a:r>
+              <a:rPr kumimoji="0" lang="es-ES" altLang="es-ES" sz="1600" i="1" u="none" strike="noStrike" cap="none" normalizeH="0" baseline="0" dirty="0">
+                <a:ln>
+                  <a:noFill/>
+                </a:ln>
+                <a:solidFill>
+                  <a:schemeClr val="tx1"/>
+                </a:solidFill>
+                <a:effectLst/>
+                <a:latin typeface="Aptos (Body)"/>
+              </a:rPr>
+              <a:t>atrones de herencia se observa </a:t>
+            </a:r>
+            <a:r>
+              <a:rPr lang="es-ES" altLang="es-ES" sz="1600" i="1" dirty="0">
+                <a:latin typeface="Aptos (Body)"/>
+              </a:rPr>
+              <a:t>que LEPR es a</a:t>
+            </a:r>
+            <a:r>
+              <a:rPr kumimoji="0" lang="es-ES" altLang="es-ES" sz="1600" i="1" u="none" strike="noStrike" cap="none" normalizeH="0" baseline="0" dirty="0">
+                <a:ln>
+                  <a:noFill/>
+                </a:ln>
+                <a:solidFill>
+                  <a:schemeClr val="tx1"/>
+                </a:solidFill>
+                <a:effectLst/>
+                <a:latin typeface="Aptos (Body)"/>
+              </a:rPr>
+              <a:t>utonómico </a:t>
+            </a:r>
+            <a:r>
+              <a:rPr lang="es-ES" altLang="es-ES" sz="1600" i="1" dirty="0">
+                <a:latin typeface="Aptos (Body)"/>
+              </a:rPr>
+              <a:t>r</a:t>
+            </a:r>
+            <a:r>
+              <a:rPr kumimoji="0" lang="es-ES" altLang="es-ES" sz="1600" i="1" u="none" strike="noStrike" cap="none" normalizeH="0" baseline="0" dirty="0">
+                <a:ln>
+                  <a:noFill/>
+                </a:ln>
+                <a:solidFill>
+                  <a:schemeClr val="tx1"/>
+                </a:solidFill>
+                <a:effectLst/>
+                <a:latin typeface="Aptos (Body)"/>
+              </a:rPr>
+              <a:t>ecesivo requiriendo dos copias alteradas para manifestar la patología severa </a:t>
+            </a:r>
+            <a:r>
+              <a:rPr lang="es-ES" altLang="es-ES" sz="1600" i="1" dirty="0">
+                <a:latin typeface="Aptos (Body)"/>
+              </a:rPr>
+              <a:t>y que SMAD4 y otras patologías asociadas a genes en el Chr18 suelen ser autonómicas dominantes. El caso de MED12 es distinto ya que va l</a:t>
+            </a:r>
+            <a:r>
+              <a:rPr kumimoji="0" lang="es-ES" altLang="es-ES" sz="1600" i="1" u="none" strike="noStrike" cap="none" normalizeH="0" baseline="0" dirty="0">
+                <a:ln>
+                  <a:noFill/>
+                </a:ln>
+                <a:solidFill>
+                  <a:schemeClr val="tx1"/>
+                </a:solidFill>
+                <a:effectLst/>
+                <a:latin typeface="Aptos (Body)"/>
+              </a:rPr>
+              <a:t>igado al cromosoma X afectando principalmente a varones</a:t>
+            </a:r>
+          </a:p>
+          <a:p>
+            <a:pPr marL="285750" lvl="0" indent="-285750" algn="just" defTabSz="914400" eaLnBrk="0" fontAlgn="base" hangingPunct="0">
+              <a:spcBef>
+                <a:spcPct val="0"/>
+              </a:spcBef>
+              <a:spcAft>
+                <a:spcPct val="0"/>
+              </a:spcAft>
+              <a:buFont typeface="Arial" panose="020B0604020202020204" pitchFamily="34" charset="0"/>
+              <a:buChar char="•"/>
+            </a:pPr>
+            <a:r>
+              <a:rPr kumimoji="0" lang="es-ES" altLang="es-ES" sz="1600" i="1" u="none" strike="noStrike" cap="none" normalizeH="0" baseline="0" dirty="0">
+                <a:ln>
+                  <a:noFill/>
+                </a:ln>
+                <a:solidFill>
+                  <a:schemeClr val="tx1"/>
+                </a:solidFill>
+                <a:effectLst/>
+                <a:latin typeface="Aptos (Body)"/>
+              </a:rPr>
+              <a:t>Los genes analizados convergen en la vía de señalización de la Leptina y la homeostasis energética (KEGG hsa04915, </a:t>
+            </a:r>
+            <a:r>
+              <a:rPr kumimoji="0" lang="es-ES" altLang="es-ES" sz="1600" i="1" u="none" strike="noStrike" cap="none" normalizeH="0" baseline="0" dirty="0" err="1">
+                <a:ln>
+                  <a:noFill/>
+                </a:ln>
+                <a:solidFill>
+                  <a:schemeClr val="tx1"/>
+                </a:solidFill>
+                <a:effectLst/>
+                <a:latin typeface="Aptos (Body)"/>
+              </a:rPr>
+              <a:t>Reactome</a:t>
+            </a:r>
+            <a:r>
+              <a:rPr kumimoji="0" lang="es-ES" altLang="es-ES" sz="1600" i="1" u="none" strike="noStrike" cap="none" normalizeH="0" baseline="0" dirty="0">
+                <a:ln>
+                  <a:noFill/>
+                </a:ln>
+                <a:solidFill>
+                  <a:schemeClr val="tx1"/>
+                </a:solidFill>
+                <a:effectLst/>
+                <a:latin typeface="Aptos (Body)"/>
+              </a:rPr>
+              <a:t> R-HSA-380612):</a:t>
+            </a:r>
+            <a:r>
+              <a:rPr lang="es-ES" altLang="es-ES" sz="1600" i="1" dirty="0">
+                <a:latin typeface="Aptos (Body)"/>
+              </a:rPr>
+              <a:t> En condiciones normales, la leptina activa al LEPR en el hipotálamo, desencadenando la cascada JAK2/STAT3 para enviar señales de  saciedad, pero las mutaciones en LEPR impiden la fosforilación de STAT3, anulando la señal de saciedad. Esto induce un estado de "inanición perpetua", provocando hiperfagia (hambre insaciable) y reducción del gasto energético. TP53 modula genes de oxidación de ácidos grasos , mientras que componentes en el Chr18 (como SMAD4) son cruciales para la </a:t>
+            </a:r>
+            <a:r>
+              <a:rPr lang="es-ES" altLang="es-ES" sz="1600" i="1" dirty="0" err="1">
+                <a:latin typeface="Aptos (Body)"/>
+              </a:rPr>
+              <a:t>neuroplasticidad</a:t>
+            </a:r>
+            <a:r>
+              <a:rPr lang="es-ES" altLang="es-ES" sz="1600" i="1" dirty="0">
+                <a:latin typeface="Aptos (Body)"/>
+              </a:rPr>
+              <a:t> del hipotálamo, facilitando la conexión de los circuitos del apetito.</a:t>
+            </a:r>
+          </a:p>
+        </p:txBody>
+      </p:sp>
     </p:spTree>
     <p:extLst>
       <p:ext uri="{BB962C8B-B14F-4D97-AF65-F5344CB8AC3E}">
@@ -6910,9 +5583,15 @@
 </p:sld>
 </file>
 
-<file path=ppt/slides/slide4.xml><?xml version="1.0" encoding="utf-8"?>
+<file path=ppt/slides/slide2.xml><?xml version="1.0" encoding="utf-8"?>
 <p:sld xmlns:a="http://schemas.openxmlformats.org/drawingml/2006/main" xmlns:r="http://schemas.openxmlformats.org/officeDocument/2006/relationships" xmlns:p="http://schemas.openxmlformats.org/presentationml/2006/main">
   <p:cSld>
+    <p:bg>
+      <p:bgPr>
+        <a:noFill/>
+        <a:effectLst/>
+      </p:bgPr>
+    </p:bg>
     <p:spTree>
       <p:nvGrpSpPr>
         <p:cNvPr id="1" name=""/>
@@ -7039,7 +5718,7 @@
         </p:blipFill>
         <p:spPr>
           <a:xfrm>
-            <a:off x="967770" y="7319858"/>
+            <a:off x="967770" y="7315096"/>
             <a:ext cx="8659433" cy="1324160"/>
           </a:xfrm>
           <a:prstGeom prst="rect">
@@ -7047,6 +5726,759 @@
           </a:prstGeom>
         </p:spPr>
       </p:pic>
+      <p:graphicFrame>
+        <p:nvGraphicFramePr>
+          <p:cNvPr id="2" name="Table 1">
+            <a:extLst>
+              <a:ext uri="{FF2B5EF4-FFF2-40B4-BE49-F238E27FC236}">
+                <a16:creationId xmlns:a16="http://schemas.microsoft.com/office/drawing/2014/main" id="{15617B42-8D94-3104-9B57-23ACFFEDBCBA}"/>
+              </a:ext>
+            </a:extLst>
+          </p:cNvPr>
+          <p:cNvGraphicFramePr>
+            <a:graphicFrameLocks noGrp="1"/>
+          </p:cNvGraphicFramePr>
+          <p:nvPr>
+            <p:extLst>
+              <p:ext uri="{D42A27DB-BD31-4B8C-83A1-F6EECF244321}">
+                <p14:modId xmlns:p14="http://schemas.microsoft.com/office/powerpoint/2010/main" val="736072371"/>
+              </p:ext>
+            </p:extLst>
+          </p:nvPr>
+        </p:nvGraphicFramePr>
+        <p:xfrm>
+          <a:off x="1039813" y="9501060"/>
+          <a:ext cx="13039725" cy="5628640"/>
+        </p:xfrm>
+        <a:graphic>
+          <a:graphicData uri="http://schemas.openxmlformats.org/drawingml/2006/table">
+            <a:tbl>
+              <a:tblPr firstRow="1">
+                <a:tableStyleId>{69C7853C-536D-4A76-A0AE-DD22124D55A5}</a:tableStyleId>
+              </a:tblPr>
+              <a:tblGrid>
+                <a:gridCol w="2607945">
+                  <a:extLst>
+                    <a:ext uri="{9D8B030D-6E8A-4147-A177-3AD203B41FA5}">
+                      <a16:colId xmlns:a16="http://schemas.microsoft.com/office/drawing/2014/main" val="1125714231"/>
+                    </a:ext>
+                  </a:extLst>
+                </a:gridCol>
+                <a:gridCol w="2607945">
+                  <a:extLst>
+                    <a:ext uri="{9D8B030D-6E8A-4147-A177-3AD203B41FA5}">
+                      <a16:colId xmlns:a16="http://schemas.microsoft.com/office/drawing/2014/main" val="579523154"/>
+                    </a:ext>
+                  </a:extLst>
+                </a:gridCol>
+                <a:gridCol w="2607945">
+                  <a:extLst>
+                    <a:ext uri="{9D8B030D-6E8A-4147-A177-3AD203B41FA5}">
+                      <a16:colId xmlns:a16="http://schemas.microsoft.com/office/drawing/2014/main" val="1317236247"/>
+                    </a:ext>
+                  </a:extLst>
+                </a:gridCol>
+                <a:gridCol w="2607945">
+                  <a:extLst>
+                    <a:ext uri="{9D8B030D-6E8A-4147-A177-3AD203B41FA5}">
+                      <a16:colId xmlns:a16="http://schemas.microsoft.com/office/drawing/2014/main" val="491748850"/>
+                    </a:ext>
+                  </a:extLst>
+                </a:gridCol>
+                <a:gridCol w="2607945">
+                  <a:extLst>
+                    <a:ext uri="{9D8B030D-6E8A-4147-A177-3AD203B41FA5}">
+                      <a16:colId xmlns:a16="http://schemas.microsoft.com/office/drawing/2014/main" val="1241216690"/>
+                    </a:ext>
+                  </a:extLst>
+                </a:gridCol>
+              </a:tblGrid>
+              <a:tr h="0">
+                <a:tc>
+                  <a:txBody>
+                    <a:bodyPr/>
+                    <a:lstStyle/>
+                    <a:p>
+                      <a:pPr algn="ctr" rtl="0">
+                        <a:buNone/>
+                      </a:pPr>
+                      <a:r>
+                        <a:rPr lang="es-ES" sz="2800" b="1" dirty="0">
+                          <a:solidFill>
+                            <a:schemeClr val="bg1"/>
+                          </a:solidFill>
+                          <a:effectLst/>
+                          <a:latin typeface="Aptos (Body)"/>
+                          <a:cs typeface="Times New Roman" panose="02020603050405020304" pitchFamily="18" charset="0"/>
+                        </a:rPr>
+                        <a:t>Gen</a:t>
+                      </a:r>
+                      <a:endParaRPr lang="es-ES" sz="2800" dirty="0">
+                        <a:solidFill>
+                          <a:schemeClr val="bg1"/>
+                        </a:solidFill>
+                        <a:effectLst/>
+                        <a:latin typeface="Aptos (Body)"/>
+                        <a:cs typeface="Times New Roman" panose="02020603050405020304" pitchFamily="18" charset="0"/>
+                      </a:endParaRPr>
+                    </a:p>
+                  </a:txBody>
+                  <a:tcPr marL="76200" marR="76200" marT="50800" marB="50800" anchor="ctr"/>
+                </a:tc>
+                <a:tc>
+                  <a:txBody>
+                    <a:bodyPr/>
+                    <a:lstStyle/>
+                    <a:p>
+                      <a:pPr algn="ctr" rtl="0">
+                        <a:buNone/>
+                      </a:pPr>
+                      <a:r>
+                        <a:rPr lang="es-ES" sz="2800" b="1" dirty="0">
+                          <a:solidFill>
+                            <a:schemeClr val="bg1"/>
+                          </a:solidFill>
+                          <a:effectLst/>
+                          <a:latin typeface="Aptos (Body)"/>
+                          <a:cs typeface="Times New Roman" panose="02020603050405020304" pitchFamily="18" charset="0"/>
+                        </a:rPr>
+                        <a:t>Nomenclatura g. (hg38)</a:t>
+                      </a:r>
+                      <a:endParaRPr lang="es-ES" sz="2800" dirty="0">
+                        <a:solidFill>
+                          <a:schemeClr val="bg1"/>
+                        </a:solidFill>
+                        <a:effectLst/>
+                        <a:latin typeface="Aptos (Body)"/>
+                        <a:cs typeface="Times New Roman" panose="02020603050405020304" pitchFamily="18" charset="0"/>
+                      </a:endParaRPr>
+                    </a:p>
+                  </a:txBody>
+                  <a:tcPr marL="76200" marR="76200" marT="50800" marB="50800" anchor="ctr"/>
+                </a:tc>
+                <a:tc>
+                  <a:txBody>
+                    <a:bodyPr/>
+                    <a:lstStyle/>
+                    <a:p>
+                      <a:pPr algn="ctr" rtl="0">
+                        <a:buNone/>
+                      </a:pPr>
+                      <a:r>
+                        <a:rPr lang="es-ES" sz="2800" b="1">
+                          <a:solidFill>
+                            <a:schemeClr val="bg1"/>
+                          </a:solidFill>
+                          <a:effectLst/>
+                          <a:latin typeface="Aptos (Body)"/>
+                          <a:cs typeface="Times New Roman" panose="02020603050405020304" pitchFamily="18" charset="0"/>
+                        </a:rPr>
+                        <a:t>Nomenclatura c. (Transcrito)</a:t>
+                      </a:r>
+                      <a:endParaRPr lang="es-ES" sz="2800">
+                        <a:solidFill>
+                          <a:schemeClr val="bg1"/>
+                        </a:solidFill>
+                        <a:effectLst/>
+                        <a:latin typeface="Aptos (Body)"/>
+                        <a:cs typeface="Times New Roman" panose="02020603050405020304" pitchFamily="18" charset="0"/>
+                      </a:endParaRPr>
+                    </a:p>
+                  </a:txBody>
+                  <a:tcPr marL="76200" marR="76200" marT="50800" marB="50800" anchor="ctr"/>
+                </a:tc>
+                <a:tc>
+                  <a:txBody>
+                    <a:bodyPr/>
+                    <a:lstStyle/>
+                    <a:p>
+                      <a:pPr algn="ctr" rtl="0">
+                        <a:buNone/>
+                      </a:pPr>
+                      <a:r>
+                        <a:rPr lang="es-ES" sz="2800" b="1">
+                          <a:solidFill>
+                            <a:schemeClr val="bg1"/>
+                          </a:solidFill>
+                          <a:effectLst/>
+                          <a:latin typeface="Aptos (Body)"/>
+                          <a:cs typeface="Times New Roman" panose="02020603050405020304" pitchFamily="18" charset="0"/>
+                        </a:rPr>
+                        <a:t>Nomenclatura p. (Proteína)</a:t>
+                      </a:r>
+                      <a:endParaRPr lang="es-ES" sz="2800">
+                        <a:solidFill>
+                          <a:schemeClr val="bg1"/>
+                        </a:solidFill>
+                        <a:effectLst/>
+                        <a:latin typeface="Aptos (Body)"/>
+                        <a:cs typeface="Times New Roman" panose="02020603050405020304" pitchFamily="18" charset="0"/>
+                      </a:endParaRPr>
+                    </a:p>
+                  </a:txBody>
+                  <a:tcPr marL="76200" marR="76200" marT="50800" marB="50800" anchor="ctr"/>
+                </a:tc>
+                <a:tc>
+                  <a:txBody>
+                    <a:bodyPr/>
+                    <a:lstStyle/>
+                    <a:p>
+                      <a:pPr algn="ctr" rtl="0">
+                        <a:buNone/>
+                      </a:pPr>
+                      <a:r>
+                        <a:rPr lang="es-ES" sz="2800" b="1" dirty="0" err="1">
+                          <a:solidFill>
+                            <a:schemeClr val="bg1"/>
+                          </a:solidFill>
+                          <a:effectLst/>
+                          <a:latin typeface="Aptos (Body)"/>
+                          <a:cs typeface="Times New Roman" panose="02020603050405020304" pitchFamily="18" charset="0"/>
+                        </a:rPr>
+                        <a:t>Cigocidad</a:t>
+                      </a:r>
+                      <a:endParaRPr lang="es-ES" sz="2800" dirty="0">
+                        <a:solidFill>
+                          <a:schemeClr val="bg1"/>
+                        </a:solidFill>
+                        <a:effectLst/>
+                        <a:latin typeface="Aptos (Body)"/>
+                        <a:cs typeface="Times New Roman" panose="02020603050405020304" pitchFamily="18" charset="0"/>
+                      </a:endParaRPr>
+                    </a:p>
+                  </a:txBody>
+                  <a:tcPr marL="76200" marR="76200" marT="50800" marB="50800" anchor="ctr"/>
+                </a:tc>
+                <a:extLst>
+                  <a:ext uri="{0D108BD9-81ED-4DB2-BD59-A6C34878D82A}">
+                    <a16:rowId xmlns:a16="http://schemas.microsoft.com/office/drawing/2014/main" val="728560836"/>
+                  </a:ext>
+                </a:extLst>
+              </a:tr>
+              <a:tr h="0">
+                <a:tc>
+                  <a:txBody>
+                    <a:bodyPr/>
+                    <a:lstStyle/>
+                    <a:p>
+                      <a:pPr algn="ctr" rtl="0">
+                        <a:buNone/>
+                      </a:pPr>
+                      <a:r>
+                        <a:rPr lang="es-ES" sz="2800" b="1" dirty="0">
+                          <a:solidFill>
+                            <a:schemeClr val="bg1"/>
+                          </a:solidFill>
+                          <a:effectLst/>
+                          <a:latin typeface="Aptos (Body)"/>
+                          <a:cs typeface="Times New Roman" panose="02020603050405020304" pitchFamily="18" charset="0"/>
+                        </a:rPr>
+                        <a:t>LEPR</a:t>
+                      </a:r>
+                      <a:endParaRPr lang="es-ES" sz="2800" dirty="0">
+                        <a:solidFill>
+                          <a:schemeClr val="bg1"/>
+                        </a:solidFill>
+                        <a:effectLst/>
+                        <a:latin typeface="Aptos (Body)"/>
+                        <a:cs typeface="Times New Roman" panose="02020603050405020304" pitchFamily="18" charset="0"/>
+                      </a:endParaRPr>
+                    </a:p>
+                  </a:txBody>
+                  <a:tcPr marL="76200" marR="76200" marT="50800" marB="50800" anchor="ctr"/>
+                </a:tc>
+                <a:tc>
+                  <a:txBody>
+                    <a:bodyPr/>
+                    <a:lstStyle/>
+                    <a:p>
+                      <a:pPr algn="ctr" rtl="0">
+                        <a:buNone/>
+                      </a:pPr>
+                      <a:r>
+                        <a:rPr lang="es-ES" sz="2800">
+                          <a:solidFill>
+                            <a:schemeClr val="bg1"/>
+                          </a:solidFill>
+                          <a:effectLst/>
+                          <a:latin typeface="Aptos (Body)"/>
+                          <a:cs typeface="Times New Roman" panose="02020603050405020304" pitchFamily="18" charset="0"/>
+                        </a:rPr>
+                        <a:t>chr1:65,609,984 </a:t>
+                      </a:r>
+                    </a:p>
+                  </a:txBody>
+                  <a:tcPr marL="76200" marR="76200" marT="50800" marB="50800" anchor="ctr"/>
+                </a:tc>
+                <a:tc>
+                  <a:txBody>
+                    <a:bodyPr/>
+                    <a:lstStyle/>
+                    <a:p>
+                      <a:pPr algn="ctr" rtl="0">
+                        <a:buNone/>
+                      </a:pPr>
+                      <a:r>
+                        <a:rPr lang="pt-BR" sz="2800">
+                          <a:solidFill>
+                            <a:schemeClr val="bg1"/>
+                          </a:solidFill>
+                          <a:effectLst/>
+                          <a:latin typeface="Aptos (Body)"/>
+                          <a:cs typeface="Times New Roman" panose="02020603050405020304" pitchFamily="18" charset="0"/>
+                        </a:rPr>
+                        <a:t>NM_002303.6:c.326A&gt;G </a:t>
+                      </a:r>
+                    </a:p>
+                  </a:txBody>
+                  <a:tcPr marL="76200" marR="76200" marT="50800" marB="50800" anchor="ctr"/>
+                </a:tc>
+                <a:tc>
+                  <a:txBody>
+                    <a:bodyPr/>
+                    <a:lstStyle/>
+                    <a:p>
+                      <a:pPr algn="ctr" rtl="0">
+                        <a:buNone/>
+                      </a:pPr>
+                      <a:r>
+                        <a:rPr lang="es-ES" sz="2800">
+                          <a:solidFill>
+                            <a:schemeClr val="bg1"/>
+                          </a:solidFill>
+                          <a:effectLst/>
+                          <a:latin typeface="Aptos (Body)"/>
+                          <a:cs typeface="Times New Roman" panose="02020603050405020304" pitchFamily="18" charset="0"/>
+                        </a:rPr>
+                        <a:t>NP_002294.2:p.Lys109Arg </a:t>
+                      </a:r>
+                    </a:p>
+                  </a:txBody>
+                  <a:tcPr marL="76200" marR="76200" marT="50800" marB="50800" anchor="ctr"/>
+                </a:tc>
+                <a:tc>
+                  <a:txBody>
+                    <a:bodyPr/>
+                    <a:lstStyle/>
+                    <a:p>
+                      <a:pPr algn="ctr" rtl="0">
+                        <a:buNone/>
+                      </a:pPr>
+                      <a:r>
+                        <a:rPr lang="es-ES" sz="2800">
+                          <a:solidFill>
+                            <a:schemeClr val="bg1"/>
+                          </a:solidFill>
+                          <a:effectLst/>
+                          <a:latin typeface="Aptos (Body)"/>
+                          <a:cs typeface="Times New Roman" panose="02020603050405020304" pitchFamily="18" charset="0"/>
+                        </a:rPr>
+                        <a:t>Heterocigoto </a:t>
+                      </a:r>
+                    </a:p>
+                  </a:txBody>
+                  <a:tcPr marL="76200" marR="76200" marT="50800" marB="50800" anchor="ctr"/>
+                </a:tc>
+                <a:extLst>
+                  <a:ext uri="{0D108BD9-81ED-4DB2-BD59-A6C34878D82A}">
+                    <a16:rowId xmlns:a16="http://schemas.microsoft.com/office/drawing/2014/main" val="3734797205"/>
+                  </a:ext>
+                </a:extLst>
+              </a:tr>
+              <a:tr h="0">
+                <a:tc>
+                  <a:txBody>
+                    <a:bodyPr/>
+                    <a:lstStyle/>
+                    <a:p>
+                      <a:pPr algn="ctr" rtl="0">
+                        <a:buNone/>
+                      </a:pPr>
+                      <a:r>
+                        <a:rPr lang="es-ES" sz="2800" b="1" dirty="0">
+                          <a:solidFill>
+                            <a:schemeClr val="bg1"/>
+                          </a:solidFill>
+                          <a:effectLst/>
+                          <a:latin typeface="Aptos (Body)"/>
+                          <a:cs typeface="Times New Roman" panose="02020603050405020304" pitchFamily="18" charset="0"/>
+                        </a:rPr>
+                        <a:t>TP53</a:t>
+                      </a:r>
+                      <a:endParaRPr lang="es-ES" sz="2800" dirty="0">
+                        <a:solidFill>
+                          <a:schemeClr val="bg1"/>
+                        </a:solidFill>
+                        <a:effectLst/>
+                        <a:latin typeface="Aptos (Body)"/>
+                        <a:cs typeface="Times New Roman" panose="02020603050405020304" pitchFamily="18" charset="0"/>
+                      </a:endParaRPr>
+                    </a:p>
+                  </a:txBody>
+                  <a:tcPr marL="76200" marR="76200" marT="50800" marB="50800" anchor="ctr"/>
+                </a:tc>
+                <a:tc>
+                  <a:txBody>
+                    <a:bodyPr/>
+                    <a:lstStyle/>
+                    <a:p>
+                      <a:pPr algn="ctr" rtl="0">
+                        <a:buNone/>
+                      </a:pPr>
+                      <a:r>
+                        <a:rPr lang="es-ES" sz="2800" dirty="0">
+                          <a:solidFill>
+                            <a:schemeClr val="bg1"/>
+                          </a:solidFill>
+                          <a:effectLst/>
+                          <a:latin typeface="Aptos (Body)"/>
+                          <a:cs typeface="Times New Roman" panose="02020603050405020304" pitchFamily="18" charset="0"/>
+                        </a:rPr>
+                        <a:t>chr17:7,676,154 </a:t>
+                      </a:r>
+                    </a:p>
+                  </a:txBody>
+                  <a:tcPr marL="76200" marR="76200" marT="50800" marB="50800" anchor="ctr"/>
+                </a:tc>
+                <a:tc>
+                  <a:txBody>
+                    <a:bodyPr/>
+                    <a:lstStyle/>
+                    <a:p>
+                      <a:pPr algn="ctr" rtl="0">
+                        <a:buNone/>
+                      </a:pPr>
+                      <a:r>
+                        <a:rPr lang="es-ES" sz="2800">
+                          <a:solidFill>
+                            <a:schemeClr val="bg1"/>
+                          </a:solidFill>
+                          <a:effectLst/>
+                          <a:latin typeface="Aptos (Body)"/>
+                          <a:cs typeface="Times New Roman" panose="02020603050405020304" pitchFamily="18" charset="0"/>
+                        </a:rPr>
+                        <a:t>NM_000546.6:c.215C&gt;T </a:t>
+                      </a:r>
+                    </a:p>
+                  </a:txBody>
+                  <a:tcPr marL="76200" marR="76200" marT="50800" marB="50800" anchor="ctr"/>
+                </a:tc>
+                <a:tc>
+                  <a:txBody>
+                    <a:bodyPr/>
+                    <a:lstStyle/>
+                    <a:p>
+                      <a:pPr algn="ctr" rtl="0">
+                        <a:buNone/>
+                      </a:pPr>
+                      <a:r>
+                        <a:rPr lang="es-ES" sz="2800">
+                          <a:solidFill>
+                            <a:schemeClr val="bg1"/>
+                          </a:solidFill>
+                          <a:effectLst/>
+                          <a:latin typeface="Aptos (Body)"/>
+                          <a:cs typeface="Times New Roman" panose="02020603050405020304" pitchFamily="18" charset="0"/>
+                        </a:rPr>
+                        <a:t>NP_000537.3:p.Pro72Leu </a:t>
+                      </a:r>
+                    </a:p>
+                  </a:txBody>
+                  <a:tcPr marL="76200" marR="76200" marT="50800" marB="50800" anchor="ctr"/>
+                </a:tc>
+                <a:tc>
+                  <a:txBody>
+                    <a:bodyPr/>
+                    <a:lstStyle/>
+                    <a:p>
+                      <a:pPr algn="ctr" rtl="0">
+                        <a:buNone/>
+                      </a:pPr>
+                      <a:r>
+                        <a:rPr lang="es-ES" sz="2800">
+                          <a:solidFill>
+                            <a:schemeClr val="bg1"/>
+                          </a:solidFill>
+                          <a:effectLst/>
+                          <a:latin typeface="Aptos (Body)"/>
+                          <a:cs typeface="Times New Roman" panose="02020603050405020304" pitchFamily="18" charset="0"/>
+                        </a:rPr>
+                        <a:t>Heterocigoto </a:t>
+                      </a:r>
+                    </a:p>
+                  </a:txBody>
+                  <a:tcPr marL="76200" marR="76200" marT="50800" marB="50800" anchor="ctr"/>
+                </a:tc>
+                <a:extLst>
+                  <a:ext uri="{0D108BD9-81ED-4DB2-BD59-A6C34878D82A}">
+                    <a16:rowId xmlns:a16="http://schemas.microsoft.com/office/drawing/2014/main" val="3135609688"/>
+                  </a:ext>
+                </a:extLst>
+              </a:tr>
+              <a:tr h="0">
+                <a:tc>
+                  <a:txBody>
+                    <a:bodyPr/>
+                    <a:lstStyle/>
+                    <a:p>
+                      <a:pPr algn="ctr" rtl="0">
+                        <a:buNone/>
+                      </a:pPr>
+                      <a:r>
+                        <a:rPr lang="es-ES" sz="2800" b="1">
+                          <a:solidFill>
+                            <a:schemeClr val="bg1"/>
+                          </a:solidFill>
+                          <a:effectLst/>
+                          <a:latin typeface="Aptos (Body)"/>
+                          <a:cs typeface="Times New Roman" panose="02020603050405020304" pitchFamily="18" charset="0"/>
+                        </a:rPr>
+                        <a:t>MC4R</a:t>
+                      </a:r>
+                      <a:endParaRPr lang="es-ES" sz="2800">
+                        <a:solidFill>
+                          <a:schemeClr val="bg1"/>
+                        </a:solidFill>
+                        <a:effectLst/>
+                        <a:latin typeface="Aptos (Body)"/>
+                        <a:cs typeface="Times New Roman" panose="02020603050405020304" pitchFamily="18" charset="0"/>
+                      </a:endParaRPr>
+                    </a:p>
+                  </a:txBody>
+                  <a:tcPr marL="76200" marR="76200" marT="50800" marB="50800" anchor="ctr"/>
+                </a:tc>
+                <a:tc>
+                  <a:txBody>
+                    <a:bodyPr/>
+                    <a:lstStyle/>
+                    <a:p>
+                      <a:pPr algn="ctr" rtl="0">
+                        <a:buNone/>
+                      </a:pPr>
+                      <a:r>
+                        <a:rPr lang="es-ES" sz="2800">
+                          <a:solidFill>
+                            <a:schemeClr val="bg1"/>
+                          </a:solidFill>
+                          <a:effectLst/>
+                          <a:latin typeface="Aptos (Body)"/>
+                          <a:cs typeface="Times New Roman" panose="02020603050405020304" pitchFamily="18" charset="0"/>
+                        </a:rPr>
+                        <a:t>chr18:60,371,535 </a:t>
+                      </a:r>
+                    </a:p>
+                  </a:txBody>
+                  <a:tcPr marL="76200" marR="76200" marT="50800" marB="50800" anchor="ctr"/>
+                </a:tc>
+                <a:tc>
+                  <a:txBody>
+                    <a:bodyPr/>
+                    <a:lstStyle/>
+                    <a:p>
+                      <a:pPr algn="ctr" rtl="0">
+                        <a:buNone/>
+                      </a:pPr>
+                      <a:r>
+                        <a:rPr lang="pt-BR" sz="2800" dirty="0">
+                          <a:solidFill>
+                            <a:schemeClr val="bg1"/>
+                          </a:solidFill>
+                          <a:effectLst/>
+                          <a:latin typeface="Aptos (Body)"/>
+                          <a:cs typeface="Times New Roman" panose="02020603050405020304" pitchFamily="18" charset="0"/>
+                        </a:rPr>
+                        <a:t>NM_005912.3:c.815C&gt;A </a:t>
+                      </a:r>
+                    </a:p>
+                  </a:txBody>
+                  <a:tcPr marL="76200" marR="76200" marT="50800" marB="50800" anchor="ctr"/>
+                </a:tc>
+                <a:tc>
+                  <a:txBody>
+                    <a:bodyPr/>
+                    <a:lstStyle/>
+                    <a:p>
+                      <a:pPr algn="ctr" rtl="0">
+                        <a:buNone/>
+                      </a:pPr>
+                      <a:r>
+                        <a:rPr lang="es-ES" sz="2800">
+                          <a:solidFill>
+                            <a:schemeClr val="bg1"/>
+                          </a:solidFill>
+                          <a:effectLst/>
+                          <a:latin typeface="Aptos (Body)"/>
+                          <a:cs typeface="Times New Roman" panose="02020603050405020304" pitchFamily="18" charset="0"/>
+                        </a:rPr>
+                        <a:t>ENSP00000299766.3:p.Pro272His </a:t>
+                      </a:r>
+                    </a:p>
+                  </a:txBody>
+                  <a:tcPr marL="76200" marR="76200" marT="50800" marB="50800" anchor="ctr"/>
+                </a:tc>
+                <a:tc>
+                  <a:txBody>
+                    <a:bodyPr/>
+                    <a:lstStyle/>
+                    <a:p>
+                      <a:pPr algn="ctr" rtl="0">
+                        <a:buNone/>
+                      </a:pPr>
+                      <a:r>
+                        <a:rPr lang="es-ES" sz="2800">
+                          <a:solidFill>
+                            <a:schemeClr val="bg1"/>
+                          </a:solidFill>
+                          <a:effectLst/>
+                          <a:latin typeface="Aptos (Body)"/>
+                          <a:cs typeface="Times New Roman" panose="02020603050405020304" pitchFamily="18" charset="0"/>
+                        </a:rPr>
+                        <a:t>SNP </a:t>
+                      </a:r>
+                    </a:p>
+                  </a:txBody>
+                  <a:tcPr marL="76200" marR="76200" marT="50800" marB="50800" anchor="ctr"/>
+                </a:tc>
+                <a:extLst>
+                  <a:ext uri="{0D108BD9-81ED-4DB2-BD59-A6C34878D82A}">
+                    <a16:rowId xmlns:a16="http://schemas.microsoft.com/office/drawing/2014/main" val="3899910295"/>
+                  </a:ext>
+                </a:extLst>
+              </a:tr>
+              <a:tr h="0">
+                <a:tc>
+                  <a:txBody>
+                    <a:bodyPr/>
+                    <a:lstStyle/>
+                    <a:p>
+                      <a:pPr algn="ctr" rtl="0">
+                        <a:buNone/>
+                      </a:pPr>
+                      <a:r>
+                        <a:rPr lang="es-ES" sz="2800" b="1" dirty="0">
+                          <a:solidFill>
+                            <a:schemeClr val="bg1"/>
+                          </a:solidFill>
+                          <a:effectLst/>
+                          <a:latin typeface="Aptos (Body)"/>
+                          <a:cs typeface="Times New Roman" panose="02020603050405020304" pitchFamily="18" charset="0"/>
+                        </a:rPr>
+                        <a:t>MED12</a:t>
+                      </a:r>
+                      <a:endParaRPr lang="es-ES" sz="2800" dirty="0">
+                        <a:solidFill>
+                          <a:schemeClr val="bg1"/>
+                        </a:solidFill>
+                        <a:effectLst/>
+                        <a:latin typeface="Aptos (Body)"/>
+                        <a:cs typeface="Times New Roman" panose="02020603050405020304" pitchFamily="18" charset="0"/>
+                      </a:endParaRPr>
+                    </a:p>
+                  </a:txBody>
+                  <a:tcPr marL="76200" marR="76200" marT="50800" marB="50800" anchor="ctr"/>
+                </a:tc>
+                <a:tc>
+                  <a:txBody>
+                    <a:bodyPr/>
+                    <a:lstStyle/>
+                    <a:p>
+                      <a:pPr algn="ctr" rtl="0">
+                        <a:buNone/>
+                      </a:pPr>
+                      <a:r>
+                        <a:rPr lang="es-ES" sz="2800">
+                          <a:solidFill>
+                            <a:schemeClr val="bg1"/>
+                          </a:solidFill>
+                          <a:effectLst/>
+                          <a:latin typeface="Aptos (Body)"/>
+                          <a:cs typeface="Times New Roman" panose="02020603050405020304" pitchFamily="18" charset="0"/>
+                        </a:rPr>
+                        <a:t>chrX:71,121,046 </a:t>
+                      </a:r>
+                    </a:p>
+                  </a:txBody>
+                  <a:tcPr marL="76200" marR="76200" marT="50800" marB="50800" anchor="ctr"/>
+                </a:tc>
+                <a:tc>
+                  <a:txBody>
+                    <a:bodyPr/>
+                    <a:lstStyle/>
+                    <a:p>
+                      <a:pPr algn="ctr" rtl="0">
+                        <a:buNone/>
+                      </a:pPr>
+                      <a:r>
+                        <a:rPr lang="es-ES" sz="2800" dirty="0">
+                          <a:solidFill>
+                            <a:schemeClr val="bg1"/>
+                          </a:solidFill>
+                          <a:effectLst/>
+                          <a:latin typeface="Aptos (Body)"/>
+                          <a:cs typeface="Times New Roman" panose="02020603050405020304" pitchFamily="18" charset="0"/>
+                        </a:rPr>
+                        <a:t>NM_005120.3:c.629C&gt;T </a:t>
+                      </a:r>
+                    </a:p>
+                  </a:txBody>
+                  <a:tcPr marL="76200" marR="76200" marT="50800" marB="50800" anchor="ctr"/>
+                </a:tc>
+                <a:tc>
+                  <a:txBody>
+                    <a:bodyPr/>
+                    <a:lstStyle/>
+                    <a:p>
+                      <a:pPr algn="ctr" rtl="0">
+                        <a:buNone/>
+                      </a:pPr>
+                      <a:r>
+                        <a:rPr lang="es-ES" sz="2800" dirty="0">
+                          <a:solidFill>
+                            <a:schemeClr val="bg1"/>
+                          </a:solidFill>
+                          <a:effectLst/>
+                          <a:latin typeface="Aptos (Body)"/>
+                          <a:cs typeface="Times New Roman" panose="02020603050405020304" pitchFamily="18" charset="0"/>
+                        </a:rPr>
+                        <a:t>ENSP00000333125.8:p.Ala210Val </a:t>
+                      </a:r>
+                    </a:p>
+                  </a:txBody>
+                  <a:tcPr marL="76200" marR="76200" marT="50800" marB="50800" anchor="ctr"/>
+                </a:tc>
+                <a:tc>
+                  <a:txBody>
+                    <a:bodyPr/>
+                    <a:lstStyle/>
+                    <a:p>
+                      <a:pPr algn="ctr" rtl="0">
+                        <a:buNone/>
+                      </a:pPr>
+                      <a:r>
+                        <a:rPr lang="es-ES" sz="2800" dirty="0">
+                          <a:solidFill>
+                            <a:schemeClr val="bg1"/>
+                          </a:solidFill>
+                          <a:effectLst/>
+                          <a:latin typeface="Aptos (Body)"/>
+                          <a:cs typeface="Times New Roman" panose="02020603050405020304" pitchFamily="18" charset="0"/>
+                        </a:rPr>
+                        <a:t>SNP </a:t>
+                      </a:r>
+                    </a:p>
+                  </a:txBody>
+                  <a:tcPr marL="76200" marR="76200" marT="50800" marB="50800" anchor="ctr"/>
+                </a:tc>
+                <a:extLst>
+                  <a:ext uri="{0D108BD9-81ED-4DB2-BD59-A6C34878D82A}">
+                    <a16:rowId xmlns:a16="http://schemas.microsoft.com/office/drawing/2014/main" val="2802499724"/>
+                  </a:ext>
+                </a:extLst>
+              </a:tr>
+            </a:tbl>
+          </a:graphicData>
+        </a:graphic>
+      </p:graphicFrame>
     </p:spTree>
     <p:extLst>
       <p:ext uri="{BB962C8B-B14F-4D97-AF65-F5344CB8AC3E}">
@@ -7643,15 +7075,6 @@
 </file>
 
 <file path=customXml/item2.xml><?xml version="1.0" encoding="utf-8"?>
-<?mso-contentType ?>
-<FormTemplates xmlns="http://schemas.microsoft.com/sharepoint/v3/contenttype/forms">
-  <Display>DocumentLibraryForm</Display>
-  <Edit>DocumentLibraryForm</Edit>
-  <New>DocumentLibraryForm</New>
-</FormTemplates>
-</file>
-
-<file path=customXml/item3.xml><?xml version="1.0" encoding="utf-8"?>
 <p:properties xmlns:p="http://schemas.microsoft.com/office/2006/metadata/properties" xmlns:xsi="http://www.w3.org/2001/XMLSchema-instance" xmlns:pc="http://schemas.microsoft.com/office/infopath/2007/PartnerControls">
   <documentManagement>
     <_Flow_SignoffStatus xmlns="27c1adeb-3674-457c-b08c-8a73f31b6e23" xsi:nil="true"/>
@@ -7661,6 +7084,15 @@
     <TaxCatchAll xmlns="0a70e875-3d35-4be2-921f-7117c31bab9b" xsi:nil="true"/>
   </documentManagement>
 </p:properties>
+</file>
+
+<file path=customXml/item3.xml><?xml version="1.0" encoding="utf-8"?>
+<?mso-contentType ?>
+<FormTemplates xmlns="http://schemas.microsoft.com/sharepoint/v3/contenttype/forms">
+  <Display>DocumentLibraryForm</Display>
+  <Edit>DocumentLibraryForm</Edit>
+  <New>DocumentLibraryForm</New>
+</FormTemplates>
 </file>
 
 <file path=customXml/itemProps1.xml><?xml version="1.0" encoding="utf-8"?>
@@ -7683,14 +7115,6 @@
 </file>
 
 <file path=customXml/itemProps2.xml><?xml version="1.0" encoding="utf-8"?>
-<ds:datastoreItem xmlns:ds="http://schemas.openxmlformats.org/officeDocument/2006/customXml" ds:itemID="{15B638B7-22B7-4D35-BE84-714C8C34C119}">
-  <ds:schemaRefs>
-    <ds:schemaRef ds:uri="http://schemas.microsoft.com/sharepoint/v3/contenttype/forms"/>
-  </ds:schemaRefs>
-</ds:datastoreItem>
-</file>
-
-<file path=customXml/itemProps3.xml><?xml version="1.0" encoding="utf-8"?>
 <ds:datastoreItem xmlns:ds="http://schemas.openxmlformats.org/officeDocument/2006/customXml" ds:itemID="{5CBD36D8-5209-415C-A4C4-4F318B167F44}">
   <ds:schemaRefs>
     <ds:schemaRef ds:uri="http://schemas.microsoft.com/office/2006/metadata/properties"/>
@@ -7701,6 +7125,14 @@
 </ds:datastoreItem>
 </file>
 
+<file path=customXml/itemProps3.xml><?xml version="1.0" encoding="utf-8"?>
+<ds:datastoreItem xmlns:ds="http://schemas.openxmlformats.org/officeDocument/2006/customXml" ds:itemID="{15B638B7-22B7-4D35-BE84-714C8C34C119}">
+  <ds:schemaRefs>
+    <ds:schemaRef ds:uri="http://schemas.microsoft.com/sharepoint/v3/contenttype/forms"/>
+  </ds:schemaRefs>
+</ds:datastoreItem>
+</file>
+
 <file path=docMetadata/LabelInfo.xml><?xml version="1.0" encoding="utf-8"?>
 <clbl:labelList xmlns:clbl="http://schemas.microsoft.com/office/2020/mipLabelMetadata">
   <clbl:label id="{0361ecad-3f61-4749-aa5c-87fde47ef9ad}" enabled="1" method="Privileged" siteId="{22c8b4a4-d926-43b2-bcc7-87b998590b47}" removed="0"/>

--- a/Plantilla_poster_Bioinfo_4P_UNIR.pptx
+++ b/Plantilla_poster_Bioinfo_4P_UNIR.pptx
@@ -5,10 +5,8 @@
     <p:sldMasterId id="2147483660" r:id="rId4"/>
   </p:sldMasterIdLst>
   <p:sldIdLst>
-    <p:sldId id="256" r:id="rId5"/>
-    <p:sldId id="257" r:id="rId6"/>
-    <p:sldId id="258" r:id="rId7"/>
-    <p:sldId id="259" r:id="rId8"/>
+    <p:sldId id="258" r:id="rId5"/>
+    <p:sldId id="259" r:id="rId6"/>
   </p:sldIdLst>
   <p:sldSz cx="15119350" cy="21383625"/>
   <p:notesSz cx="6858000" cy="9144000"/>
@@ -2983,2327 +2981,6 @@
     </p:bg>
     <p:spTree>
       <p:nvGrpSpPr>
-        <p:cNvPr id="1" name=""/>
-        <p:cNvGrpSpPr/>
-        <p:nvPr/>
-      </p:nvGrpSpPr>
-      <p:grpSpPr>
-        <a:xfrm>
-          <a:off x="0" y="0"/>
-          <a:ext cx="0" cy="0"/>
-          <a:chOff x="0" y="0"/>
-          <a:chExt cx="0" cy="0"/>
-        </a:xfrm>
-      </p:grpSpPr>
-      <p:pic>
-        <p:nvPicPr>
-          <p:cNvPr id="5" name="Imagen 4">
-            <a:extLst>
-              <a:ext uri="{FF2B5EF4-FFF2-40B4-BE49-F238E27FC236}">
-                <a16:creationId xmlns:a16="http://schemas.microsoft.com/office/drawing/2014/main" id="{A97235A6-1E40-7550-49FE-93E2DA69811F}"/>
-              </a:ext>
-            </a:extLst>
-          </p:cNvPr>
-          <p:cNvPicPr>
-            <a:picLocks noChangeAspect="1"/>
-          </p:cNvPicPr>
-          <p:nvPr/>
-        </p:nvPicPr>
-        <p:blipFill>
-          <a:blip r:embed="rId2"/>
-          <a:stretch>
-            <a:fillRect/>
-          </a:stretch>
-        </p:blipFill>
-        <p:spPr>
-          <a:xfrm>
-            <a:off x="0" y="-5895"/>
-            <a:ext cx="4834200" cy="3276938"/>
-          </a:xfrm>
-          <a:prstGeom prst="rect">
-            <a:avLst/>
-          </a:prstGeom>
-        </p:spPr>
-      </p:pic>
-      <p:pic>
-        <p:nvPicPr>
-          <p:cNvPr id="1028" name="Picture 4">
-            <a:extLst>
-              <a:ext uri="{FF2B5EF4-FFF2-40B4-BE49-F238E27FC236}">
-                <a16:creationId xmlns:a16="http://schemas.microsoft.com/office/drawing/2014/main" id="{AF1EAE33-9AD6-0CD3-1C83-430AF00F9F4B}"/>
-              </a:ext>
-            </a:extLst>
-          </p:cNvPr>
-          <p:cNvPicPr>
-            <a:picLocks noChangeAspect="1" noChangeArrowheads="1"/>
-          </p:cNvPicPr>
-          <p:nvPr/>
-        </p:nvPicPr>
-        <p:blipFill>
-          <a:blip r:embed="rId3">
-            <a:extLst>
-              <a:ext uri="{28A0092B-C50C-407E-A947-70E740481C1C}">
-                <a14:useLocalDpi xmlns:a14="http://schemas.microsoft.com/office/drawing/2010/main" val="0"/>
-              </a:ext>
-            </a:extLst>
-          </a:blip>
-          <a:srcRect/>
-          <a:stretch>
-            <a:fillRect/>
-          </a:stretch>
-        </p:blipFill>
-        <p:spPr bwMode="auto">
-          <a:xfrm>
-            <a:off x="12550766" y="-95517"/>
-            <a:ext cx="2730517" cy="1644647"/>
-          </a:xfrm>
-          <a:prstGeom prst="rect">
-            <a:avLst/>
-          </a:prstGeom>
-          <a:noFill/>
-          <a:extLst>
-            <a:ext uri="{909E8E84-426E-40DD-AFC4-6F175D3DCCD1}">
-              <a14:hiddenFill xmlns:a14="http://schemas.microsoft.com/office/drawing/2010/main">
-                <a:solidFill>
-                  <a:srgbClr val="FFFFFF"/>
-                </a:solidFill>
-              </a14:hiddenFill>
-            </a:ext>
-          </a:extLst>
-        </p:spPr>
-      </p:pic>
-      <p:sp>
-        <p:nvSpPr>
-          <p:cNvPr id="27" name="Rectángulo 26">
-            <a:extLst>
-              <a:ext uri="{FF2B5EF4-FFF2-40B4-BE49-F238E27FC236}">
-                <a16:creationId xmlns:a16="http://schemas.microsoft.com/office/drawing/2014/main" id="{2A8908FC-06DB-CC20-4597-9C79E3E1300F}"/>
-              </a:ext>
-            </a:extLst>
-          </p:cNvPr>
-          <p:cNvSpPr/>
-          <p:nvPr/>
-        </p:nvSpPr>
-        <p:spPr>
-          <a:xfrm>
-            <a:off x="964642" y="1549130"/>
-            <a:ext cx="2257529" cy="671556"/>
-          </a:xfrm>
-          <a:prstGeom prst="rect">
-            <a:avLst/>
-          </a:prstGeom>
-          <a:solidFill>
-            <a:schemeClr val="bg1"/>
-          </a:solidFill>
-          <a:ln>
-            <a:noFill/>
-          </a:ln>
-        </p:spPr>
-        <p:style>
-          <a:lnRef idx="2">
-            <a:schemeClr val="accent1">
-              <a:shade val="15000"/>
-            </a:schemeClr>
-          </a:lnRef>
-          <a:fillRef idx="1">
-            <a:schemeClr val="accent1"/>
-          </a:fillRef>
-          <a:effectRef idx="0">
-            <a:schemeClr val="accent1"/>
-          </a:effectRef>
-          <a:fontRef idx="minor">
-            <a:schemeClr val="lt1"/>
-          </a:fontRef>
-        </p:style>
-        <p:txBody>
-          <a:bodyPr rtlCol="0" anchor="ctr"/>
-          <a:lstStyle/>
-          <a:p>
-            <a:pPr algn="ctr"/>
-            <a:endParaRPr lang="es-ES_tradnl"/>
-          </a:p>
-        </p:txBody>
-      </p:sp>
-      <p:sp>
-        <p:nvSpPr>
-          <p:cNvPr id="28" name="Rectángulo redondeado 27">
-            <a:extLst>
-              <a:ext uri="{FF2B5EF4-FFF2-40B4-BE49-F238E27FC236}">
-                <a16:creationId xmlns:a16="http://schemas.microsoft.com/office/drawing/2014/main" id="{F3826BEE-6C42-E5BE-B7F2-93F3C600A2F9}"/>
-              </a:ext>
-            </a:extLst>
-          </p:cNvPr>
-          <p:cNvSpPr/>
-          <p:nvPr/>
-        </p:nvSpPr>
-        <p:spPr>
-          <a:xfrm>
-            <a:off x="964643" y="2007220"/>
-            <a:ext cx="13190066" cy="18806265"/>
-          </a:xfrm>
-          <a:prstGeom prst="roundRect">
-            <a:avLst>
-              <a:gd name="adj" fmla="val 3587"/>
-            </a:avLst>
-          </a:prstGeom>
-          <a:gradFill>
-            <a:gsLst>
-              <a:gs pos="100000">
-                <a:srgbClr val="4196C9"/>
-              </a:gs>
-              <a:gs pos="0">
-                <a:srgbClr val="59C2E3"/>
-              </a:gs>
-            </a:gsLst>
-            <a:lin ang="2700000" scaled="1"/>
-          </a:gradFill>
-          <a:ln>
-            <a:noFill/>
-          </a:ln>
-        </p:spPr>
-        <p:style>
-          <a:lnRef idx="2">
-            <a:schemeClr val="accent1">
-              <a:shade val="15000"/>
-            </a:schemeClr>
-          </a:lnRef>
-          <a:fillRef idx="1">
-            <a:schemeClr val="accent1"/>
-          </a:fillRef>
-          <a:effectRef idx="0">
-            <a:schemeClr val="accent1"/>
-          </a:effectRef>
-          <a:fontRef idx="minor">
-            <a:schemeClr val="lt1"/>
-          </a:fontRef>
-        </p:style>
-        <p:txBody>
-          <a:bodyPr lIns="90000" tIns="46800" rtlCol="0" anchor="t"/>
-          <a:lstStyle/>
-          <a:p>
-            <a:pPr algn="ctr"/>
-            <a:r>
-              <a:rPr lang="es-ES_tradnl" sz="4800" b="1" dirty="0">
-                <a:solidFill>
-                  <a:schemeClr val="bg1"/>
-                </a:solidFill>
-              </a:rPr>
-              <a:t>Normas para el uso de la plantilla en las actividades grupales</a:t>
-            </a:r>
-          </a:p>
-          <a:p>
-            <a:pPr algn="ctr"/>
-            <a:endParaRPr lang="es-ES_tradnl" sz="4800" b="1" i="1" dirty="0">
-              <a:solidFill>
-                <a:schemeClr val="bg1"/>
-              </a:solidFill>
-            </a:endParaRPr>
-          </a:p>
-          <a:p>
-            <a:pPr marL="742950" indent="-742950">
-              <a:buFont typeface="+mj-lt"/>
-              <a:buAutoNum type="arabicPeriod"/>
-            </a:pPr>
-            <a:r>
-              <a:rPr lang="es-ES_tradnl" sz="2600" dirty="0">
-                <a:solidFill>
-                  <a:schemeClr val="bg1"/>
-                </a:solidFill>
-              </a:rPr>
-              <a:t>Este póster en idioma </a:t>
-            </a:r>
-            <a:r>
-              <a:rPr lang="es-ES_tradnl" sz="2600" u="sng" dirty="0">
-                <a:solidFill>
-                  <a:schemeClr val="bg1"/>
-                </a:solidFill>
-              </a:rPr>
-              <a:t>castellano</a:t>
-            </a:r>
-            <a:r>
-              <a:rPr lang="es-ES_tradnl" sz="2600" dirty="0">
-                <a:solidFill>
-                  <a:schemeClr val="bg1"/>
-                </a:solidFill>
-              </a:rPr>
-              <a:t> servirá para presentar de forma sintética y visual el trabajo realizado en cada actividad grupal. La correcta presentación y formato serán tenidos en cuenta en la evaluación.</a:t>
-            </a:r>
-          </a:p>
-          <a:p>
-            <a:pPr marL="742950" indent="-742950">
-              <a:buFont typeface="+mj-lt"/>
-              <a:buAutoNum type="arabicPeriod"/>
-            </a:pPr>
-            <a:endParaRPr lang="es-ES_tradnl" sz="2600" dirty="0">
-              <a:solidFill>
-                <a:schemeClr val="bg1"/>
-              </a:solidFill>
-            </a:endParaRPr>
-          </a:p>
-          <a:p>
-            <a:pPr marL="742950" indent="-742950">
-              <a:buFont typeface="+mj-lt"/>
-              <a:buAutoNum type="arabicPeriod"/>
-            </a:pPr>
-            <a:r>
-              <a:rPr lang="es-ES_tradnl" sz="2600" dirty="0">
-                <a:solidFill>
-                  <a:schemeClr val="bg1"/>
-                </a:solidFill>
-              </a:rPr>
-              <a:t>Se deberá respetar el orden y el contenido de las siguientes secciones (</a:t>
-            </a:r>
-            <a:r>
-              <a:rPr lang="es-ES_tradnl" sz="2600" u="sng" dirty="0">
-                <a:solidFill>
-                  <a:schemeClr val="bg1"/>
-                </a:solidFill>
-              </a:rPr>
-              <a:t>Hoja 3 de la PPT</a:t>
-            </a:r>
-            <a:r>
-              <a:rPr lang="es-ES_tradnl" sz="2600" dirty="0">
-                <a:solidFill>
-                  <a:schemeClr val="bg1"/>
-                </a:solidFill>
-              </a:rPr>
-              <a:t>): </a:t>
-            </a:r>
-          </a:p>
-          <a:p>
-            <a:pPr marL="1314450" lvl="1" indent="-282575">
-              <a:buFont typeface="Arial" panose="020B0604020202020204" pitchFamily="34" charset="0"/>
-              <a:buChar char="•"/>
-            </a:pPr>
-            <a:r>
-              <a:rPr lang="es-ES_tradnl" sz="2600" dirty="0">
-                <a:solidFill>
-                  <a:schemeClr val="bg1"/>
-                </a:solidFill>
-              </a:rPr>
-              <a:t>Encabezado del póster: Título de la actividad, Nombres de los integrantes, Nombre de la asignatura (ej. Secuenciación y </a:t>
-            </a:r>
-            <a:r>
-              <a:rPr lang="es-ES_tradnl" sz="2600" dirty="0" err="1">
-                <a:solidFill>
-                  <a:schemeClr val="bg1"/>
-                </a:solidFill>
-              </a:rPr>
-              <a:t>Ómicas</a:t>
-            </a:r>
-            <a:r>
-              <a:rPr lang="es-ES_tradnl" sz="2600" dirty="0">
-                <a:solidFill>
-                  <a:schemeClr val="bg1"/>
-                </a:solidFill>
-              </a:rPr>
-              <a:t> de Próxima Generación etc.)</a:t>
-            </a:r>
-          </a:p>
-          <a:p>
-            <a:pPr marL="1314450" lvl="1" indent="-282575">
-              <a:buFont typeface="Arial" panose="020B0604020202020204" pitchFamily="34" charset="0"/>
-              <a:buChar char="•"/>
-            </a:pPr>
-            <a:r>
-              <a:rPr lang="es-ES_tradnl" sz="2600" dirty="0">
-                <a:solidFill>
-                  <a:schemeClr val="bg1"/>
-                </a:solidFill>
-              </a:rPr>
-              <a:t>Introducción (2-3 líneas máximo): Breve contexto del análisis, Hipótesis planteada, Objetivo específico</a:t>
-            </a:r>
-          </a:p>
-          <a:p>
-            <a:pPr marL="1314450" lvl="1" indent="-282575">
-              <a:buFont typeface="Arial" panose="020B0604020202020204" pitchFamily="34" charset="0"/>
-              <a:buChar char="•"/>
-            </a:pPr>
-            <a:r>
-              <a:rPr lang="es-ES_tradnl" sz="2600" dirty="0">
-                <a:solidFill>
-                  <a:schemeClr val="bg1"/>
-                </a:solidFill>
-              </a:rPr>
-              <a:t>Metodología: Descripción concisa del enfoque utilizado, Herramientas bioinformáticas o estadísticas empleadas, Bases de datos o fuentes utilizadas</a:t>
-            </a:r>
-          </a:p>
-          <a:p>
-            <a:pPr marL="1314450" lvl="1" indent="-282575">
-              <a:buFont typeface="Arial" panose="020B0604020202020204" pitchFamily="34" charset="0"/>
-              <a:buChar char="•"/>
-            </a:pPr>
-            <a:r>
-              <a:rPr lang="es-ES_tradnl" sz="2600" dirty="0">
-                <a:solidFill>
-                  <a:schemeClr val="bg1"/>
-                </a:solidFill>
-              </a:rPr>
-              <a:t>Resultados: Uso  de </a:t>
-            </a:r>
-            <a:r>
-              <a:rPr lang="es-ES_tradnl" sz="2600" u="sng" dirty="0">
-                <a:solidFill>
-                  <a:schemeClr val="bg1"/>
-                </a:solidFill>
-              </a:rPr>
-              <a:t>gráficos</a:t>
-            </a:r>
-            <a:r>
-              <a:rPr lang="es-ES_tradnl" sz="2600" dirty="0">
-                <a:solidFill>
-                  <a:schemeClr val="bg1"/>
-                </a:solidFill>
-              </a:rPr>
-              <a:t> o visualizaciones adecuadas (figuras legibles y bien etiquetadas) que expliquen solas los resultados. Cada Gráfica deberá tener un título y si es conveniente un pie de figura. </a:t>
-            </a:r>
-            <a:r>
-              <a:rPr lang="es-ES_tradnl" sz="2600" u="sng" dirty="0">
-                <a:solidFill>
-                  <a:schemeClr val="bg1"/>
-                </a:solidFill>
-              </a:rPr>
-              <a:t>No permitido añadir texto para complementar la explicación.</a:t>
-            </a:r>
-          </a:p>
-          <a:p>
-            <a:pPr marL="1314450" lvl="1" indent="-282575">
-              <a:buFont typeface="Arial" panose="020B0604020202020204" pitchFamily="34" charset="0"/>
-              <a:buChar char="•"/>
-            </a:pPr>
-            <a:r>
-              <a:rPr lang="es-ES_tradnl" sz="2600" dirty="0">
-                <a:solidFill>
-                  <a:schemeClr val="bg1"/>
-                </a:solidFill>
-              </a:rPr>
-              <a:t>Discusión: Interpretación de los resultados, Identificación de genes clave, Posibles relaciones con condiciones biológicas relevantes</a:t>
-            </a:r>
-          </a:p>
-          <a:p>
-            <a:pPr marL="1314450" lvl="1" indent="-282575">
-              <a:buFont typeface="Arial" panose="020B0604020202020204" pitchFamily="34" charset="0"/>
-              <a:buChar char="•"/>
-            </a:pPr>
-            <a:r>
-              <a:rPr lang="es-ES_tradnl" sz="2600" dirty="0">
-                <a:solidFill>
-                  <a:schemeClr val="bg1"/>
-                </a:solidFill>
-              </a:rPr>
-              <a:t>Conclusiones: Resumen de los principales hallazgos, Limitaciones detectadas en el análisis, Propuestas futuras (si aplica)</a:t>
-            </a:r>
-          </a:p>
-          <a:p>
-            <a:pPr marL="1314450" lvl="1" indent="-282575">
-              <a:buFont typeface="Arial" panose="020B0604020202020204" pitchFamily="34" charset="0"/>
-              <a:buChar char="•"/>
-            </a:pPr>
-            <a:endParaRPr lang="es-ES_tradnl" sz="2600" dirty="0">
-              <a:solidFill>
-                <a:schemeClr val="bg1"/>
-              </a:solidFill>
-            </a:endParaRPr>
-          </a:p>
-          <a:p>
-            <a:pPr marL="742950" lvl="1" indent="-742950">
-              <a:buFont typeface="+mj-lt"/>
-              <a:buAutoNum type="arabicPeriod" startAt="3"/>
-            </a:pPr>
-            <a:r>
-              <a:rPr lang="es-ES_tradnl" sz="2600" dirty="0">
-                <a:solidFill>
-                  <a:schemeClr val="bg1"/>
-                </a:solidFill>
-              </a:rPr>
-              <a:t>Normas de formato y presentación:</a:t>
-            </a:r>
-          </a:p>
-          <a:p>
-            <a:pPr marL="1489075" lvl="1" indent="-457200">
-              <a:buFont typeface="Arial" panose="020B0604020202020204" pitchFamily="34" charset="0"/>
-              <a:buChar char="•"/>
-            </a:pPr>
-            <a:r>
-              <a:rPr lang="es-ES_tradnl" sz="2600" dirty="0">
-                <a:solidFill>
-                  <a:schemeClr val="bg1"/>
-                </a:solidFill>
-              </a:rPr>
-              <a:t>NO se permite modificar el formato original de la plantilla.</a:t>
-            </a:r>
-          </a:p>
-          <a:p>
-            <a:pPr marL="1489075" lvl="1" indent="-457200">
-              <a:buFont typeface="Arial" panose="020B0604020202020204" pitchFamily="34" charset="0"/>
-              <a:buChar char="•"/>
-            </a:pPr>
-            <a:r>
-              <a:rPr lang="es-ES_tradnl" sz="2600" dirty="0">
-                <a:solidFill>
-                  <a:schemeClr val="bg1"/>
-                </a:solidFill>
-              </a:rPr>
-              <a:t>Cualquier alteración del diseño será penalizada (colores, márgenes, fuentes, estructura).</a:t>
-            </a:r>
-          </a:p>
-          <a:p>
-            <a:pPr marL="1489075" lvl="1" indent="-457200">
-              <a:buFont typeface="Arial" panose="020B0604020202020204" pitchFamily="34" charset="0"/>
-              <a:buChar char="•"/>
-            </a:pPr>
-            <a:r>
-              <a:rPr lang="es-ES_tradnl" sz="2600" dirty="0">
-                <a:solidFill>
-                  <a:schemeClr val="bg1"/>
-                </a:solidFill>
-              </a:rPr>
-              <a:t>Tipografía obligatoria: </a:t>
-            </a:r>
-          </a:p>
-          <a:p>
-            <a:pPr marL="2403475" lvl="3" indent="-457200">
-              <a:buFont typeface="Wingdings" pitchFamily="2" charset="2"/>
-              <a:buChar char="Ø"/>
-            </a:pPr>
-            <a:r>
-              <a:rPr lang="es-ES_tradnl" sz="2600" dirty="0">
-                <a:solidFill>
-                  <a:schemeClr val="bg1"/>
-                </a:solidFill>
-              </a:rPr>
-              <a:t>Texto: Aptos (Cuerpo) 18</a:t>
-            </a:r>
-          </a:p>
-          <a:p>
-            <a:pPr marL="2403475" lvl="3" indent="-457200">
-              <a:buFont typeface="Wingdings" pitchFamily="2" charset="2"/>
-              <a:buChar char="Ø"/>
-            </a:pPr>
-            <a:r>
-              <a:rPr lang="es-ES_tradnl" sz="2600" dirty="0">
-                <a:solidFill>
-                  <a:schemeClr val="bg1"/>
-                </a:solidFill>
-              </a:rPr>
-              <a:t>No se permite el uso de otras tipografías ni cambios en el tamaño establecido.</a:t>
-            </a:r>
-          </a:p>
-          <a:p>
-            <a:pPr marL="1489075" lvl="1" indent="-457200">
-              <a:buFont typeface="Arial" panose="020B0604020202020204" pitchFamily="34" charset="0"/>
-              <a:buChar char="•"/>
-            </a:pPr>
-            <a:r>
-              <a:rPr lang="es-ES_tradnl" sz="2600" dirty="0">
-                <a:solidFill>
-                  <a:schemeClr val="bg1"/>
-                </a:solidFill>
-              </a:rPr>
-              <a:t>Redacción: Clara, precisa y científica.</a:t>
-            </a:r>
-          </a:p>
-          <a:p>
-            <a:pPr marL="1489075" lvl="1" indent="-457200">
-              <a:buFont typeface="Arial" panose="020B0604020202020204" pitchFamily="34" charset="0"/>
-              <a:buChar char="•"/>
-            </a:pPr>
-            <a:r>
-              <a:rPr lang="es-ES_tradnl" sz="2600" dirty="0">
-                <a:solidFill>
-                  <a:schemeClr val="bg1"/>
-                </a:solidFill>
-              </a:rPr>
-              <a:t>Se valorará la coherencia entre secciones.</a:t>
-            </a:r>
-          </a:p>
-          <a:p>
-            <a:pPr marL="1489075" lvl="1" indent="-457200">
-              <a:buFont typeface="Arial" panose="020B0604020202020204" pitchFamily="34" charset="0"/>
-              <a:buChar char="•"/>
-            </a:pPr>
-            <a:r>
-              <a:rPr lang="es-ES_tradnl" sz="2600" dirty="0">
-                <a:solidFill>
-                  <a:schemeClr val="bg1"/>
-                </a:solidFill>
-              </a:rPr>
-              <a:t>Evitar lenguaje coloquial.</a:t>
-            </a:r>
-          </a:p>
-          <a:p>
-            <a:pPr marL="1489075" lvl="1" indent="-457200">
-              <a:buFont typeface="Arial" panose="020B0604020202020204" pitchFamily="34" charset="0"/>
-              <a:buChar char="•"/>
-            </a:pPr>
-            <a:r>
-              <a:rPr lang="es-ES_tradnl" sz="2600" dirty="0">
-                <a:solidFill>
-                  <a:schemeClr val="bg1"/>
-                </a:solidFill>
-              </a:rPr>
-              <a:t>Ortografía:</a:t>
-            </a:r>
-          </a:p>
-          <a:p>
-            <a:pPr marL="2403475" lvl="3" indent="-457200">
-              <a:buFont typeface="Wingdings" pitchFamily="2" charset="2"/>
-              <a:buChar char="Ø"/>
-            </a:pPr>
-            <a:r>
-              <a:rPr lang="es-ES_tradnl" sz="2600" dirty="0">
-                <a:solidFill>
-                  <a:schemeClr val="bg1"/>
-                </a:solidFill>
-              </a:rPr>
-              <a:t>No se permiten faltas ortográficas ni errores gramaticales.</a:t>
-            </a:r>
-          </a:p>
-          <a:p>
-            <a:pPr marL="1489075" lvl="1" indent="-457200">
-              <a:buFont typeface="Arial" panose="020B0604020202020204" pitchFamily="34" charset="0"/>
-              <a:buChar char="•"/>
-            </a:pPr>
-            <a:r>
-              <a:rPr lang="es-ES_tradnl" sz="2600" dirty="0">
-                <a:solidFill>
-                  <a:schemeClr val="bg1"/>
-                </a:solidFill>
-              </a:rPr>
-              <a:t>Visuales:</a:t>
-            </a:r>
-          </a:p>
-          <a:p>
-            <a:pPr marL="2403475" lvl="3" indent="-457200">
-              <a:buFont typeface="Wingdings" pitchFamily="2" charset="2"/>
-              <a:buChar char="Ø"/>
-            </a:pPr>
-            <a:r>
-              <a:rPr lang="es-ES_tradnl" sz="2600" dirty="0">
-                <a:solidFill>
-                  <a:schemeClr val="bg1"/>
-                </a:solidFill>
-              </a:rPr>
-              <a:t>Todas las gráficas deben estar bien etiquetadas, con leyendas claras (todas las tipografías permitidas).</a:t>
-            </a:r>
-          </a:p>
-          <a:p>
-            <a:pPr marL="2403475" lvl="3" indent="-457200">
-              <a:buFont typeface="Wingdings" pitchFamily="2" charset="2"/>
-              <a:buChar char="Ø"/>
-            </a:pPr>
-            <a:r>
-              <a:rPr lang="es-ES_tradnl" sz="2600" dirty="0">
-                <a:solidFill>
-                  <a:schemeClr val="bg1"/>
-                </a:solidFill>
-              </a:rPr>
-              <a:t>No sobrecargar el póster con texto o imágenes innecesarias.</a:t>
-            </a:r>
-          </a:p>
-        </p:txBody>
-      </p:sp>
-    </p:spTree>
-    <p:extLst>
-      <p:ext uri="{BB962C8B-B14F-4D97-AF65-F5344CB8AC3E}">
-        <p14:creationId xmlns:p14="http://schemas.microsoft.com/office/powerpoint/2010/main" val="3205397241"/>
-      </p:ext>
-    </p:extLst>
-  </p:cSld>
-  <p:clrMapOvr>
-    <a:masterClrMapping/>
-  </p:clrMapOvr>
-</p:sld>
-</file>
-
-<file path=ppt/slides/slide2.xml><?xml version="1.0" encoding="utf-8"?>
-<p:sld xmlns:a="http://schemas.openxmlformats.org/drawingml/2006/main" xmlns:r="http://schemas.openxmlformats.org/officeDocument/2006/relationships" xmlns:p="http://schemas.openxmlformats.org/presentationml/2006/main">
-  <p:cSld>
-    <p:bg>
-      <p:bgPr>
-        <a:gradFill flip="none" rotWithShape="1">
-          <a:gsLst>
-            <a:gs pos="14000">
-              <a:schemeClr val="bg1"/>
-            </a:gs>
-            <a:gs pos="99000">
-              <a:srgbClr val="59C2E3">
-                <a:alpha val="25000"/>
-              </a:srgbClr>
-            </a:gs>
-          </a:gsLst>
-          <a:lin ang="2700000" scaled="1"/>
-          <a:tileRect/>
-        </a:gradFill>
-        <a:effectLst/>
-      </p:bgPr>
-    </p:bg>
-    <p:spTree>
-      <p:nvGrpSpPr>
-        <p:cNvPr id="1" name="">
-          <a:extLst>
-            <a:ext uri="{FF2B5EF4-FFF2-40B4-BE49-F238E27FC236}">
-              <a16:creationId xmlns:a16="http://schemas.microsoft.com/office/drawing/2014/main" id="{01741A3D-E56A-6A90-DD91-76A3ADF8E205}"/>
-            </a:ext>
-          </a:extLst>
-        </p:cNvPr>
-        <p:cNvGrpSpPr/>
-        <p:nvPr/>
-      </p:nvGrpSpPr>
-      <p:grpSpPr>
-        <a:xfrm>
-          <a:off x="0" y="0"/>
-          <a:ext cx="0" cy="0"/>
-          <a:chOff x="0" y="0"/>
-          <a:chExt cx="0" cy="0"/>
-        </a:xfrm>
-      </p:grpSpPr>
-      <p:grpSp>
-        <p:nvGrpSpPr>
-          <p:cNvPr id="9" name="Grupo 8">
-            <a:extLst>
-              <a:ext uri="{FF2B5EF4-FFF2-40B4-BE49-F238E27FC236}">
-                <a16:creationId xmlns:a16="http://schemas.microsoft.com/office/drawing/2014/main" id="{5C953506-346C-A8BF-67B5-F34567C6BC6E}"/>
-              </a:ext>
-            </a:extLst>
-          </p:cNvPr>
-          <p:cNvGrpSpPr/>
-          <p:nvPr/>
-        </p:nvGrpSpPr>
-        <p:grpSpPr>
-          <a:xfrm>
-            <a:off x="207596" y="7403672"/>
-            <a:ext cx="14668990" cy="9665128"/>
-            <a:chOff x="225180" y="8290675"/>
-            <a:chExt cx="14668990" cy="9665128"/>
-          </a:xfrm>
-        </p:grpSpPr>
-        <p:sp>
-          <p:nvSpPr>
-            <p:cNvPr id="16" name="Rectángulo redondeado 15">
-              <a:extLst>
-                <a:ext uri="{FF2B5EF4-FFF2-40B4-BE49-F238E27FC236}">
-                  <a16:creationId xmlns:a16="http://schemas.microsoft.com/office/drawing/2014/main" id="{C870726C-A1BB-2615-E2FF-5658152644CA}"/>
-                </a:ext>
-              </a:extLst>
-            </p:cNvPr>
-            <p:cNvSpPr/>
-            <p:nvPr/>
-          </p:nvSpPr>
-          <p:spPr>
-            <a:xfrm>
-              <a:off x="225180" y="8607197"/>
-              <a:ext cx="14668990" cy="9348606"/>
-            </a:xfrm>
-            <a:prstGeom prst="roundRect">
-              <a:avLst>
-                <a:gd name="adj" fmla="val 1988"/>
-              </a:avLst>
-            </a:prstGeom>
-            <a:solidFill>
-              <a:schemeClr val="bg1"/>
-            </a:solidFill>
-            <a:ln>
-              <a:solidFill>
-                <a:schemeClr val="bg2">
-                  <a:lumMod val="90000"/>
-                </a:schemeClr>
-              </a:solidFill>
-            </a:ln>
-          </p:spPr>
-          <p:style>
-            <a:lnRef idx="2">
-              <a:schemeClr val="accent1">
-                <a:shade val="15000"/>
-              </a:schemeClr>
-            </a:lnRef>
-            <a:fillRef idx="1">
-              <a:schemeClr val="accent1"/>
-            </a:fillRef>
-            <a:effectRef idx="0">
-              <a:schemeClr val="accent1"/>
-            </a:effectRef>
-            <a:fontRef idx="minor">
-              <a:schemeClr val="lt1"/>
-            </a:fontRef>
-          </p:style>
-          <p:txBody>
-            <a:bodyPr tIns="360000" rtlCol="0" anchor="t"/>
-            <a:lstStyle/>
-            <a:p>
-              <a:pPr algn="just">
-                <a:lnSpc>
-                  <a:spcPct val="80000"/>
-                </a:lnSpc>
-              </a:pPr>
-              <a:endParaRPr lang="es-ES_tradnl" sz="2400" i="1" dirty="0">
-                <a:solidFill>
-                  <a:schemeClr val="tx1"/>
-                </a:solidFill>
-              </a:endParaRPr>
-            </a:p>
-          </p:txBody>
-        </p:sp>
-        <p:sp>
-          <p:nvSpPr>
-            <p:cNvPr id="17" name="Rectángulo redondeado 16">
-              <a:extLst>
-                <a:ext uri="{FF2B5EF4-FFF2-40B4-BE49-F238E27FC236}">
-                  <a16:creationId xmlns:a16="http://schemas.microsoft.com/office/drawing/2014/main" id="{43F36DFC-F638-779B-0878-B5E8AD53AD3E}"/>
-                </a:ext>
-              </a:extLst>
-            </p:cNvPr>
-            <p:cNvSpPr/>
-            <p:nvPr/>
-          </p:nvSpPr>
-          <p:spPr>
-            <a:xfrm>
-              <a:off x="518258" y="8290675"/>
-              <a:ext cx="5838092" cy="633046"/>
-            </a:xfrm>
-            <a:prstGeom prst="roundRect">
-              <a:avLst/>
-            </a:prstGeom>
-            <a:gradFill>
-              <a:gsLst>
-                <a:gs pos="100000">
-                  <a:srgbClr val="4196C9"/>
-                </a:gs>
-                <a:gs pos="0">
-                  <a:srgbClr val="59C2E3"/>
-                </a:gs>
-              </a:gsLst>
-              <a:lin ang="2700000" scaled="1"/>
-            </a:gradFill>
-          </p:spPr>
-          <p:style>
-            <a:lnRef idx="2">
-              <a:schemeClr val="accent1">
-                <a:shade val="15000"/>
-              </a:schemeClr>
-            </a:lnRef>
-            <a:fillRef idx="1">
-              <a:schemeClr val="accent1"/>
-            </a:fillRef>
-            <a:effectRef idx="0">
-              <a:schemeClr val="accent1"/>
-            </a:effectRef>
-            <a:fontRef idx="minor">
-              <a:schemeClr val="lt1"/>
-            </a:fontRef>
-          </p:style>
-          <p:txBody>
-            <a:bodyPr rtlCol="0" anchor="ctr"/>
-            <a:lstStyle/>
-            <a:p>
-              <a:pPr algn="ctr"/>
-              <a:r>
-                <a:rPr lang="es-ES_tradnl" sz="2800" b="1" dirty="0"/>
-                <a:t>RESULTADOS</a:t>
-              </a:r>
-            </a:p>
-          </p:txBody>
-        </p:sp>
-      </p:grpSp>
-      <p:grpSp>
-        <p:nvGrpSpPr>
-          <p:cNvPr id="4" name="Grupo 3">
-            <a:extLst>
-              <a:ext uri="{FF2B5EF4-FFF2-40B4-BE49-F238E27FC236}">
-                <a16:creationId xmlns:a16="http://schemas.microsoft.com/office/drawing/2014/main" id="{5FCC48C4-680E-DC53-FF73-95EB091356FB}"/>
-              </a:ext>
-            </a:extLst>
-          </p:cNvPr>
-          <p:cNvGrpSpPr/>
-          <p:nvPr/>
-        </p:nvGrpSpPr>
-        <p:grpSpPr>
-          <a:xfrm>
-            <a:off x="225180" y="3484254"/>
-            <a:ext cx="14668990" cy="1504934"/>
-            <a:chOff x="225180" y="3930299"/>
-            <a:chExt cx="14668990" cy="1504934"/>
-          </a:xfrm>
-        </p:grpSpPr>
-        <p:sp>
-          <p:nvSpPr>
-            <p:cNvPr id="8" name="Rectángulo redondeado 7">
-              <a:extLst>
-                <a:ext uri="{FF2B5EF4-FFF2-40B4-BE49-F238E27FC236}">
-                  <a16:creationId xmlns:a16="http://schemas.microsoft.com/office/drawing/2014/main" id="{FEB7D3ED-CF02-C938-2FA1-39EE97AC2AA9}"/>
-                </a:ext>
-              </a:extLst>
-            </p:cNvPr>
-            <p:cNvSpPr/>
-            <p:nvPr/>
-          </p:nvSpPr>
-          <p:spPr>
-            <a:xfrm>
-              <a:off x="225180" y="4246822"/>
-              <a:ext cx="14668990" cy="1188411"/>
-            </a:xfrm>
-            <a:prstGeom prst="roundRect">
-              <a:avLst>
-                <a:gd name="adj" fmla="val 9702"/>
-              </a:avLst>
-            </a:prstGeom>
-            <a:solidFill>
-              <a:schemeClr val="bg1"/>
-            </a:solidFill>
-            <a:ln>
-              <a:solidFill>
-                <a:schemeClr val="bg2">
-                  <a:lumMod val="90000"/>
-                </a:schemeClr>
-              </a:solidFill>
-            </a:ln>
-          </p:spPr>
-          <p:style>
-            <a:lnRef idx="2">
-              <a:schemeClr val="accent1">
-                <a:shade val="15000"/>
-              </a:schemeClr>
-            </a:lnRef>
-            <a:fillRef idx="1">
-              <a:schemeClr val="accent1"/>
-            </a:fillRef>
-            <a:effectRef idx="0">
-              <a:schemeClr val="accent1"/>
-            </a:effectRef>
-            <a:fontRef idx="minor">
-              <a:schemeClr val="lt1"/>
-            </a:fontRef>
-          </p:style>
-          <p:txBody>
-            <a:bodyPr tIns="360000" rtlCol="0" anchor="t"/>
-            <a:lstStyle/>
-            <a:p>
-              <a:pPr algn="just">
-                <a:lnSpc>
-                  <a:spcPct val="80000"/>
-                </a:lnSpc>
-              </a:pPr>
-              <a:r>
-                <a:rPr lang="es-ES_tradnl" i="1" dirty="0">
-                  <a:solidFill>
-                    <a:schemeClr val="tx1"/>
-                  </a:solidFill>
-                </a:rPr>
-                <a:t>Este trabajo tiene como objetivo clasificar a los sujetos en distintos subgrupos nutricionales o </a:t>
-              </a:r>
-              <a:r>
-                <a:rPr lang="es-ES_tradnl" i="1" dirty="0" err="1">
-                  <a:solidFill>
-                    <a:schemeClr val="tx1"/>
-                  </a:solidFill>
-                </a:rPr>
-                <a:t>dietotipos</a:t>
-              </a:r>
-              <a:r>
-                <a:rPr lang="es-ES_tradnl" i="1" dirty="0">
-                  <a:solidFill>
-                    <a:schemeClr val="tx1"/>
-                  </a:solidFill>
-                </a:rPr>
-                <a:t> según su ingesta dietética y sus resultados de salud, utilizando métodos de reducción dimensional. Esta estrategia permite avanzar hacia intervenciones personalizadas que mejoren la salud cardiometabólica y la calidad de vida.</a:t>
-              </a:r>
-              <a:endParaRPr lang="es-ES_tradnl" sz="2400" i="1" dirty="0">
-                <a:solidFill>
-                  <a:schemeClr val="tx1"/>
-                </a:solidFill>
-              </a:endParaRPr>
-            </a:p>
-          </p:txBody>
-        </p:sp>
-        <p:sp>
-          <p:nvSpPr>
-            <p:cNvPr id="7" name="Rectángulo redondeado 6">
-              <a:extLst>
-                <a:ext uri="{FF2B5EF4-FFF2-40B4-BE49-F238E27FC236}">
-                  <a16:creationId xmlns:a16="http://schemas.microsoft.com/office/drawing/2014/main" id="{3945C9BD-E878-C904-BB12-F0BA2D1763CA}"/>
-                </a:ext>
-              </a:extLst>
-            </p:cNvPr>
-            <p:cNvSpPr/>
-            <p:nvPr/>
-          </p:nvSpPr>
-          <p:spPr>
-            <a:xfrm>
-              <a:off x="518258" y="3930299"/>
-              <a:ext cx="5838092" cy="633046"/>
-            </a:xfrm>
-            <a:prstGeom prst="roundRect">
-              <a:avLst/>
-            </a:prstGeom>
-            <a:gradFill>
-              <a:gsLst>
-                <a:gs pos="100000">
-                  <a:srgbClr val="4196C9"/>
-                </a:gs>
-                <a:gs pos="0">
-                  <a:srgbClr val="59C2E3"/>
-                </a:gs>
-              </a:gsLst>
-              <a:lin ang="2700000" scaled="1"/>
-            </a:gradFill>
-          </p:spPr>
-          <p:style>
-            <a:lnRef idx="2">
-              <a:schemeClr val="accent1">
-                <a:shade val="15000"/>
-              </a:schemeClr>
-            </a:lnRef>
-            <a:fillRef idx="1">
-              <a:schemeClr val="accent1"/>
-            </a:fillRef>
-            <a:effectRef idx="0">
-              <a:schemeClr val="accent1"/>
-            </a:effectRef>
-            <a:fontRef idx="minor">
-              <a:schemeClr val="lt1"/>
-            </a:fontRef>
-          </p:style>
-          <p:txBody>
-            <a:bodyPr rtlCol="0" anchor="ctr"/>
-            <a:lstStyle/>
-            <a:p>
-              <a:pPr algn="ctr"/>
-              <a:r>
-                <a:rPr lang="es-ES_tradnl" sz="2800" b="1"/>
-                <a:t>INTRODUCCIÓN</a:t>
-              </a:r>
-              <a:endParaRPr lang="es-ES_tradnl" sz="2800" b="1" dirty="0"/>
-            </a:p>
-          </p:txBody>
-        </p:sp>
-      </p:grpSp>
-      <p:grpSp>
-        <p:nvGrpSpPr>
-          <p:cNvPr id="6" name="Grupo 5">
-            <a:extLst>
-              <a:ext uri="{FF2B5EF4-FFF2-40B4-BE49-F238E27FC236}">
-                <a16:creationId xmlns:a16="http://schemas.microsoft.com/office/drawing/2014/main" id="{7B23F5A3-8FA4-BB38-32D0-0ECAD0F925F2}"/>
-              </a:ext>
-            </a:extLst>
-          </p:cNvPr>
-          <p:cNvGrpSpPr/>
-          <p:nvPr/>
-        </p:nvGrpSpPr>
-        <p:grpSpPr>
-          <a:xfrm>
-            <a:off x="207596" y="5235817"/>
-            <a:ext cx="14668990" cy="1992925"/>
-            <a:chOff x="207596" y="6110487"/>
-            <a:chExt cx="14668990" cy="1992925"/>
-          </a:xfrm>
-        </p:grpSpPr>
-        <p:sp>
-          <p:nvSpPr>
-            <p:cNvPr id="14" name="Rectángulo redondeado 13">
-              <a:extLst>
-                <a:ext uri="{FF2B5EF4-FFF2-40B4-BE49-F238E27FC236}">
-                  <a16:creationId xmlns:a16="http://schemas.microsoft.com/office/drawing/2014/main" id="{CB14F1FF-25D2-FA75-CD9F-A24420348853}"/>
-                </a:ext>
-              </a:extLst>
-            </p:cNvPr>
-            <p:cNvSpPr/>
-            <p:nvPr/>
-          </p:nvSpPr>
-          <p:spPr>
-            <a:xfrm>
-              <a:off x="207596" y="6427010"/>
-              <a:ext cx="14668990" cy="1676402"/>
-            </a:xfrm>
-            <a:prstGeom prst="roundRect">
-              <a:avLst>
-                <a:gd name="adj" fmla="val 9702"/>
-              </a:avLst>
-            </a:prstGeom>
-            <a:solidFill>
-              <a:schemeClr val="bg1"/>
-            </a:solidFill>
-            <a:ln>
-              <a:noFill/>
-            </a:ln>
-          </p:spPr>
-          <p:style>
-            <a:lnRef idx="2">
-              <a:schemeClr val="accent1">
-                <a:shade val="15000"/>
-              </a:schemeClr>
-            </a:lnRef>
-            <a:fillRef idx="1">
-              <a:schemeClr val="accent1"/>
-            </a:fillRef>
-            <a:effectRef idx="0">
-              <a:schemeClr val="accent1"/>
-            </a:effectRef>
-            <a:fontRef idx="minor">
-              <a:schemeClr val="lt1"/>
-            </a:fontRef>
-          </p:style>
-          <p:txBody>
-            <a:bodyPr tIns="360000" rtlCol="0" anchor="t"/>
-            <a:lstStyle/>
-            <a:p>
-              <a:pPr algn="just">
-                <a:lnSpc>
-                  <a:spcPct val="80000"/>
-                </a:lnSpc>
-              </a:pPr>
-              <a:r>
-                <a:rPr lang="es-ES_tradnl" i="1" dirty="0">
-                  <a:solidFill>
-                    <a:schemeClr val="tx1"/>
-                  </a:solidFill>
-                </a:rPr>
-                <a:t>Se realizó un análisis exploratorio multidimensional con datos dietéticos detallados de la base de datos proporcionada, incluyendo cuestionarios validados (FFQ y recordatorio de 72h), medidas antropométricas y bioquímicas. Mediante un análisis de PCA se analizaron 85 variables estandarizadas (21 dietéticas y 64 nutricionales), identificándose cuatro componentes dietéticos principales. Se aplicó un </a:t>
-              </a:r>
-              <a:r>
-                <a:rPr lang="es-ES_tradnl" i="1" dirty="0" err="1">
-                  <a:solidFill>
-                    <a:schemeClr val="tx1"/>
-                  </a:solidFill>
-                </a:rPr>
-                <a:t>parallel</a:t>
-              </a:r>
-              <a:r>
-                <a:rPr lang="es-ES_tradnl" i="1" dirty="0">
-                  <a:solidFill>
-                    <a:schemeClr val="tx1"/>
-                  </a:solidFill>
-                </a:rPr>
-                <a:t> </a:t>
-              </a:r>
-              <a:r>
-                <a:rPr lang="es-ES_tradnl" i="1" dirty="0" err="1">
-                  <a:solidFill>
-                    <a:schemeClr val="tx1"/>
-                  </a:solidFill>
-                </a:rPr>
-                <a:t>analysis</a:t>
-              </a:r>
-              <a:r>
-                <a:rPr lang="es-ES_tradnl" i="1" dirty="0">
-                  <a:solidFill>
-                    <a:schemeClr val="tx1"/>
-                  </a:solidFill>
-                </a:rPr>
-                <a:t> para confirmar el número óptimo de factores, y se clasificó a los participantes según su grado de adherencia a cada patrón. Posteriormente, se evaluaron correlaciones de Spearman entre los factores dietéticos y 104 variables clínicas, ajustando por energía y posibles confusores</a:t>
-              </a:r>
-              <a:endParaRPr lang="es-ES_tradnl" sz="2400" i="1" dirty="0">
-                <a:solidFill>
-                  <a:schemeClr val="tx1"/>
-                </a:solidFill>
-              </a:endParaRPr>
-            </a:p>
-          </p:txBody>
-        </p:sp>
-        <p:sp>
-          <p:nvSpPr>
-            <p:cNvPr id="15" name="Rectángulo redondeado 14">
-              <a:extLst>
-                <a:ext uri="{FF2B5EF4-FFF2-40B4-BE49-F238E27FC236}">
-                  <a16:creationId xmlns:a16="http://schemas.microsoft.com/office/drawing/2014/main" id="{F33D0645-E9FA-A931-364E-3210E3E69D6A}"/>
-                </a:ext>
-              </a:extLst>
-            </p:cNvPr>
-            <p:cNvSpPr/>
-            <p:nvPr/>
-          </p:nvSpPr>
-          <p:spPr>
-            <a:xfrm>
-              <a:off x="500674" y="6110487"/>
-              <a:ext cx="5838092" cy="633046"/>
-            </a:xfrm>
-            <a:prstGeom prst="roundRect">
-              <a:avLst/>
-            </a:prstGeom>
-            <a:gradFill>
-              <a:gsLst>
-                <a:gs pos="100000">
-                  <a:srgbClr val="4196C9"/>
-                </a:gs>
-                <a:gs pos="0">
-                  <a:srgbClr val="59C2E3"/>
-                </a:gs>
-              </a:gsLst>
-              <a:lin ang="2700000" scaled="1"/>
-            </a:gradFill>
-          </p:spPr>
-          <p:style>
-            <a:lnRef idx="2">
-              <a:schemeClr val="accent1">
-                <a:shade val="15000"/>
-              </a:schemeClr>
-            </a:lnRef>
-            <a:fillRef idx="1">
-              <a:schemeClr val="accent1"/>
-            </a:fillRef>
-            <a:effectRef idx="0">
-              <a:schemeClr val="accent1"/>
-            </a:effectRef>
-            <a:fontRef idx="minor">
-              <a:schemeClr val="lt1"/>
-            </a:fontRef>
-          </p:style>
-          <p:txBody>
-            <a:bodyPr rtlCol="0" anchor="ctr"/>
-            <a:lstStyle/>
-            <a:p>
-              <a:pPr algn="ctr"/>
-              <a:r>
-                <a:rPr lang="es-ES_tradnl" sz="2800" b="1" dirty="0"/>
-                <a:t>METODOLOGÍA</a:t>
-              </a:r>
-            </a:p>
-          </p:txBody>
-        </p:sp>
-      </p:grpSp>
-      <p:grpSp>
-        <p:nvGrpSpPr>
-          <p:cNvPr id="10" name="Grupo 9">
-            <a:extLst>
-              <a:ext uri="{FF2B5EF4-FFF2-40B4-BE49-F238E27FC236}">
-                <a16:creationId xmlns:a16="http://schemas.microsoft.com/office/drawing/2014/main" id="{20BD9571-E0A9-AB44-7B64-0F522BA4288F}"/>
-              </a:ext>
-            </a:extLst>
-          </p:cNvPr>
-          <p:cNvGrpSpPr/>
-          <p:nvPr/>
-        </p:nvGrpSpPr>
-        <p:grpSpPr>
-          <a:xfrm>
-            <a:off x="225181" y="17303689"/>
-            <a:ext cx="9095800" cy="3844742"/>
-            <a:chOff x="225181" y="17303689"/>
-            <a:chExt cx="9095800" cy="3844742"/>
-          </a:xfrm>
-        </p:grpSpPr>
-        <p:sp>
-          <p:nvSpPr>
-            <p:cNvPr id="22" name="Rectángulo redondeado 21">
-              <a:extLst>
-                <a:ext uri="{FF2B5EF4-FFF2-40B4-BE49-F238E27FC236}">
-                  <a16:creationId xmlns:a16="http://schemas.microsoft.com/office/drawing/2014/main" id="{381B9892-98E6-4609-C6F1-567DBF51A163}"/>
-                </a:ext>
-              </a:extLst>
-            </p:cNvPr>
-            <p:cNvSpPr/>
-            <p:nvPr/>
-          </p:nvSpPr>
-          <p:spPr>
-            <a:xfrm>
-              <a:off x="225181" y="17620211"/>
-              <a:ext cx="9095800" cy="3528220"/>
-            </a:xfrm>
-            <a:prstGeom prst="roundRect">
-              <a:avLst>
-                <a:gd name="adj" fmla="val 9702"/>
-              </a:avLst>
-            </a:prstGeom>
-            <a:solidFill>
-              <a:schemeClr val="bg1"/>
-            </a:solidFill>
-            <a:ln>
-              <a:solidFill>
-                <a:schemeClr val="bg2">
-                  <a:lumMod val="90000"/>
-                </a:schemeClr>
-              </a:solidFill>
-            </a:ln>
-          </p:spPr>
-          <p:style>
-            <a:lnRef idx="2">
-              <a:schemeClr val="accent1">
-                <a:shade val="15000"/>
-              </a:schemeClr>
-            </a:lnRef>
-            <a:fillRef idx="1">
-              <a:schemeClr val="accent1"/>
-            </a:fillRef>
-            <a:effectRef idx="0">
-              <a:schemeClr val="accent1"/>
-            </a:effectRef>
-            <a:fontRef idx="minor">
-              <a:schemeClr val="lt1"/>
-            </a:fontRef>
-          </p:style>
-          <p:txBody>
-            <a:bodyPr tIns="360000" rtlCol="0" anchor="t"/>
-            <a:lstStyle/>
-            <a:p>
-              <a:pPr algn="just">
-                <a:lnSpc>
-                  <a:spcPct val="80000"/>
-                </a:lnSpc>
-              </a:pPr>
-              <a:r>
-                <a:rPr lang="es-ES_tradnl" i="1" dirty="0">
-                  <a:solidFill>
-                    <a:schemeClr val="tx1"/>
-                  </a:solidFill>
-                </a:rPr>
-                <a:t>Los cuatro patrones dietéticos identificados muestran perfiles nutricionales y clínicos diferenciados que permiten establecer relaciones entre la dieta y marcadores de salud metabólica. El patrón proto-omnívoro (F1p-O) se asoció positivamente con masa magra, agua corporal total y fuerza muscular, lo que sugiere un perfil metabólicamente activo. El patrón pro-vegetariano (F2p-V) mostró asociaciones favorables con vitaminas hidrosolubles y un menor nivel de insulina, apuntando a un posible efecto protector frente a la resistencia a la insulina. El patrón pro-Mediterráneo (F3p-M) se relacionó inversamente con interleucina-6 y zinc, lo que podría indicar un perfil antiinflamatorio. Por otro lado, el patrón pro-</a:t>
-              </a:r>
-              <a:r>
-                <a:rPr lang="es-ES_tradnl" i="1" dirty="0" err="1">
-                  <a:solidFill>
-                    <a:schemeClr val="tx1"/>
-                  </a:solidFill>
-                </a:rPr>
-                <a:t>pescetariano</a:t>
-              </a:r>
-              <a:r>
-                <a:rPr lang="es-ES_tradnl" i="1" dirty="0">
-                  <a:solidFill>
-                    <a:schemeClr val="tx1"/>
-                  </a:solidFill>
-                </a:rPr>
-                <a:t> saludable (F4p-P) mostró una correlación positiva con selenio, aunque no alcanzó significación tras el ajuste. Estos resultados respaldan la utilidad del enfoque de nutrición de precisión para identificar </a:t>
-              </a:r>
-              <a:r>
-                <a:rPr lang="es-ES_tradnl" i="1" dirty="0" err="1">
-                  <a:solidFill>
-                    <a:schemeClr val="tx1"/>
-                  </a:solidFill>
-                </a:rPr>
-                <a:t>dietotipos</a:t>
-              </a:r>
-              <a:r>
-                <a:rPr lang="es-ES_tradnl" i="1" dirty="0">
-                  <a:solidFill>
-                    <a:schemeClr val="tx1"/>
-                  </a:solidFill>
-                </a:rPr>
-                <a:t> con implicaciones clínicas, particularmente en el contexto del metabolismo y la inflamación, dos ejes clave en enfermedades como la obesidad y sus comorbilidades.</a:t>
-              </a:r>
-              <a:endParaRPr lang="es-ES_tradnl" sz="2400" i="1" dirty="0">
-                <a:solidFill>
-                  <a:schemeClr val="tx1"/>
-                </a:solidFill>
-              </a:endParaRPr>
-            </a:p>
-          </p:txBody>
-        </p:sp>
-        <p:sp>
-          <p:nvSpPr>
-            <p:cNvPr id="23" name="Rectángulo redondeado 22">
-              <a:extLst>
-                <a:ext uri="{FF2B5EF4-FFF2-40B4-BE49-F238E27FC236}">
-                  <a16:creationId xmlns:a16="http://schemas.microsoft.com/office/drawing/2014/main" id="{A2D4C693-7BBD-E0C1-588A-41A91139D35B}"/>
-                </a:ext>
-              </a:extLst>
-            </p:cNvPr>
-            <p:cNvSpPr/>
-            <p:nvPr/>
-          </p:nvSpPr>
-          <p:spPr>
-            <a:xfrm>
-              <a:off x="518258" y="17303689"/>
-              <a:ext cx="5838092" cy="633046"/>
-            </a:xfrm>
-            <a:prstGeom prst="roundRect">
-              <a:avLst/>
-            </a:prstGeom>
-            <a:gradFill>
-              <a:gsLst>
-                <a:gs pos="100000">
-                  <a:srgbClr val="4196C9"/>
-                </a:gs>
-                <a:gs pos="0">
-                  <a:srgbClr val="59C2E3"/>
-                </a:gs>
-              </a:gsLst>
-              <a:lin ang="2700000" scaled="1"/>
-            </a:gradFill>
-          </p:spPr>
-          <p:style>
-            <a:lnRef idx="2">
-              <a:schemeClr val="accent1">
-                <a:shade val="15000"/>
-              </a:schemeClr>
-            </a:lnRef>
-            <a:fillRef idx="1">
-              <a:schemeClr val="accent1"/>
-            </a:fillRef>
-            <a:effectRef idx="0">
-              <a:schemeClr val="accent1"/>
-            </a:effectRef>
-            <a:fontRef idx="minor">
-              <a:schemeClr val="lt1"/>
-            </a:fontRef>
-          </p:style>
-          <p:txBody>
-            <a:bodyPr rtlCol="0" anchor="ctr"/>
-            <a:lstStyle/>
-            <a:p>
-              <a:pPr algn="ctr"/>
-              <a:r>
-                <a:rPr lang="es-ES_tradnl" sz="2800" b="1" dirty="0"/>
-                <a:t>DISCUSIÓN</a:t>
-              </a:r>
-            </a:p>
-          </p:txBody>
-        </p:sp>
-      </p:grpSp>
-      <p:grpSp>
-        <p:nvGrpSpPr>
-          <p:cNvPr id="11" name="Grupo 10">
-            <a:extLst>
-              <a:ext uri="{FF2B5EF4-FFF2-40B4-BE49-F238E27FC236}">
-                <a16:creationId xmlns:a16="http://schemas.microsoft.com/office/drawing/2014/main" id="{623B4F90-B675-90D5-3A62-801C71241135}"/>
-              </a:ext>
-            </a:extLst>
-          </p:cNvPr>
-          <p:cNvGrpSpPr/>
-          <p:nvPr/>
-        </p:nvGrpSpPr>
-        <p:grpSpPr>
-          <a:xfrm>
-            <a:off x="9527458" y="17303689"/>
-            <a:ext cx="5366712" cy="3844742"/>
-            <a:chOff x="7784856" y="17303689"/>
-            <a:chExt cx="7109314" cy="3844742"/>
-          </a:xfrm>
-        </p:grpSpPr>
-        <p:sp>
-          <p:nvSpPr>
-            <p:cNvPr id="24" name="Rectángulo redondeado 23">
-              <a:extLst>
-                <a:ext uri="{FF2B5EF4-FFF2-40B4-BE49-F238E27FC236}">
-                  <a16:creationId xmlns:a16="http://schemas.microsoft.com/office/drawing/2014/main" id="{C0FDA565-7231-A04B-604B-CBBA360FA2A9}"/>
-                </a:ext>
-              </a:extLst>
-            </p:cNvPr>
-            <p:cNvSpPr/>
-            <p:nvPr/>
-          </p:nvSpPr>
-          <p:spPr>
-            <a:xfrm>
-              <a:off x="7784856" y="17620211"/>
-              <a:ext cx="7109314" cy="3528220"/>
-            </a:xfrm>
-            <a:prstGeom prst="roundRect">
-              <a:avLst>
-                <a:gd name="adj" fmla="val 9702"/>
-              </a:avLst>
-            </a:prstGeom>
-            <a:solidFill>
-              <a:schemeClr val="bg1"/>
-            </a:solidFill>
-            <a:ln>
-              <a:solidFill>
-                <a:schemeClr val="bg2">
-                  <a:lumMod val="90000"/>
-                </a:schemeClr>
-              </a:solidFill>
-            </a:ln>
-          </p:spPr>
-          <p:style>
-            <a:lnRef idx="2">
-              <a:schemeClr val="accent1">
-                <a:shade val="15000"/>
-              </a:schemeClr>
-            </a:lnRef>
-            <a:fillRef idx="1">
-              <a:schemeClr val="accent1"/>
-            </a:fillRef>
-            <a:effectRef idx="0">
-              <a:schemeClr val="accent1"/>
-            </a:effectRef>
-            <a:fontRef idx="minor">
-              <a:schemeClr val="lt1"/>
-            </a:fontRef>
-          </p:style>
-          <p:txBody>
-            <a:bodyPr tIns="360000" rtlCol="0" anchor="t"/>
-            <a:lstStyle/>
-            <a:p>
-              <a:pPr algn="just">
-                <a:lnSpc>
-                  <a:spcPct val="80000"/>
-                </a:lnSpc>
-              </a:pPr>
-              <a:r>
-                <a:rPr lang="es-ES_tradnl" i="1" dirty="0">
-                  <a:solidFill>
-                    <a:schemeClr val="tx1"/>
-                  </a:solidFill>
-                </a:rPr>
-                <a:t>Nuestros hallazgos sugieren que los patrones dietéticos </a:t>
-              </a:r>
-              <a:r>
-                <a:rPr lang="es-ES_tradnl" i="1" dirty="0" err="1">
-                  <a:solidFill>
-                    <a:schemeClr val="tx1"/>
-                  </a:solidFill>
-                </a:rPr>
-                <a:t>protoomnívoros</a:t>
-              </a:r>
-              <a:r>
-                <a:rPr lang="es-ES_tradnl" i="1" dirty="0">
-                  <a:solidFill>
-                    <a:schemeClr val="tx1"/>
-                  </a:solidFill>
-                </a:rPr>
-                <a:t> se asocian positivamente con los componentes de masa magra, mientras que las dietas basadas en plantas mostraron tendencias opuestas. Los patrones dietéticos mediterráneos indujeron una posible asociación con perfiles antiinflamatorios. Estos resultados resaltan la posible utilidad de los métodos de reducción dimensional para comprender la presencia de </a:t>
-              </a:r>
-              <a:r>
-                <a:rPr lang="es-ES_tradnl" i="1" dirty="0" err="1">
-                  <a:solidFill>
-                    <a:schemeClr val="tx1"/>
-                  </a:solidFill>
-                </a:rPr>
-                <a:t>dietotipos</a:t>
-              </a:r>
-              <a:r>
-                <a:rPr lang="es-ES_tradnl" i="1" dirty="0">
-                  <a:solidFill>
-                    <a:schemeClr val="tx1"/>
-                  </a:solidFill>
-                </a:rPr>
-                <a:t> agrupados cualitativos que relacionan la dieta con los resultados de salud para la prescripción de nutrición de precisión.</a:t>
-              </a:r>
-              <a:endParaRPr lang="es-ES_tradnl" sz="2400" i="1" dirty="0">
-                <a:solidFill>
-                  <a:schemeClr val="tx1"/>
-                </a:solidFill>
-              </a:endParaRPr>
-            </a:p>
-          </p:txBody>
-        </p:sp>
-        <p:sp>
-          <p:nvSpPr>
-            <p:cNvPr id="25" name="Rectángulo redondeado 24">
-              <a:extLst>
-                <a:ext uri="{FF2B5EF4-FFF2-40B4-BE49-F238E27FC236}">
-                  <a16:creationId xmlns:a16="http://schemas.microsoft.com/office/drawing/2014/main" id="{0097D6A2-C865-70C9-C895-A45D8FA392DF}"/>
-                </a:ext>
-              </a:extLst>
-            </p:cNvPr>
-            <p:cNvSpPr/>
-            <p:nvPr/>
-          </p:nvSpPr>
-          <p:spPr>
-            <a:xfrm>
-              <a:off x="8077933" y="17303689"/>
-              <a:ext cx="5838092" cy="633046"/>
-            </a:xfrm>
-            <a:prstGeom prst="roundRect">
-              <a:avLst/>
-            </a:prstGeom>
-            <a:gradFill>
-              <a:gsLst>
-                <a:gs pos="100000">
-                  <a:srgbClr val="4196C9"/>
-                </a:gs>
-                <a:gs pos="0">
-                  <a:srgbClr val="59C2E3"/>
-                </a:gs>
-              </a:gsLst>
-              <a:lin ang="2700000" scaled="1"/>
-            </a:gradFill>
-          </p:spPr>
-          <p:style>
-            <a:lnRef idx="2">
-              <a:schemeClr val="accent1">
-                <a:shade val="15000"/>
-              </a:schemeClr>
-            </a:lnRef>
-            <a:fillRef idx="1">
-              <a:schemeClr val="accent1"/>
-            </a:fillRef>
-            <a:effectRef idx="0">
-              <a:schemeClr val="accent1"/>
-            </a:effectRef>
-            <a:fontRef idx="minor">
-              <a:schemeClr val="lt1"/>
-            </a:fontRef>
-          </p:style>
-          <p:txBody>
-            <a:bodyPr rtlCol="0" anchor="ctr"/>
-            <a:lstStyle/>
-            <a:p>
-              <a:pPr algn="ctr"/>
-              <a:r>
-                <a:rPr lang="es-ES_tradnl" sz="2800" b="1" dirty="0"/>
-                <a:t>CONCLUSIONES</a:t>
-              </a:r>
-            </a:p>
-          </p:txBody>
-        </p:sp>
-      </p:grpSp>
-      <p:pic>
-        <p:nvPicPr>
-          <p:cNvPr id="1028" name="Picture 4">
-            <a:extLst>
-              <a:ext uri="{FF2B5EF4-FFF2-40B4-BE49-F238E27FC236}">
-                <a16:creationId xmlns:a16="http://schemas.microsoft.com/office/drawing/2014/main" id="{70274CC9-2241-1244-4118-364EC63C3499}"/>
-              </a:ext>
-            </a:extLst>
-          </p:cNvPr>
-          <p:cNvPicPr>
-            <a:picLocks noChangeAspect="1" noChangeArrowheads="1"/>
-          </p:cNvPicPr>
-          <p:nvPr/>
-        </p:nvPicPr>
-        <p:blipFill>
-          <a:blip r:embed="rId2">
-            <a:extLst>
-              <a:ext uri="{28A0092B-C50C-407E-A947-70E740481C1C}">
-                <a14:useLocalDpi xmlns:a14="http://schemas.microsoft.com/office/drawing/2010/main" val="0"/>
-              </a:ext>
-            </a:extLst>
-          </a:blip>
-          <a:srcRect/>
-          <a:stretch>
-            <a:fillRect/>
-          </a:stretch>
-        </p:blipFill>
-        <p:spPr bwMode="auto">
-          <a:xfrm>
-            <a:off x="12550767" y="-95516"/>
-            <a:ext cx="2325820" cy="1400890"/>
-          </a:xfrm>
-          <a:prstGeom prst="rect">
-            <a:avLst/>
-          </a:prstGeom>
-          <a:noFill/>
-          <a:extLst>
-            <a:ext uri="{909E8E84-426E-40DD-AFC4-6F175D3DCCD1}">
-              <a14:hiddenFill xmlns:a14="http://schemas.microsoft.com/office/drawing/2010/main">
-                <a:solidFill>
-                  <a:srgbClr val="FFFFFF"/>
-                </a:solidFill>
-              </a14:hiddenFill>
-            </a:ext>
-          </a:extLst>
-        </p:spPr>
-      </p:pic>
-      <p:grpSp>
-        <p:nvGrpSpPr>
-          <p:cNvPr id="18" name="Grupo 17">
-            <a:extLst>
-              <a:ext uri="{FF2B5EF4-FFF2-40B4-BE49-F238E27FC236}">
-                <a16:creationId xmlns:a16="http://schemas.microsoft.com/office/drawing/2014/main" id="{8F6A5FD5-7463-A593-72C7-F0E4EB285025}"/>
-              </a:ext>
-            </a:extLst>
-          </p:cNvPr>
-          <p:cNvGrpSpPr>
-            <a:grpSpLocks noChangeAspect="1"/>
-          </p:cNvGrpSpPr>
-          <p:nvPr/>
-        </p:nvGrpSpPr>
-        <p:grpSpPr>
-          <a:xfrm>
-            <a:off x="0" y="-5895"/>
-            <a:ext cx="3397496" cy="2303046"/>
-            <a:chOff x="0" y="-5895"/>
-            <a:chExt cx="4834200" cy="3276938"/>
-          </a:xfrm>
-        </p:grpSpPr>
-        <p:pic>
-          <p:nvPicPr>
-            <p:cNvPr id="5" name="Imagen 4">
-              <a:extLst>
-                <a:ext uri="{FF2B5EF4-FFF2-40B4-BE49-F238E27FC236}">
-                  <a16:creationId xmlns:a16="http://schemas.microsoft.com/office/drawing/2014/main" id="{DE58BDFA-8AF2-7019-7FBC-D37E50AE445C}"/>
-                </a:ext>
-              </a:extLst>
-            </p:cNvPr>
-            <p:cNvPicPr>
-              <a:picLocks noChangeAspect="1"/>
-            </p:cNvPicPr>
-            <p:nvPr/>
-          </p:nvPicPr>
-          <p:blipFill>
-            <a:blip r:embed="rId3"/>
-            <a:stretch>
-              <a:fillRect/>
-            </a:stretch>
-          </p:blipFill>
-          <p:spPr>
-            <a:xfrm>
-              <a:off x="0" y="-5895"/>
-              <a:ext cx="4834200" cy="3276938"/>
-            </a:xfrm>
-            <a:prstGeom prst="rect">
-              <a:avLst/>
-            </a:prstGeom>
-          </p:spPr>
-        </p:pic>
-        <p:sp>
-          <p:nvSpPr>
-            <p:cNvPr id="2" name="Rectángulo 1">
-              <a:extLst>
-                <a:ext uri="{FF2B5EF4-FFF2-40B4-BE49-F238E27FC236}">
-                  <a16:creationId xmlns:a16="http://schemas.microsoft.com/office/drawing/2014/main" id="{AE74DE59-F695-8E93-09D0-A92C58D17992}"/>
-                </a:ext>
-              </a:extLst>
-            </p:cNvPr>
-            <p:cNvSpPr/>
-            <p:nvPr/>
-          </p:nvSpPr>
-          <p:spPr>
-            <a:xfrm>
-              <a:off x="964642" y="1549130"/>
-              <a:ext cx="2257529" cy="671556"/>
-            </a:xfrm>
-            <a:prstGeom prst="rect">
-              <a:avLst/>
-            </a:prstGeom>
-            <a:solidFill>
-              <a:schemeClr val="bg1"/>
-            </a:solidFill>
-            <a:ln>
-              <a:noFill/>
-            </a:ln>
-          </p:spPr>
-          <p:style>
-            <a:lnRef idx="2">
-              <a:schemeClr val="accent1">
-                <a:shade val="15000"/>
-              </a:schemeClr>
-            </a:lnRef>
-            <a:fillRef idx="1">
-              <a:schemeClr val="accent1"/>
-            </a:fillRef>
-            <a:effectRef idx="0">
-              <a:schemeClr val="accent1"/>
-            </a:effectRef>
-            <a:fontRef idx="minor">
-              <a:schemeClr val="lt1"/>
-            </a:fontRef>
-          </p:style>
-          <p:txBody>
-            <a:bodyPr rtlCol="0" anchor="ctr"/>
-            <a:lstStyle/>
-            <a:p>
-              <a:pPr algn="ctr"/>
-              <a:endParaRPr lang="es-ES_tradnl"/>
-            </a:p>
-          </p:txBody>
-        </p:sp>
-      </p:grpSp>
-      <p:sp>
-        <p:nvSpPr>
-          <p:cNvPr id="3" name="Rectángulo redondeado 2">
-            <a:extLst>
-              <a:ext uri="{FF2B5EF4-FFF2-40B4-BE49-F238E27FC236}">
-                <a16:creationId xmlns:a16="http://schemas.microsoft.com/office/drawing/2014/main" id="{A8921268-A726-C96C-B743-206883618C91}"/>
-              </a:ext>
-            </a:extLst>
-          </p:cNvPr>
-          <p:cNvSpPr/>
-          <p:nvPr/>
-        </p:nvSpPr>
-        <p:spPr>
-          <a:xfrm>
-            <a:off x="677955" y="1320342"/>
-            <a:ext cx="13763441" cy="1981203"/>
-          </a:xfrm>
-          <a:prstGeom prst="roundRect">
-            <a:avLst>
-              <a:gd name="adj" fmla="val 9702"/>
-            </a:avLst>
-          </a:prstGeom>
-          <a:solidFill>
-            <a:srgbClr val="4196C9"/>
-          </a:solidFill>
-          <a:ln>
-            <a:noFill/>
-          </a:ln>
-        </p:spPr>
-        <p:style>
-          <a:lnRef idx="2">
-            <a:schemeClr val="accent1">
-              <a:shade val="15000"/>
-            </a:schemeClr>
-          </a:lnRef>
-          <a:fillRef idx="1">
-            <a:schemeClr val="accent1"/>
-          </a:fillRef>
-          <a:effectRef idx="0">
-            <a:schemeClr val="accent1"/>
-          </a:effectRef>
-          <a:fontRef idx="minor">
-            <a:schemeClr val="lt1"/>
-          </a:fontRef>
-        </p:style>
-        <p:txBody>
-          <a:bodyPr lIns="90000" tIns="46800" rtlCol="0" anchor="ctr"/>
-          <a:lstStyle/>
-          <a:p>
-            <a:pPr algn="ctr"/>
-            <a:r>
-              <a:rPr lang="es-ES_tradnl" sz="4000" b="1" dirty="0">
-                <a:solidFill>
-                  <a:schemeClr val="bg1"/>
-                </a:solidFill>
-              </a:rPr>
-              <a:t>Análisis descriptivos de poblaciones fenotípicas </a:t>
-            </a:r>
-          </a:p>
-          <a:p>
-            <a:pPr algn="ctr">
-              <a:lnSpc>
-                <a:spcPct val="80000"/>
-              </a:lnSpc>
-            </a:pPr>
-            <a:r>
-              <a:rPr lang="es-ES_tradnl" sz="2800" b="1" i="1" dirty="0">
-                <a:solidFill>
-                  <a:schemeClr val="bg1"/>
-                </a:solidFill>
-              </a:rPr>
-              <a:t>Estadística y R para Ciencias de la Salud</a:t>
-            </a:r>
-            <a:endParaRPr lang="es-ES_tradnl" sz="3600" b="1" i="1" dirty="0">
-              <a:solidFill>
-                <a:schemeClr val="bg1"/>
-              </a:solidFill>
-            </a:endParaRPr>
-          </a:p>
-          <a:p>
-            <a:pPr algn="ctr">
-              <a:lnSpc>
-                <a:spcPct val="80000"/>
-              </a:lnSpc>
-            </a:pPr>
-            <a:r>
-              <a:rPr lang="es-ES_tradnl" sz="2000" b="1" i="1" dirty="0">
-                <a:solidFill>
-                  <a:schemeClr val="bg1"/>
-                </a:solidFill>
-              </a:rPr>
-              <a:t>Víctor de la O, Edwin Fernández-Cruz </a:t>
-            </a:r>
-          </a:p>
-        </p:txBody>
-      </p:sp>
-      <p:sp>
-        <p:nvSpPr>
-          <p:cNvPr id="19" name="CuadroTexto 18">
-            <a:extLst>
-              <a:ext uri="{FF2B5EF4-FFF2-40B4-BE49-F238E27FC236}">
-                <a16:creationId xmlns:a16="http://schemas.microsoft.com/office/drawing/2014/main" id="{16E043BC-62DC-A50A-F677-84121C77150E}"/>
-              </a:ext>
-            </a:extLst>
-          </p:cNvPr>
-          <p:cNvSpPr txBox="1"/>
-          <p:nvPr/>
-        </p:nvSpPr>
-        <p:spPr>
-          <a:xfrm>
-            <a:off x="3785136" y="244115"/>
-            <a:ext cx="8168971" cy="769441"/>
-          </a:xfrm>
-          <a:prstGeom prst="rect">
-            <a:avLst/>
-          </a:prstGeom>
-          <a:solidFill>
-            <a:srgbClr val="FF0000"/>
-          </a:solidFill>
-        </p:spPr>
-        <p:txBody>
-          <a:bodyPr wrap="square" rtlCol="0">
-            <a:spAutoFit/>
-          </a:bodyPr>
-          <a:lstStyle/>
-          <a:p>
-            <a:pPr algn="ctr"/>
-            <a:r>
-              <a:rPr lang="es-ES_tradnl" sz="4400" b="1" dirty="0">
-                <a:solidFill>
-                  <a:schemeClr val="bg1"/>
-                </a:solidFill>
-              </a:rPr>
-              <a:t>EJEMPLO DE PÓSTER</a:t>
-            </a:r>
-          </a:p>
-        </p:txBody>
-      </p:sp>
-      <p:pic>
-        <p:nvPicPr>
-          <p:cNvPr id="1026" name="Imagen 1025">
-            <a:extLst>
-              <a:ext uri="{FF2B5EF4-FFF2-40B4-BE49-F238E27FC236}">
-                <a16:creationId xmlns:a16="http://schemas.microsoft.com/office/drawing/2014/main" id="{CE2825C3-FEB7-85C5-586A-818E2C8F72A7}"/>
-              </a:ext>
-            </a:extLst>
-          </p:cNvPr>
-          <p:cNvPicPr>
-            <a:picLocks noChangeAspect="1"/>
-          </p:cNvPicPr>
-          <p:nvPr/>
-        </p:nvPicPr>
-        <p:blipFill>
-          <a:blip r:embed="rId4"/>
-          <a:stretch>
-            <a:fillRect/>
-          </a:stretch>
-        </p:blipFill>
-        <p:spPr>
-          <a:xfrm>
-            <a:off x="1492514" y="12668012"/>
-            <a:ext cx="4585243" cy="4359971"/>
-          </a:xfrm>
-          <a:prstGeom prst="rect">
-            <a:avLst/>
-          </a:prstGeom>
-        </p:spPr>
-      </p:pic>
-      <p:pic>
-        <p:nvPicPr>
-          <p:cNvPr id="1030" name="Imagen 1029">
-            <a:extLst>
-              <a:ext uri="{FF2B5EF4-FFF2-40B4-BE49-F238E27FC236}">
-                <a16:creationId xmlns:a16="http://schemas.microsoft.com/office/drawing/2014/main" id="{67AE5237-CDD3-C381-4492-77FCF77CE19F}"/>
-              </a:ext>
-            </a:extLst>
-          </p:cNvPr>
-          <p:cNvPicPr>
-            <a:picLocks noChangeAspect="1"/>
-          </p:cNvPicPr>
-          <p:nvPr/>
-        </p:nvPicPr>
-        <p:blipFill>
-          <a:blip r:embed="rId5"/>
-          <a:stretch>
-            <a:fillRect/>
-          </a:stretch>
-        </p:blipFill>
-        <p:spPr>
-          <a:xfrm>
-            <a:off x="8799234" y="12556709"/>
-            <a:ext cx="4488385" cy="4359971"/>
-          </a:xfrm>
-          <a:prstGeom prst="rect">
-            <a:avLst/>
-          </a:prstGeom>
-        </p:spPr>
-      </p:pic>
-      <p:pic>
-        <p:nvPicPr>
-          <p:cNvPr id="1031" name="Imagen 1030">
-            <a:extLst>
-              <a:ext uri="{FF2B5EF4-FFF2-40B4-BE49-F238E27FC236}">
-                <a16:creationId xmlns:a16="http://schemas.microsoft.com/office/drawing/2014/main" id="{48ABB6AD-8DEB-8DDF-B8F6-3CA6779148A2}"/>
-              </a:ext>
-            </a:extLst>
-          </p:cNvPr>
-          <p:cNvPicPr>
-            <a:picLocks noChangeAspect="1"/>
-          </p:cNvPicPr>
-          <p:nvPr/>
-        </p:nvPicPr>
-        <p:blipFill>
-          <a:blip r:embed="rId6"/>
-          <a:srcRect r="-355"/>
-          <a:stretch/>
-        </p:blipFill>
-        <p:spPr>
-          <a:xfrm>
-            <a:off x="500674" y="8825800"/>
-            <a:ext cx="14194891" cy="2911351"/>
-          </a:xfrm>
-          <a:prstGeom prst="rect">
-            <a:avLst/>
-          </a:prstGeom>
-        </p:spPr>
-      </p:pic>
-      <p:sp>
-        <p:nvSpPr>
-          <p:cNvPr id="1036" name="Rectángulo redondeado 1035">
-            <a:extLst>
-              <a:ext uri="{FF2B5EF4-FFF2-40B4-BE49-F238E27FC236}">
-                <a16:creationId xmlns:a16="http://schemas.microsoft.com/office/drawing/2014/main" id="{AFAF9801-11D6-F874-E9A8-A3E0E4590764}"/>
-              </a:ext>
-            </a:extLst>
-          </p:cNvPr>
-          <p:cNvSpPr/>
-          <p:nvPr/>
-        </p:nvSpPr>
-        <p:spPr>
-          <a:xfrm>
-            <a:off x="518258" y="8158328"/>
-            <a:ext cx="13959752" cy="633046"/>
-          </a:xfrm>
-          <a:prstGeom prst="roundRect">
-            <a:avLst/>
-          </a:prstGeom>
-          <a:solidFill>
-            <a:schemeClr val="bg2"/>
-          </a:solidFill>
-          <a:ln>
-            <a:noFill/>
-          </a:ln>
-        </p:spPr>
-        <p:style>
-          <a:lnRef idx="2">
-            <a:schemeClr val="accent1">
-              <a:shade val="15000"/>
-            </a:schemeClr>
-          </a:lnRef>
-          <a:fillRef idx="1">
-            <a:schemeClr val="accent1"/>
-          </a:fillRef>
-          <a:effectRef idx="0">
-            <a:schemeClr val="accent1"/>
-          </a:effectRef>
-          <a:fontRef idx="minor">
-            <a:schemeClr val="lt1"/>
-          </a:fontRef>
-        </p:style>
-        <p:txBody>
-          <a:bodyPr rtlCol="0" anchor="ctr"/>
-          <a:lstStyle/>
-          <a:p>
-            <a:pPr marL="0" marR="0" lvl="0" indent="0" algn="l" defTabSz="457200" rtl="0" eaLnBrk="1" fontAlgn="auto" latinLnBrk="0" hangingPunct="1">
-              <a:lnSpc>
-                <a:spcPct val="80000"/>
-              </a:lnSpc>
-              <a:spcBef>
-                <a:spcPts val="0"/>
-              </a:spcBef>
-              <a:spcAft>
-                <a:spcPts val="0"/>
-              </a:spcAft>
-              <a:buClrTx/>
-              <a:buSzTx/>
-              <a:buFontTx/>
-              <a:buNone/>
-              <a:tabLst/>
-              <a:defRPr/>
-            </a:pPr>
-            <a:r>
-              <a:rPr kumimoji="0" lang="es-ES_tradnl" sz="1800" b="1" i="0" u="none" strike="noStrike" kern="1200" cap="none" spc="0" normalizeH="0" baseline="0" noProof="0" dirty="0">
-                <a:ln>
-                  <a:noFill/>
-                </a:ln>
-                <a:solidFill>
-                  <a:srgbClr val="4196C9"/>
-                </a:solidFill>
-                <a:effectLst/>
-                <a:uLnTx/>
-                <a:uFillTx/>
-                <a:latin typeface="Aptos" panose="02110004020202020204"/>
-                <a:ea typeface="+mn-ea"/>
-                <a:cs typeface="+mn-cs"/>
-              </a:rPr>
-              <a:t>Figura 1. </a:t>
-            </a:r>
-            <a:r>
-              <a:rPr kumimoji="0" lang="es-ES_tradnl" sz="1800" b="0" i="0" u="none" strike="noStrike" kern="1200" cap="none" spc="0" normalizeH="0" baseline="0" noProof="0" dirty="0">
-                <a:ln>
-                  <a:noFill/>
-                </a:ln>
-                <a:solidFill>
-                  <a:prstClr val="black"/>
-                </a:solidFill>
-                <a:effectLst/>
-                <a:uLnTx/>
-                <a:uFillTx/>
-                <a:latin typeface="Aptos" panose="02110004020202020204"/>
-                <a:ea typeface="+mn-ea"/>
-                <a:cs typeface="+mn-cs"/>
-              </a:rPr>
-              <a:t>Diagramas de cajas de la distribución más representativa del consumo dietético según cada factor estratificado por adherencia según los valores medianos</a:t>
-            </a:r>
-          </a:p>
-        </p:txBody>
-      </p:sp>
-      <p:sp>
-        <p:nvSpPr>
-          <p:cNvPr id="1037" name="Rectángulo redondeado 1036">
-            <a:extLst>
-              <a:ext uri="{FF2B5EF4-FFF2-40B4-BE49-F238E27FC236}">
-                <a16:creationId xmlns:a16="http://schemas.microsoft.com/office/drawing/2014/main" id="{60842445-E351-8E63-2B2D-F06DA2DB4243}"/>
-              </a:ext>
-            </a:extLst>
-          </p:cNvPr>
-          <p:cNvSpPr/>
-          <p:nvPr/>
-        </p:nvSpPr>
-        <p:spPr>
-          <a:xfrm>
-            <a:off x="518258" y="11923663"/>
-            <a:ext cx="6692011" cy="633046"/>
-          </a:xfrm>
-          <a:prstGeom prst="roundRect">
-            <a:avLst/>
-          </a:prstGeom>
-          <a:solidFill>
-            <a:schemeClr val="bg2"/>
-          </a:solidFill>
-          <a:ln>
-            <a:noFill/>
-          </a:ln>
-        </p:spPr>
-        <p:style>
-          <a:lnRef idx="2">
-            <a:schemeClr val="accent1">
-              <a:shade val="15000"/>
-            </a:schemeClr>
-          </a:lnRef>
-          <a:fillRef idx="1">
-            <a:schemeClr val="accent1"/>
-          </a:fillRef>
-          <a:effectRef idx="0">
-            <a:schemeClr val="accent1"/>
-          </a:effectRef>
-          <a:fontRef idx="minor">
-            <a:schemeClr val="lt1"/>
-          </a:fontRef>
-        </p:style>
-        <p:txBody>
-          <a:bodyPr rtlCol="0" anchor="ctr"/>
-          <a:lstStyle/>
-          <a:p>
-            <a:pPr marL="0" marR="0" lvl="0" indent="0" algn="l" defTabSz="457200" rtl="0" eaLnBrk="1" fontAlgn="auto" latinLnBrk="0" hangingPunct="1">
-              <a:lnSpc>
-                <a:spcPct val="80000"/>
-              </a:lnSpc>
-              <a:spcBef>
-                <a:spcPts val="0"/>
-              </a:spcBef>
-              <a:spcAft>
-                <a:spcPts val="0"/>
-              </a:spcAft>
-              <a:buClrTx/>
-              <a:buSzTx/>
-              <a:buFontTx/>
-              <a:buNone/>
-              <a:tabLst/>
-              <a:defRPr/>
-            </a:pPr>
-            <a:r>
-              <a:rPr kumimoji="0" lang="es-ES_tradnl" sz="1800" b="1" i="0" u="none" strike="noStrike" kern="1200" cap="none" spc="0" normalizeH="0" baseline="0" noProof="0" dirty="0">
-                <a:ln>
-                  <a:noFill/>
-                </a:ln>
-                <a:solidFill>
-                  <a:srgbClr val="4196C9"/>
-                </a:solidFill>
-                <a:effectLst/>
-                <a:uLnTx/>
-                <a:uFillTx/>
-                <a:latin typeface="Aptos" panose="02110004020202020204"/>
-                <a:ea typeface="+mn-ea"/>
-                <a:cs typeface="+mn-cs"/>
-              </a:rPr>
-              <a:t>Figura 2. </a:t>
-            </a:r>
-            <a:r>
-              <a:rPr kumimoji="0" lang="es-ES_tradnl" sz="1800" b="0" i="0" u="none" strike="noStrike" kern="1200" cap="none" spc="0" normalizeH="0" baseline="0" noProof="0" dirty="0" err="1">
-                <a:ln>
-                  <a:noFill/>
-                </a:ln>
-                <a:solidFill>
-                  <a:prstClr val="black"/>
-                </a:solidFill>
-                <a:effectLst/>
-                <a:uLnTx/>
-                <a:uFillTx/>
-                <a:latin typeface="Aptos" panose="02110004020202020204"/>
-                <a:ea typeface="+mn-ea"/>
-                <a:cs typeface="+mn-cs"/>
-              </a:rPr>
-              <a:t>Complex</a:t>
-            </a:r>
-            <a:r>
-              <a:rPr kumimoji="0" lang="es-ES_tradnl" sz="1800" b="0" i="0" u="none" strike="noStrike" kern="1200" cap="none" spc="0" normalizeH="0" baseline="0" noProof="0" dirty="0">
-                <a:ln>
-                  <a:noFill/>
-                </a:ln>
-                <a:solidFill>
-                  <a:prstClr val="black"/>
-                </a:solidFill>
-                <a:effectLst/>
-                <a:uLnTx/>
-                <a:uFillTx/>
-                <a:latin typeface="Aptos" panose="02110004020202020204"/>
-                <a:ea typeface="+mn-ea"/>
-                <a:cs typeface="+mn-cs"/>
-              </a:rPr>
-              <a:t> </a:t>
-            </a:r>
-            <a:r>
-              <a:rPr kumimoji="0" lang="es-ES_tradnl" sz="1800" b="0" i="0" u="none" strike="noStrike" kern="1200" cap="none" spc="0" normalizeH="0" baseline="0" noProof="0" dirty="0" err="1">
-                <a:ln>
-                  <a:noFill/>
-                </a:ln>
-                <a:solidFill>
-                  <a:prstClr val="black"/>
-                </a:solidFill>
-                <a:effectLst/>
-                <a:uLnTx/>
-                <a:uFillTx/>
-                <a:latin typeface="Aptos" panose="02110004020202020204"/>
-                <a:ea typeface="+mn-ea"/>
-                <a:cs typeface="+mn-cs"/>
-              </a:rPr>
-              <a:t>heatmap</a:t>
-            </a:r>
-            <a:r>
-              <a:rPr kumimoji="0" lang="es-ES_tradnl" sz="1800" b="0" i="0" u="none" strike="noStrike" kern="1200" cap="none" spc="0" normalizeH="0" baseline="0" noProof="0" dirty="0">
-                <a:ln>
-                  <a:noFill/>
-                </a:ln>
-                <a:solidFill>
-                  <a:prstClr val="black"/>
-                </a:solidFill>
-                <a:effectLst/>
-                <a:uLnTx/>
-                <a:uFillTx/>
-                <a:latin typeface="Aptos" panose="02110004020202020204"/>
-                <a:ea typeface="+mn-ea"/>
-                <a:cs typeface="+mn-cs"/>
-              </a:rPr>
-              <a:t> de características clínicas según cada Factor (F)</a:t>
-            </a:r>
-          </a:p>
-        </p:txBody>
-      </p:sp>
-      <p:sp>
-        <p:nvSpPr>
-          <p:cNvPr id="1038" name="Rectángulo redondeado 1037">
-            <a:extLst>
-              <a:ext uri="{FF2B5EF4-FFF2-40B4-BE49-F238E27FC236}">
-                <a16:creationId xmlns:a16="http://schemas.microsoft.com/office/drawing/2014/main" id="{20F2FDA8-F2AE-8EC6-EFD0-E92D4FCAEDFB}"/>
-              </a:ext>
-            </a:extLst>
-          </p:cNvPr>
-          <p:cNvSpPr/>
-          <p:nvPr/>
-        </p:nvSpPr>
-        <p:spPr>
-          <a:xfrm>
-            <a:off x="7697422" y="11923663"/>
-            <a:ext cx="6692011" cy="633046"/>
-          </a:xfrm>
-          <a:prstGeom prst="roundRect">
-            <a:avLst/>
-          </a:prstGeom>
-          <a:solidFill>
-            <a:schemeClr val="bg2"/>
-          </a:solidFill>
-          <a:ln>
-            <a:noFill/>
-          </a:ln>
-        </p:spPr>
-        <p:style>
-          <a:lnRef idx="2">
-            <a:schemeClr val="accent1">
-              <a:shade val="15000"/>
-            </a:schemeClr>
-          </a:lnRef>
-          <a:fillRef idx="1">
-            <a:schemeClr val="accent1"/>
-          </a:fillRef>
-          <a:effectRef idx="0">
-            <a:schemeClr val="accent1"/>
-          </a:effectRef>
-          <a:fontRef idx="minor">
-            <a:schemeClr val="lt1"/>
-          </a:fontRef>
-        </p:style>
-        <p:txBody>
-          <a:bodyPr rtlCol="0" anchor="ctr"/>
-          <a:lstStyle/>
-          <a:p>
-            <a:pPr marL="0" marR="0" lvl="0" indent="0" algn="l" defTabSz="457200" rtl="0" eaLnBrk="1" fontAlgn="auto" latinLnBrk="0" hangingPunct="1">
-              <a:lnSpc>
-                <a:spcPct val="80000"/>
-              </a:lnSpc>
-              <a:spcBef>
-                <a:spcPts val="0"/>
-              </a:spcBef>
-              <a:spcAft>
-                <a:spcPts val="0"/>
-              </a:spcAft>
-              <a:buClrTx/>
-              <a:buSzTx/>
-              <a:buFontTx/>
-              <a:buNone/>
-              <a:tabLst/>
-              <a:defRPr/>
-            </a:pPr>
-            <a:r>
-              <a:rPr kumimoji="0" lang="es-ES_tradnl" sz="1800" b="1" i="0" u="none" strike="noStrike" kern="1200" cap="none" spc="0" normalizeH="0" baseline="0" noProof="0" dirty="0">
-                <a:ln>
-                  <a:noFill/>
-                </a:ln>
-                <a:solidFill>
-                  <a:srgbClr val="4196C9"/>
-                </a:solidFill>
-                <a:effectLst/>
-                <a:uLnTx/>
-                <a:uFillTx/>
-                <a:latin typeface="Aptos" panose="02110004020202020204"/>
-                <a:ea typeface="+mn-ea"/>
-                <a:cs typeface="+mn-cs"/>
-              </a:rPr>
-              <a:t>Figura 3. </a:t>
-            </a:r>
-            <a:r>
-              <a:rPr kumimoji="0" lang="es-ES_tradnl" sz="1800" b="0" i="0" u="none" strike="noStrike" kern="1200" cap="none" spc="0" normalizeH="0" baseline="0" noProof="0" dirty="0">
-                <a:ln>
-                  <a:noFill/>
-                </a:ln>
-                <a:solidFill>
-                  <a:prstClr val="black"/>
-                </a:solidFill>
-                <a:effectLst/>
-                <a:uLnTx/>
-                <a:uFillTx/>
-                <a:latin typeface="Aptos" panose="02110004020202020204"/>
-                <a:ea typeface="+mn-ea"/>
-                <a:cs typeface="+mn-cs"/>
-              </a:rPr>
-              <a:t>Diagrama de bosque de asociaciones de características clínicas según cada factor (F)</a:t>
-            </a:r>
-          </a:p>
-        </p:txBody>
-      </p:sp>
-    </p:spTree>
-    <p:extLst>
-      <p:ext uri="{BB962C8B-B14F-4D97-AF65-F5344CB8AC3E}">
-        <p14:creationId xmlns:p14="http://schemas.microsoft.com/office/powerpoint/2010/main" val="220350250"/>
-      </p:ext>
-    </p:extLst>
-  </p:cSld>
-  <p:clrMapOvr>
-    <a:masterClrMapping/>
-  </p:clrMapOvr>
-</p:sld>
-</file>
-
-<file path=ppt/slides/slide3.xml><?xml version="1.0" encoding="utf-8"?>
-<p:sld xmlns:a="http://schemas.openxmlformats.org/drawingml/2006/main" xmlns:r="http://schemas.openxmlformats.org/officeDocument/2006/relationships" xmlns:p="http://schemas.openxmlformats.org/presentationml/2006/main">
-  <p:cSld>
-    <p:bg>
-      <p:bgPr>
-        <a:gradFill flip="none" rotWithShape="1">
-          <a:gsLst>
-            <a:gs pos="14000">
-              <a:schemeClr val="bg1"/>
-            </a:gs>
-            <a:gs pos="99000">
-              <a:srgbClr val="59C2E3">
-                <a:alpha val="25000"/>
-              </a:srgbClr>
-            </a:gs>
-          </a:gsLst>
-          <a:lin ang="2700000" scaled="1"/>
-          <a:tileRect/>
-        </a:gradFill>
-        <a:effectLst/>
-      </p:bgPr>
-    </p:bg>
-    <p:spTree>
-      <p:nvGrpSpPr>
         <p:cNvPr id="1" name="">
           <a:extLst>
             <a:ext uri="{FF2B5EF4-FFF2-40B4-BE49-F238E27FC236}">
@@ -5336,10 +3013,10 @@
         </p:nvGrpSpPr>
         <p:grpSpPr>
           <a:xfrm>
-            <a:off x="207595" y="2986077"/>
-            <a:ext cx="14668990" cy="1873409"/>
-            <a:chOff x="225180" y="3973105"/>
-            <a:chExt cx="14668990" cy="1462128"/>
+            <a:off x="127025" y="2973319"/>
+            <a:ext cx="14668990" cy="1772882"/>
+            <a:chOff x="225180" y="3813593"/>
+            <a:chExt cx="14668990" cy="1772882"/>
           </a:xfrm>
         </p:grpSpPr>
         <p:sp>
@@ -5356,7 +3033,7 @@
           </p:nvSpPr>
           <p:spPr>
             <a:xfrm>
-              <a:off x="225180" y="4246822"/>
+              <a:off x="225180" y="4398064"/>
               <a:ext cx="14668990" cy="1188411"/>
             </a:xfrm>
             <a:prstGeom prst="roundRect">
@@ -5422,8 +3099,8 @@
           </p:nvSpPr>
           <p:spPr>
             <a:xfrm>
-              <a:off x="478450" y="3973105"/>
-              <a:ext cx="5838092" cy="494069"/>
+              <a:off x="501325" y="3813593"/>
+              <a:ext cx="5838092" cy="633046"/>
             </a:xfrm>
             <a:prstGeom prst="roundRect">
               <a:avLst/>
@@ -5483,10 +3160,10 @@
         </p:nvGrpSpPr>
         <p:grpSpPr>
           <a:xfrm>
-            <a:off x="207597" y="4989405"/>
-            <a:ext cx="14704158" cy="2206897"/>
-            <a:chOff x="310179" y="5945254"/>
-            <a:chExt cx="14601575" cy="2028817"/>
+            <a:off x="207596" y="4931856"/>
+            <a:ext cx="14668990" cy="2339151"/>
+            <a:chOff x="207596" y="5873201"/>
+            <a:chExt cx="14668990" cy="2339151"/>
           </a:xfrm>
         </p:grpSpPr>
         <p:sp>
@@ -5503,8 +3180,8 @@
           </p:nvSpPr>
           <p:spPr>
             <a:xfrm>
-              <a:off x="310179" y="6261777"/>
-              <a:ext cx="14601575" cy="1712294"/>
+              <a:off x="207596" y="6151617"/>
+              <a:ext cx="14668990" cy="2060735"/>
             </a:xfrm>
             <a:prstGeom prst="roundRect">
               <a:avLst>
@@ -5749,7 +3426,7 @@
           </p:nvSpPr>
           <p:spPr>
             <a:xfrm>
-              <a:off x="460865" y="5945254"/>
+              <a:off x="500674" y="5873201"/>
               <a:ext cx="5838092" cy="633046"/>
             </a:xfrm>
             <a:prstGeom prst="roundRect">
@@ -5811,7 +3488,7 @@
         <p:grpSpPr>
           <a:xfrm>
             <a:off x="207596" y="7336997"/>
-            <a:ext cx="14668990" cy="9782603"/>
+            <a:ext cx="14668990" cy="8166199"/>
             <a:chOff x="225180" y="8290675"/>
             <a:chExt cx="14668990" cy="9782603"/>
           </a:xfrm>
@@ -6214,10 +3891,10 @@
         </p:nvGrpSpPr>
         <p:grpSpPr>
           <a:xfrm>
-            <a:off x="207596" y="17303689"/>
-            <a:ext cx="9095800" cy="3844742"/>
-            <a:chOff x="225181" y="17303689"/>
-            <a:chExt cx="9095800" cy="3844742"/>
+            <a:off x="310835" y="15717134"/>
+            <a:ext cx="9095800" cy="5666491"/>
+            <a:chOff x="328420" y="15717134"/>
+            <a:chExt cx="9095800" cy="3778353"/>
           </a:xfrm>
         </p:grpSpPr>
         <p:sp>
@@ -6234,7 +3911,7 @@
           </p:nvSpPr>
           <p:spPr>
             <a:xfrm>
-              <a:off x="225181" y="17620211"/>
+              <a:off x="328420" y="15967267"/>
               <a:ext cx="9095800" cy="3528220"/>
             </a:xfrm>
             <a:prstGeom prst="roundRect">
@@ -6278,15 +3955,7 @@
                   <a:spcPct val="80000"/>
                 </a:lnSpc>
               </a:pPr>
-              <a:r>
-                <a:rPr lang="es-ES_tradnl" i="1" dirty="0">
-                  <a:solidFill>
-                    <a:schemeClr val="tx1"/>
-                  </a:solidFill>
-                </a:rPr>
-                <a:t>Interpretación de resultados, posibles relaciones si aplica, etc.</a:t>
-              </a:r>
-              <a:endParaRPr lang="es-ES_tradnl" sz="2400" i="1" dirty="0">
+              <a:endParaRPr lang="es-ES_tradnl" dirty="0">
                 <a:solidFill>
                   <a:schemeClr val="tx1"/>
                 </a:solidFill>
@@ -6308,7 +3977,7 @@
           </p:nvSpPr>
           <p:spPr>
             <a:xfrm>
-              <a:off x="518258" y="17303689"/>
+              <a:off x="496035" y="15717134"/>
               <a:ext cx="5838092" cy="633046"/>
             </a:xfrm>
             <a:prstGeom prst="roundRect">
@@ -6369,8 +4038,8 @@
         </p:nvGrpSpPr>
         <p:grpSpPr>
           <a:xfrm>
-            <a:off x="9509873" y="17303689"/>
-            <a:ext cx="5366712" cy="3844742"/>
+            <a:off x="9509873" y="15767417"/>
+            <a:ext cx="5366712" cy="5381014"/>
             <a:chOff x="7784856" y="17303689"/>
             <a:chExt cx="7109314" cy="3844742"/>
           </a:xfrm>
@@ -6428,18 +4097,62 @@
             <a:bodyPr tIns="360000" rtlCol="0" anchor="t"/>
             <a:lstStyle/>
             <a:p>
-              <a:pPr algn="just">
-                <a:lnSpc>
-                  <a:spcPct val="80000"/>
-                </a:lnSpc>
-              </a:pPr>
+              <a:pPr algn="just"/>
               <a:r>
-                <a:rPr lang="es-ES_tradnl" i="1" dirty="0">
+                <a:rPr lang="es-ES" i="1" dirty="0">
                   <a:solidFill>
                     <a:schemeClr val="tx1"/>
                   </a:solidFill>
                 </a:rPr>
-                <a:t>Resumen principal de hallazgos y limitaciones del análisis si aplica</a:t>
+                <a:t>Nuestro análisis identificó la variante p.Pro272His en MC4R como la más probablemente patogénica y asociada a obesidad monogénica por su alta conservación y predicciones </a:t>
+              </a:r>
+              <a:r>
+                <a:rPr lang="es-ES" i="1" dirty="0" err="1">
+                  <a:solidFill>
+                    <a:schemeClr val="tx1"/>
+                  </a:solidFill>
+                </a:rPr>
+                <a:t>deleterias</a:t>
+              </a:r>
+              <a:r>
+                <a:rPr lang="es-ES" i="1" dirty="0">
+                  <a:solidFill>
+                    <a:schemeClr val="tx1"/>
+                  </a:solidFill>
+                </a:rPr>
+                <a:t>. En contraste, las variantes en LEPR (p.Lys109Arg) y TP53 (p.Pro72Leu) se clasifican como polimorfismos comunes con efecto clínico limitado. La principal limitación del estudio radica en el análisis exclusivo de exomas, que puede pasar por alto variantes reguladoras o </a:t>
+              </a:r>
+              <a:r>
+                <a:rPr lang="es-ES" i="1" dirty="0" err="1">
+                  <a:solidFill>
+                    <a:schemeClr val="tx1"/>
+                  </a:solidFill>
+                </a:rPr>
+                <a:t>intrónicas</a:t>
+              </a:r>
+              <a:r>
+                <a:rPr lang="es-ES" i="1" dirty="0">
+                  <a:solidFill>
+                    <a:schemeClr val="tx1"/>
+                  </a:solidFill>
+                </a:rPr>
+                <a:t> profundas con impacto en el </a:t>
+              </a:r>
+              <a:r>
+                <a:rPr lang="es-ES" i="1" dirty="0" err="1">
+                  <a:solidFill>
+                    <a:schemeClr val="tx1"/>
+                  </a:solidFill>
+                </a:rPr>
+                <a:t>splicing</a:t>
+              </a:r>
+              <a:r>
+                <a:rPr lang="es-ES" i="1" dirty="0">
+                  <a:solidFill>
+                    <a:schemeClr val="tx1"/>
+                  </a:solidFill>
+                </a:rPr>
+                <a:t>. Estos resultados subrayan la utilidad del flujo bioinformático para priorizar variantes candidatas en estudios de obesidad familiar.</a:t>
               </a:r>
               <a:endParaRPr lang="es-ES_tradnl" sz="2400" i="1" dirty="0">
                 <a:solidFill>
@@ -6635,7 +4348,7 @@
         </p:nvSpPr>
         <p:spPr>
           <a:xfrm>
-            <a:off x="481644" y="14424077"/>
+            <a:off x="562215" y="10779073"/>
             <a:ext cx="13959752" cy="633046"/>
           </a:xfrm>
           <a:prstGeom prst="roundRect">
@@ -6668,23 +4381,21 @@
           <a:bodyPr rtlCol="0" anchor="ctr"/>
           <a:lstStyle/>
           <a:p>
-            <a:pPr marL="0" marR="0" lvl="0" indent="0" algn="l" defTabSz="457200" rtl="0" eaLnBrk="1" fontAlgn="auto" latinLnBrk="0" hangingPunct="1">
+            <a:pPr lvl="0">
               <a:lnSpc>
                 <a:spcPct val="80000"/>
               </a:lnSpc>
-              <a:spcBef>
-                <a:spcPts val="0"/>
-              </a:spcBef>
-              <a:spcAft>
-                <a:spcPts val="0"/>
-              </a:spcAft>
-              <a:buClrTx/>
-              <a:buSzTx/>
-              <a:buFontTx/>
-              <a:buNone/>
-              <a:tabLst/>
               <a:defRPr/>
             </a:pPr>
+            <a:r>
+              <a:rPr lang="es-ES_tradnl" b="1" dirty="0">
+                <a:solidFill>
+                  <a:srgbClr val="4196C9"/>
+                </a:solidFill>
+                <a:latin typeface="Aptos" panose="02110004020202020204"/>
+              </a:rPr>
+              <a:t>Tabla 1</a:t>
+            </a:r>
             <a:r>
               <a:rPr kumimoji="0" lang="es-ES_tradnl" sz="1800" b="1" i="0" u="none" strike="noStrike" kern="1200" cap="none" spc="0" normalizeH="0" baseline="0" noProof="0" dirty="0">
                 <a:ln>
@@ -6700,15 +4411,15 @@
                 <a:ea typeface="+mn-ea"/>
                 <a:cs typeface="+mn-cs"/>
               </a:rPr>
-              <a:t>Figura 2. </a:t>
-            </a:r>
-            <a:r>
-              <a:rPr kumimoji="0" lang="es-ES_tradnl" sz="1800" b="0" i="0" u="none" strike="noStrike" kern="1200" cap="none" spc="0" normalizeH="0" baseline="0" noProof="0" dirty="0">
+              <a:t>.</a:t>
+            </a:r>
+            <a:r>
+              <a:rPr kumimoji="0" lang="es-ES" sz="1800" b="1" i="0" u="none" strike="noStrike" kern="1200" cap="none" spc="0" normalizeH="0" baseline="0" noProof="0" dirty="0">
                 <a:ln>
                   <a:noFill/>
                 </a:ln>
                 <a:solidFill>
-                  <a:prstClr val="black"/>
+                  <a:schemeClr val="tx1"/>
                 </a:solidFill>
                 <a:effectLst/>
                 <a:uLnTx/>
@@ -6717,109 +4428,30 @@
                 <a:ea typeface="+mn-ea"/>
                 <a:cs typeface="+mn-cs"/>
               </a:rPr>
-              <a:t>Descripción.</a:t>
-            </a:r>
-          </a:p>
-        </p:txBody>
-      </p:sp>
-      <p:sp>
-        <p:nvSpPr>
-          <p:cNvPr id="41" name="Rectángulo redondeado 40">
-            <a:extLst>
-              <a:ext uri="{FF2B5EF4-FFF2-40B4-BE49-F238E27FC236}">
-                <a16:creationId xmlns:a16="http://schemas.microsoft.com/office/drawing/2014/main" id="{A5674FB9-8324-DF2F-A950-34B0495EFB78}"/>
-              </a:ext>
-            </a:extLst>
-          </p:cNvPr>
-          <p:cNvSpPr/>
-          <p:nvPr/>
-        </p:nvSpPr>
-        <p:spPr>
-          <a:xfrm>
-            <a:off x="481644" y="15284561"/>
-            <a:ext cx="13959752" cy="633046"/>
-          </a:xfrm>
-          <a:prstGeom prst="roundRect">
-            <a:avLst/>
-          </a:prstGeom>
-          <a:solidFill>
-            <a:schemeClr val="bg2"/>
-          </a:solidFill>
-          <a:ln>
-            <a:noFill/>
-          </a:ln>
-        </p:spPr>
-        <p:style>
-          <a:lnRef idx="2">
-            <a:schemeClr val="accent1">
-              <a:shade val="15000"/>
-            </a:schemeClr>
-          </a:lnRef>
-          <a:fillRef idx="1">
-            <a:schemeClr val="accent1"/>
-          </a:fillRef>
-          <a:effectRef idx="0">
-            <a:schemeClr val="accent1"/>
-          </a:effectRef>
-          <a:fontRef idx="minor">
-            <a:schemeClr val="lt1"/>
-          </a:fontRef>
-        </p:style>
-        <p:txBody>
-          <a:bodyPr rtlCol="0" anchor="ctr"/>
-          <a:lstStyle/>
-          <a:p>
-            <a:pPr marL="0" marR="0" lvl="0" indent="0" algn="l" defTabSz="457200" rtl="0" eaLnBrk="1" fontAlgn="auto" latinLnBrk="0" hangingPunct="1">
-              <a:lnSpc>
-                <a:spcPct val="80000"/>
-              </a:lnSpc>
-              <a:spcBef>
-                <a:spcPts val="0"/>
-              </a:spcBef>
-              <a:spcAft>
-                <a:spcPts val="0"/>
-              </a:spcAft>
-              <a:buClrTx/>
-              <a:buSzTx/>
-              <a:buFontTx/>
-              <a:buNone/>
-              <a:tabLst/>
-              <a:defRPr/>
-            </a:pPr>
-            <a:r>
-              <a:rPr kumimoji="0" lang="es-ES_tradnl" sz="1800" b="1" i="0" u="none" strike="noStrike" kern="1200" cap="none" spc="0" normalizeH="0" baseline="0" noProof="0" dirty="0">
-                <a:ln>
-                  <a:noFill/>
-                </a:ln>
+              <a:t> </a:t>
+            </a:r>
+            <a:r>
+              <a:rPr lang="es-ES" dirty="0">
                 <a:solidFill>
-                  <a:srgbClr val="4196C9"/>
+                  <a:schemeClr val="tx1"/>
                 </a:solidFill>
-                <a:effectLst/>
-                <a:uLnTx/>
-                <a:uFillTx/>
-                <a:latin typeface="Aptos" panose="02110004020202020204"/>
-                <a:ea typeface="+mn-ea"/>
-                <a:cs typeface="+mn-cs"/>
               </a:rPr>
-              <a:t>Figura 3. </a:t>
-            </a:r>
-            <a:r>
-              <a:rPr kumimoji="0" lang="es-ES_tradnl" sz="1800" b="0" i="0" u="none" strike="noStrike" kern="1200" cap="none" spc="0" normalizeH="0" baseline="0" noProof="0" dirty="0">
-                <a:ln>
-                  <a:noFill/>
-                </a:ln>
-                <a:solidFill>
-                  <a:prstClr val="black"/>
-                </a:solidFill>
-                <a:effectLst/>
-                <a:uLnTx/>
-                <a:uFillTx/>
-                <a:latin typeface="Aptos" panose="02110004020202020204"/>
-                <a:ea typeface="+mn-ea"/>
-                <a:cs typeface="+mn-cs"/>
-              </a:rPr>
-              <a:t>Descripción.</a:t>
-            </a:r>
+              <a:t>Nomenclatura y Clasificación de las Variantes Detectadas</a:t>
+            </a:r>
+            <a:endParaRPr kumimoji="0" lang="es-ES_tradnl" sz="1800" b="0" i="0" u="none" strike="noStrike" kern="1200" cap="none" spc="0" normalizeH="0" baseline="0" noProof="0" dirty="0">
+              <a:ln>
+                <a:noFill/>
+              </a:ln>
+              <a:solidFill>
+                <a:schemeClr val="tx1"/>
+              </a:solidFill>
+              <a:effectLst/>
+              <a:uLnTx/>
+              <a:uFillTx/>
+              <a:latin typeface="Aptos" panose="02110004020202020204"/>
+              <a:ea typeface="+mn-ea"/>
+              <a:cs typeface="+mn-cs"/>
+            </a:endParaRPr>
           </a:p>
         </p:txBody>
       </p:sp>
@@ -6831,8 +4463,8 @@
         </p:nvSpPr>
         <p:spPr>
           <a:xfrm>
-            <a:off x="242766" y="3642191"/>
-            <a:ext cx="14668990" cy="1200329"/>
+            <a:off x="292592" y="3612790"/>
+            <a:ext cx="14601577" cy="1477328"/>
           </a:xfrm>
           <a:prstGeom prst="rect">
             <a:avLst/>
@@ -6897,6 +4529,1052 @@
           </a:prstGeom>
         </p:spPr>
       </p:pic>
+      <p:graphicFrame>
+        <p:nvGraphicFramePr>
+          <p:cNvPr id="12" name="Table 11">
+            <a:extLst>
+              <a:ext uri="{FF2B5EF4-FFF2-40B4-BE49-F238E27FC236}">
+                <a16:creationId xmlns:a16="http://schemas.microsoft.com/office/drawing/2014/main" id="{9D1ACA0D-CF67-08FF-B309-25202B2D7265}"/>
+              </a:ext>
+            </a:extLst>
+          </p:cNvPr>
+          <p:cNvGraphicFramePr>
+            <a:graphicFrameLocks noGrp="1"/>
+          </p:cNvGraphicFramePr>
+          <p:nvPr>
+            <p:extLst>
+              <p:ext uri="{D42A27DB-BD31-4B8C-83A1-F6EECF244321}">
+                <p14:modId xmlns:p14="http://schemas.microsoft.com/office/powerpoint/2010/main" val="3635953000"/>
+              </p:ext>
+            </p:extLst>
+          </p:nvPr>
+        </p:nvGraphicFramePr>
+        <p:xfrm>
+          <a:off x="1264975" y="11508373"/>
+          <a:ext cx="12589400" cy="3625018"/>
+        </p:xfrm>
+        <a:graphic>
+          <a:graphicData uri="http://schemas.openxmlformats.org/drawingml/2006/table">
+            <a:tbl>
+              <a:tblPr firstRow="1">
+                <a:tableStyleId>{69C7853C-536D-4A76-A0AE-DD22124D55A5}</a:tableStyleId>
+              </a:tblPr>
+              <a:tblGrid>
+                <a:gridCol w="2517880">
+                  <a:extLst>
+                    <a:ext uri="{9D8B030D-6E8A-4147-A177-3AD203B41FA5}">
+                      <a16:colId xmlns:a16="http://schemas.microsoft.com/office/drawing/2014/main" val="1125714231"/>
+                    </a:ext>
+                  </a:extLst>
+                </a:gridCol>
+                <a:gridCol w="2517880">
+                  <a:extLst>
+                    <a:ext uri="{9D8B030D-6E8A-4147-A177-3AD203B41FA5}">
+                      <a16:colId xmlns:a16="http://schemas.microsoft.com/office/drawing/2014/main" val="579523154"/>
+                    </a:ext>
+                  </a:extLst>
+                </a:gridCol>
+                <a:gridCol w="2517880">
+                  <a:extLst>
+                    <a:ext uri="{9D8B030D-6E8A-4147-A177-3AD203B41FA5}">
+                      <a16:colId xmlns:a16="http://schemas.microsoft.com/office/drawing/2014/main" val="1317236247"/>
+                    </a:ext>
+                  </a:extLst>
+                </a:gridCol>
+                <a:gridCol w="2517880">
+                  <a:extLst>
+                    <a:ext uri="{9D8B030D-6E8A-4147-A177-3AD203B41FA5}">
+                      <a16:colId xmlns:a16="http://schemas.microsoft.com/office/drawing/2014/main" val="491748850"/>
+                    </a:ext>
+                  </a:extLst>
+                </a:gridCol>
+                <a:gridCol w="2517880">
+                  <a:extLst>
+                    <a:ext uri="{9D8B030D-6E8A-4147-A177-3AD203B41FA5}">
+                      <a16:colId xmlns:a16="http://schemas.microsoft.com/office/drawing/2014/main" val="1241216690"/>
+                    </a:ext>
+                  </a:extLst>
+                </a:gridCol>
+              </a:tblGrid>
+              <a:tr h="583277">
+                <a:tc>
+                  <a:txBody>
+                    <a:bodyPr/>
+                    <a:lstStyle/>
+                    <a:p>
+                      <a:pPr algn="ctr" rtl="0">
+                        <a:buNone/>
+                      </a:pPr>
+                      <a:r>
+                        <a:rPr lang="es-ES" sz="1800" b="1" dirty="0">
+                          <a:solidFill>
+                            <a:schemeClr val="bg1"/>
+                          </a:solidFill>
+                          <a:effectLst/>
+                          <a:latin typeface="Aptos (Body)"/>
+                          <a:cs typeface="Times New Roman" panose="02020603050405020304" pitchFamily="18" charset="0"/>
+                        </a:rPr>
+                        <a:t>Gen</a:t>
+                      </a:r>
+                      <a:endParaRPr lang="es-ES" sz="1800" dirty="0">
+                        <a:solidFill>
+                          <a:schemeClr val="bg1"/>
+                        </a:solidFill>
+                        <a:effectLst/>
+                        <a:latin typeface="Aptos (Body)"/>
+                        <a:cs typeface="Times New Roman" panose="02020603050405020304" pitchFamily="18" charset="0"/>
+                      </a:endParaRPr>
+                    </a:p>
+                  </a:txBody>
+                  <a:tcPr marL="76200" marR="76200" marT="50800" marB="50800" anchor="ctr"/>
+                </a:tc>
+                <a:tc>
+                  <a:txBody>
+                    <a:bodyPr/>
+                    <a:lstStyle/>
+                    <a:p>
+                      <a:pPr algn="ctr" rtl="0">
+                        <a:buNone/>
+                      </a:pPr>
+                      <a:r>
+                        <a:rPr lang="es-ES" sz="1800" b="1" dirty="0">
+                          <a:solidFill>
+                            <a:schemeClr val="bg1"/>
+                          </a:solidFill>
+                          <a:effectLst/>
+                          <a:latin typeface="Aptos (Body)"/>
+                          <a:cs typeface="Times New Roman" panose="02020603050405020304" pitchFamily="18" charset="0"/>
+                        </a:rPr>
+                        <a:t>Nomenclatura g. (hg38)</a:t>
+                      </a:r>
+                      <a:endParaRPr lang="es-ES" sz="1800" dirty="0">
+                        <a:solidFill>
+                          <a:schemeClr val="bg1"/>
+                        </a:solidFill>
+                        <a:effectLst/>
+                        <a:latin typeface="Aptos (Body)"/>
+                        <a:cs typeface="Times New Roman" panose="02020603050405020304" pitchFamily="18" charset="0"/>
+                      </a:endParaRPr>
+                    </a:p>
+                  </a:txBody>
+                  <a:tcPr marL="76200" marR="76200" marT="50800" marB="50800" anchor="ctr"/>
+                </a:tc>
+                <a:tc>
+                  <a:txBody>
+                    <a:bodyPr/>
+                    <a:lstStyle/>
+                    <a:p>
+                      <a:pPr algn="ctr" rtl="0">
+                        <a:buNone/>
+                      </a:pPr>
+                      <a:r>
+                        <a:rPr lang="es-ES" sz="1800" b="1">
+                          <a:solidFill>
+                            <a:schemeClr val="bg1"/>
+                          </a:solidFill>
+                          <a:effectLst/>
+                          <a:latin typeface="Aptos (Body)"/>
+                          <a:cs typeface="Times New Roman" panose="02020603050405020304" pitchFamily="18" charset="0"/>
+                        </a:rPr>
+                        <a:t>Nomenclatura c. (Transcrito)</a:t>
+                      </a:r>
+                      <a:endParaRPr lang="es-ES" sz="1800">
+                        <a:solidFill>
+                          <a:schemeClr val="bg1"/>
+                        </a:solidFill>
+                        <a:effectLst/>
+                        <a:latin typeface="Aptos (Body)"/>
+                        <a:cs typeface="Times New Roman" panose="02020603050405020304" pitchFamily="18" charset="0"/>
+                      </a:endParaRPr>
+                    </a:p>
+                  </a:txBody>
+                  <a:tcPr marL="76200" marR="76200" marT="50800" marB="50800" anchor="ctr"/>
+                </a:tc>
+                <a:tc>
+                  <a:txBody>
+                    <a:bodyPr/>
+                    <a:lstStyle/>
+                    <a:p>
+                      <a:pPr algn="ctr" rtl="0">
+                        <a:buNone/>
+                      </a:pPr>
+                      <a:r>
+                        <a:rPr lang="es-ES" sz="1800" b="1">
+                          <a:solidFill>
+                            <a:schemeClr val="bg1"/>
+                          </a:solidFill>
+                          <a:effectLst/>
+                          <a:latin typeface="Aptos (Body)"/>
+                          <a:cs typeface="Times New Roman" panose="02020603050405020304" pitchFamily="18" charset="0"/>
+                        </a:rPr>
+                        <a:t>Nomenclatura p. (Proteína)</a:t>
+                      </a:r>
+                      <a:endParaRPr lang="es-ES" sz="1800">
+                        <a:solidFill>
+                          <a:schemeClr val="bg1"/>
+                        </a:solidFill>
+                        <a:effectLst/>
+                        <a:latin typeface="Aptos (Body)"/>
+                        <a:cs typeface="Times New Roman" panose="02020603050405020304" pitchFamily="18" charset="0"/>
+                      </a:endParaRPr>
+                    </a:p>
+                  </a:txBody>
+                  <a:tcPr marL="76200" marR="76200" marT="50800" marB="50800" anchor="ctr"/>
+                </a:tc>
+                <a:tc>
+                  <a:txBody>
+                    <a:bodyPr/>
+                    <a:lstStyle/>
+                    <a:p>
+                      <a:pPr algn="ctr" rtl="0">
+                        <a:buNone/>
+                      </a:pPr>
+                      <a:r>
+                        <a:rPr lang="es-ES" sz="1800" b="1" dirty="0" err="1">
+                          <a:solidFill>
+                            <a:schemeClr val="bg1"/>
+                          </a:solidFill>
+                          <a:effectLst/>
+                          <a:latin typeface="Aptos (Body)"/>
+                          <a:cs typeface="Times New Roman" panose="02020603050405020304" pitchFamily="18" charset="0"/>
+                        </a:rPr>
+                        <a:t>Cigocidad</a:t>
+                      </a:r>
+                      <a:endParaRPr lang="es-ES" sz="1800" dirty="0">
+                        <a:solidFill>
+                          <a:schemeClr val="bg1"/>
+                        </a:solidFill>
+                        <a:effectLst/>
+                        <a:latin typeface="Aptos (Body)"/>
+                        <a:cs typeface="Times New Roman" panose="02020603050405020304" pitchFamily="18" charset="0"/>
+                      </a:endParaRPr>
+                    </a:p>
+                  </a:txBody>
+                  <a:tcPr marL="76200" marR="76200" marT="50800" marB="50800" anchor="ctr"/>
+                </a:tc>
+                <a:extLst>
+                  <a:ext uri="{0D108BD9-81ED-4DB2-BD59-A6C34878D82A}">
+                    <a16:rowId xmlns:a16="http://schemas.microsoft.com/office/drawing/2014/main" val="728560836"/>
+                  </a:ext>
+                </a:extLst>
+              </a:tr>
+              <a:tr h="583277">
+                <a:tc>
+                  <a:txBody>
+                    <a:bodyPr/>
+                    <a:lstStyle/>
+                    <a:p>
+                      <a:pPr algn="ctr" rtl="0">
+                        <a:buNone/>
+                      </a:pPr>
+                      <a:r>
+                        <a:rPr lang="es-ES" sz="1800" b="1" dirty="0">
+                          <a:solidFill>
+                            <a:schemeClr val="bg1"/>
+                          </a:solidFill>
+                          <a:effectLst/>
+                          <a:latin typeface="Aptos (Body)"/>
+                          <a:cs typeface="Times New Roman" panose="02020603050405020304" pitchFamily="18" charset="0"/>
+                        </a:rPr>
+                        <a:t>LEPR</a:t>
+                      </a:r>
+                      <a:endParaRPr lang="es-ES" sz="1800" dirty="0">
+                        <a:solidFill>
+                          <a:schemeClr val="bg1"/>
+                        </a:solidFill>
+                        <a:effectLst/>
+                        <a:latin typeface="Aptos (Body)"/>
+                        <a:cs typeface="Times New Roman" panose="02020603050405020304" pitchFamily="18" charset="0"/>
+                      </a:endParaRPr>
+                    </a:p>
+                  </a:txBody>
+                  <a:tcPr marL="76200" marR="76200" marT="50800" marB="50800" anchor="ctr"/>
+                </a:tc>
+                <a:tc>
+                  <a:txBody>
+                    <a:bodyPr/>
+                    <a:lstStyle/>
+                    <a:p>
+                      <a:pPr algn="ctr" rtl="0">
+                        <a:buNone/>
+                      </a:pPr>
+                      <a:r>
+                        <a:rPr lang="es-ES" sz="1800" dirty="0">
+                          <a:solidFill>
+                            <a:schemeClr val="bg1"/>
+                          </a:solidFill>
+                          <a:effectLst/>
+                          <a:latin typeface="Aptos (Body)"/>
+                          <a:cs typeface="Times New Roman" panose="02020603050405020304" pitchFamily="18" charset="0"/>
+                        </a:rPr>
+                        <a:t>chr1:65,609,984 </a:t>
+                      </a:r>
+                    </a:p>
+                  </a:txBody>
+                  <a:tcPr marL="76200" marR="76200" marT="50800" marB="50800" anchor="ctr"/>
+                </a:tc>
+                <a:tc>
+                  <a:txBody>
+                    <a:bodyPr/>
+                    <a:lstStyle/>
+                    <a:p>
+                      <a:pPr algn="ctr" rtl="0">
+                        <a:buNone/>
+                      </a:pPr>
+                      <a:r>
+                        <a:rPr lang="pt-BR" sz="1800" dirty="0">
+                          <a:solidFill>
+                            <a:schemeClr val="bg1"/>
+                          </a:solidFill>
+                          <a:effectLst/>
+                          <a:latin typeface="Aptos (Body)"/>
+                          <a:cs typeface="Times New Roman" panose="02020603050405020304" pitchFamily="18" charset="0"/>
+                        </a:rPr>
+                        <a:t>NM_002303.6:c.326A&gt;G </a:t>
+                      </a:r>
+                    </a:p>
+                  </a:txBody>
+                  <a:tcPr marL="76200" marR="76200" marT="50800" marB="50800" anchor="ctr"/>
+                </a:tc>
+                <a:tc>
+                  <a:txBody>
+                    <a:bodyPr/>
+                    <a:lstStyle/>
+                    <a:p>
+                      <a:pPr algn="ctr" rtl="0">
+                        <a:buNone/>
+                      </a:pPr>
+                      <a:r>
+                        <a:rPr lang="es-ES" sz="1800">
+                          <a:solidFill>
+                            <a:schemeClr val="bg1"/>
+                          </a:solidFill>
+                          <a:effectLst/>
+                          <a:latin typeface="Aptos (Body)"/>
+                          <a:cs typeface="Times New Roman" panose="02020603050405020304" pitchFamily="18" charset="0"/>
+                        </a:rPr>
+                        <a:t>NP_002294.2:p.Lys109Arg </a:t>
+                      </a:r>
+                    </a:p>
+                  </a:txBody>
+                  <a:tcPr marL="76200" marR="76200" marT="50800" marB="50800" anchor="ctr"/>
+                </a:tc>
+                <a:tc>
+                  <a:txBody>
+                    <a:bodyPr/>
+                    <a:lstStyle/>
+                    <a:p>
+                      <a:pPr algn="ctr" rtl="0">
+                        <a:buNone/>
+                      </a:pPr>
+                      <a:r>
+                        <a:rPr lang="es-ES" sz="1800">
+                          <a:solidFill>
+                            <a:schemeClr val="bg1"/>
+                          </a:solidFill>
+                          <a:effectLst/>
+                          <a:latin typeface="Aptos (Body)"/>
+                          <a:cs typeface="Times New Roman" panose="02020603050405020304" pitchFamily="18" charset="0"/>
+                        </a:rPr>
+                        <a:t>Heterocigoto </a:t>
+                      </a:r>
+                    </a:p>
+                  </a:txBody>
+                  <a:tcPr marL="76200" marR="76200" marT="50800" marB="50800" anchor="ctr"/>
+                </a:tc>
+                <a:extLst>
+                  <a:ext uri="{0D108BD9-81ED-4DB2-BD59-A6C34878D82A}">
+                    <a16:rowId xmlns:a16="http://schemas.microsoft.com/office/drawing/2014/main" val="3734797205"/>
+                  </a:ext>
+                </a:extLst>
+              </a:tr>
+              <a:tr h="583277">
+                <a:tc>
+                  <a:txBody>
+                    <a:bodyPr/>
+                    <a:lstStyle/>
+                    <a:p>
+                      <a:pPr algn="ctr" rtl="0">
+                        <a:buNone/>
+                      </a:pPr>
+                      <a:r>
+                        <a:rPr lang="es-ES" sz="1800" b="1" dirty="0">
+                          <a:solidFill>
+                            <a:schemeClr val="bg1"/>
+                          </a:solidFill>
+                          <a:effectLst/>
+                          <a:latin typeface="Aptos (Body)"/>
+                          <a:cs typeface="Times New Roman" panose="02020603050405020304" pitchFamily="18" charset="0"/>
+                        </a:rPr>
+                        <a:t>TP53</a:t>
+                      </a:r>
+                      <a:endParaRPr lang="es-ES" sz="1800" dirty="0">
+                        <a:solidFill>
+                          <a:schemeClr val="bg1"/>
+                        </a:solidFill>
+                        <a:effectLst/>
+                        <a:latin typeface="Aptos (Body)"/>
+                        <a:cs typeface="Times New Roman" panose="02020603050405020304" pitchFamily="18" charset="0"/>
+                      </a:endParaRPr>
+                    </a:p>
+                  </a:txBody>
+                  <a:tcPr marL="76200" marR="76200" marT="50800" marB="50800" anchor="ctr"/>
+                </a:tc>
+                <a:tc>
+                  <a:txBody>
+                    <a:bodyPr/>
+                    <a:lstStyle/>
+                    <a:p>
+                      <a:pPr algn="ctr" rtl="0">
+                        <a:buNone/>
+                      </a:pPr>
+                      <a:r>
+                        <a:rPr lang="es-ES" sz="1800" dirty="0">
+                          <a:solidFill>
+                            <a:schemeClr val="bg1"/>
+                          </a:solidFill>
+                          <a:effectLst/>
+                          <a:latin typeface="Aptos (Body)"/>
+                          <a:cs typeface="Times New Roman" panose="02020603050405020304" pitchFamily="18" charset="0"/>
+                        </a:rPr>
+                        <a:t>chr17:7,676,154 </a:t>
+                      </a:r>
+                    </a:p>
+                  </a:txBody>
+                  <a:tcPr marL="76200" marR="76200" marT="50800" marB="50800" anchor="ctr"/>
+                </a:tc>
+                <a:tc>
+                  <a:txBody>
+                    <a:bodyPr/>
+                    <a:lstStyle/>
+                    <a:p>
+                      <a:pPr algn="ctr" rtl="0">
+                        <a:buNone/>
+                      </a:pPr>
+                      <a:r>
+                        <a:rPr lang="es-ES" sz="1800" dirty="0">
+                          <a:solidFill>
+                            <a:schemeClr val="bg1"/>
+                          </a:solidFill>
+                          <a:effectLst/>
+                          <a:latin typeface="Aptos (Body)"/>
+                          <a:cs typeface="Times New Roman" panose="02020603050405020304" pitchFamily="18" charset="0"/>
+                        </a:rPr>
+                        <a:t>NM_000546.6:c.215C&gt;T </a:t>
+                      </a:r>
+                    </a:p>
+                  </a:txBody>
+                  <a:tcPr marL="76200" marR="76200" marT="50800" marB="50800" anchor="ctr"/>
+                </a:tc>
+                <a:tc>
+                  <a:txBody>
+                    <a:bodyPr/>
+                    <a:lstStyle/>
+                    <a:p>
+                      <a:pPr algn="ctr" rtl="0">
+                        <a:buNone/>
+                      </a:pPr>
+                      <a:r>
+                        <a:rPr lang="es-ES" sz="1800" dirty="0">
+                          <a:solidFill>
+                            <a:schemeClr val="bg1"/>
+                          </a:solidFill>
+                          <a:effectLst/>
+                          <a:latin typeface="Aptos (Body)"/>
+                          <a:cs typeface="Times New Roman" panose="02020603050405020304" pitchFamily="18" charset="0"/>
+                        </a:rPr>
+                        <a:t>NP_000537.3:p.Pro72Leu </a:t>
+                      </a:r>
+                    </a:p>
+                  </a:txBody>
+                  <a:tcPr marL="76200" marR="76200" marT="50800" marB="50800" anchor="ctr"/>
+                </a:tc>
+                <a:tc>
+                  <a:txBody>
+                    <a:bodyPr/>
+                    <a:lstStyle/>
+                    <a:p>
+                      <a:pPr algn="ctr" rtl="0">
+                        <a:buNone/>
+                      </a:pPr>
+                      <a:r>
+                        <a:rPr lang="es-ES" sz="1800">
+                          <a:solidFill>
+                            <a:schemeClr val="bg1"/>
+                          </a:solidFill>
+                          <a:effectLst/>
+                          <a:latin typeface="Aptos (Body)"/>
+                          <a:cs typeface="Times New Roman" panose="02020603050405020304" pitchFamily="18" charset="0"/>
+                        </a:rPr>
+                        <a:t>Heterocigoto </a:t>
+                      </a:r>
+                    </a:p>
+                  </a:txBody>
+                  <a:tcPr marL="76200" marR="76200" marT="50800" marB="50800" anchor="ctr"/>
+                </a:tc>
+                <a:extLst>
+                  <a:ext uri="{0D108BD9-81ED-4DB2-BD59-A6C34878D82A}">
+                    <a16:rowId xmlns:a16="http://schemas.microsoft.com/office/drawing/2014/main" val="3135609688"/>
+                  </a:ext>
+                </a:extLst>
+              </a:tr>
+              <a:tr h="837149">
+                <a:tc>
+                  <a:txBody>
+                    <a:bodyPr/>
+                    <a:lstStyle/>
+                    <a:p>
+                      <a:pPr algn="ctr" rtl="0">
+                        <a:buNone/>
+                      </a:pPr>
+                      <a:r>
+                        <a:rPr lang="es-ES" sz="1800" b="1">
+                          <a:solidFill>
+                            <a:schemeClr val="bg1"/>
+                          </a:solidFill>
+                          <a:effectLst/>
+                          <a:latin typeface="Aptos (Body)"/>
+                          <a:cs typeface="Times New Roman" panose="02020603050405020304" pitchFamily="18" charset="0"/>
+                        </a:rPr>
+                        <a:t>MC4R</a:t>
+                      </a:r>
+                      <a:endParaRPr lang="es-ES" sz="1800">
+                        <a:solidFill>
+                          <a:schemeClr val="bg1"/>
+                        </a:solidFill>
+                        <a:effectLst/>
+                        <a:latin typeface="Aptos (Body)"/>
+                        <a:cs typeface="Times New Roman" panose="02020603050405020304" pitchFamily="18" charset="0"/>
+                      </a:endParaRPr>
+                    </a:p>
+                  </a:txBody>
+                  <a:tcPr marL="76200" marR="76200" marT="50800" marB="50800" anchor="ctr"/>
+                </a:tc>
+                <a:tc>
+                  <a:txBody>
+                    <a:bodyPr/>
+                    <a:lstStyle/>
+                    <a:p>
+                      <a:pPr algn="ctr" rtl="0">
+                        <a:buNone/>
+                      </a:pPr>
+                      <a:r>
+                        <a:rPr lang="es-ES" sz="1800" dirty="0">
+                          <a:solidFill>
+                            <a:schemeClr val="bg1"/>
+                          </a:solidFill>
+                          <a:effectLst/>
+                          <a:latin typeface="Aptos (Body)"/>
+                          <a:cs typeface="Times New Roman" panose="02020603050405020304" pitchFamily="18" charset="0"/>
+                        </a:rPr>
+                        <a:t>chr18:60,371,535 </a:t>
+                      </a:r>
+                    </a:p>
+                  </a:txBody>
+                  <a:tcPr marL="76200" marR="76200" marT="50800" marB="50800" anchor="ctr"/>
+                </a:tc>
+                <a:tc>
+                  <a:txBody>
+                    <a:bodyPr/>
+                    <a:lstStyle/>
+                    <a:p>
+                      <a:pPr algn="ctr" rtl="0">
+                        <a:buNone/>
+                      </a:pPr>
+                      <a:r>
+                        <a:rPr lang="pt-BR" sz="1800" dirty="0">
+                          <a:solidFill>
+                            <a:schemeClr val="bg1"/>
+                          </a:solidFill>
+                          <a:effectLst/>
+                          <a:latin typeface="Aptos (Body)"/>
+                          <a:cs typeface="Times New Roman" panose="02020603050405020304" pitchFamily="18" charset="0"/>
+                        </a:rPr>
+                        <a:t>NM_005912.3:c.815C&gt;A </a:t>
+                      </a:r>
+                    </a:p>
+                  </a:txBody>
+                  <a:tcPr marL="76200" marR="76200" marT="50800" marB="50800" anchor="ctr"/>
+                </a:tc>
+                <a:tc>
+                  <a:txBody>
+                    <a:bodyPr/>
+                    <a:lstStyle/>
+                    <a:p>
+                      <a:pPr algn="ctr" rtl="0">
+                        <a:buNone/>
+                      </a:pPr>
+                      <a:r>
+                        <a:rPr lang="es-ES" sz="1800" dirty="0">
+                          <a:solidFill>
+                            <a:schemeClr val="bg1"/>
+                          </a:solidFill>
+                          <a:effectLst/>
+                          <a:latin typeface="Aptos (Body)"/>
+                          <a:cs typeface="Times New Roman" panose="02020603050405020304" pitchFamily="18" charset="0"/>
+                        </a:rPr>
+                        <a:t>ENSP00000299766.3:p.Pro272His </a:t>
+                      </a:r>
+                    </a:p>
+                  </a:txBody>
+                  <a:tcPr marL="76200" marR="76200" marT="50800" marB="50800" anchor="ctr"/>
+                </a:tc>
+                <a:tc>
+                  <a:txBody>
+                    <a:bodyPr/>
+                    <a:lstStyle/>
+                    <a:p>
+                      <a:pPr algn="ctr" rtl="0">
+                        <a:buNone/>
+                      </a:pPr>
+                      <a:r>
+                        <a:rPr lang="es-ES" sz="1800" dirty="0">
+                          <a:solidFill>
+                            <a:schemeClr val="bg1"/>
+                          </a:solidFill>
+                          <a:effectLst/>
+                          <a:latin typeface="Aptos (Body)"/>
+                          <a:cs typeface="Times New Roman" panose="02020603050405020304" pitchFamily="18" charset="0"/>
+                        </a:rPr>
+                        <a:t>SNP </a:t>
+                      </a:r>
+                    </a:p>
+                  </a:txBody>
+                  <a:tcPr marL="76200" marR="76200" marT="50800" marB="50800" anchor="ctr"/>
+                </a:tc>
+                <a:extLst>
+                  <a:ext uri="{0D108BD9-81ED-4DB2-BD59-A6C34878D82A}">
+                    <a16:rowId xmlns:a16="http://schemas.microsoft.com/office/drawing/2014/main" val="3899910295"/>
+                  </a:ext>
+                </a:extLst>
+              </a:tr>
+              <a:tr h="837149">
+                <a:tc>
+                  <a:txBody>
+                    <a:bodyPr/>
+                    <a:lstStyle/>
+                    <a:p>
+                      <a:pPr algn="ctr" rtl="0">
+                        <a:buNone/>
+                      </a:pPr>
+                      <a:r>
+                        <a:rPr lang="es-ES" sz="1800" b="1" dirty="0">
+                          <a:solidFill>
+                            <a:schemeClr val="bg1"/>
+                          </a:solidFill>
+                          <a:effectLst/>
+                          <a:latin typeface="Aptos (Body)"/>
+                          <a:cs typeface="Times New Roman" panose="02020603050405020304" pitchFamily="18" charset="0"/>
+                        </a:rPr>
+                        <a:t>MED12</a:t>
+                      </a:r>
+                      <a:endParaRPr lang="es-ES" sz="1800" dirty="0">
+                        <a:solidFill>
+                          <a:schemeClr val="bg1"/>
+                        </a:solidFill>
+                        <a:effectLst/>
+                        <a:latin typeface="Aptos (Body)"/>
+                        <a:cs typeface="Times New Roman" panose="02020603050405020304" pitchFamily="18" charset="0"/>
+                      </a:endParaRPr>
+                    </a:p>
+                  </a:txBody>
+                  <a:tcPr marL="76200" marR="76200" marT="50800" marB="50800" anchor="ctr"/>
+                </a:tc>
+                <a:tc>
+                  <a:txBody>
+                    <a:bodyPr/>
+                    <a:lstStyle/>
+                    <a:p>
+                      <a:pPr algn="ctr" rtl="0">
+                        <a:buNone/>
+                      </a:pPr>
+                      <a:r>
+                        <a:rPr lang="es-ES" sz="1800" dirty="0">
+                          <a:solidFill>
+                            <a:schemeClr val="bg1"/>
+                          </a:solidFill>
+                          <a:effectLst/>
+                          <a:latin typeface="Aptos (Body)"/>
+                          <a:cs typeface="Times New Roman" panose="02020603050405020304" pitchFamily="18" charset="0"/>
+                        </a:rPr>
+                        <a:t>chrX:71,121,046 </a:t>
+                      </a:r>
+                    </a:p>
+                  </a:txBody>
+                  <a:tcPr marL="76200" marR="76200" marT="50800" marB="50800" anchor="ctr"/>
+                </a:tc>
+                <a:tc>
+                  <a:txBody>
+                    <a:bodyPr/>
+                    <a:lstStyle/>
+                    <a:p>
+                      <a:pPr algn="ctr" rtl="0">
+                        <a:buNone/>
+                      </a:pPr>
+                      <a:r>
+                        <a:rPr lang="es-ES" sz="1800" dirty="0">
+                          <a:solidFill>
+                            <a:schemeClr val="bg1"/>
+                          </a:solidFill>
+                          <a:effectLst/>
+                          <a:latin typeface="Aptos (Body)"/>
+                          <a:cs typeface="Times New Roman" panose="02020603050405020304" pitchFamily="18" charset="0"/>
+                        </a:rPr>
+                        <a:t>NM_005120.3:c.629C&gt;T </a:t>
+                      </a:r>
+                    </a:p>
+                  </a:txBody>
+                  <a:tcPr marL="76200" marR="76200" marT="50800" marB="50800" anchor="ctr"/>
+                </a:tc>
+                <a:tc>
+                  <a:txBody>
+                    <a:bodyPr/>
+                    <a:lstStyle/>
+                    <a:p>
+                      <a:pPr algn="ctr" rtl="0">
+                        <a:buNone/>
+                      </a:pPr>
+                      <a:r>
+                        <a:rPr lang="es-ES" sz="1800" dirty="0">
+                          <a:solidFill>
+                            <a:schemeClr val="bg1"/>
+                          </a:solidFill>
+                          <a:effectLst/>
+                          <a:latin typeface="Aptos (Body)"/>
+                          <a:cs typeface="Times New Roman" panose="02020603050405020304" pitchFamily="18" charset="0"/>
+                        </a:rPr>
+                        <a:t>ENSP00000333125.8:p.Ala210Val </a:t>
+                      </a:r>
+                    </a:p>
+                  </a:txBody>
+                  <a:tcPr marL="76200" marR="76200" marT="50800" marB="50800" anchor="ctr"/>
+                </a:tc>
+                <a:tc>
+                  <a:txBody>
+                    <a:bodyPr/>
+                    <a:lstStyle/>
+                    <a:p>
+                      <a:pPr algn="ctr" rtl="0">
+                        <a:buNone/>
+                      </a:pPr>
+                      <a:r>
+                        <a:rPr lang="es-ES" sz="1800" dirty="0">
+                          <a:solidFill>
+                            <a:schemeClr val="bg1"/>
+                          </a:solidFill>
+                          <a:effectLst/>
+                          <a:latin typeface="Aptos (Body)"/>
+                          <a:cs typeface="Times New Roman" panose="02020603050405020304" pitchFamily="18" charset="0"/>
+                        </a:rPr>
+                        <a:t>SNP </a:t>
+                      </a:r>
+                    </a:p>
+                  </a:txBody>
+                  <a:tcPr marL="76200" marR="76200" marT="50800" marB="50800" anchor="ctr"/>
+                </a:tc>
+                <a:extLst>
+                  <a:ext uri="{0D108BD9-81ED-4DB2-BD59-A6C34878D82A}">
+                    <a16:rowId xmlns:a16="http://schemas.microsoft.com/office/drawing/2014/main" val="2802499724"/>
+                  </a:ext>
+                </a:extLst>
+              </a:tr>
+            </a:tbl>
+          </a:graphicData>
+        </a:graphic>
+      </p:graphicFrame>
+      <p:sp>
+        <p:nvSpPr>
+          <p:cNvPr id="22" name="TextBox 21">
+            <a:extLst>
+              <a:ext uri="{FF2B5EF4-FFF2-40B4-BE49-F238E27FC236}">
+                <a16:creationId xmlns:a16="http://schemas.microsoft.com/office/drawing/2014/main" id="{4D3F8734-B585-91D3-23CF-704FF22EC1ED}"/>
+              </a:ext>
+            </a:extLst>
+          </p:cNvPr>
+          <p:cNvSpPr txBox="1"/>
+          <p:nvPr/>
+        </p:nvSpPr>
+        <p:spPr>
+          <a:xfrm>
+            <a:off x="251835" y="16670658"/>
+            <a:ext cx="9095800" cy="4770537"/>
+          </a:xfrm>
+          <a:prstGeom prst="rect">
+            <a:avLst/>
+          </a:prstGeom>
+          <a:noFill/>
+        </p:spPr>
+        <p:txBody>
+          <a:bodyPr wrap="square">
+            <a:spAutoFit/>
+          </a:bodyPr>
+          <a:lstStyle/>
+          <a:p>
+            <a:pPr marL="285750" lvl="0" indent="-285750" algn="just" defTabSz="914400" eaLnBrk="0" fontAlgn="base" hangingPunct="0">
+              <a:spcBef>
+                <a:spcPct val="0"/>
+              </a:spcBef>
+              <a:spcAft>
+                <a:spcPct val="0"/>
+              </a:spcAft>
+              <a:buFont typeface="Arial" panose="020B0604020202020204" pitchFamily="34" charset="0"/>
+              <a:buChar char="•"/>
+            </a:pPr>
+            <a:r>
+              <a:rPr lang="es-ES" altLang="es-ES" sz="1600" i="1" dirty="0"/>
+              <a:t>En la</a:t>
+            </a:r>
+            <a:r>
+              <a:rPr kumimoji="0" lang="es-ES" altLang="es-ES" sz="1600" i="1" u="none" strike="noStrike" cap="none" normalizeH="0" baseline="0" dirty="0">
+                <a:ln>
+                  <a:noFill/>
+                </a:ln>
+                <a:solidFill>
+                  <a:schemeClr val="tx1"/>
+                </a:solidFill>
+                <a:effectLst/>
+              </a:rPr>
+              <a:t> </a:t>
+            </a:r>
+            <a:r>
+              <a:rPr lang="es-ES" altLang="es-ES" sz="1600" i="1" dirty="0"/>
+              <a:t>i</a:t>
+            </a:r>
+            <a:r>
+              <a:rPr kumimoji="0" lang="es-ES" altLang="es-ES" sz="1600" i="1" u="none" strike="noStrike" cap="none" normalizeH="0" baseline="0" dirty="0">
+                <a:ln>
+                  <a:noFill/>
+                </a:ln>
+                <a:solidFill>
+                  <a:schemeClr val="tx1"/>
+                </a:solidFill>
+                <a:effectLst/>
+              </a:rPr>
+              <a:t>nterpretación de la patogenicidad vemos que variantes </a:t>
+            </a:r>
+            <a:r>
+              <a:rPr lang="es-ES" altLang="es-ES" sz="1600" i="1" dirty="0"/>
+              <a:t>como LEPR (p.Lys109Arg) y TP53 (p.Pro72Leu) se clasifican como benignas. Pero tras analizar LEPR con MIM se observa obesidad mórbida de inicio temprano (MIM #614963), un polimorfismo común que solo confiere una susceptibilidad modesta. TP53 es común en la población y no causa por sí sola el Síndrome de Li-</a:t>
+            </a:r>
+            <a:r>
+              <a:rPr lang="es-ES" altLang="es-ES" sz="1600" i="1" dirty="0" err="1"/>
+              <a:t>Fraumeni</a:t>
+            </a:r>
+            <a:r>
+              <a:rPr lang="es-ES" altLang="es-ES" sz="1600" i="1" dirty="0"/>
+              <a:t>. </a:t>
+            </a:r>
+            <a:r>
+              <a:rPr kumimoji="0" lang="es-ES" altLang="es-ES" sz="1600" i="1" u="none" strike="noStrike" cap="none" normalizeH="0" baseline="0" dirty="0">
+                <a:ln>
+                  <a:noFill/>
+                </a:ln>
+                <a:solidFill>
+                  <a:schemeClr val="tx1"/>
+                </a:solidFill>
+                <a:effectLst/>
+              </a:rPr>
+              <a:t>La variante en el cromosoma 18 (MC4R) presenta predicciones de alta patogenicidad (SIFT: 0, </a:t>
+            </a:r>
+            <a:r>
+              <a:rPr kumimoji="0" lang="es-ES" altLang="es-ES" sz="1600" i="1" u="none" strike="noStrike" cap="none" normalizeH="0" baseline="0" dirty="0" err="1">
+                <a:ln>
+                  <a:noFill/>
+                </a:ln>
+                <a:solidFill>
+                  <a:schemeClr val="tx1"/>
+                </a:solidFill>
+                <a:effectLst/>
+              </a:rPr>
+              <a:t>PolyPhen</a:t>
+            </a:r>
+            <a:r>
+              <a:rPr kumimoji="0" lang="es-ES" altLang="es-ES" sz="1600" i="1" u="none" strike="noStrike" cap="none" normalizeH="0" baseline="0" dirty="0">
+                <a:ln>
+                  <a:noFill/>
+                </a:ln>
+                <a:solidFill>
+                  <a:schemeClr val="tx1"/>
+                </a:solidFill>
+                <a:effectLst/>
+              </a:rPr>
+              <a:t>: 1), sugiriendo un daño severo en la función proteica. MED12 (</a:t>
+            </a:r>
+            <a:r>
+              <a:rPr kumimoji="0" lang="es-ES" altLang="es-ES" sz="1600" i="1" u="none" strike="noStrike" cap="none" normalizeH="0" baseline="0" dirty="0" err="1">
+                <a:ln>
+                  <a:noFill/>
+                </a:ln>
+                <a:solidFill>
+                  <a:schemeClr val="tx1"/>
+                </a:solidFill>
+                <a:effectLst/>
+              </a:rPr>
+              <a:t>ChrX</a:t>
+            </a:r>
+            <a:r>
+              <a:rPr kumimoji="0" lang="es-ES" altLang="es-ES" sz="1600" i="1" u="none" strike="noStrike" cap="none" normalizeH="0" baseline="0" dirty="0">
+                <a:ln>
+                  <a:noFill/>
+                </a:ln>
+                <a:solidFill>
+                  <a:schemeClr val="tx1"/>
+                </a:solidFill>
+                <a:effectLst/>
+              </a:rPr>
+              <a:t>), la predicción es de baja confianza y probablemente benigna.</a:t>
+            </a:r>
+          </a:p>
+          <a:p>
+            <a:pPr marL="285750" lvl="0" indent="-285750" algn="just" defTabSz="914400" eaLnBrk="0" fontAlgn="base" hangingPunct="0">
+              <a:spcBef>
+                <a:spcPct val="0"/>
+              </a:spcBef>
+              <a:spcAft>
+                <a:spcPct val="0"/>
+              </a:spcAft>
+              <a:buFont typeface="Arial" panose="020B0604020202020204" pitchFamily="34" charset="0"/>
+              <a:buChar char="•"/>
+            </a:pPr>
+            <a:r>
+              <a:rPr kumimoji="0" lang="es-ES" altLang="es-ES" sz="1600" i="1" u="none" strike="noStrike" cap="none" normalizeH="0" baseline="0" dirty="0">
+                <a:ln>
+                  <a:noFill/>
+                </a:ln>
+                <a:solidFill>
+                  <a:schemeClr val="tx1"/>
+                </a:solidFill>
+                <a:effectLst/>
+              </a:rPr>
+              <a:t>Para la interpretación de</a:t>
+            </a:r>
+            <a:r>
+              <a:rPr lang="es-ES" altLang="es-ES" sz="1600" i="1" dirty="0"/>
+              <a:t> p</a:t>
+            </a:r>
+            <a:r>
+              <a:rPr kumimoji="0" lang="es-ES" altLang="es-ES" sz="1600" i="1" u="none" strike="noStrike" cap="none" normalizeH="0" baseline="0" dirty="0">
+                <a:ln>
+                  <a:noFill/>
+                </a:ln>
+                <a:solidFill>
+                  <a:schemeClr val="tx1"/>
+                </a:solidFill>
+                <a:effectLst/>
+              </a:rPr>
+              <a:t>atrones de herencia se observa </a:t>
+            </a:r>
+            <a:r>
+              <a:rPr lang="es-ES" altLang="es-ES" sz="1600" i="1" dirty="0"/>
+              <a:t>que LEPR es a</a:t>
+            </a:r>
+            <a:r>
+              <a:rPr kumimoji="0" lang="es-ES" altLang="es-ES" sz="1600" i="1" u="none" strike="noStrike" cap="none" normalizeH="0" baseline="0" dirty="0">
+                <a:ln>
+                  <a:noFill/>
+                </a:ln>
+                <a:solidFill>
+                  <a:schemeClr val="tx1"/>
+                </a:solidFill>
+                <a:effectLst/>
+              </a:rPr>
+              <a:t>utonómico </a:t>
+            </a:r>
+            <a:r>
+              <a:rPr lang="es-ES" altLang="es-ES" sz="1600" i="1" dirty="0"/>
+              <a:t>r</a:t>
+            </a:r>
+            <a:r>
+              <a:rPr kumimoji="0" lang="es-ES" altLang="es-ES" sz="1600" i="1" u="none" strike="noStrike" cap="none" normalizeH="0" baseline="0" dirty="0">
+                <a:ln>
+                  <a:noFill/>
+                </a:ln>
+                <a:solidFill>
+                  <a:schemeClr val="tx1"/>
+                </a:solidFill>
+                <a:effectLst/>
+              </a:rPr>
+              <a:t>ecesivo requiriendo dos copias alteradas para manifestar la patología severa </a:t>
+            </a:r>
+            <a:r>
+              <a:rPr lang="es-ES" altLang="es-ES" sz="1600" i="1" dirty="0"/>
+              <a:t>y que SMAD4 y otras patologías asociadas a genes en el Chr18 suelen ser autonómicas dominantes. El caso de MED12 es distinto ya que va l</a:t>
+            </a:r>
+            <a:r>
+              <a:rPr kumimoji="0" lang="es-ES" altLang="es-ES" sz="1600" i="1" u="none" strike="noStrike" cap="none" normalizeH="0" baseline="0" dirty="0">
+                <a:ln>
+                  <a:noFill/>
+                </a:ln>
+                <a:solidFill>
+                  <a:schemeClr val="tx1"/>
+                </a:solidFill>
+                <a:effectLst/>
+              </a:rPr>
+              <a:t>igado al cromosoma X afectando principalmente a varones</a:t>
+            </a:r>
+          </a:p>
+          <a:p>
+            <a:pPr marL="285750" lvl="0" indent="-285750" algn="just" defTabSz="914400" eaLnBrk="0" fontAlgn="base" hangingPunct="0">
+              <a:spcBef>
+                <a:spcPct val="0"/>
+              </a:spcBef>
+              <a:spcAft>
+                <a:spcPct val="0"/>
+              </a:spcAft>
+              <a:buFont typeface="Arial" panose="020B0604020202020204" pitchFamily="34" charset="0"/>
+              <a:buChar char="•"/>
+            </a:pPr>
+            <a:r>
+              <a:rPr kumimoji="0" lang="es-ES" altLang="es-ES" sz="1600" i="1" u="none" strike="noStrike" cap="none" normalizeH="0" baseline="0" dirty="0">
+                <a:ln>
+                  <a:noFill/>
+                </a:ln>
+                <a:solidFill>
+                  <a:schemeClr val="tx1"/>
+                </a:solidFill>
+                <a:effectLst/>
+              </a:rPr>
+              <a:t>Los genes analizados convergen en la vía de señalización de la Leptina y la homeostasis energética (KEGG hsa04915, </a:t>
+            </a:r>
+            <a:r>
+              <a:rPr kumimoji="0" lang="es-ES" altLang="es-ES" sz="1600" i="1" u="none" strike="noStrike" cap="none" normalizeH="0" baseline="0" dirty="0" err="1">
+                <a:ln>
+                  <a:noFill/>
+                </a:ln>
+                <a:solidFill>
+                  <a:schemeClr val="tx1"/>
+                </a:solidFill>
+                <a:effectLst/>
+              </a:rPr>
+              <a:t>Reactome</a:t>
+            </a:r>
+            <a:r>
+              <a:rPr kumimoji="0" lang="es-ES" altLang="es-ES" sz="1600" i="1" u="none" strike="noStrike" cap="none" normalizeH="0" baseline="0" dirty="0">
+                <a:ln>
+                  <a:noFill/>
+                </a:ln>
+                <a:solidFill>
+                  <a:schemeClr val="tx1"/>
+                </a:solidFill>
+                <a:effectLst/>
+              </a:rPr>
+              <a:t> R-HSA-380612):</a:t>
+            </a:r>
+            <a:r>
+              <a:rPr lang="es-ES" altLang="es-ES" sz="1600" i="1" dirty="0"/>
+              <a:t> En condiciones normales, la leptina activa al LEPR en el hipotálamo, desencadenando la cascada JAK2/STAT3 para enviar señales de  saciedad, pero las mutaciones en LEPR impiden la fosforilación de STAT3, anulando la señal de saciedad. Esto induce un estado de "inanición perpetua", provocando hiperfagia (hambre insaciable) y reducción del gasto energético. TP53 modula genes de oxidación de ácidos grasos , mientras que componentes en el Chr18 (como SMAD4) son cruciales para la </a:t>
+            </a:r>
+            <a:r>
+              <a:rPr lang="es-ES" altLang="es-ES" sz="1600" i="1" dirty="0" err="1"/>
+              <a:t>neuroplasticidad</a:t>
+            </a:r>
+            <a:r>
+              <a:rPr lang="es-ES" altLang="es-ES" sz="1600" i="1" dirty="0"/>
+              <a:t> del hipotálamo, facilitando la conexión de los circuitos del apetito.</a:t>
+            </a:r>
+          </a:p>
+        </p:txBody>
+      </p:sp>
     </p:spTree>
     <p:extLst>
       <p:ext uri="{BB962C8B-B14F-4D97-AF65-F5344CB8AC3E}">
@@ -6910,9 +5588,15 @@
 </p:sld>
 </file>
 
-<file path=ppt/slides/slide4.xml><?xml version="1.0" encoding="utf-8"?>
+<file path=ppt/slides/slide2.xml><?xml version="1.0" encoding="utf-8"?>
 <p:sld xmlns:a="http://schemas.openxmlformats.org/drawingml/2006/main" xmlns:r="http://schemas.openxmlformats.org/officeDocument/2006/relationships" xmlns:p="http://schemas.openxmlformats.org/presentationml/2006/main">
   <p:cSld>
+    <p:bg>
+      <p:bgPr>
+        <a:noFill/>
+        <a:effectLst/>
+      </p:bgPr>
+    </p:bg>
     <p:spTree>
       <p:nvGrpSpPr>
         <p:cNvPr id="1" name=""/>
@@ -7039,7 +5723,7 @@
         </p:blipFill>
         <p:spPr>
           <a:xfrm>
-            <a:off x="967770" y="7319858"/>
+            <a:off x="967770" y="7315096"/>
             <a:ext cx="8659433" cy="1324160"/>
           </a:xfrm>
           <a:prstGeom prst="rect">
@@ -7047,6 +5731,759 @@
           </a:prstGeom>
         </p:spPr>
       </p:pic>
+      <p:graphicFrame>
+        <p:nvGraphicFramePr>
+          <p:cNvPr id="2" name="Table 1">
+            <a:extLst>
+              <a:ext uri="{FF2B5EF4-FFF2-40B4-BE49-F238E27FC236}">
+                <a16:creationId xmlns:a16="http://schemas.microsoft.com/office/drawing/2014/main" id="{15617B42-8D94-3104-9B57-23ACFFEDBCBA}"/>
+              </a:ext>
+            </a:extLst>
+          </p:cNvPr>
+          <p:cNvGraphicFramePr>
+            <a:graphicFrameLocks noGrp="1"/>
+          </p:cNvGraphicFramePr>
+          <p:nvPr>
+            <p:extLst>
+              <p:ext uri="{D42A27DB-BD31-4B8C-83A1-F6EECF244321}">
+                <p14:modId xmlns:p14="http://schemas.microsoft.com/office/powerpoint/2010/main" val="736072371"/>
+              </p:ext>
+            </p:extLst>
+          </p:nvPr>
+        </p:nvGraphicFramePr>
+        <p:xfrm>
+          <a:off x="1039813" y="9501060"/>
+          <a:ext cx="13039725" cy="5628640"/>
+        </p:xfrm>
+        <a:graphic>
+          <a:graphicData uri="http://schemas.openxmlformats.org/drawingml/2006/table">
+            <a:tbl>
+              <a:tblPr firstRow="1">
+                <a:tableStyleId>{69C7853C-536D-4A76-A0AE-DD22124D55A5}</a:tableStyleId>
+              </a:tblPr>
+              <a:tblGrid>
+                <a:gridCol w="2607945">
+                  <a:extLst>
+                    <a:ext uri="{9D8B030D-6E8A-4147-A177-3AD203B41FA5}">
+                      <a16:colId xmlns:a16="http://schemas.microsoft.com/office/drawing/2014/main" val="1125714231"/>
+                    </a:ext>
+                  </a:extLst>
+                </a:gridCol>
+                <a:gridCol w="2607945">
+                  <a:extLst>
+                    <a:ext uri="{9D8B030D-6E8A-4147-A177-3AD203B41FA5}">
+                      <a16:colId xmlns:a16="http://schemas.microsoft.com/office/drawing/2014/main" val="579523154"/>
+                    </a:ext>
+                  </a:extLst>
+                </a:gridCol>
+                <a:gridCol w="2607945">
+                  <a:extLst>
+                    <a:ext uri="{9D8B030D-6E8A-4147-A177-3AD203B41FA5}">
+                      <a16:colId xmlns:a16="http://schemas.microsoft.com/office/drawing/2014/main" val="1317236247"/>
+                    </a:ext>
+                  </a:extLst>
+                </a:gridCol>
+                <a:gridCol w="2607945">
+                  <a:extLst>
+                    <a:ext uri="{9D8B030D-6E8A-4147-A177-3AD203B41FA5}">
+                      <a16:colId xmlns:a16="http://schemas.microsoft.com/office/drawing/2014/main" val="491748850"/>
+                    </a:ext>
+                  </a:extLst>
+                </a:gridCol>
+                <a:gridCol w="2607945">
+                  <a:extLst>
+                    <a:ext uri="{9D8B030D-6E8A-4147-A177-3AD203B41FA5}">
+                      <a16:colId xmlns:a16="http://schemas.microsoft.com/office/drawing/2014/main" val="1241216690"/>
+                    </a:ext>
+                  </a:extLst>
+                </a:gridCol>
+              </a:tblGrid>
+              <a:tr h="0">
+                <a:tc>
+                  <a:txBody>
+                    <a:bodyPr/>
+                    <a:lstStyle/>
+                    <a:p>
+                      <a:pPr algn="ctr" rtl="0">
+                        <a:buNone/>
+                      </a:pPr>
+                      <a:r>
+                        <a:rPr lang="es-ES" sz="2800" b="1" dirty="0">
+                          <a:solidFill>
+                            <a:schemeClr val="bg1"/>
+                          </a:solidFill>
+                          <a:effectLst/>
+                          <a:latin typeface="Aptos (Body)"/>
+                          <a:cs typeface="Times New Roman" panose="02020603050405020304" pitchFamily="18" charset="0"/>
+                        </a:rPr>
+                        <a:t>Gen</a:t>
+                      </a:r>
+                      <a:endParaRPr lang="es-ES" sz="2800" dirty="0">
+                        <a:solidFill>
+                          <a:schemeClr val="bg1"/>
+                        </a:solidFill>
+                        <a:effectLst/>
+                        <a:latin typeface="Aptos (Body)"/>
+                        <a:cs typeface="Times New Roman" panose="02020603050405020304" pitchFamily="18" charset="0"/>
+                      </a:endParaRPr>
+                    </a:p>
+                  </a:txBody>
+                  <a:tcPr marL="76200" marR="76200" marT="50800" marB="50800" anchor="ctr"/>
+                </a:tc>
+                <a:tc>
+                  <a:txBody>
+                    <a:bodyPr/>
+                    <a:lstStyle/>
+                    <a:p>
+                      <a:pPr algn="ctr" rtl="0">
+                        <a:buNone/>
+                      </a:pPr>
+                      <a:r>
+                        <a:rPr lang="es-ES" sz="2800" b="1" dirty="0">
+                          <a:solidFill>
+                            <a:schemeClr val="bg1"/>
+                          </a:solidFill>
+                          <a:effectLst/>
+                          <a:latin typeface="Aptos (Body)"/>
+                          <a:cs typeface="Times New Roman" panose="02020603050405020304" pitchFamily="18" charset="0"/>
+                        </a:rPr>
+                        <a:t>Nomenclatura g. (hg38)</a:t>
+                      </a:r>
+                      <a:endParaRPr lang="es-ES" sz="2800" dirty="0">
+                        <a:solidFill>
+                          <a:schemeClr val="bg1"/>
+                        </a:solidFill>
+                        <a:effectLst/>
+                        <a:latin typeface="Aptos (Body)"/>
+                        <a:cs typeface="Times New Roman" panose="02020603050405020304" pitchFamily="18" charset="0"/>
+                      </a:endParaRPr>
+                    </a:p>
+                  </a:txBody>
+                  <a:tcPr marL="76200" marR="76200" marT="50800" marB="50800" anchor="ctr"/>
+                </a:tc>
+                <a:tc>
+                  <a:txBody>
+                    <a:bodyPr/>
+                    <a:lstStyle/>
+                    <a:p>
+                      <a:pPr algn="ctr" rtl="0">
+                        <a:buNone/>
+                      </a:pPr>
+                      <a:r>
+                        <a:rPr lang="es-ES" sz="2800" b="1">
+                          <a:solidFill>
+                            <a:schemeClr val="bg1"/>
+                          </a:solidFill>
+                          <a:effectLst/>
+                          <a:latin typeface="Aptos (Body)"/>
+                          <a:cs typeface="Times New Roman" panose="02020603050405020304" pitchFamily="18" charset="0"/>
+                        </a:rPr>
+                        <a:t>Nomenclatura c. (Transcrito)</a:t>
+                      </a:r>
+                      <a:endParaRPr lang="es-ES" sz="2800">
+                        <a:solidFill>
+                          <a:schemeClr val="bg1"/>
+                        </a:solidFill>
+                        <a:effectLst/>
+                        <a:latin typeface="Aptos (Body)"/>
+                        <a:cs typeface="Times New Roman" panose="02020603050405020304" pitchFamily="18" charset="0"/>
+                      </a:endParaRPr>
+                    </a:p>
+                  </a:txBody>
+                  <a:tcPr marL="76200" marR="76200" marT="50800" marB="50800" anchor="ctr"/>
+                </a:tc>
+                <a:tc>
+                  <a:txBody>
+                    <a:bodyPr/>
+                    <a:lstStyle/>
+                    <a:p>
+                      <a:pPr algn="ctr" rtl="0">
+                        <a:buNone/>
+                      </a:pPr>
+                      <a:r>
+                        <a:rPr lang="es-ES" sz="2800" b="1">
+                          <a:solidFill>
+                            <a:schemeClr val="bg1"/>
+                          </a:solidFill>
+                          <a:effectLst/>
+                          <a:latin typeface="Aptos (Body)"/>
+                          <a:cs typeface="Times New Roman" panose="02020603050405020304" pitchFamily="18" charset="0"/>
+                        </a:rPr>
+                        <a:t>Nomenclatura p. (Proteína)</a:t>
+                      </a:r>
+                      <a:endParaRPr lang="es-ES" sz="2800">
+                        <a:solidFill>
+                          <a:schemeClr val="bg1"/>
+                        </a:solidFill>
+                        <a:effectLst/>
+                        <a:latin typeface="Aptos (Body)"/>
+                        <a:cs typeface="Times New Roman" panose="02020603050405020304" pitchFamily="18" charset="0"/>
+                      </a:endParaRPr>
+                    </a:p>
+                  </a:txBody>
+                  <a:tcPr marL="76200" marR="76200" marT="50800" marB="50800" anchor="ctr"/>
+                </a:tc>
+                <a:tc>
+                  <a:txBody>
+                    <a:bodyPr/>
+                    <a:lstStyle/>
+                    <a:p>
+                      <a:pPr algn="ctr" rtl="0">
+                        <a:buNone/>
+                      </a:pPr>
+                      <a:r>
+                        <a:rPr lang="es-ES" sz="2800" b="1" dirty="0" err="1">
+                          <a:solidFill>
+                            <a:schemeClr val="bg1"/>
+                          </a:solidFill>
+                          <a:effectLst/>
+                          <a:latin typeface="Aptos (Body)"/>
+                          <a:cs typeface="Times New Roman" panose="02020603050405020304" pitchFamily="18" charset="0"/>
+                        </a:rPr>
+                        <a:t>Cigocidad</a:t>
+                      </a:r>
+                      <a:endParaRPr lang="es-ES" sz="2800" dirty="0">
+                        <a:solidFill>
+                          <a:schemeClr val="bg1"/>
+                        </a:solidFill>
+                        <a:effectLst/>
+                        <a:latin typeface="Aptos (Body)"/>
+                        <a:cs typeface="Times New Roman" panose="02020603050405020304" pitchFamily="18" charset="0"/>
+                      </a:endParaRPr>
+                    </a:p>
+                  </a:txBody>
+                  <a:tcPr marL="76200" marR="76200" marT="50800" marB="50800" anchor="ctr"/>
+                </a:tc>
+                <a:extLst>
+                  <a:ext uri="{0D108BD9-81ED-4DB2-BD59-A6C34878D82A}">
+                    <a16:rowId xmlns:a16="http://schemas.microsoft.com/office/drawing/2014/main" val="728560836"/>
+                  </a:ext>
+                </a:extLst>
+              </a:tr>
+              <a:tr h="0">
+                <a:tc>
+                  <a:txBody>
+                    <a:bodyPr/>
+                    <a:lstStyle/>
+                    <a:p>
+                      <a:pPr algn="ctr" rtl="0">
+                        <a:buNone/>
+                      </a:pPr>
+                      <a:r>
+                        <a:rPr lang="es-ES" sz="2800" b="1" dirty="0">
+                          <a:solidFill>
+                            <a:schemeClr val="bg1"/>
+                          </a:solidFill>
+                          <a:effectLst/>
+                          <a:latin typeface="Aptos (Body)"/>
+                          <a:cs typeface="Times New Roman" panose="02020603050405020304" pitchFamily="18" charset="0"/>
+                        </a:rPr>
+                        <a:t>LEPR</a:t>
+                      </a:r>
+                      <a:endParaRPr lang="es-ES" sz="2800" dirty="0">
+                        <a:solidFill>
+                          <a:schemeClr val="bg1"/>
+                        </a:solidFill>
+                        <a:effectLst/>
+                        <a:latin typeface="Aptos (Body)"/>
+                        <a:cs typeface="Times New Roman" panose="02020603050405020304" pitchFamily="18" charset="0"/>
+                      </a:endParaRPr>
+                    </a:p>
+                  </a:txBody>
+                  <a:tcPr marL="76200" marR="76200" marT="50800" marB="50800" anchor="ctr"/>
+                </a:tc>
+                <a:tc>
+                  <a:txBody>
+                    <a:bodyPr/>
+                    <a:lstStyle/>
+                    <a:p>
+                      <a:pPr algn="ctr" rtl="0">
+                        <a:buNone/>
+                      </a:pPr>
+                      <a:r>
+                        <a:rPr lang="es-ES" sz="2800">
+                          <a:solidFill>
+                            <a:schemeClr val="bg1"/>
+                          </a:solidFill>
+                          <a:effectLst/>
+                          <a:latin typeface="Aptos (Body)"/>
+                          <a:cs typeface="Times New Roman" panose="02020603050405020304" pitchFamily="18" charset="0"/>
+                        </a:rPr>
+                        <a:t>chr1:65,609,984 </a:t>
+                      </a:r>
+                    </a:p>
+                  </a:txBody>
+                  <a:tcPr marL="76200" marR="76200" marT="50800" marB="50800" anchor="ctr"/>
+                </a:tc>
+                <a:tc>
+                  <a:txBody>
+                    <a:bodyPr/>
+                    <a:lstStyle/>
+                    <a:p>
+                      <a:pPr algn="ctr" rtl="0">
+                        <a:buNone/>
+                      </a:pPr>
+                      <a:r>
+                        <a:rPr lang="pt-BR" sz="2800">
+                          <a:solidFill>
+                            <a:schemeClr val="bg1"/>
+                          </a:solidFill>
+                          <a:effectLst/>
+                          <a:latin typeface="Aptos (Body)"/>
+                          <a:cs typeface="Times New Roman" panose="02020603050405020304" pitchFamily="18" charset="0"/>
+                        </a:rPr>
+                        <a:t>NM_002303.6:c.326A&gt;G </a:t>
+                      </a:r>
+                    </a:p>
+                  </a:txBody>
+                  <a:tcPr marL="76200" marR="76200" marT="50800" marB="50800" anchor="ctr"/>
+                </a:tc>
+                <a:tc>
+                  <a:txBody>
+                    <a:bodyPr/>
+                    <a:lstStyle/>
+                    <a:p>
+                      <a:pPr algn="ctr" rtl="0">
+                        <a:buNone/>
+                      </a:pPr>
+                      <a:r>
+                        <a:rPr lang="es-ES" sz="2800">
+                          <a:solidFill>
+                            <a:schemeClr val="bg1"/>
+                          </a:solidFill>
+                          <a:effectLst/>
+                          <a:latin typeface="Aptos (Body)"/>
+                          <a:cs typeface="Times New Roman" panose="02020603050405020304" pitchFamily="18" charset="0"/>
+                        </a:rPr>
+                        <a:t>NP_002294.2:p.Lys109Arg </a:t>
+                      </a:r>
+                    </a:p>
+                  </a:txBody>
+                  <a:tcPr marL="76200" marR="76200" marT="50800" marB="50800" anchor="ctr"/>
+                </a:tc>
+                <a:tc>
+                  <a:txBody>
+                    <a:bodyPr/>
+                    <a:lstStyle/>
+                    <a:p>
+                      <a:pPr algn="ctr" rtl="0">
+                        <a:buNone/>
+                      </a:pPr>
+                      <a:r>
+                        <a:rPr lang="es-ES" sz="2800">
+                          <a:solidFill>
+                            <a:schemeClr val="bg1"/>
+                          </a:solidFill>
+                          <a:effectLst/>
+                          <a:latin typeface="Aptos (Body)"/>
+                          <a:cs typeface="Times New Roman" panose="02020603050405020304" pitchFamily="18" charset="0"/>
+                        </a:rPr>
+                        <a:t>Heterocigoto </a:t>
+                      </a:r>
+                    </a:p>
+                  </a:txBody>
+                  <a:tcPr marL="76200" marR="76200" marT="50800" marB="50800" anchor="ctr"/>
+                </a:tc>
+                <a:extLst>
+                  <a:ext uri="{0D108BD9-81ED-4DB2-BD59-A6C34878D82A}">
+                    <a16:rowId xmlns:a16="http://schemas.microsoft.com/office/drawing/2014/main" val="3734797205"/>
+                  </a:ext>
+                </a:extLst>
+              </a:tr>
+              <a:tr h="0">
+                <a:tc>
+                  <a:txBody>
+                    <a:bodyPr/>
+                    <a:lstStyle/>
+                    <a:p>
+                      <a:pPr algn="ctr" rtl="0">
+                        <a:buNone/>
+                      </a:pPr>
+                      <a:r>
+                        <a:rPr lang="es-ES" sz="2800" b="1" dirty="0">
+                          <a:solidFill>
+                            <a:schemeClr val="bg1"/>
+                          </a:solidFill>
+                          <a:effectLst/>
+                          <a:latin typeface="Aptos (Body)"/>
+                          <a:cs typeface="Times New Roman" panose="02020603050405020304" pitchFamily="18" charset="0"/>
+                        </a:rPr>
+                        <a:t>TP53</a:t>
+                      </a:r>
+                      <a:endParaRPr lang="es-ES" sz="2800" dirty="0">
+                        <a:solidFill>
+                          <a:schemeClr val="bg1"/>
+                        </a:solidFill>
+                        <a:effectLst/>
+                        <a:latin typeface="Aptos (Body)"/>
+                        <a:cs typeface="Times New Roman" panose="02020603050405020304" pitchFamily="18" charset="0"/>
+                      </a:endParaRPr>
+                    </a:p>
+                  </a:txBody>
+                  <a:tcPr marL="76200" marR="76200" marT="50800" marB="50800" anchor="ctr"/>
+                </a:tc>
+                <a:tc>
+                  <a:txBody>
+                    <a:bodyPr/>
+                    <a:lstStyle/>
+                    <a:p>
+                      <a:pPr algn="ctr" rtl="0">
+                        <a:buNone/>
+                      </a:pPr>
+                      <a:r>
+                        <a:rPr lang="es-ES" sz="2800" dirty="0">
+                          <a:solidFill>
+                            <a:schemeClr val="bg1"/>
+                          </a:solidFill>
+                          <a:effectLst/>
+                          <a:latin typeface="Aptos (Body)"/>
+                          <a:cs typeface="Times New Roman" panose="02020603050405020304" pitchFamily="18" charset="0"/>
+                        </a:rPr>
+                        <a:t>chr17:7,676,154 </a:t>
+                      </a:r>
+                    </a:p>
+                  </a:txBody>
+                  <a:tcPr marL="76200" marR="76200" marT="50800" marB="50800" anchor="ctr"/>
+                </a:tc>
+                <a:tc>
+                  <a:txBody>
+                    <a:bodyPr/>
+                    <a:lstStyle/>
+                    <a:p>
+                      <a:pPr algn="ctr" rtl="0">
+                        <a:buNone/>
+                      </a:pPr>
+                      <a:r>
+                        <a:rPr lang="es-ES" sz="2800">
+                          <a:solidFill>
+                            <a:schemeClr val="bg1"/>
+                          </a:solidFill>
+                          <a:effectLst/>
+                          <a:latin typeface="Aptos (Body)"/>
+                          <a:cs typeface="Times New Roman" panose="02020603050405020304" pitchFamily="18" charset="0"/>
+                        </a:rPr>
+                        <a:t>NM_000546.6:c.215C&gt;T </a:t>
+                      </a:r>
+                    </a:p>
+                  </a:txBody>
+                  <a:tcPr marL="76200" marR="76200" marT="50800" marB="50800" anchor="ctr"/>
+                </a:tc>
+                <a:tc>
+                  <a:txBody>
+                    <a:bodyPr/>
+                    <a:lstStyle/>
+                    <a:p>
+                      <a:pPr algn="ctr" rtl="0">
+                        <a:buNone/>
+                      </a:pPr>
+                      <a:r>
+                        <a:rPr lang="es-ES" sz="2800">
+                          <a:solidFill>
+                            <a:schemeClr val="bg1"/>
+                          </a:solidFill>
+                          <a:effectLst/>
+                          <a:latin typeface="Aptos (Body)"/>
+                          <a:cs typeface="Times New Roman" panose="02020603050405020304" pitchFamily="18" charset="0"/>
+                        </a:rPr>
+                        <a:t>NP_000537.3:p.Pro72Leu </a:t>
+                      </a:r>
+                    </a:p>
+                  </a:txBody>
+                  <a:tcPr marL="76200" marR="76200" marT="50800" marB="50800" anchor="ctr"/>
+                </a:tc>
+                <a:tc>
+                  <a:txBody>
+                    <a:bodyPr/>
+                    <a:lstStyle/>
+                    <a:p>
+                      <a:pPr algn="ctr" rtl="0">
+                        <a:buNone/>
+                      </a:pPr>
+                      <a:r>
+                        <a:rPr lang="es-ES" sz="2800">
+                          <a:solidFill>
+                            <a:schemeClr val="bg1"/>
+                          </a:solidFill>
+                          <a:effectLst/>
+                          <a:latin typeface="Aptos (Body)"/>
+                          <a:cs typeface="Times New Roman" panose="02020603050405020304" pitchFamily="18" charset="0"/>
+                        </a:rPr>
+                        <a:t>Heterocigoto </a:t>
+                      </a:r>
+                    </a:p>
+                  </a:txBody>
+                  <a:tcPr marL="76200" marR="76200" marT="50800" marB="50800" anchor="ctr"/>
+                </a:tc>
+                <a:extLst>
+                  <a:ext uri="{0D108BD9-81ED-4DB2-BD59-A6C34878D82A}">
+                    <a16:rowId xmlns:a16="http://schemas.microsoft.com/office/drawing/2014/main" val="3135609688"/>
+                  </a:ext>
+                </a:extLst>
+              </a:tr>
+              <a:tr h="0">
+                <a:tc>
+                  <a:txBody>
+                    <a:bodyPr/>
+                    <a:lstStyle/>
+                    <a:p>
+                      <a:pPr algn="ctr" rtl="0">
+                        <a:buNone/>
+                      </a:pPr>
+                      <a:r>
+                        <a:rPr lang="es-ES" sz="2800" b="1">
+                          <a:solidFill>
+                            <a:schemeClr val="bg1"/>
+                          </a:solidFill>
+                          <a:effectLst/>
+                          <a:latin typeface="Aptos (Body)"/>
+                          <a:cs typeface="Times New Roman" panose="02020603050405020304" pitchFamily="18" charset="0"/>
+                        </a:rPr>
+                        <a:t>MC4R</a:t>
+                      </a:r>
+                      <a:endParaRPr lang="es-ES" sz="2800">
+                        <a:solidFill>
+                          <a:schemeClr val="bg1"/>
+                        </a:solidFill>
+                        <a:effectLst/>
+                        <a:latin typeface="Aptos (Body)"/>
+                        <a:cs typeface="Times New Roman" panose="02020603050405020304" pitchFamily="18" charset="0"/>
+                      </a:endParaRPr>
+                    </a:p>
+                  </a:txBody>
+                  <a:tcPr marL="76200" marR="76200" marT="50800" marB="50800" anchor="ctr"/>
+                </a:tc>
+                <a:tc>
+                  <a:txBody>
+                    <a:bodyPr/>
+                    <a:lstStyle/>
+                    <a:p>
+                      <a:pPr algn="ctr" rtl="0">
+                        <a:buNone/>
+                      </a:pPr>
+                      <a:r>
+                        <a:rPr lang="es-ES" sz="2800">
+                          <a:solidFill>
+                            <a:schemeClr val="bg1"/>
+                          </a:solidFill>
+                          <a:effectLst/>
+                          <a:latin typeface="Aptos (Body)"/>
+                          <a:cs typeface="Times New Roman" panose="02020603050405020304" pitchFamily="18" charset="0"/>
+                        </a:rPr>
+                        <a:t>chr18:60,371,535 </a:t>
+                      </a:r>
+                    </a:p>
+                  </a:txBody>
+                  <a:tcPr marL="76200" marR="76200" marT="50800" marB="50800" anchor="ctr"/>
+                </a:tc>
+                <a:tc>
+                  <a:txBody>
+                    <a:bodyPr/>
+                    <a:lstStyle/>
+                    <a:p>
+                      <a:pPr algn="ctr" rtl="0">
+                        <a:buNone/>
+                      </a:pPr>
+                      <a:r>
+                        <a:rPr lang="pt-BR" sz="2800" dirty="0">
+                          <a:solidFill>
+                            <a:schemeClr val="bg1"/>
+                          </a:solidFill>
+                          <a:effectLst/>
+                          <a:latin typeface="Aptos (Body)"/>
+                          <a:cs typeface="Times New Roman" panose="02020603050405020304" pitchFamily="18" charset="0"/>
+                        </a:rPr>
+                        <a:t>NM_005912.3:c.815C&gt;A </a:t>
+                      </a:r>
+                    </a:p>
+                  </a:txBody>
+                  <a:tcPr marL="76200" marR="76200" marT="50800" marB="50800" anchor="ctr"/>
+                </a:tc>
+                <a:tc>
+                  <a:txBody>
+                    <a:bodyPr/>
+                    <a:lstStyle/>
+                    <a:p>
+                      <a:pPr algn="ctr" rtl="0">
+                        <a:buNone/>
+                      </a:pPr>
+                      <a:r>
+                        <a:rPr lang="es-ES" sz="2800">
+                          <a:solidFill>
+                            <a:schemeClr val="bg1"/>
+                          </a:solidFill>
+                          <a:effectLst/>
+                          <a:latin typeface="Aptos (Body)"/>
+                          <a:cs typeface="Times New Roman" panose="02020603050405020304" pitchFamily="18" charset="0"/>
+                        </a:rPr>
+                        <a:t>ENSP00000299766.3:p.Pro272His </a:t>
+                      </a:r>
+                    </a:p>
+                  </a:txBody>
+                  <a:tcPr marL="76200" marR="76200" marT="50800" marB="50800" anchor="ctr"/>
+                </a:tc>
+                <a:tc>
+                  <a:txBody>
+                    <a:bodyPr/>
+                    <a:lstStyle/>
+                    <a:p>
+                      <a:pPr algn="ctr" rtl="0">
+                        <a:buNone/>
+                      </a:pPr>
+                      <a:r>
+                        <a:rPr lang="es-ES" sz="2800">
+                          <a:solidFill>
+                            <a:schemeClr val="bg1"/>
+                          </a:solidFill>
+                          <a:effectLst/>
+                          <a:latin typeface="Aptos (Body)"/>
+                          <a:cs typeface="Times New Roman" panose="02020603050405020304" pitchFamily="18" charset="0"/>
+                        </a:rPr>
+                        <a:t>SNP </a:t>
+                      </a:r>
+                    </a:p>
+                  </a:txBody>
+                  <a:tcPr marL="76200" marR="76200" marT="50800" marB="50800" anchor="ctr"/>
+                </a:tc>
+                <a:extLst>
+                  <a:ext uri="{0D108BD9-81ED-4DB2-BD59-A6C34878D82A}">
+                    <a16:rowId xmlns:a16="http://schemas.microsoft.com/office/drawing/2014/main" val="3899910295"/>
+                  </a:ext>
+                </a:extLst>
+              </a:tr>
+              <a:tr h="0">
+                <a:tc>
+                  <a:txBody>
+                    <a:bodyPr/>
+                    <a:lstStyle/>
+                    <a:p>
+                      <a:pPr algn="ctr" rtl="0">
+                        <a:buNone/>
+                      </a:pPr>
+                      <a:r>
+                        <a:rPr lang="es-ES" sz="2800" b="1" dirty="0">
+                          <a:solidFill>
+                            <a:schemeClr val="bg1"/>
+                          </a:solidFill>
+                          <a:effectLst/>
+                          <a:latin typeface="Aptos (Body)"/>
+                          <a:cs typeface="Times New Roman" panose="02020603050405020304" pitchFamily="18" charset="0"/>
+                        </a:rPr>
+                        <a:t>MED12</a:t>
+                      </a:r>
+                      <a:endParaRPr lang="es-ES" sz="2800" dirty="0">
+                        <a:solidFill>
+                          <a:schemeClr val="bg1"/>
+                        </a:solidFill>
+                        <a:effectLst/>
+                        <a:latin typeface="Aptos (Body)"/>
+                        <a:cs typeface="Times New Roman" panose="02020603050405020304" pitchFamily="18" charset="0"/>
+                      </a:endParaRPr>
+                    </a:p>
+                  </a:txBody>
+                  <a:tcPr marL="76200" marR="76200" marT="50800" marB="50800" anchor="ctr"/>
+                </a:tc>
+                <a:tc>
+                  <a:txBody>
+                    <a:bodyPr/>
+                    <a:lstStyle/>
+                    <a:p>
+                      <a:pPr algn="ctr" rtl="0">
+                        <a:buNone/>
+                      </a:pPr>
+                      <a:r>
+                        <a:rPr lang="es-ES" sz="2800">
+                          <a:solidFill>
+                            <a:schemeClr val="bg1"/>
+                          </a:solidFill>
+                          <a:effectLst/>
+                          <a:latin typeface="Aptos (Body)"/>
+                          <a:cs typeface="Times New Roman" panose="02020603050405020304" pitchFamily="18" charset="0"/>
+                        </a:rPr>
+                        <a:t>chrX:71,121,046 </a:t>
+                      </a:r>
+                    </a:p>
+                  </a:txBody>
+                  <a:tcPr marL="76200" marR="76200" marT="50800" marB="50800" anchor="ctr"/>
+                </a:tc>
+                <a:tc>
+                  <a:txBody>
+                    <a:bodyPr/>
+                    <a:lstStyle/>
+                    <a:p>
+                      <a:pPr algn="ctr" rtl="0">
+                        <a:buNone/>
+                      </a:pPr>
+                      <a:r>
+                        <a:rPr lang="es-ES" sz="2800" dirty="0">
+                          <a:solidFill>
+                            <a:schemeClr val="bg1"/>
+                          </a:solidFill>
+                          <a:effectLst/>
+                          <a:latin typeface="Aptos (Body)"/>
+                          <a:cs typeface="Times New Roman" panose="02020603050405020304" pitchFamily="18" charset="0"/>
+                        </a:rPr>
+                        <a:t>NM_005120.3:c.629C&gt;T </a:t>
+                      </a:r>
+                    </a:p>
+                  </a:txBody>
+                  <a:tcPr marL="76200" marR="76200" marT="50800" marB="50800" anchor="ctr"/>
+                </a:tc>
+                <a:tc>
+                  <a:txBody>
+                    <a:bodyPr/>
+                    <a:lstStyle/>
+                    <a:p>
+                      <a:pPr algn="ctr" rtl="0">
+                        <a:buNone/>
+                      </a:pPr>
+                      <a:r>
+                        <a:rPr lang="es-ES" sz="2800" dirty="0">
+                          <a:solidFill>
+                            <a:schemeClr val="bg1"/>
+                          </a:solidFill>
+                          <a:effectLst/>
+                          <a:latin typeface="Aptos (Body)"/>
+                          <a:cs typeface="Times New Roman" panose="02020603050405020304" pitchFamily="18" charset="0"/>
+                        </a:rPr>
+                        <a:t>ENSP00000333125.8:p.Ala210Val </a:t>
+                      </a:r>
+                    </a:p>
+                  </a:txBody>
+                  <a:tcPr marL="76200" marR="76200" marT="50800" marB="50800" anchor="ctr"/>
+                </a:tc>
+                <a:tc>
+                  <a:txBody>
+                    <a:bodyPr/>
+                    <a:lstStyle/>
+                    <a:p>
+                      <a:pPr algn="ctr" rtl="0">
+                        <a:buNone/>
+                      </a:pPr>
+                      <a:r>
+                        <a:rPr lang="es-ES" sz="2800" dirty="0">
+                          <a:solidFill>
+                            <a:schemeClr val="bg1"/>
+                          </a:solidFill>
+                          <a:effectLst/>
+                          <a:latin typeface="Aptos (Body)"/>
+                          <a:cs typeface="Times New Roman" panose="02020603050405020304" pitchFamily="18" charset="0"/>
+                        </a:rPr>
+                        <a:t>SNP </a:t>
+                      </a:r>
+                    </a:p>
+                  </a:txBody>
+                  <a:tcPr marL="76200" marR="76200" marT="50800" marB="50800" anchor="ctr"/>
+                </a:tc>
+                <a:extLst>
+                  <a:ext uri="{0D108BD9-81ED-4DB2-BD59-A6C34878D82A}">
+                    <a16:rowId xmlns:a16="http://schemas.microsoft.com/office/drawing/2014/main" val="2802499724"/>
+                  </a:ext>
+                </a:extLst>
+              </a:tr>
+            </a:tbl>
+          </a:graphicData>
+        </a:graphic>
+      </p:graphicFrame>
     </p:spTree>
     <p:extLst>
       <p:ext uri="{BB962C8B-B14F-4D97-AF65-F5344CB8AC3E}">
@@ -7376,6 +6813,18 @@
 </file>
 
 <file path=customXml/item1.xml><?xml version="1.0" encoding="utf-8"?>
+<p:properties xmlns:p="http://schemas.microsoft.com/office/2006/metadata/properties" xmlns:xsi="http://www.w3.org/2001/XMLSchema-instance" xmlns:pc="http://schemas.microsoft.com/office/infopath/2007/PartnerControls">
+  <documentManagement>
+    <_Flow_SignoffStatus xmlns="27c1adeb-3674-457c-b08c-8a73f31b6e23" xsi:nil="true"/>
+    <lcf76f155ced4ddcb4097134ff3c332f xmlns="27c1adeb-3674-457c-b08c-8a73f31b6e23">
+      <Terms xmlns="http://schemas.microsoft.com/office/infopath/2007/PartnerControls"/>
+    </lcf76f155ced4ddcb4097134ff3c332f>
+    <TaxCatchAll xmlns="0a70e875-3d35-4be2-921f-7117c31bab9b" xsi:nil="true"/>
+  </documentManagement>
+</p:properties>
+</file>
+
+<file path=customXml/item2.xml><?xml version="1.0" encoding="utf-8"?>
 <ct:contentTypeSchema xmlns:ct="http://schemas.microsoft.com/office/2006/metadata/contentType" xmlns:ma="http://schemas.microsoft.com/office/2006/metadata/properties/metaAttributes" ct:_="" ma:_="" ma:contentTypeName="Documento" ma:contentTypeID="0x010100DF3D7C797EA12745A270EF30E38719B9" ma:contentTypeVersion="20" ma:contentTypeDescription="Crear nuevo documento." ma:contentTypeScope="" ma:versionID="98b23ce13f8ef13134c980882a27b8cc">
   <xsd:schema xmlns:xsd="http://www.w3.org/2001/XMLSchema" xmlns:xs="http://www.w3.org/2001/XMLSchema" xmlns:p="http://schemas.microsoft.com/office/2006/metadata/properties" xmlns:ns2="0a70e875-3d35-4be2-921f-7117c31bab9b" xmlns:ns3="27c1adeb-3674-457c-b08c-8a73f31b6e23" targetNamespace="http://schemas.microsoft.com/office/2006/metadata/properties" ma:root="true" ma:fieldsID="83d50475b18a8f95f7f8edf1c6caa3f2" ns2:_="" ns3:_="">
     <xsd:import namespace="0a70e875-3d35-4be2-921f-7117c31bab9b"/>
@@ -7642,7 +7091,7 @@
 </ct:contentTypeSchema>
 </file>
 
-<file path=customXml/item2.xml><?xml version="1.0" encoding="utf-8"?>
+<file path=customXml/item3.xml><?xml version="1.0" encoding="utf-8"?>
 <?mso-contentType ?>
 <FormTemplates xmlns="http://schemas.microsoft.com/sharepoint/v3/contenttype/forms">
   <Display>DocumentLibraryForm</Display>
@@ -7651,19 +7100,18 @@
 </FormTemplates>
 </file>
 
-<file path=customXml/item3.xml><?xml version="1.0" encoding="utf-8"?>
-<p:properties xmlns:p="http://schemas.microsoft.com/office/2006/metadata/properties" xmlns:xsi="http://www.w3.org/2001/XMLSchema-instance" xmlns:pc="http://schemas.microsoft.com/office/infopath/2007/PartnerControls">
-  <documentManagement>
-    <_Flow_SignoffStatus xmlns="27c1adeb-3674-457c-b08c-8a73f31b6e23" xsi:nil="true"/>
-    <lcf76f155ced4ddcb4097134ff3c332f xmlns="27c1adeb-3674-457c-b08c-8a73f31b6e23">
-      <Terms xmlns="http://schemas.microsoft.com/office/infopath/2007/PartnerControls"/>
-    </lcf76f155ced4ddcb4097134ff3c332f>
-    <TaxCatchAll xmlns="0a70e875-3d35-4be2-921f-7117c31bab9b" xsi:nil="true"/>
-  </documentManagement>
-</p:properties>
+<file path=customXml/itemProps1.xml><?xml version="1.0" encoding="utf-8"?>
+<ds:datastoreItem xmlns:ds="http://schemas.openxmlformats.org/officeDocument/2006/customXml" ds:itemID="{5CBD36D8-5209-415C-A4C4-4F318B167F44}">
+  <ds:schemaRefs>
+    <ds:schemaRef ds:uri="http://schemas.microsoft.com/office/2006/metadata/properties"/>
+    <ds:schemaRef ds:uri="http://schemas.microsoft.com/office/infopath/2007/PartnerControls"/>
+    <ds:schemaRef ds:uri="27c1adeb-3674-457c-b08c-8a73f31b6e23"/>
+    <ds:schemaRef ds:uri="0a70e875-3d35-4be2-921f-7117c31bab9b"/>
+  </ds:schemaRefs>
+</ds:datastoreItem>
 </file>
 
-<file path=customXml/itemProps1.xml><?xml version="1.0" encoding="utf-8"?>
+<file path=customXml/itemProps2.xml><?xml version="1.0" encoding="utf-8"?>
 <ds:datastoreItem xmlns:ds="http://schemas.openxmlformats.org/officeDocument/2006/customXml" ds:itemID="{56214829-4D9F-4687-8E37-8FF1875CABAF}">
   <ds:schemaRefs>
     <ds:schemaRef ds:uri="http://schemas.microsoft.com/office/2006/metadata/contentType"/>
@@ -7682,21 +7130,10 @@
 </ds:datastoreItem>
 </file>
 
-<file path=customXml/itemProps2.xml><?xml version="1.0" encoding="utf-8"?>
+<file path=customXml/itemProps3.xml><?xml version="1.0" encoding="utf-8"?>
 <ds:datastoreItem xmlns:ds="http://schemas.openxmlformats.org/officeDocument/2006/customXml" ds:itemID="{15B638B7-22B7-4D35-BE84-714C8C34C119}">
   <ds:schemaRefs>
     <ds:schemaRef ds:uri="http://schemas.microsoft.com/sharepoint/v3/contenttype/forms"/>
-  </ds:schemaRefs>
-</ds:datastoreItem>
-</file>
-
-<file path=customXml/itemProps3.xml><?xml version="1.0" encoding="utf-8"?>
-<ds:datastoreItem xmlns:ds="http://schemas.openxmlformats.org/officeDocument/2006/customXml" ds:itemID="{5CBD36D8-5209-415C-A4C4-4F318B167F44}">
-  <ds:schemaRefs>
-    <ds:schemaRef ds:uri="http://schemas.microsoft.com/office/2006/metadata/properties"/>
-    <ds:schemaRef ds:uri="http://schemas.microsoft.com/office/infopath/2007/PartnerControls"/>
-    <ds:schemaRef ds:uri="27c1adeb-3674-457c-b08c-8a73f31b6e23"/>
-    <ds:schemaRef ds:uri="0a70e875-3d35-4be2-921f-7117c31bab9b"/>
   </ds:schemaRefs>
 </ds:datastoreItem>
 </file>

--- a/Plantilla_poster_Bioinfo_4P_UNIR.pptx
+++ b/Plantilla_poster_Bioinfo_4P_UNIR.pptx
@@ -286,7 +286,7 @@
           <a:p>
             <a:fld id="{A52F3024-9AEF-C645-BE7A-258C41DDD14E}" type="slidenum">
               <a:rPr lang="es-ES_tradnl" smtClean="0"/>
-              <a:t>‹#›</a:t>
+              <a:t>‹Nº›</a:t>
             </a:fld>
             <a:endParaRPr lang="es-ES_tradnl"/>
           </a:p>
@@ -456,7 +456,7 @@
           <a:p>
             <a:fld id="{A52F3024-9AEF-C645-BE7A-258C41DDD14E}" type="slidenum">
               <a:rPr lang="es-ES_tradnl" smtClean="0"/>
-              <a:t>‹#›</a:t>
+              <a:t>‹Nº›</a:t>
             </a:fld>
             <a:endParaRPr lang="es-ES_tradnl"/>
           </a:p>
@@ -636,7 +636,7 @@
           <a:p>
             <a:fld id="{A52F3024-9AEF-C645-BE7A-258C41DDD14E}" type="slidenum">
               <a:rPr lang="es-ES_tradnl" smtClean="0"/>
-              <a:t>‹#›</a:t>
+              <a:t>‹Nº›</a:t>
             </a:fld>
             <a:endParaRPr lang="es-ES_tradnl"/>
           </a:p>
@@ -806,7 +806,7 @@
           <a:p>
             <a:fld id="{A52F3024-9AEF-C645-BE7A-258C41DDD14E}" type="slidenum">
               <a:rPr lang="es-ES_tradnl" smtClean="0"/>
-              <a:t>‹#›</a:t>
+              <a:t>‹Nº›</a:t>
             </a:fld>
             <a:endParaRPr lang="es-ES_tradnl"/>
           </a:p>
@@ -1052,7 +1052,7 @@
           <a:p>
             <a:fld id="{A52F3024-9AEF-C645-BE7A-258C41DDD14E}" type="slidenum">
               <a:rPr lang="es-ES_tradnl" smtClean="0"/>
-              <a:t>‹#›</a:t>
+              <a:t>‹Nº›</a:t>
             </a:fld>
             <a:endParaRPr lang="es-ES_tradnl"/>
           </a:p>
@@ -1284,7 +1284,7 @@
           <a:p>
             <a:fld id="{A52F3024-9AEF-C645-BE7A-258C41DDD14E}" type="slidenum">
               <a:rPr lang="es-ES_tradnl" smtClean="0"/>
-              <a:t>‹#›</a:t>
+              <a:t>‹Nº›</a:t>
             </a:fld>
             <a:endParaRPr lang="es-ES_tradnl"/>
           </a:p>
@@ -1651,7 +1651,7 @@
           <a:p>
             <a:fld id="{A52F3024-9AEF-C645-BE7A-258C41DDD14E}" type="slidenum">
               <a:rPr lang="es-ES_tradnl" smtClean="0"/>
-              <a:t>‹#›</a:t>
+              <a:t>‹Nº›</a:t>
             </a:fld>
             <a:endParaRPr lang="es-ES_tradnl"/>
           </a:p>
@@ -1769,7 +1769,7 @@
           <a:p>
             <a:fld id="{A52F3024-9AEF-C645-BE7A-258C41DDD14E}" type="slidenum">
               <a:rPr lang="es-ES_tradnl" smtClean="0"/>
-              <a:t>‹#›</a:t>
+              <a:t>‹Nº›</a:t>
             </a:fld>
             <a:endParaRPr lang="es-ES_tradnl"/>
           </a:p>
@@ -1864,7 +1864,7 @@
           <a:p>
             <a:fld id="{A52F3024-9AEF-C645-BE7A-258C41DDD14E}" type="slidenum">
               <a:rPr lang="es-ES_tradnl" smtClean="0"/>
-              <a:t>‹#›</a:t>
+              <a:t>‹Nº›</a:t>
             </a:fld>
             <a:endParaRPr lang="es-ES_tradnl"/>
           </a:p>
@@ -2141,7 +2141,7 @@
           <a:p>
             <a:fld id="{A52F3024-9AEF-C645-BE7A-258C41DDD14E}" type="slidenum">
               <a:rPr lang="es-ES_tradnl" smtClean="0"/>
-              <a:t>‹#›</a:t>
+              <a:t>‹Nº›</a:t>
             </a:fld>
             <a:endParaRPr lang="es-ES_tradnl"/>
           </a:p>
@@ -2398,7 +2398,7 @@
           <a:p>
             <a:fld id="{A52F3024-9AEF-C645-BE7A-258C41DDD14E}" type="slidenum">
               <a:rPr lang="es-ES_tradnl" smtClean="0"/>
-              <a:t>‹#›</a:t>
+              <a:t>‹Nº›</a:t>
             </a:fld>
             <a:endParaRPr lang="es-ES_tradnl"/>
           </a:p>
@@ -2647,7 +2647,7 @@
           <a:p>
             <a:fld id="{A52F3024-9AEF-C645-BE7A-258C41DDD14E}" type="slidenum">
               <a:rPr lang="es-ES_tradnl" smtClean="0"/>
-              <a:t>‹#›</a:t>
+              <a:t>‹Nº›</a:t>
             </a:fld>
             <a:endParaRPr lang="es-ES_tradnl"/>
           </a:p>
@@ -4038,8 +4038,8 @@
         </p:nvGrpSpPr>
         <p:grpSpPr>
           <a:xfrm>
-            <a:off x="9509873" y="17303689"/>
-            <a:ext cx="5366712" cy="3844742"/>
+            <a:off x="9509873" y="15767417"/>
+            <a:ext cx="5366712" cy="5381014"/>
             <a:chOff x="7784856" y="17303689"/>
             <a:chExt cx="7109314" cy="3844742"/>
           </a:xfrm>
@@ -4097,18 +4097,62 @@
             <a:bodyPr tIns="360000" rtlCol="0" anchor="t"/>
             <a:lstStyle/>
             <a:p>
-              <a:pPr algn="just">
-                <a:lnSpc>
-                  <a:spcPct val="80000"/>
-                </a:lnSpc>
-              </a:pPr>
+              <a:pPr algn="just"/>
               <a:r>
-                <a:rPr lang="es-ES_tradnl" i="1" dirty="0">
+                <a:rPr lang="es-ES" i="1" dirty="0">
                   <a:solidFill>
                     <a:schemeClr val="tx1"/>
                   </a:solidFill>
                 </a:rPr>
-                <a:t>Resumen principal de hallazgos y limitaciones del análisis si aplica</a:t>
+                <a:t>Nuestro análisis identificó la variante p.Pro272His en MC4R como la más probablemente patogénica y asociada a obesidad monogénica por su alta conservación y predicciones </a:t>
+              </a:r>
+              <a:r>
+                <a:rPr lang="es-ES" i="1" dirty="0" err="1">
+                  <a:solidFill>
+                    <a:schemeClr val="tx1"/>
+                  </a:solidFill>
+                </a:rPr>
+                <a:t>deleterias</a:t>
+              </a:r>
+              <a:r>
+                <a:rPr lang="es-ES" i="1" dirty="0">
+                  <a:solidFill>
+                    <a:schemeClr val="tx1"/>
+                  </a:solidFill>
+                </a:rPr>
+                <a:t>. En contraste, las variantes en LEPR (p.Lys109Arg) y TP53 (p.Pro72Leu) se clasifican como polimorfismos comunes con efecto clínico limitado. La principal limitación del estudio radica en el análisis exclusivo de exomas, que puede pasar por alto variantes reguladoras o </a:t>
+              </a:r>
+              <a:r>
+                <a:rPr lang="es-ES" i="1" dirty="0" err="1">
+                  <a:solidFill>
+                    <a:schemeClr val="tx1"/>
+                  </a:solidFill>
+                </a:rPr>
+                <a:t>intrónicas</a:t>
+              </a:r>
+              <a:r>
+                <a:rPr lang="es-ES" i="1" dirty="0">
+                  <a:solidFill>
+                    <a:schemeClr val="tx1"/>
+                  </a:solidFill>
+                </a:rPr>
+                <a:t> profundas con impacto en el </a:t>
+              </a:r>
+              <a:r>
+                <a:rPr lang="es-ES" i="1" dirty="0" err="1">
+                  <a:solidFill>
+                    <a:schemeClr val="tx1"/>
+                  </a:solidFill>
+                </a:rPr>
+                <a:t>splicing</a:t>
+              </a:r>
+              <a:r>
+                <a:rPr lang="es-ES" i="1" dirty="0">
+                  <a:solidFill>
+                    <a:schemeClr val="tx1"/>
+                  </a:solidFill>
+                </a:rPr>
+                <a:t>. Estos resultados subrayan la utilidad del flujo bioinformático para priorizar variantes candidatas en estudios de obesidad familiar.</a:t>
               </a:r>
               <a:endParaRPr lang="es-ES_tradnl" sz="2400" i="1" dirty="0">
                 <a:solidFill>
@@ -5277,9 +5321,7 @@
               <a:buChar char="•"/>
             </a:pPr>
             <a:r>
-              <a:rPr lang="es-ES" altLang="es-ES" sz="1600" i="1" dirty="0">
-                <a:latin typeface="Aptos (Body)"/>
-              </a:rPr>
+              <a:rPr lang="es-ES" altLang="es-ES" sz="1600" i="1" dirty="0"/>
               <a:t>En la</a:t>
             </a:r>
             <a:r>
@@ -5291,14 +5333,11 @@
                   <a:schemeClr val="tx1"/>
                 </a:solidFill>
                 <a:effectLst/>
-                <a:latin typeface="Aptos (Body)"/>
               </a:rPr>
               <a:t> </a:t>
             </a:r>
             <a:r>
-              <a:rPr lang="es-ES" altLang="es-ES" sz="1600" i="1" dirty="0">
-                <a:latin typeface="Aptos (Body)"/>
-              </a:rPr>
+              <a:rPr lang="es-ES" altLang="es-ES" sz="1600" i="1" dirty="0"/>
               <a:t>i</a:t>
             </a:r>
             <a:r>
@@ -5310,26 +5349,19 @@
                   <a:schemeClr val="tx1"/>
                 </a:solidFill>
                 <a:effectLst/>
-                <a:latin typeface="Aptos (Body)"/>
               </a:rPr>
               <a:t>nterpretación de la patogenicidad vemos que variantes </a:t>
             </a:r>
             <a:r>
-              <a:rPr lang="es-ES" altLang="es-ES" sz="1600" i="1" dirty="0">
-                <a:latin typeface="Aptos (Body)"/>
-              </a:rPr>
+              <a:rPr lang="es-ES" altLang="es-ES" sz="1600" i="1" dirty="0"/>
               <a:t>como LEPR (p.Lys109Arg) y TP53 (p.Pro72Leu) se clasifican como benignas. Pero tras analizar LEPR con MIM se observa obesidad mórbida de inicio temprano (MIM #614963), un polimorfismo común que solo confiere una susceptibilidad modesta. TP53 es común en la población y no causa por sí sola el Síndrome de Li-</a:t>
             </a:r>
             <a:r>
-              <a:rPr lang="es-ES" altLang="es-ES" sz="1600" i="1" dirty="0" err="1">
-                <a:latin typeface="Aptos (Body)"/>
-              </a:rPr>
+              <a:rPr lang="es-ES" altLang="es-ES" sz="1600" i="1" dirty="0" err="1"/>
               <a:t>Fraumeni</a:t>
             </a:r>
             <a:r>
-              <a:rPr lang="es-ES" altLang="es-ES" sz="1600" i="1" dirty="0">
-                <a:latin typeface="Aptos (Body)"/>
-              </a:rPr>
+              <a:rPr lang="es-ES" altLang="es-ES" sz="1600" i="1" dirty="0"/>
               <a:t>. </a:t>
             </a:r>
             <a:r>
@@ -5341,7 +5373,6 @@
                   <a:schemeClr val="tx1"/>
                 </a:solidFill>
                 <a:effectLst/>
-                <a:latin typeface="Aptos (Body)"/>
               </a:rPr>
               <a:t>La variante en el cromosoma 18 (MC4R) presenta predicciones de alta patogenicidad (SIFT: 0, </a:t>
             </a:r>
@@ -5354,7 +5385,6 @@
                   <a:schemeClr val="tx1"/>
                 </a:solidFill>
                 <a:effectLst/>
-                <a:latin typeface="Aptos (Body)"/>
               </a:rPr>
               <a:t>PolyPhen</a:t>
             </a:r>
@@ -5367,7 +5397,6 @@
                   <a:schemeClr val="tx1"/>
                 </a:solidFill>
                 <a:effectLst/>
-                <a:latin typeface="Aptos (Body)"/>
               </a:rPr>
               <a:t>: 1), sugiriendo un daño severo en la función proteica. MED12 (</a:t>
             </a:r>
@@ -5380,7 +5409,6 @@
                   <a:schemeClr val="tx1"/>
                 </a:solidFill>
                 <a:effectLst/>
-                <a:latin typeface="Aptos (Body)"/>
               </a:rPr>
               <a:t>ChrX</a:t>
             </a:r>
@@ -5393,7 +5421,6 @@
                   <a:schemeClr val="tx1"/>
                 </a:solidFill>
                 <a:effectLst/>
-                <a:latin typeface="Aptos (Body)"/>
               </a:rPr>
               <a:t>), la predicción es de baja confianza y probablemente benigna.</a:t>
             </a:r>
@@ -5418,14 +5445,11 @@
                   <a:schemeClr val="tx1"/>
                 </a:solidFill>
                 <a:effectLst/>
-                <a:latin typeface="Aptos (Body)"/>
               </a:rPr>
               <a:t>Para la interpretación de</a:t>
             </a:r>
             <a:r>
-              <a:rPr lang="es-ES" altLang="es-ES" sz="1600" i="1" dirty="0">
-                <a:latin typeface="Aptos (Body)"/>
-              </a:rPr>
+              <a:rPr lang="es-ES" altLang="es-ES" sz="1600" i="1" dirty="0"/>
               <a:t> p</a:t>
             </a:r>
             <a:r>
@@ -5437,14 +5461,11 @@
                   <a:schemeClr val="tx1"/>
                 </a:solidFill>
                 <a:effectLst/>
-                <a:latin typeface="Aptos (Body)"/>
               </a:rPr>
               <a:t>atrones de herencia se observa </a:t>
             </a:r>
             <a:r>
-              <a:rPr lang="es-ES" altLang="es-ES" sz="1600" i="1" dirty="0">
-                <a:latin typeface="Aptos (Body)"/>
-              </a:rPr>
+              <a:rPr lang="es-ES" altLang="es-ES" sz="1600" i="1" dirty="0"/>
               <a:t>que LEPR es a</a:t>
             </a:r>
             <a:r>
@@ -5456,14 +5477,11 @@
                   <a:schemeClr val="tx1"/>
                 </a:solidFill>
                 <a:effectLst/>
-                <a:latin typeface="Aptos (Body)"/>
               </a:rPr>
               <a:t>utonómico </a:t>
             </a:r>
             <a:r>
-              <a:rPr lang="es-ES" altLang="es-ES" sz="1600" i="1" dirty="0">
-                <a:latin typeface="Aptos (Body)"/>
-              </a:rPr>
+              <a:rPr lang="es-ES" altLang="es-ES" sz="1600" i="1" dirty="0"/>
               <a:t>r</a:t>
             </a:r>
             <a:r>
@@ -5475,14 +5493,11 @@
                   <a:schemeClr val="tx1"/>
                 </a:solidFill>
                 <a:effectLst/>
-                <a:latin typeface="Aptos (Body)"/>
               </a:rPr>
               <a:t>ecesivo requiriendo dos copias alteradas para manifestar la patología severa </a:t>
             </a:r>
             <a:r>
-              <a:rPr lang="es-ES" altLang="es-ES" sz="1600" i="1" dirty="0">
-                <a:latin typeface="Aptos (Body)"/>
-              </a:rPr>
+              <a:rPr lang="es-ES" altLang="es-ES" sz="1600" i="1" dirty="0"/>
               <a:t>y que SMAD4 y otras patologías asociadas a genes en el Chr18 suelen ser autonómicas dominantes. El caso de MED12 es distinto ya que va l</a:t>
             </a:r>
             <a:r>
@@ -5494,7 +5509,6 @@
                   <a:schemeClr val="tx1"/>
                 </a:solidFill>
                 <a:effectLst/>
-                <a:latin typeface="Aptos (Body)"/>
               </a:rPr>
               <a:t>igado al cromosoma X afectando principalmente a varones</a:t>
             </a:r>
@@ -5519,7 +5533,6 @@
                   <a:schemeClr val="tx1"/>
                 </a:solidFill>
                 <a:effectLst/>
-                <a:latin typeface="Aptos (Body)"/>
               </a:rPr>
               <a:t>Los genes analizados convergen en la vía de señalización de la Leptina y la homeostasis energética (KEGG hsa04915, </a:t>
             </a:r>
@@ -5532,7 +5545,6 @@
                   <a:schemeClr val="tx1"/>
                 </a:solidFill>
                 <a:effectLst/>
-                <a:latin typeface="Aptos (Body)"/>
               </a:rPr>
               <a:t>Reactome</a:t>
             </a:r>
@@ -5545,26 +5557,19 @@
                   <a:schemeClr val="tx1"/>
                 </a:solidFill>
                 <a:effectLst/>
-                <a:latin typeface="Aptos (Body)"/>
               </a:rPr>
               <a:t> R-HSA-380612):</a:t>
             </a:r>
             <a:r>
-              <a:rPr lang="es-ES" altLang="es-ES" sz="1600" i="1" dirty="0">
-                <a:latin typeface="Aptos (Body)"/>
-              </a:rPr>
+              <a:rPr lang="es-ES" altLang="es-ES" sz="1600" i="1" dirty="0"/>
               <a:t> En condiciones normales, la leptina activa al LEPR en el hipotálamo, desencadenando la cascada JAK2/STAT3 para enviar señales de  saciedad, pero las mutaciones en LEPR impiden la fosforilación de STAT3, anulando la señal de saciedad. Esto induce un estado de "inanición perpetua", provocando hiperfagia (hambre insaciable) y reducción del gasto energético. TP53 modula genes de oxidación de ácidos grasos , mientras que componentes en el Chr18 (como SMAD4) son cruciales para la </a:t>
             </a:r>
             <a:r>
-              <a:rPr lang="es-ES" altLang="es-ES" sz="1600" i="1" dirty="0" err="1">
-                <a:latin typeface="Aptos (Body)"/>
-              </a:rPr>
+              <a:rPr lang="es-ES" altLang="es-ES" sz="1600" i="1" dirty="0" err="1"/>
               <a:t>neuroplasticidad</a:t>
             </a:r>
             <a:r>
-              <a:rPr lang="es-ES" altLang="es-ES" sz="1600" i="1" dirty="0">
-                <a:latin typeface="Aptos (Body)"/>
-              </a:rPr>
+              <a:rPr lang="es-ES" altLang="es-ES" sz="1600" i="1" dirty="0"/>
               <a:t> del hipotálamo, facilitando la conexión de los circuitos del apetito.</a:t>
             </a:r>
           </a:p>
@@ -6808,6 +6813,18 @@
 </file>
 
 <file path=customXml/item1.xml><?xml version="1.0" encoding="utf-8"?>
+<p:properties xmlns:p="http://schemas.microsoft.com/office/2006/metadata/properties" xmlns:xsi="http://www.w3.org/2001/XMLSchema-instance" xmlns:pc="http://schemas.microsoft.com/office/infopath/2007/PartnerControls">
+  <documentManagement>
+    <_Flow_SignoffStatus xmlns="27c1adeb-3674-457c-b08c-8a73f31b6e23" xsi:nil="true"/>
+    <lcf76f155ced4ddcb4097134ff3c332f xmlns="27c1adeb-3674-457c-b08c-8a73f31b6e23">
+      <Terms xmlns="http://schemas.microsoft.com/office/infopath/2007/PartnerControls"/>
+    </lcf76f155ced4ddcb4097134ff3c332f>
+    <TaxCatchAll xmlns="0a70e875-3d35-4be2-921f-7117c31bab9b" xsi:nil="true"/>
+  </documentManagement>
+</p:properties>
+</file>
+
+<file path=customXml/item2.xml><?xml version="1.0" encoding="utf-8"?>
 <ct:contentTypeSchema xmlns:ct="http://schemas.microsoft.com/office/2006/metadata/contentType" xmlns:ma="http://schemas.microsoft.com/office/2006/metadata/properties/metaAttributes" ct:_="" ma:_="" ma:contentTypeName="Documento" ma:contentTypeID="0x010100DF3D7C797EA12745A270EF30E38719B9" ma:contentTypeVersion="20" ma:contentTypeDescription="Crear nuevo documento." ma:contentTypeScope="" ma:versionID="98b23ce13f8ef13134c980882a27b8cc">
   <xsd:schema xmlns:xsd="http://www.w3.org/2001/XMLSchema" xmlns:xs="http://www.w3.org/2001/XMLSchema" xmlns:p="http://schemas.microsoft.com/office/2006/metadata/properties" xmlns:ns2="0a70e875-3d35-4be2-921f-7117c31bab9b" xmlns:ns3="27c1adeb-3674-457c-b08c-8a73f31b6e23" targetNamespace="http://schemas.microsoft.com/office/2006/metadata/properties" ma:root="true" ma:fieldsID="83d50475b18a8f95f7f8edf1c6caa3f2" ns2:_="" ns3:_="">
     <xsd:import namespace="0a70e875-3d35-4be2-921f-7117c31bab9b"/>
@@ -7074,18 +7091,6 @@
 </ct:contentTypeSchema>
 </file>
 
-<file path=customXml/item2.xml><?xml version="1.0" encoding="utf-8"?>
-<p:properties xmlns:p="http://schemas.microsoft.com/office/2006/metadata/properties" xmlns:xsi="http://www.w3.org/2001/XMLSchema-instance" xmlns:pc="http://schemas.microsoft.com/office/infopath/2007/PartnerControls">
-  <documentManagement>
-    <_Flow_SignoffStatus xmlns="27c1adeb-3674-457c-b08c-8a73f31b6e23" xsi:nil="true"/>
-    <lcf76f155ced4ddcb4097134ff3c332f xmlns="27c1adeb-3674-457c-b08c-8a73f31b6e23">
-      <Terms xmlns="http://schemas.microsoft.com/office/infopath/2007/PartnerControls"/>
-    </lcf76f155ced4ddcb4097134ff3c332f>
-    <TaxCatchAll xmlns="0a70e875-3d35-4be2-921f-7117c31bab9b" xsi:nil="true"/>
-  </documentManagement>
-</p:properties>
-</file>
-
 <file path=customXml/item3.xml><?xml version="1.0" encoding="utf-8"?>
 <?mso-contentType ?>
 <FormTemplates xmlns="http://schemas.microsoft.com/sharepoint/v3/contenttype/forms">
@@ -7096,6 +7101,17 @@
 </file>
 
 <file path=customXml/itemProps1.xml><?xml version="1.0" encoding="utf-8"?>
+<ds:datastoreItem xmlns:ds="http://schemas.openxmlformats.org/officeDocument/2006/customXml" ds:itemID="{5CBD36D8-5209-415C-A4C4-4F318B167F44}">
+  <ds:schemaRefs>
+    <ds:schemaRef ds:uri="http://schemas.microsoft.com/office/2006/metadata/properties"/>
+    <ds:schemaRef ds:uri="http://schemas.microsoft.com/office/infopath/2007/PartnerControls"/>
+    <ds:schemaRef ds:uri="27c1adeb-3674-457c-b08c-8a73f31b6e23"/>
+    <ds:schemaRef ds:uri="0a70e875-3d35-4be2-921f-7117c31bab9b"/>
+  </ds:schemaRefs>
+</ds:datastoreItem>
+</file>
+
+<file path=customXml/itemProps2.xml><?xml version="1.0" encoding="utf-8"?>
 <ds:datastoreItem xmlns:ds="http://schemas.openxmlformats.org/officeDocument/2006/customXml" ds:itemID="{56214829-4D9F-4687-8E37-8FF1875CABAF}">
   <ds:schemaRefs>
     <ds:schemaRef ds:uri="http://schemas.microsoft.com/office/2006/metadata/contentType"/>
@@ -7114,17 +7130,6 @@
 </ds:datastoreItem>
 </file>
 
-<file path=customXml/itemProps2.xml><?xml version="1.0" encoding="utf-8"?>
-<ds:datastoreItem xmlns:ds="http://schemas.openxmlformats.org/officeDocument/2006/customXml" ds:itemID="{5CBD36D8-5209-415C-A4C4-4F318B167F44}">
-  <ds:schemaRefs>
-    <ds:schemaRef ds:uri="http://schemas.microsoft.com/office/2006/metadata/properties"/>
-    <ds:schemaRef ds:uri="http://schemas.microsoft.com/office/infopath/2007/PartnerControls"/>
-    <ds:schemaRef ds:uri="27c1adeb-3674-457c-b08c-8a73f31b6e23"/>
-    <ds:schemaRef ds:uri="0a70e875-3d35-4be2-921f-7117c31bab9b"/>
-  </ds:schemaRefs>
-</ds:datastoreItem>
-</file>
-
 <file path=customXml/itemProps3.xml><?xml version="1.0" encoding="utf-8"?>
 <ds:datastoreItem xmlns:ds="http://schemas.openxmlformats.org/officeDocument/2006/customXml" ds:itemID="{15B638B7-22B7-4D35-BE84-714C8C34C119}">
   <ds:schemaRefs>
